--- a/Lectures/Lecture 4/Lecture 4.pptx
+++ b/Lectures/Lecture 4/Lecture 4.pptx
@@ -6,10 +6,10 @@
     <p:sldMasterId id="2147483676" r:id="rId2"/>
   </p:sldMasterIdLst>
   <p:notesMasterIdLst>
-    <p:notesMasterId r:id="rId17"/>
+    <p:notesMasterId r:id="rId29"/>
   </p:notesMasterIdLst>
   <p:handoutMasterIdLst>
-    <p:handoutMasterId r:id="rId18"/>
+    <p:handoutMasterId r:id="rId30"/>
   </p:handoutMasterIdLst>
   <p:sldIdLst>
     <p:sldId id="320" r:id="rId3"/>
@@ -25,12 +25,24 @@
     <p:sldId id="338" r:id="rId13"/>
     <p:sldId id="339" r:id="rId14"/>
     <p:sldId id="340" r:id="rId15"/>
-    <p:sldId id="329" r:id="rId16"/>
+    <p:sldId id="341" r:id="rId16"/>
+    <p:sldId id="346" r:id="rId17"/>
+    <p:sldId id="347" r:id="rId18"/>
+    <p:sldId id="342" r:id="rId19"/>
+    <p:sldId id="343" r:id="rId20"/>
+    <p:sldId id="348" r:id="rId21"/>
+    <p:sldId id="344" r:id="rId22"/>
+    <p:sldId id="345" r:id="rId23"/>
+    <p:sldId id="349" r:id="rId24"/>
+    <p:sldId id="350" r:id="rId25"/>
+    <p:sldId id="351" r:id="rId26"/>
+    <p:sldId id="352" r:id="rId27"/>
+    <p:sldId id="329" r:id="rId28"/>
   </p:sldIdLst>
   <p:sldSz cx="9144000" cy="6858000" type="screen4x3"/>
   <p:notesSz cx="6858000" cy="9144000"/>
   <p:custDataLst>
-    <p:tags r:id="rId19"/>
+    <p:tags r:id="rId31"/>
   </p:custDataLst>
   <p:defaultTextStyle>
     <a:defPPr>
@@ -8992,7 +9004,26 @@
           <a:prstGeom prst="rect">
             <a:avLst/>
           </a:prstGeom>
+          <a:ln>
+            <a:solidFill>
+              <a:srgbClr val="404040"/>
+            </a:solidFill>
+          </a:ln>
         </p:spPr>
+        <p:style>
+          <a:lnRef idx="2">
+            <a:schemeClr val="dk1"/>
+          </a:lnRef>
+          <a:fillRef idx="1">
+            <a:schemeClr val="lt1"/>
+          </a:fillRef>
+          <a:effectRef idx="0">
+            <a:schemeClr val="dk1"/>
+          </a:effectRef>
+          <a:fontRef idx="minor">
+            <a:schemeClr val="dk1"/>
+          </a:fontRef>
+        </p:style>
       </p:pic>
     </p:spTree>
     <p:custDataLst>
@@ -9218,12 +9249,20 @@
               <a:buChar char="•"/>
             </a:pPr>
             <a:r>
-              <a:rPr lang="en-US" dirty="0"/>
+              <a:rPr lang="en-US" dirty="0">
+                <a:solidFill>
+                  <a:srgbClr val="404040"/>
+                </a:solidFill>
+              </a:rPr>
               <a:t>Used to Subset Observations Based on Their Values</a:t>
             </a:r>
           </a:p>
           <a:p>
-            <a:endParaRPr lang="en-US" dirty="0"/>
+            <a:endParaRPr lang="en-US" dirty="0">
+              <a:solidFill>
+                <a:srgbClr val="404040"/>
+              </a:solidFill>
+            </a:endParaRPr>
           </a:p>
           <a:p>
             <a:pPr marL="800100" lvl="1" indent="-342900">
@@ -9231,7 +9270,11 @@
               <a:buChar char="•"/>
             </a:pPr>
             <a:r>
-              <a:rPr lang="en-US" dirty="0"/>
+              <a:rPr lang="en-US" dirty="0">
+                <a:solidFill>
+                  <a:srgbClr val="404040"/>
+                </a:solidFill>
+              </a:rPr>
               <a:t>Selects Row if TRUE </a:t>
             </a:r>
           </a:p>
@@ -9241,13 +9284,21 @@
               <a:buChar char="•"/>
             </a:pPr>
             <a:r>
-              <a:rPr lang="en-US" dirty="0"/>
+              <a:rPr lang="en-US" dirty="0">
+                <a:solidFill>
+                  <a:srgbClr val="404040"/>
+                </a:solidFill>
+              </a:rPr>
               <a:t>Removes Row if FALSE</a:t>
             </a:r>
           </a:p>
           <a:p>
             <a:pPr lvl="1"/>
-            <a:endParaRPr lang="en-US" dirty="0"/>
+            <a:endParaRPr lang="en-US" dirty="0">
+              <a:solidFill>
+                <a:srgbClr val="404040"/>
+              </a:solidFill>
+            </a:endParaRPr>
           </a:p>
           <a:p>
             <a:pPr marL="342900" indent="-342900">
@@ -9255,7 +9306,11 @@
               <a:buChar char="•"/>
             </a:pPr>
             <a:r>
-              <a:rPr lang="en-US" dirty="0"/>
+              <a:rPr lang="en-US" dirty="0">
+                <a:solidFill>
+                  <a:srgbClr val="404040"/>
+                </a:solidFill>
+              </a:rPr>
               <a:t>Examples: </a:t>
             </a:r>
           </a:p>
@@ -9265,7 +9320,11 @@
               <a:buChar char="•"/>
             </a:pPr>
             <a:r>
-              <a:rPr lang="en-US" dirty="0"/>
+              <a:rPr lang="en-US" dirty="0">
+                <a:solidFill>
+                  <a:srgbClr val="404040"/>
+                </a:solidFill>
+              </a:rPr>
               <a:t>All Flights from 9/13/2018 Out of LaGuardia Airport</a:t>
             </a:r>
           </a:p>
@@ -9274,14 +9333,22 @@
               <a:buFont typeface="Arial" panose="020B0604020202020204" pitchFamily="34" charset="0"/>
               <a:buChar char="•"/>
             </a:pPr>
-            <a:endParaRPr lang="en-US" dirty="0"/>
+            <a:endParaRPr lang="en-US" dirty="0">
+              <a:solidFill>
+                <a:srgbClr val="404040"/>
+              </a:solidFill>
+            </a:endParaRPr>
           </a:p>
           <a:p>
             <a:pPr marL="800100" lvl="1" indent="-342900">
               <a:buFont typeface="Arial" panose="020B0604020202020204" pitchFamily="34" charset="0"/>
               <a:buChar char="•"/>
             </a:pPr>
-            <a:endParaRPr lang="en-US" dirty="0"/>
+            <a:endParaRPr lang="en-US" dirty="0">
+              <a:solidFill>
+                <a:srgbClr val="404040"/>
+              </a:solidFill>
+            </a:endParaRPr>
           </a:p>
           <a:p>
             <a:pPr marL="800100" lvl="1" indent="-342900">
@@ -9289,7 +9356,11 @@
               <a:buChar char="•"/>
             </a:pPr>
             <a:r>
-              <a:rPr lang="en-US" dirty="0"/>
+              <a:rPr lang="en-US" dirty="0">
+                <a:solidFill>
+                  <a:srgbClr val="404040"/>
+                </a:solidFill>
+              </a:rPr>
               <a:t>All Dec. and Nov. Flights</a:t>
             </a:r>
           </a:p>
@@ -9298,7 +9369,11 @@
               <a:buFont typeface="Arial" panose="020B0604020202020204" pitchFamily="34" charset="0"/>
               <a:buChar char="•"/>
             </a:pPr>
-            <a:endParaRPr lang="en-US" dirty="0"/>
+            <a:endParaRPr lang="en-US" dirty="0">
+              <a:solidFill>
+                <a:srgbClr val="404040"/>
+              </a:solidFill>
+            </a:endParaRPr>
           </a:p>
         </p:txBody>
       </p:sp>
@@ -9727,7 +9802,7 @@
         <p:spPr>
           <a:xfrm>
             <a:off x="3810000" y="643467"/>
-            <a:ext cx="5029200" cy="3416320"/>
+            <a:ext cx="5029200" cy="4524315"/>
           </a:xfrm>
           <a:prstGeom prst="rect">
             <a:avLst/>
@@ -9745,9 +9820,20 @@
               <a:buChar char="•"/>
             </a:pPr>
             <a:r>
-              <a:rPr lang="en-US" dirty="0"/>
-              <a:t>Examples: </a:t>
-            </a:r>
+              <a:rPr lang="en-US" dirty="0">
+                <a:solidFill>
+                  <a:srgbClr val="404040"/>
+                </a:solidFill>
+              </a:rPr>
+              <a:t>Examples:</a:t>
+            </a:r>
+          </a:p>
+          <a:p>
+            <a:endParaRPr lang="en-US" dirty="0">
+              <a:solidFill>
+                <a:srgbClr val="404040"/>
+              </a:solidFill>
+            </a:endParaRPr>
           </a:p>
           <a:p>
             <a:pPr marL="800100" lvl="1" indent="-342900">
@@ -9755,33 +9841,98 @@
               <a:buChar char="•"/>
             </a:pPr>
             <a:r>
-              <a:rPr lang="en-US" dirty="0"/>
+              <a:rPr lang="en-US" dirty="0">
+                <a:solidFill>
+                  <a:srgbClr val="404040"/>
+                </a:solidFill>
+              </a:rPr>
               <a:t>Don’t Want Flights with Unusual Delays (&gt; 120 min.)</a:t>
             </a:r>
           </a:p>
           <a:p>
             <a:pPr lvl="1"/>
-            <a:endParaRPr lang="en-US" dirty="0"/>
+            <a:endParaRPr lang="en-US" dirty="0">
+              <a:solidFill>
+                <a:srgbClr val="404040"/>
+              </a:solidFill>
+            </a:endParaRPr>
           </a:p>
           <a:p>
             <a:pPr lvl="1"/>
-            <a:endParaRPr lang="en-US" dirty="0"/>
-          </a:p>
-          <a:p>
-            <a:pPr lvl="1"/>
-            <a:endParaRPr lang="en-US" dirty="0"/>
-          </a:p>
-          <a:p>
-            <a:pPr lvl="1"/>
-            <a:endParaRPr lang="en-US" dirty="0"/>
-          </a:p>
-          <a:p>
-            <a:pPr lvl="1"/>
-            <a:endParaRPr lang="en-US" dirty="0"/>
-          </a:p>
-          <a:p>
-            <a:pPr lvl="1"/>
-            <a:endParaRPr lang="en-US" dirty="0"/>
+            <a:endParaRPr lang="en-US" dirty="0">
+              <a:solidFill>
+                <a:srgbClr val="404040"/>
+              </a:solidFill>
+            </a:endParaRPr>
+          </a:p>
+          <a:p>
+            <a:pPr marL="800100" lvl="1" indent="-342900">
+              <a:buFont typeface="Arial" panose="020B0604020202020204" pitchFamily="34" charset="0"/>
+              <a:buChar char="•"/>
+            </a:pPr>
+            <a:endParaRPr lang="en-US" dirty="0">
+              <a:solidFill>
+                <a:srgbClr val="404040"/>
+              </a:solidFill>
+            </a:endParaRPr>
+          </a:p>
+          <a:p>
+            <a:pPr marL="800100" lvl="1" indent="-342900">
+              <a:buFont typeface="Arial" panose="020B0604020202020204" pitchFamily="34" charset="0"/>
+              <a:buChar char="•"/>
+            </a:pPr>
+            <a:endParaRPr lang="en-US" dirty="0">
+              <a:solidFill>
+                <a:srgbClr val="404040"/>
+              </a:solidFill>
+            </a:endParaRPr>
+          </a:p>
+          <a:p>
+            <a:pPr marL="800100" lvl="1" indent="-342900">
+              <a:buFont typeface="Arial" panose="020B0604020202020204" pitchFamily="34" charset="0"/>
+              <a:buChar char="•"/>
+            </a:pPr>
+            <a:r>
+              <a:rPr lang="en-US" dirty="0">
+                <a:solidFill>
+                  <a:srgbClr val="404040"/>
+                </a:solidFill>
+              </a:rPr>
+              <a:t>Want Flights with No Delays</a:t>
+            </a:r>
+          </a:p>
+          <a:p>
+            <a:pPr marL="800100" lvl="1" indent="-342900">
+              <a:buFont typeface="Arial" panose="020B0604020202020204" pitchFamily="34" charset="0"/>
+              <a:buChar char="•"/>
+            </a:pPr>
+            <a:endParaRPr lang="en-US" dirty="0">
+              <a:solidFill>
+                <a:srgbClr val="404040"/>
+              </a:solidFill>
+            </a:endParaRPr>
+          </a:p>
+          <a:p>
+            <a:pPr marL="800100" lvl="1" indent="-342900">
+              <a:buFont typeface="Arial" panose="020B0604020202020204" pitchFamily="34" charset="0"/>
+              <a:buChar char="•"/>
+            </a:pPr>
+            <a:endParaRPr lang="en-US" dirty="0">
+              <a:solidFill>
+                <a:srgbClr val="404040"/>
+              </a:solidFill>
+            </a:endParaRPr>
+          </a:p>
+          <a:p>
+            <a:pPr marL="800100" lvl="1" indent="-342900">
+              <a:buFont typeface="Arial" panose="020B0604020202020204" pitchFamily="34" charset="0"/>
+              <a:buChar char="•"/>
+            </a:pPr>
+            <a:endParaRPr lang="en-US" dirty="0">
+              <a:solidFill>
+                <a:srgbClr val="404040"/>
+              </a:solidFill>
+            </a:endParaRPr>
           </a:p>
         </p:txBody>
       </p:sp>
@@ -9799,7 +9950,7 @@
         </p:nvSpPr>
         <p:spPr>
           <a:xfrm>
-            <a:off x="3884195" y="1905000"/>
+            <a:off x="3848173" y="2248562"/>
             <a:ext cx="5099808" cy="369332"/>
           </a:xfrm>
           <a:prstGeom prst="rect">
@@ -9888,7 +10039,7 @@
         </p:nvSpPr>
         <p:spPr>
           <a:xfrm>
-            <a:off x="3884195" y="2437344"/>
+            <a:off x="3848173" y="2785984"/>
             <a:ext cx="5099808" cy="369332"/>
           </a:xfrm>
           <a:prstGeom prst="rect">
@@ -9959,6 +10110,184 @@
                 </a:solidFill>
               </a:rPr>
               <a:t> &lt;= 120)</a:t>
+            </a:r>
+          </a:p>
+        </p:txBody>
+      </p:sp>
+      <p:sp>
+        <p:nvSpPr>
+          <p:cNvPr id="11" name="TextBox 10">
+            <a:extLst>
+              <a:ext uri="{FF2B5EF4-FFF2-40B4-BE49-F238E27FC236}">
+                <a16:creationId xmlns:a16="http://schemas.microsoft.com/office/drawing/2014/main" id="{9F4EB4CA-A453-44A9-950D-84E75FC4B3AA}"/>
+              </a:ext>
+            </a:extLst>
+          </p:cNvPr>
+          <p:cNvSpPr txBox="1"/>
+          <p:nvPr/>
+        </p:nvSpPr>
+        <p:spPr>
+          <a:xfrm>
+            <a:off x="3848173" y="4636421"/>
+            <a:ext cx="5099808" cy="369332"/>
+          </a:xfrm>
+          <a:prstGeom prst="rect">
+            <a:avLst/>
+          </a:prstGeom>
+          <a:solidFill>
+            <a:srgbClr val="404040"/>
+          </a:solidFill>
+        </p:spPr>
+        <p:style>
+          <a:lnRef idx="2">
+            <a:schemeClr val="dk1">
+              <a:shade val="50000"/>
+            </a:schemeClr>
+          </a:lnRef>
+          <a:fillRef idx="1">
+            <a:schemeClr val="dk1"/>
+          </a:fillRef>
+          <a:effectRef idx="0">
+            <a:schemeClr val="dk1"/>
+          </a:effectRef>
+          <a:fontRef idx="minor">
+            <a:schemeClr val="lt1"/>
+          </a:fontRef>
+        </p:style>
+        <p:txBody>
+          <a:bodyPr wrap="square" rtlCol="0">
+            <a:spAutoFit/>
+          </a:bodyPr>
+          <a:lstStyle/>
+          <a:p>
+            <a:r>
+              <a:rPr lang="en-US" sz="1800" dirty="0">
+                <a:solidFill>
+                  <a:schemeClr val="bg1"/>
+                </a:solidFill>
+              </a:rPr>
+              <a:t>&gt;  filter(flights, </a:t>
+            </a:r>
+            <a:r>
+              <a:rPr lang="en-US" sz="1800" dirty="0" err="1">
+                <a:solidFill>
+                  <a:schemeClr val="bg1"/>
+                </a:solidFill>
+              </a:rPr>
+              <a:t>dep_delay</a:t>
+            </a:r>
+            <a:r>
+              <a:rPr lang="en-US" sz="1800" dirty="0">
+                <a:solidFill>
+                  <a:schemeClr val="bg1"/>
+                </a:solidFill>
+              </a:rPr>
+              <a:t>==0 &amp; </a:t>
+            </a:r>
+            <a:r>
+              <a:rPr lang="en-US" sz="1800" dirty="0" err="1">
+                <a:solidFill>
+                  <a:schemeClr val="bg1"/>
+                </a:solidFill>
+              </a:rPr>
+              <a:t>arr_delay</a:t>
+            </a:r>
+            <a:r>
+              <a:rPr lang="en-US" sz="1800" dirty="0">
+                <a:solidFill>
+                  <a:schemeClr val="bg1"/>
+                </a:solidFill>
+              </a:rPr>
+              <a:t>==0)</a:t>
+            </a:r>
+          </a:p>
+        </p:txBody>
+      </p:sp>
+      <p:sp>
+        <p:nvSpPr>
+          <p:cNvPr id="12" name="TextBox 11">
+            <a:extLst>
+              <a:ext uri="{FF2B5EF4-FFF2-40B4-BE49-F238E27FC236}">
+                <a16:creationId xmlns:a16="http://schemas.microsoft.com/office/drawing/2014/main" id="{3E216D51-C0A7-4E59-9984-CF2D62C8F124}"/>
+              </a:ext>
+            </a:extLst>
+          </p:cNvPr>
+          <p:cNvSpPr txBox="1"/>
+          <p:nvPr/>
+        </p:nvSpPr>
+        <p:spPr>
+          <a:xfrm>
+            <a:off x="3848173" y="4114800"/>
+            <a:ext cx="5099808" cy="369332"/>
+          </a:xfrm>
+          <a:prstGeom prst="rect">
+            <a:avLst/>
+          </a:prstGeom>
+          <a:solidFill>
+            <a:srgbClr val="404040"/>
+          </a:solidFill>
+        </p:spPr>
+        <p:style>
+          <a:lnRef idx="2">
+            <a:schemeClr val="dk1">
+              <a:shade val="50000"/>
+            </a:schemeClr>
+          </a:lnRef>
+          <a:fillRef idx="1">
+            <a:schemeClr val="dk1"/>
+          </a:fillRef>
+          <a:effectRef idx="0">
+            <a:schemeClr val="dk1"/>
+          </a:effectRef>
+          <a:fontRef idx="minor">
+            <a:schemeClr val="lt1"/>
+          </a:fontRef>
+        </p:style>
+        <p:txBody>
+          <a:bodyPr wrap="square" rtlCol="0">
+            <a:spAutoFit/>
+          </a:bodyPr>
+          <a:lstStyle/>
+          <a:p>
+            <a:r>
+              <a:rPr lang="en-US" sz="1800" dirty="0">
+                <a:solidFill>
+                  <a:schemeClr val="bg1"/>
+                </a:solidFill>
+              </a:rPr>
+              <a:t>&gt;  filter(flights, </a:t>
+            </a:r>
+            <a:r>
+              <a:rPr lang="en-US" sz="1800" dirty="0" err="1">
+                <a:solidFill>
+                  <a:schemeClr val="bg1"/>
+                </a:solidFill>
+              </a:rPr>
+              <a:t>dep_delay</a:t>
+            </a:r>
+            <a:r>
+              <a:rPr lang="en-US" sz="1800" dirty="0">
+                <a:solidFill>
+                  <a:schemeClr val="bg1"/>
+                </a:solidFill>
+              </a:rPr>
+              <a:t>==0, </a:t>
+            </a:r>
+            <a:r>
+              <a:rPr lang="en-US" sz="1800" dirty="0" err="1">
+                <a:solidFill>
+                  <a:schemeClr val="bg1"/>
+                </a:solidFill>
+              </a:rPr>
+              <a:t>arr_delay</a:t>
+            </a:r>
+            <a:r>
+              <a:rPr lang="en-US" sz="1800" dirty="0">
+                <a:solidFill>
+                  <a:schemeClr val="bg1"/>
+                </a:solidFill>
+              </a:rPr>
+              <a:t>==0)</a:t>
             </a:r>
           </a:p>
         </p:txBody>
@@ -10104,25 +10433,14 @@
               </a:lnSpc>
             </a:pPr>
             <a:r>
-              <a:rPr lang="en-US" sz="2400" kern="1200" dirty="0">
+              <a:rPr lang="en-US" sz="2400" dirty="0">
                 <a:solidFill>
                   <a:schemeClr val="bg1"/>
                 </a:solidFill>
-                <a:latin typeface="+mj-lt"/>
                 <a:ea typeface="+mj-ea"/>
                 <a:cs typeface="+mj-cs"/>
               </a:rPr>
-              <a:t>Closing</a:t>
-            </a:r>
-            <a:r>
-              <a:rPr lang="en-US" sz="2400" dirty="0">
-                <a:solidFill>
-                  <a:schemeClr val="bg1"/>
-                </a:solidFill>
-                <a:ea typeface="+mj-ea"/>
-                <a:cs typeface="+mj-cs"/>
-              </a:rPr>
-              <a:t>?</a:t>
+              <a:t>filter()</a:t>
             </a:r>
             <a:endParaRPr lang="en-US" sz="2400" kern="1200" dirty="0">
               <a:solidFill>
@@ -10167,483 +10485,389 @@
       </p:pic>
       <p:sp>
         <p:nvSpPr>
-          <p:cNvPr id="7" name="Content Placeholder 2">
+          <p:cNvPr id="3" name="TextBox 2">
             <a:extLst>
               <a:ext uri="{FF2B5EF4-FFF2-40B4-BE49-F238E27FC236}">
-                <a16:creationId xmlns:a16="http://schemas.microsoft.com/office/drawing/2014/main" id="{8FE51533-15BE-453E-90FE-08298901BC34}"/>
+                <a16:creationId xmlns:a16="http://schemas.microsoft.com/office/drawing/2014/main" id="{F11A48DB-9DC8-487D-B292-F37C24E1A4C6}"/>
               </a:ext>
             </a:extLst>
           </p:cNvPr>
-          <p:cNvSpPr txBox="1">
-            <a:spLocks/>
-          </p:cNvSpPr>
+          <p:cNvSpPr txBox="1"/>
           <p:nvPr/>
         </p:nvSpPr>
-        <p:spPr bwMode="auto">
+        <p:spPr>
           <a:xfrm>
-            <a:off x="3810000" y="643466"/>
-            <a:ext cx="4851400" cy="5833533"/>
+            <a:off x="3777352" y="643467"/>
+            <a:ext cx="5061848" cy="6001643"/>
           </a:xfrm>
           <a:prstGeom prst="rect">
             <a:avLst/>
           </a:prstGeom>
+          <a:noFill/>
         </p:spPr>
         <p:txBody>
-          <a:bodyPr vert="horz" lIns="91440" tIns="45720" rIns="91440" bIns="45720" numCol="1" rtlCol="0" anchorCtr="0" compatLnSpc="1">
-            <a:prstTxWarp prst="textNoShape">
-              <a:avLst/>
-            </a:prstTxWarp>
-            <a:noAutofit/>
+          <a:bodyPr wrap="square" rtlCol="0">
+            <a:spAutoFit/>
           </a:bodyPr>
-          <a:lstStyle>
-            <a:lvl1pPr marL="342900" indent="-342900" algn="l" defTabSz="457200" rtl="0" eaLnBrk="0" fontAlgn="base" hangingPunct="0">
-              <a:spcBef>
-                <a:spcPct val="20000"/>
-              </a:spcBef>
-              <a:spcAft>
-                <a:spcPct val="0"/>
-              </a:spcAft>
-              <a:buFont typeface="Arial" charset="0"/>
-              <a:buChar char="•"/>
-              <a:defRPr sz="3200" kern="1200">
-                <a:solidFill>
-                  <a:schemeClr val="tx1"/>
-                </a:solidFill>
-                <a:latin typeface="+mn-lt"/>
-                <a:ea typeface="ＭＳ Ｐゴシック" pitchFamily="-109" charset="-128"/>
-                <a:cs typeface="ＭＳ Ｐゴシック" pitchFamily="-109" charset="-128"/>
-              </a:defRPr>
-            </a:lvl1pPr>
-            <a:lvl2pPr marL="742950" indent="-285750" algn="l" defTabSz="457200" rtl="0" eaLnBrk="0" fontAlgn="base" hangingPunct="0">
-              <a:spcBef>
-                <a:spcPct val="20000"/>
-              </a:spcBef>
-              <a:spcAft>
-                <a:spcPct val="0"/>
-              </a:spcAft>
-              <a:buFont typeface="Arial" charset="0"/>
-              <a:buChar char="–"/>
-              <a:defRPr sz="2800" kern="1200">
-                <a:solidFill>
-                  <a:schemeClr val="tx1"/>
-                </a:solidFill>
-                <a:latin typeface="+mn-lt"/>
-                <a:ea typeface="ＭＳ Ｐゴシック" pitchFamily="-109" charset="-128"/>
-                <a:cs typeface="+mn-cs"/>
-              </a:defRPr>
-            </a:lvl2pPr>
-            <a:lvl3pPr marL="1143000" indent="-228600" algn="l" defTabSz="457200" rtl="0" eaLnBrk="0" fontAlgn="base" hangingPunct="0">
-              <a:spcBef>
-                <a:spcPct val="20000"/>
-              </a:spcBef>
-              <a:spcAft>
-                <a:spcPct val="0"/>
-              </a:spcAft>
-              <a:buFont typeface="Arial" charset="0"/>
-              <a:buChar char="•"/>
-              <a:defRPr sz="2400" kern="1200">
-                <a:solidFill>
-                  <a:schemeClr val="tx1"/>
-                </a:solidFill>
-                <a:latin typeface="+mn-lt"/>
-                <a:ea typeface="ＭＳ Ｐゴシック" pitchFamily="-109" charset="-128"/>
-                <a:cs typeface="+mn-cs"/>
-              </a:defRPr>
-            </a:lvl3pPr>
-            <a:lvl4pPr marL="1600200" indent="-228600" algn="l" defTabSz="457200" rtl="0" eaLnBrk="0" fontAlgn="base" hangingPunct="0">
-              <a:spcBef>
-                <a:spcPct val="20000"/>
-              </a:spcBef>
-              <a:spcAft>
-                <a:spcPct val="0"/>
-              </a:spcAft>
-              <a:buFont typeface="Arial" charset="0"/>
-              <a:buChar char="–"/>
-              <a:defRPr sz="2000" kern="1200">
-                <a:solidFill>
-                  <a:schemeClr val="tx1"/>
-                </a:solidFill>
-                <a:latin typeface="+mn-lt"/>
-                <a:ea typeface="ＭＳ Ｐゴシック" pitchFamily="-109" charset="-128"/>
-                <a:cs typeface="+mn-cs"/>
-              </a:defRPr>
-            </a:lvl4pPr>
-            <a:lvl5pPr marL="2057400" indent="-228600" algn="l" defTabSz="457200" rtl="0" eaLnBrk="0" fontAlgn="base" hangingPunct="0">
-              <a:spcBef>
-                <a:spcPct val="20000"/>
-              </a:spcBef>
-              <a:spcAft>
-                <a:spcPct val="0"/>
-              </a:spcAft>
-              <a:buFont typeface="Arial" charset="0"/>
-              <a:buChar char="»"/>
-              <a:defRPr sz="2000" kern="1200">
-                <a:solidFill>
-                  <a:schemeClr val="tx1"/>
-                </a:solidFill>
-                <a:latin typeface="+mn-lt"/>
-                <a:ea typeface="ＭＳ Ｐゴシック" pitchFamily="-109" charset="-128"/>
-                <a:cs typeface="+mn-cs"/>
-              </a:defRPr>
-            </a:lvl5pPr>
-            <a:lvl6pPr marL="2514600" indent="-228600" algn="l" defTabSz="457200" rtl="0" eaLnBrk="1" latinLnBrk="0" hangingPunct="1">
-              <a:spcBef>
-                <a:spcPct val="20000"/>
-              </a:spcBef>
-              <a:buFont typeface="Arial"/>
-              <a:buChar char="•"/>
-              <a:defRPr sz="2000" kern="1200">
-                <a:solidFill>
-                  <a:schemeClr val="tx1"/>
-                </a:solidFill>
-                <a:latin typeface="+mn-lt"/>
-                <a:ea typeface="+mn-ea"/>
-                <a:cs typeface="+mn-cs"/>
-              </a:defRPr>
-            </a:lvl6pPr>
-            <a:lvl7pPr marL="2971800" indent="-228600" algn="l" defTabSz="457200" rtl="0" eaLnBrk="1" latinLnBrk="0" hangingPunct="1">
-              <a:spcBef>
-                <a:spcPct val="20000"/>
-              </a:spcBef>
-              <a:buFont typeface="Arial"/>
-              <a:buChar char="•"/>
-              <a:defRPr sz="2000" kern="1200">
-                <a:solidFill>
-                  <a:schemeClr val="tx1"/>
-                </a:solidFill>
-                <a:latin typeface="+mn-lt"/>
-                <a:ea typeface="+mn-ea"/>
-                <a:cs typeface="+mn-cs"/>
-              </a:defRPr>
-            </a:lvl7pPr>
-            <a:lvl8pPr marL="3429000" indent="-228600" algn="l" defTabSz="457200" rtl="0" eaLnBrk="1" latinLnBrk="0" hangingPunct="1">
-              <a:spcBef>
-                <a:spcPct val="20000"/>
-              </a:spcBef>
-              <a:buFont typeface="Arial"/>
-              <a:buChar char="•"/>
-              <a:defRPr sz="2000" kern="1200">
-                <a:solidFill>
-                  <a:schemeClr val="tx1"/>
-                </a:solidFill>
-                <a:latin typeface="+mn-lt"/>
-                <a:ea typeface="+mn-ea"/>
-                <a:cs typeface="+mn-cs"/>
-              </a:defRPr>
-            </a:lvl8pPr>
-            <a:lvl9pPr marL="3886200" indent="-228600" algn="l" defTabSz="457200" rtl="0" eaLnBrk="1" latinLnBrk="0" hangingPunct="1">
-              <a:spcBef>
-                <a:spcPct val="20000"/>
-              </a:spcBef>
-              <a:buFont typeface="Arial"/>
-              <a:buChar char="•"/>
-              <a:defRPr sz="2000" kern="1200">
-                <a:solidFill>
-                  <a:schemeClr val="tx1"/>
-                </a:solidFill>
-                <a:latin typeface="+mn-lt"/>
-                <a:ea typeface="+mn-ea"/>
-                <a:cs typeface="+mn-cs"/>
-              </a:defRPr>
-            </a:lvl9pPr>
-          </a:lstStyle>
-          <a:p>
-            <a:pPr indent="-228600" defTabSz="914400" eaLnBrk="1" hangingPunct="1">
-              <a:lnSpc>
-                <a:spcPct val="90000"/>
-              </a:lnSpc>
+          <a:lstStyle/>
+          <a:p>
+            <a:pPr marL="342900" indent="-342900">
               <a:buFont typeface="Arial" panose="020B0604020202020204" pitchFamily="34" charset="0"/>
               <a:buChar char="•"/>
             </a:pPr>
-            <a:endParaRPr lang="en-US" sz="2000" dirty="0">
+            <a:r>
+              <a:rPr lang="en-US" dirty="0">
+                <a:solidFill>
+                  <a:srgbClr val="404040"/>
+                </a:solidFill>
+              </a:rPr>
+              <a:t>Examples:</a:t>
+            </a:r>
+          </a:p>
+          <a:p>
+            <a:pPr marL="800100" lvl="1" indent="-342900">
+              <a:buFont typeface="Arial" panose="020B0604020202020204" pitchFamily="34" charset="0"/>
+              <a:buChar char="•"/>
+            </a:pPr>
+            <a:endParaRPr lang="en-US" dirty="0">
               <a:solidFill>
                 <a:srgbClr val="404040"/>
               </a:solidFill>
-              <a:ea typeface="+mn-ea"/>
-              <a:cs typeface="+mn-cs"/>
             </a:endParaRPr>
           </a:p>
           <a:p>
-            <a:pPr indent="-228600" defTabSz="914400" eaLnBrk="1" hangingPunct="1">
-              <a:lnSpc>
-                <a:spcPct val="90000"/>
-              </a:lnSpc>
+            <a:pPr marL="800100" lvl="1" indent="-342900">
               <a:buFont typeface="Arial" panose="020B0604020202020204" pitchFamily="34" charset="0"/>
               <a:buChar char="•"/>
             </a:pPr>
-            <a:endParaRPr lang="en-US" sz="2000" dirty="0">
+            <a:r>
+              <a:rPr lang="en-US" dirty="0">
+                <a:solidFill>
+                  <a:srgbClr val="404040"/>
+                </a:solidFill>
+              </a:rPr>
+              <a:t>Want Flights Missing Air Time</a:t>
+            </a:r>
+          </a:p>
+          <a:p>
+            <a:pPr marL="800100" lvl="1" indent="-342900">
+              <a:buFont typeface="Arial" panose="020B0604020202020204" pitchFamily="34" charset="0"/>
+              <a:buChar char="•"/>
+            </a:pPr>
+            <a:endParaRPr lang="en-US" dirty="0">
               <a:solidFill>
                 <a:srgbClr val="404040"/>
               </a:solidFill>
-              <a:ea typeface="+mn-ea"/>
-              <a:cs typeface="+mn-cs"/>
             </a:endParaRPr>
           </a:p>
-        </p:txBody>
-      </p:sp>
-      <p:sp>
-        <p:nvSpPr>
-          <p:cNvPr id="10" name="Content Placeholder 2">
+          <a:p>
+            <a:pPr lvl="1"/>
+            <a:endParaRPr lang="en-US" dirty="0">
+              <a:solidFill>
+                <a:srgbClr val="404040"/>
+              </a:solidFill>
+            </a:endParaRPr>
+          </a:p>
+          <a:p>
+            <a:pPr lvl="1"/>
+            <a:endParaRPr lang="en-US" dirty="0">
+              <a:solidFill>
+                <a:srgbClr val="404040"/>
+              </a:solidFill>
+            </a:endParaRPr>
+          </a:p>
+          <a:p>
+            <a:pPr marL="800100" lvl="1" indent="-342900">
+              <a:buFont typeface="Arial" panose="020B0604020202020204" pitchFamily="34" charset="0"/>
+              <a:buChar char="•"/>
+            </a:pPr>
+            <a:r>
+              <a:rPr lang="en-US" dirty="0">
+                <a:solidFill>
+                  <a:srgbClr val="404040"/>
+                </a:solidFill>
+              </a:rPr>
+              <a:t>Do not Want Flights Missing   Air Time</a:t>
+            </a:r>
+          </a:p>
+          <a:p>
+            <a:pPr marL="800100" lvl="1" indent="-342900">
+              <a:buFont typeface="Arial" panose="020B0604020202020204" pitchFamily="34" charset="0"/>
+              <a:buChar char="•"/>
+            </a:pPr>
+            <a:endParaRPr lang="en-US" dirty="0">
+              <a:solidFill>
+                <a:srgbClr val="404040"/>
+              </a:solidFill>
+            </a:endParaRPr>
+          </a:p>
+          <a:p>
+            <a:pPr lvl="1"/>
+            <a:endParaRPr lang="en-US" dirty="0">
+              <a:solidFill>
+                <a:srgbClr val="404040"/>
+              </a:solidFill>
+            </a:endParaRPr>
+          </a:p>
+          <a:p>
+            <a:pPr lvl="1"/>
+            <a:endParaRPr lang="en-US" dirty="0">
+              <a:solidFill>
+                <a:srgbClr val="404040"/>
+              </a:solidFill>
+            </a:endParaRPr>
+          </a:p>
+          <a:p>
+            <a:pPr marL="800100" lvl="1" indent="-342900">
+              <a:buFont typeface="Arial" panose="020B0604020202020204" pitchFamily="34" charset="0"/>
+              <a:buChar char="•"/>
+            </a:pPr>
+            <a:r>
+              <a:rPr lang="en-US" dirty="0">
+                <a:solidFill>
+                  <a:srgbClr val="404040"/>
+                </a:solidFill>
+              </a:rPr>
+              <a:t>Remove All Cases with Missing Values for All Variables</a:t>
+            </a:r>
+          </a:p>
+          <a:p>
+            <a:pPr marL="800100" lvl="1" indent="-342900">
+              <a:buFont typeface="Arial" panose="020B0604020202020204" pitchFamily="34" charset="0"/>
+              <a:buChar char="•"/>
+            </a:pPr>
+            <a:endParaRPr lang="en-US" dirty="0">
+              <a:solidFill>
+                <a:srgbClr val="404040"/>
+              </a:solidFill>
+            </a:endParaRPr>
+          </a:p>
+          <a:p>
+            <a:pPr lvl="1"/>
+            <a:endParaRPr lang="en-US" dirty="0">
+              <a:solidFill>
+                <a:srgbClr val="404040"/>
+              </a:solidFill>
+            </a:endParaRPr>
+          </a:p>
+        </p:txBody>
+      </p:sp>
+      <p:sp>
+        <p:nvSpPr>
+          <p:cNvPr id="13" name="TextBox 12">
             <a:extLst>
               <a:ext uri="{FF2B5EF4-FFF2-40B4-BE49-F238E27FC236}">
-                <a16:creationId xmlns:a16="http://schemas.microsoft.com/office/drawing/2014/main" id="{10754C74-871F-42E2-A79F-10B9CCA16CD5}"/>
+                <a16:creationId xmlns:a16="http://schemas.microsoft.com/office/drawing/2014/main" id="{E6617D3D-89A4-4E72-BE07-89E032EF9869}"/>
               </a:ext>
             </a:extLst>
           </p:cNvPr>
-          <p:cNvSpPr txBox="1">
-            <a:spLocks/>
-          </p:cNvSpPr>
+          <p:cNvSpPr txBox="1"/>
           <p:nvPr/>
         </p:nvSpPr>
-        <p:spPr bwMode="auto">
+        <p:spPr>
           <a:xfrm>
-            <a:off x="3973322" y="643466"/>
-            <a:ext cx="4851400" cy="5953916"/>
+            <a:off x="3778737" y="2055633"/>
+            <a:ext cx="5099808" cy="369332"/>
           </a:xfrm>
           <a:prstGeom prst="rect">
             <a:avLst/>
           </a:prstGeom>
+          <a:solidFill>
+            <a:srgbClr val="404040"/>
+          </a:solidFill>
         </p:spPr>
-        <p:txBody>
-          <a:bodyPr vert="horz" lIns="91440" tIns="45720" rIns="91440" bIns="45720" numCol="1" rtlCol="0" anchorCtr="0" compatLnSpc="1">
-            <a:prstTxWarp prst="textNoShape">
-              <a:avLst/>
-            </a:prstTxWarp>
-            <a:noAutofit/>
+        <p:style>
+          <a:lnRef idx="2">
+            <a:schemeClr val="dk1">
+              <a:shade val="50000"/>
+            </a:schemeClr>
+          </a:lnRef>
+          <a:fillRef idx="1">
+            <a:schemeClr val="dk1"/>
+          </a:fillRef>
+          <a:effectRef idx="0">
+            <a:schemeClr val="dk1"/>
+          </a:effectRef>
+          <a:fontRef idx="minor">
+            <a:schemeClr val="lt1"/>
+          </a:fontRef>
+        </p:style>
+        <p:txBody>
+          <a:bodyPr wrap="square" rtlCol="0">
+            <a:spAutoFit/>
           </a:bodyPr>
-          <a:lstStyle>
-            <a:lvl1pPr marL="342900" indent="-342900" algn="l" defTabSz="457200" rtl="0" eaLnBrk="0" fontAlgn="base" hangingPunct="0">
-              <a:spcBef>
-                <a:spcPct val="20000"/>
-              </a:spcBef>
-              <a:spcAft>
-                <a:spcPct val="0"/>
-              </a:spcAft>
-              <a:buFont typeface="Arial" charset="0"/>
-              <a:buChar char="•"/>
-              <a:defRPr sz="3200" kern="1200">
-                <a:solidFill>
-                  <a:schemeClr val="tx1"/>
-                </a:solidFill>
-                <a:latin typeface="+mn-lt"/>
-                <a:ea typeface="ＭＳ Ｐゴシック" pitchFamily="-109" charset="-128"/>
-                <a:cs typeface="ＭＳ Ｐゴシック" pitchFamily="-109" charset="-128"/>
-              </a:defRPr>
-            </a:lvl1pPr>
-            <a:lvl2pPr marL="742950" indent="-285750" algn="l" defTabSz="457200" rtl="0" eaLnBrk="0" fontAlgn="base" hangingPunct="0">
-              <a:spcBef>
-                <a:spcPct val="20000"/>
-              </a:spcBef>
-              <a:spcAft>
-                <a:spcPct val="0"/>
-              </a:spcAft>
-              <a:buFont typeface="Arial" charset="0"/>
-              <a:buChar char="–"/>
-              <a:defRPr sz="2800" kern="1200">
-                <a:solidFill>
-                  <a:schemeClr val="tx1"/>
-                </a:solidFill>
-                <a:latin typeface="+mn-lt"/>
-                <a:ea typeface="ＭＳ Ｐゴシック" pitchFamily="-109" charset="-128"/>
-                <a:cs typeface="+mn-cs"/>
-              </a:defRPr>
-            </a:lvl2pPr>
-            <a:lvl3pPr marL="1143000" indent="-228600" algn="l" defTabSz="457200" rtl="0" eaLnBrk="0" fontAlgn="base" hangingPunct="0">
-              <a:spcBef>
-                <a:spcPct val="20000"/>
-              </a:spcBef>
-              <a:spcAft>
-                <a:spcPct val="0"/>
-              </a:spcAft>
-              <a:buFont typeface="Arial" charset="0"/>
-              <a:buChar char="•"/>
-              <a:defRPr sz="2400" kern="1200">
-                <a:solidFill>
-                  <a:schemeClr val="tx1"/>
-                </a:solidFill>
-                <a:latin typeface="+mn-lt"/>
-                <a:ea typeface="ＭＳ Ｐゴシック" pitchFamily="-109" charset="-128"/>
-                <a:cs typeface="+mn-cs"/>
-              </a:defRPr>
-            </a:lvl3pPr>
-            <a:lvl4pPr marL="1600200" indent="-228600" algn="l" defTabSz="457200" rtl="0" eaLnBrk="0" fontAlgn="base" hangingPunct="0">
-              <a:spcBef>
-                <a:spcPct val="20000"/>
-              </a:spcBef>
-              <a:spcAft>
-                <a:spcPct val="0"/>
-              </a:spcAft>
-              <a:buFont typeface="Arial" charset="0"/>
-              <a:buChar char="–"/>
-              <a:defRPr sz="2000" kern="1200">
-                <a:solidFill>
-                  <a:schemeClr val="tx1"/>
-                </a:solidFill>
-                <a:latin typeface="+mn-lt"/>
-                <a:ea typeface="ＭＳ Ｐゴシック" pitchFamily="-109" charset="-128"/>
-                <a:cs typeface="+mn-cs"/>
-              </a:defRPr>
-            </a:lvl4pPr>
-            <a:lvl5pPr marL="2057400" indent="-228600" algn="l" defTabSz="457200" rtl="0" eaLnBrk="0" fontAlgn="base" hangingPunct="0">
-              <a:spcBef>
-                <a:spcPct val="20000"/>
-              </a:spcBef>
-              <a:spcAft>
-                <a:spcPct val="0"/>
-              </a:spcAft>
-              <a:buFont typeface="Arial" charset="0"/>
-              <a:buChar char="»"/>
-              <a:defRPr sz="2000" kern="1200">
-                <a:solidFill>
-                  <a:schemeClr val="tx1"/>
-                </a:solidFill>
-                <a:latin typeface="+mn-lt"/>
-                <a:ea typeface="ＭＳ Ｐゴシック" pitchFamily="-109" charset="-128"/>
-                <a:cs typeface="+mn-cs"/>
-              </a:defRPr>
-            </a:lvl5pPr>
-            <a:lvl6pPr marL="2514600" indent="-228600" algn="l" defTabSz="457200" rtl="0" eaLnBrk="1" latinLnBrk="0" hangingPunct="1">
-              <a:spcBef>
-                <a:spcPct val="20000"/>
-              </a:spcBef>
-              <a:buFont typeface="Arial"/>
-              <a:buChar char="•"/>
-              <a:defRPr sz="2000" kern="1200">
-                <a:solidFill>
-                  <a:schemeClr val="tx1"/>
-                </a:solidFill>
-                <a:latin typeface="+mn-lt"/>
-                <a:ea typeface="+mn-ea"/>
-                <a:cs typeface="+mn-cs"/>
-              </a:defRPr>
-            </a:lvl6pPr>
-            <a:lvl7pPr marL="2971800" indent="-228600" algn="l" defTabSz="457200" rtl="0" eaLnBrk="1" latinLnBrk="0" hangingPunct="1">
-              <a:spcBef>
-                <a:spcPct val="20000"/>
-              </a:spcBef>
-              <a:buFont typeface="Arial"/>
-              <a:buChar char="•"/>
-              <a:defRPr sz="2000" kern="1200">
-                <a:solidFill>
-                  <a:schemeClr val="tx1"/>
-                </a:solidFill>
-                <a:latin typeface="+mn-lt"/>
-                <a:ea typeface="+mn-ea"/>
-                <a:cs typeface="+mn-cs"/>
-              </a:defRPr>
-            </a:lvl7pPr>
-            <a:lvl8pPr marL="3429000" indent="-228600" algn="l" defTabSz="457200" rtl="0" eaLnBrk="1" latinLnBrk="0" hangingPunct="1">
-              <a:spcBef>
-                <a:spcPct val="20000"/>
-              </a:spcBef>
-              <a:buFont typeface="Arial"/>
-              <a:buChar char="•"/>
-              <a:defRPr sz="2000" kern="1200">
-                <a:solidFill>
-                  <a:schemeClr val="tx1"/>
-                </a:solidFill>
-                <a:latin typeface="+mn-lt"/>
-                <a:ea typeface="+mn-ea"/>
-                <a:cs typeface="+mn-cs"/>
-              </a:defRPr>
-            </a:lvl8pPr>
-            <a:lvl9pPr marL="3886200" indent="-228600" algn="l" defTabSz="457200" rtl="0" eaLnBrk="1" latinLnBrk="0" hangingPunct="1">
-              <a:spcBef>
-                <a:spcPct val="20000"/>
-              </a:spcBef>
-              <a:buFont typeface="Arial"/>
-              <a:buChar char="•"/>
-              <a:defRPr sz="2000" kern="1200">
-                <a:solidFill>
-                  <a:schemeClr val="tx1"/>
-                </a:solidFill>
-                <a:latin typeface="+mn-lt"/>
-                <a:ea typeface="+mn-ea"/>
-                <a:cs typeface="+mn-cs"/>
-              </a:defRPr>
-            </a:lvl9pPr>
-          </a:lstStyle>
-          <a:p>
-            <a:pPr marL="114300" indent="0" defTabSz="914400" eaLnBrk="1" hangingPunct="1">
-              <a:lnSpc>
-                <a:spcPct val="90000"/>
-              </a:lnSpc>
-              <a:buNone/>
-            </a:pPr>
-            <a:r>
-              <a:rPr lang="en-US" sz="7200" dirty="0">
-                <a:solidFill>
-                  <a:srgbClr val="404040"/>
-                </a:solidFill>
-                <a:ea typeface="+mn-ea"/>
-                <a:cs typeface="+mn-cs"/>
-              </a:rPr>
-              <a:t>Disperse and Make Reasonable Decisions</a:t>
-            </a:r>
-          </a:p>
-          <a:p>
-            <a:pPr indent="-228600" defTabSz="914400" eaLnBrk="1" hangingPunct="1">
-              <a:lnSpc>
-                <a:spcPct val="90000"/>
-              </a:lnSpc>
-              <a:buFont typeface="Arial" panose="020B0604020202020204" pitchFamily="34" charset="0"/>
-              <a:buChar char="•"/>
-            </a:pPr>
-            <a:endParaRPr lang="en-US" sz="7200" dirty="0">
-              <a:solidFill>
-                <a:srgbClr val="404040"/>
-              </a:solidFill>
-              <a:ea typeface="+mn-ea"/>
-              <a:cs typeface="+mn-cs"/>
-            </a:endParaRPr>
-          </a:p>
-          <a:p>
-            <a:pPr indent="-228600" defTabSz="914400" eaLnBrk="1" hangingPunct="1">
-              <a:lnSpc>
-                <a:spcPct val="90000"/>
-              </a:lnSpc>
-              <a:buFont typeface="Arial" panose="020B0604020202020204" pitchFamily="34" charset="0"/>
-              <a:buChar char="•"/>
-            </a:pPr>
-            <a:endParaRPr lang="en-US" sz="7200" dirty="0">
-              <a:solidFill>
-                <a:srgbClr val="404040"/>
-              </a:solidFill>
-              <a:ea typeface="+mn-ea"/>
-              <a:cs typeface="+mn-cs"/>
-            </a:endParaRPr>
-          </a:p>
-          <a:p>
-            <a:pPr indent="-228600" defTabSz="914400" eaLnBrk="1" hangingPunct="1">
-              <a:lnSpc>
-                <a:spcPct val="90000"/>
-              </a:lnSpc>
-              <a:buFont typeface="Arial" panose="020B0604020202020204" pitchFamily="34" charset="0"/>
-              <a:buChar char="•"/>
-            </a:pPr>
-            <a:endParaRPr lang="en-US" sz="7200" dirty="0">
-              <a:solidFill>
-                <a:srgbClr val="404040"/>
-              </a:solidFill>
-              <a:ea typeface="+mn-ea"/>
-              <a:cs typeface="+mn-cs"/>
-            </a:endParaRPr>
-          </a:p>
-          <a:p>
-            <a:pPr indent="-228600" defTabSz="914400" eaLnBrk="1" hangingPunct="1">
-              <a:lnSpc>
-                <a:spcPct val="90000"/>
-              </a:lnSpc>
-              <a:buFont typeface="Arial" panose="020B0604020202020204" pitchFamily="34" charset="0"/>
-              <a:buChar char="•"/>
-            </a:pPr>
-            <a:endParaRPr lang="en-US" sz="7200" dirty="0">
-              <a:solidFill>
-                <a:srgbClr val="404040"/>
-              </a:solidFill>
-              <a:ea typeface="+mn-ea"/>
-              <a:cs typeface="+mn-cs"/>
-            </a:endParaRPr>
+          <a:lstStyle/>
+          <a:p>
+            <a:r>
+              <a:rPr lang="en-US" sz="1800" dirty="0">
+                <a:solidFill>
+                  <a:schemeClr val="bg1"/>
+                </a:solidFill>
+              </a:rPr>
+              <a:t>&gt;  filter(flights, is.na(</a:t>
+            </a:r>
+            <a:r>
+              <a:rPr lang="en-US" sz="1800" dirty="0" err="1">
+                <a:solidFill>
+                  <a:schemeClr val="bg1"/>
+                </a:solidFill>
+              </a:rPr>
+              <a:t>air_time</a:t>
+            </a:r>
+            <a:r>
+              <a:rPr lang="en-US" sz="1800" dirty="0">
+                <a:solidFill>
+                  <a:schemeClr val="bg1"/>
+                </a:solidFill>
+              </a:rPr>
+              <a:t>) )</a:t>
+            </a:r>
+          </a:p>
+        </p:txBody>
+      </p:sp>
+      <p:sp>
+        <p:nvSpPr>
+          <p:cNvPr id="14" name="TextBox 13">
+            <a:extLst>
+              <a:ext uri="{FF2B5EF4-FFF2-40B4-BE49-F238E27FC236}">
+                <a16:creationId xmlns:a16="http://schemas.microsoft.com/office/drawing/2014/main" id="{55C6E109-7652-4E33-8C7C-E6859A53C379}"/>
+              </a:ext>
+            </a:extLst>
+          </p:cNvPr>
+          <p:cNvSpPr txBox="1"/>
+          <p:nvPr/>
+        </p:nvSpPr>
+        <p:spPr>
+          <a:xfrm>
+            <a:off x="3778737" y="3842266"/>
+            <a:ext cx="5099808" cy="369332"/>
+          </a:xfrm>
+          <a:prstGeom prst="rect">
+            <a:avLst/>
+          </a:prstGeom>
+          <a:solidFill>
+            <a:srgbClr val="404040"/>
+          </a:solidFill>
+        </p:spPr>
+        <p:style>
+          <a:lnRef idx="2">
+            <a:schemeClr val="dk1">
+              <a:shade val="50000"/>
+            </a:schemeClr>
+          </a:lnRef>
+          <a:fillRef idx="1">
+            <a:schemeClr val="dk1"/>
+          </a:fillRef>
+          <a:effectRef idx="0">
+            <a:schemeClr val="dk1"/>
+          </a:effectRef>
+          <a:fontRef idx="minor">
+            <a:schemeClr val="lt1"/>
+          </a:fontRef>
+        </p:style>
+        <p:txBody>
+          <a:bodyPr wrap="square" rtlCol="0">
+            <a:spAutoFit/>
+          </a:bodyPr>
+          <a:lstStyle/>
+          <a:p>
+            <a:r>
+              <a:rPr lang="en-US" sz="1800" dirty="0">
+                <a:solidFill>
+                  <a:schemeClr val="bg1"/>
+                </a:solidFill>
+              </a:rPr>
+              <a:t>&gt;  filter(flights, !is.na(</a:t>
+            </a:r>
+            <a:r>
+              <a:rPr lang="en-US" sz="1800" dirty="0" err="1">
+                <a:solidFill>
+                  <a:schemeClr val="bg1"/>
+                </a:solidFill>
+              </a:rPr>
+              <a:t>air_time</a:t>
+            </a:r>
+            <a:r>
+              <a:rPr lang="en-US" sz="1800" dirty="0">
+                <a:solidFill>
+                  <a:schemeClr val="bg1"/>
+                </a:solidFill>
+              </a:rPr>
+              <a:t>) )</a:t>
+            </a:r>
+          </a:p>
+        </p:txBody>
+      </p:sp>
+      <p:sp>
+        <p:nvSpPr>
+          <p:cNvPr id="16" name="TextBox 15">
+            <a:extLst>
+              <a:ext uri="{FF2B5EF4-FFF2-40B4-BE49-F238E27FC236}">
+                <a16:creationId xmlns:a16="http://schemas.microsoft.com/office/drawing/2014/main" id="{1A513B28-251A-468D-8C02-7F8C7E842D34}"/>
+              </a:ext>
+            </a:extLst>
+          </p:cNvPr>
+          <p:cNvSpPr txBox="1"/>
+          <p:nvPr/>
+        </p:nvSpPr>
+        <p:spPr>
+          <a:xfrm>
+            <a:off x="3799519" y="5891754"/>
+            <a:ext cx="5099808" cy="369332"/>
+          </a:xfrm>
+          <a:prstGeom prst="rect">
+            <a:avLst/>
+          </a:prstGeom>
+          <a:solidFill>
+            <a:srgbClr val="404040"/>
+          </a:solidFill>
+        </p:spPr>
+        <p:style>
+          <a:lnRef idx="2">
+            <a:schemeClr val="dk1">
+              <a:shade val="50000"/>
+            </a:schemeClr>
+          </a:lnRef>
+          <a:fillRef idx="1">
+            <a:schemeClr val="dk1"/>
+          </a:fillRef>
+          <a:effectRef idx="0">
+            <a:schemeClr val="dk1"/>
+          </a:effectRef>
+          <a:fontRef idx="minor">
+            <a:schemeClr val="lt1"/>
+          </a:fontRef>
+        </p:style>
+        <p:txBody>
+          <a:bodyPr wrap="square" rtlCol="0">
+            <a:spAutoFit/>
+          </a:bodyPr>
+          <a:lstStyle/>
+          <a:p>
+            <a:r>
+              <a:rPr lang="en-US" sz="1800" dirty="0">
+                <a:solidFill>
+                  <a:schemeClr val="bg1"/>
+                </a:solidFill>
+              </a:rPr>
+              <a:t>&gt;  </a:t>
+            </a:r>
+            <a:r>
+              <a:rPr lang="en-US" sz="1800" dirty="0" err="1">
+                <a:solidFill>
+                  <a:schemeClr val="bg1"/>
+                </a:solidFill>
+              </a:rPr>
+              <a:t>na.omit</a:t>
+            </a:r>
+            <a:r>
+              <a:rPr lang="en-US" sz="1800" dirty="0">
+                <a:solidFill>
+                  <a:schemeClr val="bg1"/>
+                </a:solidFill>
+              </a:rPr>
+              <a:t>(flights)</a:t>
+            </a:r>
           </a:p>
         </p:txBody>
       </p:sp>
@@ -10653,7 +10877,2493 @@
     </p:custDataLst>
     <p:extLst>
       <p:ext uri="{BB962C8B-B14F-4D97-AF65-F5344CB8AC3E}">
-        <p14:creationId xmlns:p14="http://schemas.microsoft.com/office/powerpoint/2010/main" val="3647066437"/>
+        <p14:creationId xmlns:p14="http://schemas.microsoft.com/office/powerpoint/2010/main" val="3059772042"/>
+      </p:ext>
+    </p:extLst>
+  </p:cSld>
+  <p:clrMapOvr>
+    <a:masterClrMapping/>
+  </p:clrMapOvr>
+</p:sld>
+</file>
+
+<file path=ppt/slides/slide15.xml><?xml version="1.0" encoding="utf-8"?>
+<p:sld xmlns:a="http://schemas.openxmlformats.org/drawingml/2006/main" xmlns:r="http://schemas.openxmlformats.org/officeDocument/2006/relationships" xmlns:p="http://schemas.openxmlformats.org/presentationml/2006/main">
+  <p:cSld>
+    <p:bg>
+      <p:bgPr>
+        <a:solidFill>
+          <a:schemeClr val="bg1">
+            <a:lumMod val="85000"/>
+          </a:schemeClr>
+        </a:solidFill>
+        <a:effectLst/>
+      </p:bgPr>
+    </p:bg>
+    <p:spTree>
+      <p:nvGrpSpPr>
+        <p:cNvPr id="1" name=""/>
+        <p:cNvGrpSpPr/>
+        <p:nvPr/>
+      </p:nvGrpSpPr>
+      <p:grpSpPr>
+        <a:xfrm>
+          <a:off x="0" y="0"/>
+          <a:ext cx="0" cy="0"/>
+          <a:chOff x="0" y="0"/>
+          <a:chExt cx="0" cy="0"/>
+        </a:xfrm>
+      </p:grpSpPr>
+      <p:sp>
+        <p:nvSpPr>
+          <p:cNvPr id="15" name="Rectangle 12">
+            <a:extLst>
+              <a:ext uri="{FF2B5EF4-FFF2-40B4-BE49-F238E27FC236}">
+                <a16:creationId xmlns:a16="http://schemas.microsoft.com/office/drawing/2014/main" id="{867D4867-5BA7-4462-B2F6-A23F4A622AA7}"/>
+              </a:ext>
+              <a:ext uri="{C183D7F6-B498-43B3-948B-1728B52AA6E4}">
+                <adec:decorative xmlns:adec="http://schemas.microsoft.com/office/drawing/2017/decorative" val="1"/>
+              </a:ext>
+            </a:extLst>
+          </p:cNvPr>
+          <p:cNvSpPr>
+            <a:spLocks noGrp="1" noRot="1" noChangeAspect="1" noMove="1" noResize="1" noEditPoints="1" noAdjustHandles="1" noChangeArrowheads="1" noChangeShapeType="1" noTextEdit="1"/>
+          </p:cNvSpPr>
+          <p:nvPr>
+            <p:extLst>
+              <p:ext uri="{386F3935-93C4-4BCD-93E2-E3B085C9AB24}">
+                <p16:designElem xmlns:p16="http://schemas.microsoft.com/office/powerpoint/2015/main" val="1"/>
+              </p:ext>
+            </p:extLst>
+          </p:nvPr>
+        </p:nvSpPr>
+        <p:spPr>
+          <a:xfrm>
+            <a:off x="0" y="0"/>
+            <a:ext cx="3490722" cy="6858000"/>
+          </a:xfrm>
+          <a:prstGeom prst="rect">
+            <a:avLst/>
+          </a:prstGeom>
+          <a:solidFill>
+            <a:schemeClr val="tx1">
+              <a:lumMod val="75000"/>
+              <a:lumOff val="25000"/>
+            </a:schemeClr>
+          </a:solidFill>
+          <a:ln>
+            <a:noFill/>
+          </a:ln>
+        </p:spPr>
+        <p:style>
+          <a:lnRef idx="0">
+            <a:scrgbClr r="0" g="0" b="0"/>
+          </a:lnRef>
+          <a:fillRef idx="0">
+            <a:scrgbClr r="0" g="0" b="0"/>
+          </a:fillRef>
+          <a:effectRef idx="0">
+            <a:scrgbClr r="0" g="0" b="0"/>
+          </a:effectRef>
+          <a:fontRef idx="minor">
+            <a:schemeClr val="lt1"/>
+          </a:fontRef>
+        </p:style>
+        <p:txBody>
+          <a:bodyPr rtlCol="0" anchor="ctr"/>
+          <a:lstStyle/>
+          <a:p>
+            <a:pPr algn="ctr"/>
+            <a:endParaRPr lang="en-US"/>
+          </a:p>
+        </p:txBody>
+      </p:sp>
+      <p:sp>
+        <p:nvSpPr>
+          <p:cNvPr id="2" name="Title 1"/>
+          <p:cNvSpPr>
+            <a:spLocks noGrp="1"/>
+          </p:cNvSpPr>
+          <p:nvPr>
+            <p:ph type="title"/>
+          </p:nvPr>
+        </p:nvSpPr>
+        <p:spPr>
+          <a:xfrm>
+            <a:off x="482600" y="643467"/>
+            <a:ext cx="2522980" cy="1597315"/>
+          </a:xfrm>
+          <a:noFill/>
+          <a:ln w="19050">
+            <a:solidFill>
+              <a:schemeClr val="bg1"/>
+            </a:solidFill>
+          </a:ln>
+        </p:spPr>
+        <p:txBody>
+          <a:bodyPr vert="horz" wrap="square" lIns="91440" tIns="45720" rIns="91440" bIns="45720" rtlCol="0" anchor="ctr">
+            <a:normAutofit/>
+          </a:bodyPr>
+          <a:lstStyle/>
+          <a:p>
+            <a:pPr defTabSz="914400" eaLnBrk="1" hangingPunct="1">
+              <a:lnSpc>
+                <a:spcPct val="90000"/>
+              </a:lnSpc>
+            </a:pPr>
+            <a:r>
+              <a:rPr lang="en-US" sz="2400" dirty="0">
+                <a:solidFill>
+                  <a:schemeClr val="bg1"/>
+                </a:solidFill>
+                <a:ea typeface="+mj-ea"/>
+                <a:cs typeface="+mj-cs"/>
+              </a:rPr>
+              <a:t>arrange()</a:t>
+            </a:r>
+            <a:endParaRPr lang="en-US" sz="2400" kern="1200" dirty="0">
+              <a:solidFill>
+                <a:schemeClr val="bg1"/>
+              </a:solidFill>
+              <a:latin typeface="+mj-lt"/>
+              <a:ea typeface="+mj-ea"/>
+              <a:cs typeface="+mj-cs"/>
+            </a:endParaRPr>
+          </a:p>
+        </p:txBody>
+      </p:sp>
+      <p:pic>
+        <p:nvPicPr>
+          <p:cNvPr id="8" name="Picture 7">
+            <a:extLst>
+              <a:ext uri="{FF2B5EF4-FFF2-40B4-BE49-F238E27FC236}">
+                <a16:creationId xmlns:a16="http://schemas.microsoft.com/office/drawing/2014/main" id="{521D4292-9ECC-4DA5-8CC0-C561A0DA118E}"/>
+              </a:ext>
+            </a:extLst>
+          </p:cNvPr>
+          <p:cNvPicPr>
+            <a:picLocks noChangeAspect="1"/>
+          </p:cNvPicPr>
+          <p:nvPr/>
+        </p:nvPicPr>
+        <p:blipFill rotWithShape="1">
+          <a:blip r:embed="rId3"/>
+          <a:srcRect l="8000" r="9400"/>
+          <a:stretch/>
+        </p:blipFill>
+        <p:spPr>
+          <a:xfrm>
+            <a:off x="660103" y="3048000"/>
+            <a:ext cx="2167974" cy="2624666"/>
+          </a:xfrm>
+          <a:prstGeom prst="rect">
+            <a:avLst/>
+          </a:prstGeom>
+          <a:noFill/>
+        </p:spPr>
+      </p:pic>
+      <p:sp>
+        <p:nvSpPr>
+          <p:cNvPr id="3" name="TextBox 2">
+            <a:extLst>
+              <a:ext uri="{FF2B5EF4-FFF2-40B4-BE49-F238E27FC236}">
+                <a16:creationId xmlns:a16="http://schemas.microsoft.com/office/drawing/2014/main" id="{F11A48DB-9DC8-487D-B292-F37C24E1A4C6}"/>
+              </a:ext>
+            </a:extLst>
+          </p:cNvPr>
+          <p:cNvSpPr txBox="1"/>
+          <p:nvPr/>
+        </p:nvSpPr>
+        <p:spPr>
+          <a:xfrm>
+            <a:off x="3777352" y="643467"/>
+            <a:ext cx="5061848" cy="5632311"/>
+          </a:xfrm>
+          <a:prstGeom prst="rect">
+            <a:avLst/>
+          </a:prstGeom>
+          <a:noFill/>
+        </p:spPr>
+        <p:txBody>
+          <a:bodyPr wrap="square" rtlCol="0">
+            <a:spAutoFit/>
+          </a:bodyPr>
+          <a:lstStyle/>
+          <a:p>
+            <a:pPr marL="342900" indent="-342900">
+              <a:buFont typeface="Arial" panose="020B0604020202020204" pitchFamily="34" charset="0"/>
+              <a:buChar char="•"/>
+            </a:pPr>
+            <a:r>
+              <a:rPr lang="en-US" dirty="0">
+                <a:solidFill>
+                  <a:srgbClr val="404040"/>
+                </a:solidFill>
+              </a:rPr>
+              <a:t>Used to Sort Observations</a:t>
+            </a:r>
+          </a:p>
+          <a:p>
+            <a:endParaRPr lang="en-US" dirty="0">
+              <a:solidFill>
+                <a:srgbClr val="404040"/>
+              </a:solidFill>
+            </a:endParaRPr>
+          </a:p>
+          <a:p>
+            <a:pPr marL="342900" indent="-342900">
+              <a:buFont typeface="Arial" panose="020B0604020202020204" pitchFamily="34" charset="0"/>
+              <a:buChar char="•"/>
+            </a:pPr>
+            <a:endParaRPr lang="en-US" dirty="0">
+              <a:solidFill>
+                <a:srgbClr val="404040"/>
+              </a:solidFill>
+            </a:endParaRPr>
+          </a:p>
+          <a:p>
+            <a:pPr marL="342900" indent="-342900">
+              <a:buFont typeface="Arial" panose="020B0604020202020204" pitchFamily="34" charset="0"/>
+              <a:buChar char="•"/>
+            </a:pPr>
+            <a:endParaRPr lang="en-US" dirty="0">
+              <a:solidFill>
+                <a:srgbClr val="404040"/>
+              </a:solidFill>
+            </a:endParaRPr>
+          </a:p>
+          <a:p>
+            <a:endParaRPr lang="en-US" dirty="0">
+              <a:solidFill>
+                <a:srgbClr val="404040"/>
+              </a:solidFill>
+            </a:endParaRPr>
+          </a:p>
+          <a:p>
+            <a:endParaRPr lang="en-US" dirty="0">
+              <a:solidFill>
+                <a:srgbClr val="404040"/>
+              </a:solidFill>
+            </a:endParaRPr>
+          </a:p>
+          <a:p>
+            <a:pPr marL="342900" indent="-342900">
+              <a:buFont typeface="Arial" panose="020B0604020202020204" pitchFamily="34" charset="0"/>
+              <a:buChar char="•"/>
+            </a:pPr>
+            <a:r>
+              <a:rPr lang="en-US" dirty="0">
+                <a:solidFill>
+                  <a:srgbClr val="404040"/>
+                </a:solidFill>
+              </a:rPr>
+              <a:t>Sorting Experiment</a:t>
+            </a:r>
+          </a:p>
+          <a:p>
+            <a:pPr marL="800100" lvl="1" indent="-342900">
+              <a:buFont typeface="Arial" panose="020B0604020202020204" pitchFamily="34" charset="0"/>
+              <a:buChar char="•"/>
+            </a:pPr>
+            <a:endParaRPr lang="en-US" dirty="0">
+              <a:solidFill>
+                <a:srgbClr val="404040"/>
+              </a:solidFill>
+            </a:endParaRPr>
+          </a:p>
+          <a:p>
+            <a:pPr marL="342900" indent="-342900">
+              <a:buFont typeface="Arial" panose="020B0604020202020204" pitchFamily="34" charset="0"/>
+              <a:buChar char="•"/>
+            </a:pPr>
+            <a:endParaRPr lang="en-US" dirty="0">
+              <a:solidFill>
+                <a:srgbClr val="404040"/>
+              </a:solidFill>
+            </a:endParaRPr>
+          </a:p>
+          <a:p>
+            <a:pPr marL="342900" indent="-342900">
+              <a:buFont typeface="Arial" panose="020B0604020202020204" pitchFamily="34" charset="0"/>
+              <a:buChar char="•"/>
+            </a:pPr>
+            <a:endParaRPr lang="en-US" dirty="0">
+              <a:solidFill>
+                <a:srgbClr val="404040"/>
+              </a:solidFill>
+            </a:endParaRPr>
+          </a:p>
+          <a:p>
+            <a:pPr marL="342900" indent="-342900">
+              <a:buFont typeface="Arial" panose="020B0604020202020204" pitchFamily="34" charset="0"/>
+              <a:buChar char="•"/>
+            </a:pPr>
+            <a:endParaRPr lang="en-US" dirty="0">
+              <a:solidFill>
+                <a:srgbClr val="404040"/>
+              </a:solidFill>
+            </a:endParaRPr>
+          </a:p>
+          <a:p>
+            <a:pPr marL="342900" indent="-342900">
+              <a:buFont typeface="Arial" panose="020B0604020202020204" pitchFamily="34" charset="0"/>
+              <a:buChar char="•"/>
+            </a:pPr>
+            <a:endParaRPr lang="en-US" dirty="0">
+              <a:solidFill>
+                <a:srgbClr val="404040"/>
+              </a:solidFill>
+            </a:endParaRPr>
+          </a:p>
+          <a:p>
+            <a:endParaRPr lang="en-US" dirty="0">
+              <a:solidFill>
+                <a:srgbClr val="404040"/>
+              </a:solidFill>
+            </a:endParaRPr>
+          </a:p>
+          <a:p>
+            <a:endParaRPr lang="en-US" dirty="0">
+              <a:solidFill>
+                <a:srgbClr val="404040"/>
+              </a:solidFill>
+            </a:endParaRPr>
+          </a:p>
+          <a:p>
+            <a:pPr lvl="1"/>
+            <a:endParaRPr lang="en-US" dirty="0">
+              <a:solidFill>
+                <a:srgbClr val="404040"/>
+              </a:solidFill>
+            </a:endParaRPr>
+          </a:p>
+        </p:txBody>
+      </p:sp>
+      <p:pic>
+        <p:nvPicPr>
+          <p:cNvPr id="5" name="Picture 4">
+            <a:extLst>
+              <a:ext uri="{FF2B5EF4-FFF2-40B4-BE49-F238E27FC236}">
+                <a16:creationId xmlns:a16="http://schemas.microsoft.com/office/drawing/2014/main" id="{A345076A-F9C9-4A08-B366-F19726275DF4}"/>
+              </a:ext>
+            </a:extLst>
+          </p:cNvPr>
+          <p:cNvPicPr>
+            <a:picLocks noChangeAspect="1"/>
+          </p:cNvPicPr>
+          <p:nvPr/>
+        </p:nvPicPr>
+        <p:blipFill>
+          <a:blip r:embed="rId4"/>
+          <a:stretch>
+            <a:fillRect/>
+          </a:stretch>
+        </p:blipFill>
+        <p:spPr>
+          <a:xfrm>
+            <a:off x="3886200" y="1066800"/>
+            <a:ext cx="4184075" cy="1522086"/>
+          </a:xfrm>
+          <a:prstGeom prst="rect">
+            <a:avLst/>
+          </a:prstGeom>
+          <a:ln>
+            <a:solidFill>
+              <a:srgbClr val="404040"/>
+            </a:solidFill>
+          </a:ln>
+        </p:spPr>
+        <p:style>
+          <a:lnRef idx="2">
+            <a:schemeClr val="dk1"/>
+          </a:lnRef>
+          <a:fillRef idx="1">
+            <a:schemeClr val="lt1"/>
+          </a:fillRef>
+          <a:effectRef idx="0">
+            <a:schemeClr val="dk1"/>
+          </a:effectRef>
+          <a:fontRef idx="minor">
+            <a:schemeClr val="dk1"/>
+          </a:fontRef>
+        </p:style>
+      </p:pic>
+      <p:pic>
+        <p:nvPicPr>
+          <p:cNvPr id="12" name="Picture 11">
+            <a:extLst>
+              <a:ext uri="{FF2B5EF4-FFF2-40B4-BE49-F238E27FC236}">
+                <a16:creationId xmlns:a16="http://schemas.microsoft.com/office/drawing/2014/main" id="{736E8791-6A7B-42AD-B3DC-82EB23E509A6}"/>
+              </a:ext>
+            </a:extLst>
+          </p:cNvPr>
+          <p:cNvPicPr>
+            <a:picLocks noChangeAspect="1"/>
+          </p:cNvPicPr>
+          <p:nvPr/>
+        </p:nvPicPr>
+        <p:blipFill>
+          <a:blip r:embed="rId5"/>
+          <a:stretch>
+            <a:fillRect/>
+          </a:stretch>
+        </p:blipFill>
+        <p:spPr>
+          <a:xfrm>
+            <a:off x="3886200" y="3276600"/>
+            <a:ext cx="4234782" cy="1522086"/>
+          </a:xfrm>
+          <a:prstGeom prst="rect">
+            <a:avLst/>
+          </a:prstGeom>
+          <a:ln>
+            <a:solidFill>
+              <a:srgbClr val="404040"/>
+            </a:solidFill>
+          </a:ln>
+        </p:spPr>
+        <p:style>
+          <a:lnRef idx="2">
+            <a:schemeClr val="dk1"/>
+          </a:lnRef>
+          <a:fillRef idx="1">
+            <a:schemeClr val="lt1"/>
+          </a:fillRef>
+          <a:effectRef idx="0">
+            <a:schemeClr val="dk1"/>
+          </a:effectRef>
+          <a:fontRef idx="minor">
+            <a:schemeClr val="dk1"/>
+          </a:fontRef>
+        </p:style>
+      </p:pic>
+      <p:pic>
+        <p:nvPicPr>
+          <p:cNvPr id="13" name="Picture 12">
+            <a:extLst>
+              <a:ext uri="{FF2B5EF4-FFF2-40B4-BE49-F238E27FC236}">
+                <a16:creationId xmlns:a16="http://schemas.microsoft.com/office/drawing/2014/main" id="{253E1963-BDEC-4C86-99A0-C702A9663BE0}"/>
+              </a:ext>
+            </a:extLst>
+          </p:cNvPr>
+          <p:cNvPicPr>
+            <a:picLocks noChangeAspect="1"/>
+          </p:cNvPicPr>
+          <p:nvPr/>
+        </p:nvPicPr>
+        <p:blipFill>
+          <a:blip r:embed="rId6"/>
+          <a:stretch>
+            <a:fillRect/>
+          </a:stretch>
+        </p:blipFill>
+        <p:spPr>
+          <a:xfrm>
+            <a:off x="3886200" y="4999591"/>
+            <a:ext cx="4234782" cy="1502556"/>
+          </a:xfrm>
+          <a:prstGeom prst="rect">
+            <a:avLst/>
+          </a:prstGeom>
+        </p:spPr>
+        <p:style>
+          <a:lnRef idx="2">
+            <a:schemeClr val="dk1"/>
+          </a:lnRef>
+          <a:fillRef idx="1">
+            <a:schemeClr val="lt1"/>
+          </a:fillRef>
+          <a:effectRef idx="0">
+            <a:schemeClr val="dk1"/>
+          </a:effectRef>
+          <a:fontRef idx="minor">
+            <a:schemeClr val="dk1"/>
+          </a:fontRef>
+        </p:style>
+      </p:pic>
+    </p:spTree>
+    <p:custDataLst>
+      <p:tags r:id="rId1"/>
+    </p:custDataLst>
+    <p:extLst>
+      <p:ext uri="{BB962C8B-B14F-4D97-AF65-F5344CB8AC3E}">
+        <p14:creationId xmlns:p14="http://schemas.microsoft.com/office/powerpoint/2010/main" val="3524602532"/>
+      </p:ext>
+    </p:extLst>
+  </p:cSld>
+  <p:clrMapOvr>
+    <a:masterClrMapping/>
+  </p:clrMapOvr>
+</p:sld>
+</file>
+
+<file path=ppt/slides/slide16.xml><?xml version="1.0" encoding="utf-8"?>
+<p:sld xmlns:a="http://schemas.openxmlformats.org/drawingml/2006/main" xmlns:r="http://schemas.openxmlformats.org/officeDocument/2006/relationships" xmlns:p="http://schemas.openxmlformats.org/presentationml/2006/main">
+  <p:cSld>
+    <p:bg>
+      <p:bgPr>
+        <a:solidFill>
+          <a:schemeClr val="bg1">
+            <a:lumMod val="85000"/>
+          </a:schemeClr>
+        </a:solidFill>
+        <a:effectLst/>
+      </p:bgPr>
+    </p:bg>
+    <p:spTree>
+      <p:nvGrpSpPr>
+        <p:cNvPr id="1" name=""/>
+        <p:cNvGrpSpPr/>
+        <p:nvPr/>
+      </p:nvGrpSpPr>
+      <p:grpSpPr>
+        <a:xfrm>
+          <a:off x="0" y="0"/>
+          <a:ext cx="0" cy="0"/>
+          <a:chOff x="0" y="0"/>
+          <a:chExt cx="0" cy="0"/>
+        </a:xfrm>
+      </p:grpSpPr>
+      <p:sp>
+        <p:nvSpPr>
+          <p:cNvPr id="15" name="Rectangle 12">
+            <a:extLst>
+              <a:ext uri="{FF2B5EF4-FFF2-40B4-BE49-F238E27FC236}">
+                <a16:creationId xmlns:a16="http://schemas.microsoft.com/office/drawing/2014/main" id="{867D4867-5BA7-4462-B2F6-A23F4A622AA7}"/>
+              </a:ext>
+              <a:ext uri="{C183D7F6-B498-43B3-948B-1728B52AA6E4}">
+                <adec:decorative xmlns:adec="http://schemas.microsoft.com/office/drawing/2017/decorative" val="1"/>
+              </a:ext>
+            </a:extLst>
+          </p:cNvPr>
+          <p:cNvSpPr>
+            <a:spLocks noGrp="1" noRot="1" noChangeAspect="1" noMove="1" noResize="1" noEditPoints="1" noAdjustHandles="1" noChangeArrowheads="1" noChangeShapeType="1" noTextEdit="1"/>
+          </p:cNvSpPr>
+          <p:nvPr>
+            <p:extLst>
+              <p:ext uri="{386F3935-93C4-4BCD-93E2-E3B085C9AB24}">
+                <p16:designElem xmlns:p16="http://schemas.microsoft.com/office/powerpoint/2015/main" val="1"/>
+              </p:ext>
+            </p:extLst>
+          </p:nvPr>
+        </p:nvSpPr>
+        <p:spPr>
+          <a:xfrm>
+            <a:off x="0" y="0"/>
+            <a:ext cx="3490722" cy="6858000"/>
+          </a:xfrm>
+          <a:prstGeom prst="rect">
+            <a:avLst/>
+          </a:prstGeom>
+          <a:solidFill>
+            <a:schemeClr val="tx1">
+              <a:lumMod val="75000"/>
+              <a:lumOff val="25000"/>
+            </a:schemeClr>
+          </a:solidFill>
+          <a:ln>
+            <a:noFill/>
+          </a:ln>
+        </p:spPr>
+        <p:style>
+          <a:lnRef idx="0">
+            <a:scrgbClr r="0" g="0" b="0"/>
+          </a:lnRef>
+          <a:fillRef idx="0">
+            <a:scrgbClr r="0" g="0" b="0"/>
+          </a:fillRef>
+          <a:effectRef idx="0">
+            <a:scrgbClr r="0" g="0" b="0"/>
+          </a:effectRef>
+          <a:fontRef idx="minor">
+            <a:schemeClr val="lt1"/>
+          </a:fontRef>
+        </p:style>
+        <p:txBody>
+          <a:bodyPr rtlCol="0" anchor="ctr"/>
+          <a:lstStyle/>
+          <a:p>
+            <a:pPr algn="ctr"/>
+            <a:endParaRPr lang="en-US"/>
+          </a:p>
+        </p:txBody>
+      </p:sp>
+      <p:sp>
+        <p:nvSpPr>
+          <p:cNvPr id="2" name="Title 1"/>
+          <p:cNvSpPr>
+            <a:spLocks noGrp="1"/>
+          </p:cNvSpPr>
+          <p:nvPr>
+            <p:ph type="title"/>
+          </p:nvPr>
+        </p:nvSpPr>
+        <p:spPr>
+          <a:xfrm>
+            <a:off x="482600" y="643467"/>
+            <a:ext cx="2522980" cy="1597315"/>
+          </a:xfrm>
+          <a:noFill/>
+          <a:ln w="19050">
+            <a:solidFill>
+              <a:schemeClr val="bg1"/>
+            </a:solidFill>
+          </a:ln>
+        </p:spPr>
+        <p:txBody>
+          <a:bodyPr vert="horz" wrap="square" lIns="91440" tIns="45720" rIns="91440" bIns="45720" rtlCol="0" anchor="ctr">
+            <a:normAutofit/>
+          </a:bodyPr>
+          <a:lstStyle/>
+          <a:p>
+            <a:pPr defTabSz="914400" eaLnBrk="1" hangingPunct="1">
+              <a:lnSpc>
+                <a:spcPct val="90000"/>
+              </a:lnSpc>
+            </a:pPr>
+            <a:r>
+              <a:rPr lang="en-US" sz="2400" dirty="0">
+                <a:solidFill>
+                  <a:schemeClr val="bg1"/>
+                </a:solidFill>
+                <a:ea typeface="+mj-ea"/>
+                <a:cs typeface="+mj-cs"/>
+              </a:rPr>
+              <a:t>arrange()</a:t>
+            </a:r>
+            <a:endParaRPr lang="en-US" sz="2400" kern="1200" dirty="0">
+              <a:solidFill>
+                <a:schemeClr val="bg1"/>
+              </a:solidFill>
+              <a:latin typeface="+mj-lt"/>
+              <a:ea typeface="+mj-ea"/>
+              <a:cs typeface="+mj-cs"/>
+            </a:endParaRPr>
+          </a:p>
+        </p:txBody>
+      </p:sp>
+      <p:pic>
+        <p:nvPicPr>
+          <p:cNvPr id="8" name="Picture 7">
+            <a:extLst>
+              <a:ext uri="{FF2B5EF4-FFF2-40B4-BE49-F238E27FC236}">
+                <a16:creationId xmlns:a16="http://schemas.microsoft.com/office/drawing/2014/main" id="{521D4292-9ECC-4DA5-8CC0-C561A0DA118E}"/>
+              </a:ext>
+            </a:extLst>
+          </p:cNvPr>
+          <p:cNvPicPr>
+            <a:picLocks noChangeAspect="1"/>
+          </p:cNvPicPr>
+          <p:nvPr/>
+        </p:nvPicPr>
+        <p:blipFill rotWithShape="1">
+          <a:blip r:embed="rId3"/>
+          <a:srcRect l="8000" r="9400"/>
+          <a:stretch/>
+        </p:blipFill>
+        <p:spPr>
+          <a:xfrm>
+            <a:off x="660103" y="3048000"/>
+            <a:ext cx="2167974" cy="2624666"/>
+          </a:xfrm>
+          <a:prstGeom prst="rect">
+            <a:avLst/>
+          </a:prstGeom>
+          <a:noFill/>
+        </p:spPr>
+      </p:pic>
+      <p:sp>
+        <p:nvSpPr>
+          <p:cNvPr id="3" name="TextBox 2">
+            <a:extLst>
+              <a:ext uri="{FF2B5EF4-FFF2-40B4-BE49-F238E27FC236}">
+                <a16:creationId xmlns:a16="http://schemas.microsoft.com/office/drawing/2014/main" id="{F11A48DB-9DC8-487D-B292-F37C24E1A4C6}"/>
+              </a:ext>
+            </a:extLst>
+          </p:cNvPr>
+          <p:cNvSpPr txBox="1"/>
+          <p:nvPr/>
+        </p:nvSpPr>
+        <p:spPr>
+          <a:xfrm>
+            <a:off x="3777352" y="643467"/>
+            <a:ext cx="5061848" cy="3416320"/>
+          </a:xfrm>
+          <a:prstGeom prst="rect">
+            <a:avLst/>
+          </a:prstGeom>
+          <a:noFill/>
+        </p:spPr>
+        <p:txBody>
+          <a:bodyPr wrap="square" rtlCol="0">
+            <a:spAutoFit/>
+          </a:bodyPr>
+          <a:lstStyle/>
+          <a:p>
+            <a:pPr marL="342900" indent="-342900">
+              <a:buFont typeface="Arial" panose="020B0604020202020204" pitchFamily="34" charset="0"/>
+              <a:buChar char="•"/>
+            </a:pPr>
+            <a:r>
+              <a:rPr lang="en-US" dirty="0">
+                <a:solidFill>
+                  <a:srgbClr val="404040"/>
+                </a:solidFill>
+              </a:rPr>
+              <a:t>Handling NA</a:t>
+            </a:r>
+          </a:p>
+          <a:p>
+            <a:pPr marL="342900" indent="-342900">
+              <a:buFont typeface="Arial" panose="020B0604020202020204" pitchFamily="34" charset="0"/>
+              <a:buChar char="•"/>
+            </a:pPr>
+            <a:endParaRPr lang="en-US" dirty="0">
+              <a:solidFill>
+                <a:srgbClr val="404040"/>
+              </a:solidFill>
+            </a:endParaRPr>
+          </a:p>
+          <a:p>
+            <a:pPr marL="342900" indent="-342900">
+              <a:buFont typeface="Arial" panose="020B0604020202020204" pitchFamily="34" charset="0"/>
+              <a:buChar char="•"/>
+            </a:pPr>
+            <a:endParaRPr lang="en-US" dirty="0">
+              <a:solidFill>
+                <a:srgbClr val="404040"/>
+              </a:solidFill>
+            </a:endParaRPr>
+          </a:p>
+          <a:p>
+            <a:pPr marL="342900" indent="-342900">
+              <a:buFont typeface="Arial" panose="020B0604020202020204" pitchFamily="34" charset="0"/>
+              <a:buChar char="•"/>
+            </a:pPr>
+            <a:endParaRPr lang="en-US" dirty="0">
+              <a:solidFill>
+                <a:srgbClr val="404040"/>
+              </a:solidFill>
+            </a:endParaRPr>
+          </a:p>
+          <a:p>
+            <a:pPr marL="342900" indent="-342900">
+              <a:buFont typeface="Arial" panose="020B0604020202020204" pitchFamily="34" charset="0"/>
+              <a:buChar char="•"/>
+            </a:pPr>
+            <a:endParaRPr lang="en-US" dirty="0">
+              <a:solidFill>
+                <a:srgbClr val="404040"/>
+              </a:solidFill>
+            </a:endParaRPr>
+          </a:p>
+          <a:p>
+            <a:pPr marL="342900" indent="-342900">
+              <a:buFont typeface="Arial" panose="020B0604020202020204" pitchFamily="34" charset="0"/>
+              <a:buChar char="•"/>
+            </a:pPr>
+            <a:endParaRPr lang="en-US" dirty="0">
+              <a:solidFill>
+                <a:srgbClr val="404040"/>
+              </a:solidFill>
+            </a:endParaRPr>
+          </a:p>
+          <a:p>
+            <a:endParaRPr lang="en-US" dirty="0">
+              <a:solidFill>
+                <a:srgbClr val="404040"/>
+              </a:solidFill>
+            </a:endParaRPr>
+          </a:p>
+          <a:p>
+            <a:endParaRPr lang="en-US" dirty="0">
+              <a:solidFill>
+                <a:srgbClr val="404040"/>
+              </a:solidFill>
+            </a:endParaRPr>
+          </a:p>
+          <a:p>
+            <a:pPr lvl="1"/>
+            <a:endParaRPr lang="en-US" dirty="0">
+              <a:solidFill>
+                <a:srgbClr val="404040"/>
+              </a:solidFill>
+            </a:endParaRPr>
+          </a:p>
+        </p:txBody>
+      </p:sp>
+      <p:pic>
+        <p:nvPicPr>
+          <p:cNvPr id="4" name="Picture 3">
+            <a:extLst>
+              <a:ext uri="{FF2B5EF4-FFF2-40B4-BE49-F238E27FC236}">
+                <a16:creationId xmlns:a16="http://schemas.microsoft.com/office/drawing/2014/main" id="{CF281D98-CB39-400D-83DF-116802ABE394}"/>
+              </a:ext>
+            </a:extLst>
+          </p:cNvPr>
+          <p:cNvPicPr>
+            <a:picLocks noChangeAspect="1"/>
+          </p:cNvPicPr>
+          <p:nvPr/>
+        </p:nvPicPr>
+        <p:blipFill>
+          <a:blip r:embed="rId4"/>
+          <a:stretch>
+            <a:fillRect/>
+          </a:stretch>
+        </p:blipFill>
+        <p:spPr>
+          <a:xfrm>
+            <a:off x="5105400" y="1182823"/>
+            <a:ext cx="2559175" cy="2115918"/>
+          </a:xfrm>
+          <a:prstGeom prst="rect">
+            <a:avLst/>
+          </a:prstGeom>
+          <a:ln>
+            <a:solidFill>
+              <a:srgbClr val="404040"/>
+            </a:solidFill>
+          </a:ln>
+        </p:spPr>
+        <p:style>
+          <a:lnRef idx="2">
+            <a:schemeClr val="dk1"/>
+          </a:lnRef>
+          <a:fillRef idx="1">
+            <a:schemeClr val="lt1"/>
+          </a:fillRef>
+          <a:effectRef idx="0">
+            <a:schemeClr val="dk1"/>
+          </a:effectRef>
+          <a:fontRef idx="minor">
+            <a:schemeClr val="dk1"/>
+          </a:fontRef>
+        </p:style>
+      </p:pic>
+      <p:pic>
+        <p:nvPicPr>
+          <p:cNvPr id="7" name="Picture 6">
+            <a:extLst>
+              <a:ext uri="{FF2B5EF4-FFF2-40B4-BE49-F238E27FC236}">
+                <a16:creationId xmlns:a16="http://schemas.microsoft.com/office/drawing/2014/main" id="{ACDA37B6-C33B-46CD-AFB0-5289D09A919A}"/>
+              </a:ext>
+            </a:extLst>
+          </p:cNvPr>
+          <p:cNvPicPr>
+            <a:picLocks noChangeAspect="1"/>
+          </p:cNvPicPr>
+          <p:nvPr/>
+        </p:nvPicPr>
+        <p:blipFill>
+          <a:blip r:embed="rId5"/>
+          <a:stretch>
+            <a:fillRect/>
+          </a:stretch>
+        </p:blipFill>
+        <p:spPr>
+          <a:xfrm>
+            <a:off x="3609186" y="3429000"/>
+            <a:ext cx="2494828" cy="1617169"/>
+          </a:xfrm>
+          <a:prstGeom prst="rect">
+            <a:avLst/>
+          </a:prstGeom>
+          <a:ln>
+            <a:solidFill>
+              <a:srgbClr val="404040"/>
+            </a:solidFill>
+          </a:ln>
+        </p:spPr>
+        <p:style>
+          <a:lnRef idx="2">
+            <a:schemeClr val="dk1"/>
+          </a:lnRef>
+          <a:fillRef idx="1">
+            <a:schemeClr val="lt1"/>
+          </a:fillRef>
+          <a:effectRef idx="0">
+            <a:schemeClr val="dk1"/>
+          </a:effectRef>
+          <a:fontRef idx="minor">
+            <a:schemeClr val="dk1"/>
+          </a:fontRef>
+        </p:style>
+      </p:pic>
+      <p:pic>
+        <p:nvPicPr>
+          <p:cNvPr id="9" name="Picture 8">
+            <a:extLst>
+              <a:ext uri="{FF2B5EF4-FFF2-40B4-BE49-F238E27FC236}">
+                <a16:creationId xmlns:a16="http://schemas.microsoft.com/office/drawing/2014/main" id="{7380DC60-A0AA-4E7A-BF4A-51078D45A1AC}"/>
+              </a:ext>
+            </a:extLst>
+          </p:cNvPr>
+          <p:cNvPicPr>
+            <a:picLocks noChangeAspect="1"/>
+          </p:cNvPicPr>
+          <p:nvPr/>
+        </p:nvPicPr>
+        <p:blipFill>
+          <a:blip r:embed="rId6"/>
+          <a:stretch>
+            <a:fillRect/>
+          </a:stretch>
+        </p:blipFill>
+        <p:spPr>
+          <a:xfrm>
+            <a:off x="6512537" y="3429000"/>
+            <a:ext cx="2494829" cy="1630607"/>
+          </a:xfrm>
+          <a:prstGeom prst="rect">
+            <a:avLst/>
+          </a:prstGeom>
+          <a:ln>
+            <a:solidFill>
+              <a:srgbClr val="404040"/>
+            </a:solidFill>
+          </a:ln>
+        </p:spPr>
+        <p:style>
+          <a:lnRef idx="2">
+            <a:schemeClr val="dk1"/>
+          </a:lnRef>
+          <a:fillRef idx="1">
+            <a:schemeClr val="lt1"/>
+          </a:fillRef>
+          <a:effectRef idx="0">
+            <a:schemeClr val="dk1"/>
+          </a:effectRef>
+          <a:fontRef idx="minor">
+            <a:schemeClr val="dk1"/>
+          </a:fontRef>
+        </p:style>
+      </p:pic>
+      <p:sp>
+        <p:nvSpPr>
+          <p:cNvPr id="6" name="Arrow: Left-Right-Up 5">
+            <a:extLst>
+              <a:ext uri="{FF2B5EF4-FFF2-40B4-BE49-F238E27FC236}">
+                <a16:creationId xmlns:a16="http://schemas.microsoft.com/office/drawing/2014/main" id="{A69B451D-27E1-4C0D-9E00-499DF46A96D7}"/>
+              </a:ext>
+            </a:extLst>
+          </p:cNvPr>
+          <p:cNvSpPr/>
+          <p:nvPr/>
+        </p:nvSpPr>
+        <p:spPr>
+          <a:xfrm>
+            <a:off x="5921542" y="3178220"/>
+            <a:ext cx="762000" cy="1165180"/>
+          </a:xfrm>
+          <a:prstGeom prst="leftRightUpArrow">
+            <a:avLst/>
+          </a:prstGeom>
+          <a:solidFill>
+            <a:srgbClr val="404040"/>
+          </a:solidFill>
+          <a:ln>
+            <a:noFill/>
+          </a:ln>
+        </p:spPr>
+        <p:style>
+          <a:lnRef idx="2">
+            <a:schemeClr val="dk1"/>
+          </a:lnRef>
+          <a:fillRef idx="1">
+            <a:schemeClr val="lt1"/>
+          </a:fillRef>
+          <a:effectRef idx="0">
+            <a:schemeClr val="dk1"/>
+          </a:effectRef>
+          <a:fontRef idx="minor">
+            <a:schemeClr val="dk1"/>
+          </a:fontRef>
+        </p:style>
+        <p:txBody>
+          <a:bodyPr rtlCol="0" anchor="ctr"/>
+          <a:lstStyle/>
+          <a:p>
+            <a:pPr algn="ctr"/>
+            <a:endParaRPr lang="en-US"/>
+          </a:p>
+        </p:txBody>
+      </p:sp>
+      <p:sp>
+        <p:nvSpPr>
+          <p:cNvPr id="16" name="Arrow: Left-Right-Up 15">
+            <a:extLst>
+              <a:ext uri="{FF2B5EF4-FFF2-40B4-BE49-F238E27FC236}">
+                <a16:creationId xmlns:a16="http://schemas.microsoft.com/office/drawing/2014/main" id="{A81073C6-0496-4483-8737-AEC20285279D}"/>
+              </a:ext>
+            </a:extLst>
+          </p:cNvPr>
+          <p:cNvSpPr/>
+          <p:nvPr/>
+        </p:nvSpPr>
+        <p:spPr>
+          <a:xfrm rot="10800000">
+            <a:off x="5921542" y="3977103"/>
+            <a:ext cx="762000" cy="1509296"/>
+          </a:xfrm>
+          <a:prstGeom prst="leftRightUpArrow">
+            <a:avLst/>
+          </a:prstGeom>
+          <a:solidFill>
+            <a:srgbClr val="404040"/>
+          </a:solidFill>
+          <a:ln>
+            <a:noFill/>
+          </a:ln>
+        </p:spPr>
+        <p:style>
+          <a:lnRef idx="2">
+            <a:schemeClr val="dk1"/>
+          </a:lnRef>
+          <a:fillRef idx="1">
+            <a:schemeClr val="lt1"/>
+          </a:fillRef>
+          <a:effectRef idx="0">
+            <a:schemeClr val="dk1"/>
+          </a:effectRef>
+          <a:fontRef idx="minor">
+            <a:schemeClr val="dk1"/>
+          </a:fontRef>
+        </p:style>
+        <p:txBody>
+          <a:bodyPr rtlCol="0" anchor="ctr"/>
+          <a:lstStyle/>
+          <a:p>
+            <a:pPr algn="ctr"/>
+            <a:endParaRPr lang="en-US"/>
+          </a:p>
+        </p:txBody>
+      </p:sp>
+      <p:pic>
+        <p:nvPicPr>
+          <p:cNvPr id="10" name="Picture 9">
+            <a:extLst>
+              <a:ext uri="{FF2B5EF4-FFF2-40B4-BE49-F238E27FC236}">
+                <a16:creationId xmlns:a16="http://schemas.microsoft.com/office/drawing/2014/main" id="{72D1403D-F297-438B-971E-CD7FE4F987CF}"/>
+              </a:ext>
+            </a:extLst>
+          </p:cNvPr>
+          <p:cNvPicPr>
+            <a:picLocks noChangeAspect="1"/>
+          </p:cNvPicPr>
+          <p:nvPr/>
+        </p:nvPicPr>
+        <p:blipFill>
+          <a:blip r:embed="rId7"/>
+          <a:stretch>
+            <a:fillRect/>
+          </a:stretch>
+        </p:blipFill>
+        <p:spPr>
+          <a:xfrm>
+            <a:off x="5157604" y="5181600"/>
+            <a:ext cx="2289875" cy="1617169"/>
+          </a:xfrm>
+          <a:prstGeom prst="rect">
+            <a:avLst/>
+          </a:prstGeom>
+          <a:ln>
+            <a:solidFill>
+              <a:srgbClr val="404040"/>
+            </a:solidFill>
+          </a:ln>
+        </p:spPr>
+        <p:style>
+          <a:lnRef idx="2">
+            <a:schemeClr val="dk1"/>
+          </a:lnRef>
+          <a:fillRef idx="1">
+            <a:schemeClr val="lt1"/>
+          </a:fillRef>
+          <a:effectRef idx="0">
+            <a:schemeClr val="dk1"/>
+          </a:effectRef>
+          <a:fontRef idx="minor">
+            <a:schemeClr val="dk1"/>
+          </a:fontRef>
+        </p:style>
+      </p:pic>
+    </p:spTree>
+    <p:custDataLst>
+      <p:tags r:id="rId1"/>
+    </p:custDataLst>
+    <p:extLst>
+      <p:ext uri="{BB962C8B-B14F-4D97-AF65-F5344CB8AC3E}">
+        <p14:creationId xmlns:p14="http://schemas.microsoft.com/office/powerpoint/2010/main" val="3453221688"/>
+      </p:ext>
+    </p:extLst>
+  </p:cSld>
+  <p:clrMapOvr>
+    <a:masterClrMapping/>
+  </p:clrMapOvr>
+</p:sld>
+</file>
+
+<file path=ppt/slides/slide17.xml><?xml version="1.0" encoding="utf-8"?>
+<p:sld xmlns:a="http://schemas.openxmlformats.org/drawingml/2006/main" xmlns:r="http://schemas.openxmlformats.org/officeDocument/2006/relationships" xmlns:p="http://schemas.openxmlformats.org/presentationml/2006/main">
+  <p:cSld>
+    <p:bg>
+      <p:bgPr>
+        <a:solidFill>
+          <a:schemeClr val="bg1">
+            <a:lumMod val="85000"/>
+          </a:schemeClr>
+        </a:solidFill>
+        <a:effectLst/>
+      </p:bgPr>
+    </p:bg>
+    <p:spTree>
+      <p:nvGrpSpPr>
+        <p:cNvPr id="1" name=""/>
+        <p:cNvGrpSpPr/>
+        <p:nvPr/>
+      </p:nvGrpSpPr>
+      <p:grpSpPr>
+        <a:xfrm>
+          <a:off x="0" y="0"/>
+          <a:ext cx="0" cy="0"/>
+          <a:chOff x="0" y="0"/>
+          <a:chExt cx="0" cy="0"/>
+        </a:xfrm>
+      </p:grpSpPr>
+      <p:sp>
+        <p:nvSpPr>
+          <p:cNvPr id="15" name="Rectangle 12">
+            <a:extLst>
+              <a:ext uri="{FF2B5EF4-FFF2-40B4-BE49-F238E27FC236}">
+                <a16:creationId xmlns:a16="http://schemas.microsoft.com/office/drawing/2014/main" id="{867D4867-5BA7-4462-B2F6-A23F4A622AA7}"/>
+              </a:ext>
+              <a:ext uri="{C183D7F6-B498-43B3-948B-1728B52AA6E4}">
+                <adec:decorative xmlns:adec="http://schemas.microsoft.com/office/drawing/2017/decorative" val="1"/>
+              </a:ext>
+            </a:extLst>
+          </p:cNvPr>
+          <p:cNvSpPr>
+            <a:spLocks noGrp="1" noRot="1" noChangeAspect="1" noMove="1" noResize="1" noEditPoints="1" noAdjustHandles="1" noChangeArrowheads="1" noChangeShapeType="1" noTextEdit="1"/>
+          </p:cNvSpPr>
+          <p:nvPr>
+            <p:extLst>
+              <p:ext uri="{386F3935-93C4-4BCD-93E2-E3B085C9AB24}">
+                <p16:designElem xmlns:p16="http://schemas.microsoft.com/office/powerpoint/2015/main" val="1"/>
+              </p:ext>
+            </p:extLst>
+          </p:nvPr>
+        </p:nvSpPr>
+        <p:spPr>
+          <a:xfrm>
+            <a:off x="0" y="0"/>
+            <a:ext cx="3490722" cy="6858000"/>
+          </a:xfrm>
+          <a:prstGeom prst="rect">
+            <a:avLst/>
+          </a:prstGeom>
+          <a:solidFill>
+            <a:schemeClr val="tx1">
+              <a:lumMod val="75000"/>
+              <a:lumOff val="25000"/>
+            </a:schemeClr>
+          </a:solidFill>
+          <a:ln>
+            <a:noFill/>
+          </a:ln>
+        </p:spPr>
+        <p:style>
+          <a:lnRef idx="0">
+            <a:scrgbClr r="0" g="0" b="0"/>
+          </a:lnRef>
+          <a:fillRef idx="0">
+            <a:scrgbClr r="0" g="0" b="0"/>
+          </a:fillRef>
+          <a:effectRef idx="0">
+            <a:scrgbClr r="0" g="0" b="0"/>
+          </a:effectRef>
+          <a:fontRef idx="minor">
+            <a:schemeClr val="lt1"/>
+          </a:fontRef>
+        </p:style>
+        <p:txBody>
+          <a:bodyPr rtlCol="0" anchor="ctr"/>
+          <a:lstStyle/>
+          <a:p>
+            <a:pPr algn="ctr"/>
+            <a:endParaRPr lang="en-US"/>
+          </a:p>
+        </p:txBody>
+      </p:sp>
+      <p:sp>
+        <p:nvSpPr>
+          <p:cNvPr id="2" name="Title 1"/>
+          <p:cNvSpPr>
+            <a:spLocks noGrp="1"/>
+          </p:cNvSpPr>
+          <p:nvPr>
+            <p:ph type="title"/>
+          </p:nvPr>
+        </p:nvSpPr>
+        <p:spPr>
+          <a:xfrm>
+            <a:off x="482600" y="643467"/>
+            <a:ext cx="2522980" cy="1597315"/>
+          </a:xfrm>
+          <a:noFill/>
+          <a:ln w="19050">
+            <a:solidFill>
+              <a:schemeClr val="bg1"/>
+            </a:solidFill>
+          </a:ln>
+        </p:spPr>
+        <p:txBody>
+          <a:bodyPr vert="horz" wrap="square" lIns="91440" tIns="45720" rIns="91440" bIns="45720" rtlCol="0" anchor="ctr">
+            <a:normAutofit/>
+          </a:bodyPr>
+          <a:lstStyle/>
+          <a:p>
+            <a:pPr defTabSz="914400" eaLnBrk="1" hangingPunct="1">
+              <a:lnSpc>
+                <a:spcPct val="90000"/>
+              </a:lnSpc>
+            </a:pPr>
+            <a:r>
+              <a:rPr lang="en-US" sz="2400" dirty="0">
+                <a:solidFill>
+                  <a:schemeClr val="bg1"/>
+                </a:solidFill>
+                <a:ea typeface="+mj-ea"/>
+                <a:cs typeface="+mj-cs"/>
+              </a:rPr>
+              <a:t>select()</a:t>
+            </a:r>
+            <a:endParaRPr lang="en-US" sz="2400" kern="1200" dirty="0">
+              <a:solidFill>
+                <a:schemeClr val="bg1"/>
+              </a:solidFill>
+              <a:latin typeface="+mj-lt"/>
+              <a:ea typeface="+mj-ea"/>
+              <a:cs typeface="+mj-cs"/>
+            </a:endParaRPr>
+          </a:p>
+        </p:txBody>
+      </p:sp>
+      <p:pic>
+        <p:nvPicPr>
+          <p:cNvPr id="8" name="Picture 7">
+            <a:extLst>
+              <a:ext uri="{FF2B5EF4-FFF2-40B4-BE49-F238E27FC236}">
+                <a16:creationId xmlns:a16="http://schemas.microsoft.com/office/drawing/2014/main" id="{521D4292-9ECC-4DA5-8CC0-C561A0DA118E}"/>
+              </a:ext>
+            </a:extLst>
+          </p:cNvPr>
+          <p:cNvPicPr>
+            <a:picLocks noChangeAspect="1"/>
+          </p:cNvPicPr>
+          <p:nvPr/>
+        </p:nvPicPr>
+        <p:blipFill rotWithShape="1">
+          <a:blip r:embed="rId3"/>
+          <a:srcRect l="8000" r="9400"/>
+          <a:stretch/>
+        </p:blipFill>
+        <p:spPr>
+          <a:xfrm>
+            <a:off x="660103" y="3048000"/>
+            <a:ext cx="2167974" cy="2624666"/>
+          </a:xfrm>
+          <a:prstGeom prst="rect">
+            <a:avLst/>
+          </a:prstGeom>
+          <a:noFill/>
+        </p:spPr>
+      </p:pic>
+      <p:sp>
+        <p:nvSpPr>
+          <p:cNvPr id="3" name="TextBox 2">
+            <a:extLst>
+              <a:ext uri="{FF2B5EF4-FFF2-40B4-BE49-F238E27FC236}">
+                <a16:creationId xmlns:a16="http://schemas.microsoft.com/office/drawing/2014/main" id="{F11A48DB-9DC8-487D-B292-F37C24E1A4C6}"/>
+              </a:ext>
+            </a:extLst>
+          </p:cNvPr>
+          <p:cNvSpPr txBox="1"/>
+          <p:nvPr/>
+        </p:nvSpPr>
+        <p:spPr>
+          <a:xfrm>
+            <a:off x="3777352" y="643467"/>
+            <a:ext cx="5061848" cy="4893647"/>
+          </a:xfrm>
+          <a:prstGeom prst="rect">
+            <a:avLst/>
+          </a:prstGeom>
+          <a:noFill/>
+        </p:spPr>
+        <p:txBody>
+          <a:bodyPr wrap="square" rtlCol="0">
+            <a:spAutoFit/>
+          </a:bodyPr>
+          <a:lstStyle/>
+          <a:p>
+            <a:pPr marL="342900" indent="-342900">
+              <a:buFont typeface="Arial" panose="020B0604020202020204" pitchFamily="34" charset="0"/>
+              <a:buChar char="•"/>
+            </a:pPr>
+            <a:r>
+              <a:rPr lang="en-US" dirty="0">
+                <a:solidFill>
+                  <a:srgbClr val="404040"/>
+                </a:solidFill>
+              </a:rPr>
+              <a:t>Used to Select Variables</a:t>
+            </a:r>
+          </a:p>
+          <a:p>
+            <a:pPr marL="342900" indent="-342900">
+              <a:buFont typeface="Arial" panose="020B0604020202020204" pitchFamily="34" charset="0"/>
+              <a:buChar char="•"/>
+            </a:pPr>
+            <a:endParaRPr lang="en-US" dirty="0">
+              <a:solidFill>
+                <a:srgbClr val="404040"/>
+              </a:solidFill>
+            </a:endParaRPr>
+          </a:p>
+          <a:p>
+            <a:pPr marL="342900" indent="-342900">
+              <a:buFont typeface="Arial" panose="020B0604020202020204" pitchFamily="34" charset="0"/>
+              <a:buChar char="•"/>
+            </a:pPr>
+            <a:r>
+              <a:rPr lang="en-US" dirty="0">
+                <a:solidFill>
+                  <a:srgbClr val="404040"/>
+                </a:solidFill>
+              </a:rPr>
+              <a:t>Why? Not All Variables are Created Equal</a:t>
+            </a:r>
+          </a:p>
+          <a:p>
+            <a:pPr marL="342900" indent="-342900">
+              <a:buFont typeface="Arial" panose="020B0604020202020204" pitchFamily="34" charset="0"/>
+              <a:buChar char="•"/>
+            </a:pPr>
+            <a:endParaRPr lang="en-US" dirty="0">
+              <a:solidFill>
+                <a:srgbClr val="404040"/>
+              </a:solidFill>
+            </a:endParaRPr>
+          </a:p>
+          <a:p>
+            <a:pPr marL="342900" indent="-342900">
+              <a:buFont typeface="Arial" panose="020B0604020202020204" pitchFamily="34" charset="0"/>
+              <a:buChar char="•"/>
+            </a:pPr>
+            <a:r>
+              <a:rPr lang="en-US" dirty="0">
+                <a:solidFill>
+                  <a:srgbClr val="404040"/>
+                </a:solidFill>
+              </a:rPr>
+              <a:t>Need to Know Variable Names</a:t>
+            </a:r>
+          </a:p>
+          <a:p>
+            <a:pPr marL="342900" indent="-342900">
+              <a:buFont typeface="Arial" panose="020B0604020202020204" pitchFamily="34" charset="0"/>
+              <a:buChar char="•"/>
+            </a:pPr>
+            <a:endParaRPr lang="en-US" dirty="0">
+              <a:solidFill>
+                <a:srgbClr val="404040"/>
+              </a:solidFill>
+            </a:endParaRPr>
+          </a:p>
+          <a:p>
+            <a:pPr marL="342900" indent="-342900">
+              <a:buFont typeface="Arial" panose="020B0604020202020204" pitchFamily="34" charset="0"/>
+              <a:buChar char="•"/>
+            </a:pPr>
+            <a:endParaRPr lang="en-US" dirty="0">
+              <a:solidFill>
+                <a:srgbClr val="404040"/>
+              </a:solidFill>
+            </a:endParaRPr>
+          </a:p>
+          <a:p>
+            <a:pPr marL="342900" indent="-342900">
+              <a:buFont typeface="Arial" panose="020B0604020202020204" pitchFamily="34" charset="0"/>
+              <a:buChar char="•"/>
+            </a:pPr>
+            <a:endParaRPr lang="en-US" dirty="0">
+              <a:solidFill>
+                <a:srgbClr val="404040"/>
+              </a:solidFill>
+            </a:endParaRPr>
+          </a:p>
+          <a:p>
+            <a:pPr marL="342900" indent="-342900">
+              <a:buFont typeface="Arial" panose="020B0604020202020204" pitchFamily="34" charset="0"/>
+              <a:buChar char="•"/>
+            </a:pPr>
+            <a:endParaRPr lang="en-US" dirty="0">
+              <a:solidFill>
+                <a:srgbClr val="404040"/>
+              </a:solidFill>
+            </a:endParaRPr>
+          </a:p>
+          <a:p>
+            <a:pPr marL="342900" indent="-342900">
+              <a:buFont typeface="Arial" panose="020B0604020202020204" pitchFamily="34" charset="0"/>
+              <a:buChar char="•"/>
+            </a:pPr>
+            <a:endParaRPr lang="en-US" dirty="0">
+              <a:solidFill>
+                <a:srgbClr val="404040"/>
+              </a:solidFill>
+            </a:endParaRPr>
+          </a:p>
+          <a:p>
+            <a:endParaRPr lang="en-US" dirty="0">
+              <a:solidFill>
+                <a:srgbClr val="404040"/>
+              </a:solidFill>
+            </a:endParaRPr>
+          </a:p>
+          <a:p>
+            <a:pPr lvl="1"/>
+            <a:endParaRPr lang="en-US" dirty="0">
+              <a:solidFill>
+                <a:srgbClr val="404040"/>
+              </a:solidFill>
+            </a:endParaRPr>
+          </a:p>
+        </p:txBody>
+      </p:sp>
+      <p:pic>
+        <p:nvPicPr>
+          <p:cNvPr id="4" name="Picture 3">
+            <a:extLst>
+              <a:ext uri="{FF2B5EF4-FFF2-40B4-BE49-F238E27FC236}">
+                <a16:creationId xmlns:a16="http://schemas.microsoft.com/office/drawing/2014/main" id="{53AC489E-624C-42DC-B08D-CE180706E020}"/>
+              </a:ext>
+            </a:extLst>
+          </p:cNvPr>
+          <p:cNvPicPr>
+            <a:picLocks noChangeAspect="1"/>
+          </p:cNvPicPr>
+          <p:nvPr/>
+        </p:nvPicPr>
+        <p:blipFill>
+          <a:blip r:embed="rId4"/>
+          <a:stretch>
+            <a:fillRect/>
+          </a:stretch>
+        </p:blipFill>
+        <p:spPr>
+          <a:xfrm>
+            <a:off x="3894586" y="3048000"/>
+            <a:ext cx="4827379" cy="1390650"/>
+          </a:xfrm>
+          <a:prstGeom prst="rect">
+            <a:avLst/>
+          </a:prstGeom>
+          <a:ln>
+            <a:solidFill>
+              <a:srgbClr val="404040"/>
+            </a:solidFill>
+          </a:ln>
+        </p:spPr>
+        <p:style>
+          <a:lnRef idx="2">
+            <a:schemeClr val="dk1"/>
+          </a:lnRef>
+          <a:fillRef idx="1">
+            <a:schemeClr val="lt1"/>
+          </a:fillRef>
+          <a:effectRef idx="0">
+            <a:schemeClr val="dk1"/>
+          </a:effectRef>
+          <a:fontRef idx="minor">
+            <a:schemeClr val="dk1"/>
+          </a:fontRef>
+        </p:style>
+      </p:pic>
+    </p:spTree>
+    <p:custDataLst>
+      <p:tags r:id="rId1"/>
+    </p:custDataLst>
+    <p:extLst>
+      <p:ext uri="{BB962C8B-B14F-4D97-AF65-F5344CB8AC3E}">
+        <p14:creationId xmlns:p14="http://schemas.microsoft.com/office/powerpoint/2010/main" val="1549416681"/>
+      </p:ext>
+    </p:extLst>
+  </p:cSld>
+  <p:clrMapOvr>
+    <a:masterClrMapping/>
+  </p:clrMapOvr>
+</p:sld>
+</file>
+
+<file path=ppt/slides/slide18.xml><?xml version="1.0" encoding="utf-8"?>
+<p:sld xmlns:a="http://schemas.openxmlformats.org/drawingml/2006/main" xmlns:r="http://schemas.openxmlformats.org/officeDocument/2006/relationships" xmlns:p="http://schemas.openxmlformats.org/presentationml/2006/main">
+  <p:cSld>
+    <p:bg>
+      <p:bgPr>
+        <a:solidFill>
+          <a:schemeClr val="bg1">
+            <a:lumMod val="85000"/>
+          </a:schemeClr>
+        </a:solidFill>
+        <a:effectLst/>
+      </p:bgPr>
+    </p:bg>
+    <p:spTree>
+      <p:nvGrpSpPr>
+        <p:cNvPr id="1" name=""/>
+        <p:cNvGrpSpPr/>
+        <p:nvPr/>
+      </p:nvGrpSpPr>
+      <p:grpSpPr>
+        <a:xfrm>
+          <a:off x="0" y="0"/>
+          <a:ext cx="0" cy="0"/>
+          <a:chOff x="0" y="0"/>
+          <a:chExt cx="0" cy="0"/>
+        </a:xfrm>
+      </p:grpSpPr>
+      <p:sp>
+        <p:nvSpPr>
+          <p:cNvPr id="15" name="Rectangle 12">
+            <a:extLst>
+              <a:ext uri="{FF2B5EF4-FFF2-40B4-BE49-F238E27FC236}">
+                <a16:creationId xmlns:a16="http://schemas.microsoft.com/office/drawing/2014/main" id="{867D4867-5BA7-4462-B2F6-A23F4A622AA7}"/>
+              </a:ext>
+              <a:ext uri="{C183D7F6-B498-43B3-948B-1728B52AA6E4}">
+                <adec:decorative xmlns:adec="http://schemas.microsoft.com/office/drawing/2017/decorative" val="1"/>
+              </a:ext>
+            </a:extLst>
+          </p:cNvPr>
+          <p:cNvSpPr>
+            <a:spLocks noGrp="1" noRot="1" noChangeAspect="1" noMove="1" noResize="1" noEditPoints="1" noAdjustHandles="1" noChangeArrowheads="1" noChangeShapeType="1" noTextEdit="1"/>
+          </p:cNvSpPr>
+          <p:nvPr>
+            <p:extLst>
+              <p:ext uri="{386F3935-93C4-4BCD-93E2-E3B085C9AB24}">
+                <p16:designElem xmlns:p16="http://schemas.microsoft.com/office/powerpoint/2015/main" val="1"/>
+              </p:ext>
+            </p:extLst>
+          </p:nvPr>
+        </p:nvSpPr>
+        <p:spPr>
+          <a:xfrm>
+            <a:off x="0" y="0"/>
+            <a:ext cx="3490722" cy="6858000"/>
+          </a:xfrm>
+          <a:prstGeom prst="rect">
+            <a:avLst/>
+          </a:prstGeom>
+          <a:solidFill>
+            <a:schemeClr val="tx1">
+              <a:lumMod val="75000"/>
+              <a:lumOff val="25000"/>
+            </a:schemeClr>
+          </a:solidFill>
+          <a:ln>
+            <a:noFill/>
+          </a:ln>
+        </p:spPr>
+        <p:style>
+          <a:lnRef idx="0">
+            <a:scrgbClr r="0" g="0" b="0"/>
+          </a:lnRef>
+          <a:fillRef idx="0">
+            <a:scrgbClr r="0" g="0" b="0"/>
+          </a:fillRef>
+          <a:effectRef idx="0">
+            <a:scrgbClr r="0" g="0" b="0"/>
+          </a:effectRef>
+          <a:fontRef idx="minor">
+            <a:schemeClr val="lt1"/>
+          </a:fontRef>
+        </p:style>
+        <p:txBody>
+          <a:bodyPr rtlCol="0" anchor="ctr"/>
+          <a:lstStyle/>
+          <a:p>
+            <a:pPr algn="ctr"/>
+            <a:endParaRPr lang="en-US"/>
+          </a:p>
+        </p:txBody>
+      </p:sp>
+      <p:sp>
+        <p:nvSpPr>
+          <p:cNvPr id="2" name="Title 1"/>
+          <p:cNvSpPr>
+            <a:spLocks noGrp="1"/>
+          </p:cNvSpPr>
+          <p:nvPr>
+            <p:ph type="title"/>
+          </p:nvPr>
+        </p:nvSpPr>
+        <p:spPr>
+          <a:xfrm>
+            <a:off x="482600" y="643467"/>
+            <a:ext cx="2522980" cy="1597315"/>
+          </a:xfrm>
+          <a:noFill/>
+          <a:ln w="19050">
+            <a:solidFill>
+              <a:schemeClr val="bg1"/>
+            </a:solidFill>
+          </a:ln>
+        </p:spPr>
+        <p:txBody>
+          <a:bodyPr vert="horz" wrap="square" lIns="91440" tIns="45720" rIns="91440" bIns="45720" rtlCol="0" anchor="ctr">
+            <a:normAutofit/>
+          </a:bodyPr>
+          <a:lstStyle/>
+          <a:p>
+            <a:pPr defTabSz="914400" eaLnBrk="1" hangingPunct="1">
+              <a:lnSpc>
+                <a:spcPct val="90000"/>
+              </a:lnSpc>
+            </a:pPr>
+            <a:r>
+              <a:rPr lang="en-US" sz="2400" dirty="0">
+                <a:solidFill>
+                  <a:schemeClr val="bg1"/>
+                </a:solidFill>
+                <a:ea typeface="+mj-ea"/>
+                <a:cs typeface="+mj-cs"/>
+              </a:rPr>
+              <a:t>select()</a:t>
+            </a:r>
+            <a:endParaRPr lang="en-US" sz="2400" kern="1200" dirty="0">
+              <a:solidFill>
+                <a:schemeClr val="bg1"/>
+              </a:solidFill>
+              <a:latin typeface="+mj-lt"/>
+              <a:ea typeface="+mj-ea"/>
+              <a:cs typeface="+mj-cs"/>
+            </a:endParaRPr>
+          </a:p>
+        </p:txBody>
+      </p:sp>
+      <p:pic>
+        <p:nvPicPr>
+          <p:cNvPr id="8" name="Picture 7">
+            <a:extLst>
+              <a:ext uri="{FF2B5EF4-FFF2-40B4-BE49-F238E27FC236}">
+                <a16:creationId xmlns:a16="http://schemas.microsoft.com/office/drawing/2014/main" id="{521D4292-9ECC-4DA5-8CC0-C561A0DA118E}"/>
+              </a:ext>
+            </a:extLst>
+          </p:cNvPr>
+          <p:cNvPicPr>
+            <a:picLocks noChangeAspect="1"/>
+          </p:cNvPicPr>
+          <p:nvPr/>
+        </p:nvPicPr>
+        <p:blipFill rotWithShape="1">
+          <a:blip r:embed="rId3"/>
+          <a:srcRect l="8000" r="9400"/>
+          <a:stretch/>
+        </p:blipFill>
+        <p:spPr>
+          <a:xfrm>
+            <a:off x="660103" y="3048000"/>
+            <a:ext cx="2167974" cy="2624666"/>
+          </a:xfrm>
+          <a:prstGeom prst="rect">
+            <a:avLst/>
+          </a:prstGeom>
+          <a:noFill/>
+        </p:spPr>
+      </p:pic>
+      <p:sp>
+        <p:nvSpPr>
+          <p:cNvPr id="3" name="TextBox 2">
+            <a:extLst>
+              <a:ext uri="{FF2B5EF4-FFF2-40B4-BE49-F238E27FC236}">
+                <a16:creationId xmlns:a16="http://schemas.microsoft.com/office/drawing/2014/main" id="{F11A48DB-9DC8-487D-B292-F37C24E1A4C6}"/>
+              </a:ext>
+            </a:extLst>
+          </p:cNvPr>
+          <p:cNvSpPr txBox="1"/>
+          <p:nvPr/>
+        </p:nvSpPr>
+        <p:spPr>
+          <a:xfrm>
+            <a:off x="3777352" y="643467"/>
+            <a:ext cx="5214248" cy="6370975"/>
+          </a:xfrm>
+          <a:prstGeom prst="rect">
+            <a:avLst/>
+          </a:prstGeom>
+          <a:noFill/>
+        </p:spPr>
+        <p:txBody>
+          <a:bodyPr wrap="square" rtlCol="0">
+            <a:spAutoFit/>
+          </a:bodyPr>
+          <a:lstStyle/>
+          <a:p>
+            <a:pPr marL="342900" indent="-342900">
+              <a:buFont typeface="Arial" panose="020B0604020202020204" pitchFamily="34" charset="0"/>
+              <a:buChar char="•"/>
+            </a:pPr>
+            <a:r>
+              <a:rPr lang="en-US" dirty="0">
+                <a:solidFill>
+                  <a:srgbClr val="404040"/>
+                </a:solidFill>
+              </a:rPr>
+              <a:t>Basic Examples</a:t>
+            </a:r>
+          </a:p>
+          <a:p>
+            <a:pPr marL="342900" indent="-342900">
+              <a:buFont typeface="Arial" panose="020B0604020202020204" pitchFamily="34" charset="0"/>
+              <a:buChar char="•"/>
+            </a:pPr>
+            <a:endParaRPr lang="en-US" dirty="0">
+              <a:solidFill>
+                <a:srgbClr val="404040"/>
+              </a:solidFill>
+            </a:endParaRPr>
+          </a:p>
+          <a:p>
+            <a:pPr marL="800100" lvl="1" indent="-342900">
+              <a:buFont typeface="Arial" panose="020B0604020202020204" pitchFamily="34" charset="0"/>
+              <a:buChar char="•"/>
+            </a:pPr>
+            <a:r>
+              <a:rPr lang="en-US" dirty="0">
+                <a:solidFill>
+                  <a:srgbClr val="404040"/>
+                </a:solidFill>
+              </a:rPr>
+              <a:t>Select Only Year, Month, Day</a:t>
+            </a:r>
+          </a:p>
+          <a:p>
+            <a:pPr lvl="1"/>
+            <a:endParaRPr lang="en-US" dirty="0">
+              <a:solidFill>
+                <a:srgbClr val="404040"/>
+              </a:solidFill>
+            </a:endParaRPr>
+          </a:p>
+          <a:p>
+            <a:pPr lvl="1"/>
+            <a:endParaRPr lang="en-US" dirty="0">
+              <a:solidFill>
+                <a:srgbClr val="404040"/>
+              </a:solidFill>
+            </a:endParaRPr>
+          </a:p>
+          <a:p>
+            <a:pPr marL="800100" lvl="1" indent="-342900">
+              <a:buFont typeface="Arial" panose="020B0604020202020204" pitchFamily="34" charset="0"/>
+              <a:buChar char="•"/>
+            </a:pPr>
+            <a:endParaRPr lang="en-US" dirty="0">
+              <a:solidFill>
+                <a:srgbClr val="404040"/>
+              </a:solidFill>
+            </a:endParaRPr>
+          </a:p>
+          <a:p>
+            <a:pPr marL="800100" lvl="1" indent="-342900">
+              <a:buFont typeface="Arial" panose="020B0604020202020204" pitchFamily="34" charset="0"/>
+              <a:buChar char="•"/>
+            </a:pPr>
+            <a:r>
+              <a:rPr lang="en-US" dirty="0">
+                <a:solidFill>
+                  <a:srgbClr val="404040"/>
+                </a:solidFill>
+              </a:rPr>
+              <a:t>Select All Variables Between </a:t>
+            </a:r>
+            <a:r>
+              <a:rPr lang="en-US" dirty="0" err="1">
+                <a:solidFill>
+                  <a:srgbClr val="404040"/>
+                </a:solidFill>
+              </a:rPr>
+              <a:t>dep_time</a:t>
+            </a:r>
+            <a:r>
+              <a:rPr lang="en-US" dirty="0">
+                <a:solidFill>
+                  <a:srgbClr val="404040"/>
+                </a:solidFill>
+              </a:rPr>
+              <a:t> to </a:t>
+            </a:r>
+            <a:r>
+              <a:rPr lang="en-US" dirty="0" err="1">
+                <a:solidFill>
+                  <a:srgbClr val="404040"/>
+                </a:solidFill>
+              </a:rPr>
+              <a:t>arr_delay</a:t>
+            </a:r>
+            <a:endParaRPr lang="en-US" dirty="0">
+              <a:solidFill>
+                <a:srgbClr val="404040"/>
+              </a:solidFill>
+            </a:endParaRPr>
+          </a:p>
+          <a:p>
+            <a:pPr marL="800100" lvl="1" indent="-342900">
+              <a:buFont typeface="Arial" panose="020B0604020202020204" pitchFamily="34" charset="0"/>
+              <a:buChar char="•"/>
+            </a:pPr>
+            <a:endParaRPr lang="en-US" dirty="0">
+              <a:solidFill>
+                <a:srgbClr val="404040"/>
+              </a:solidFill>
+            </a:endParaRPr>
+          </a:p>
+          <a:p>
+            <a:pPr marL="800100" lvl="1" indent="-342900">
+              <a:buFont typeface="Arial" panose="020B0604020202020204" pitchFamily="34" charset="0"/>
+              <a:buChar char="•"/>
+            </a:pPr>
+            <a:endParaRPr lang="en-US" dirty="0">
+              <a:solidFill>
+                <a:srgbClr val="404040"/>
+              </a:solidFill>
+            </a:endParaRPr>
+          </a:p>
+          <a:p>
+            <a:pPr lvl="1"/>
+            <a:endParaRPr lang="en-US" dirty="0">
+              <a:solidFill>
+                <a:srgbClr val="404040"/>
+              </a:solidFill>
+            </a:endParaRPr>
+          </a:p>
+          <a:p>
+            <a:pPr marL="800100" lvl="1" indent="-342900">
+              <a:buFont typeface="Arial" panose="020B0604020202020204" pitchFamily="34" charset="0"/>
+              <a:buChar char="•"/>
+            </a:pPr>
+            <a:endParaRPr lang="en-US" dirty="0">
+              <a:solidFill>
+                <a:srgbClr val="404040"/>
+              </a:solidFill>
+            </a:endParaRPr>
+          </a:p>
+          <a:p>
+            <a:pPr marL="800100" lvl="1" indent="-342900">
+              <a:buFont typeface="Arial" panose="020B0604020202020204" pitchFamily="34" charset="0"/>
+              <a:buChar char="•"/>
+            </a:pPr>
+            <a:r>
+              <a:rPr lang="en-US" dirty="0">
+                <a:solidFill>
+                  <a:srgbClr val="404040"/>
+                </a:solidFill>
+              </a:rPr>
+              <a:t>Deselect Year, Month, and Day</a:t>
+            </a:r>
+          </a:p>
+          <a:p>
+            <a:endParaRPr lang="en-US" dirty="0">
+              <a:solidFill>
+                <a:srgbClr val="404040"/>
+              </a:solidFill>
+            </a:endParaRPr>
+          </a:p>
+          <a:p>
+            <a:pPr marL="342900" indent="-342900">
+              <a:buFont typeface="Arial" panose="020B0604020202020204" pitchFamily="34" charset="0"/>
+              <a:buChar char="•"/>
+            </a:pPr>
+            <a:endParaRPr lang="en-US" dirty="0">
+              <a:solidFill>
+                <a:srgbClr val="404040"/>
+              </a:solidFill>
+            </a:endParaRPr>
+          </a:p>
+          <a:p>
+            <a:pPr lvl="1"/>
+            <a:endParaRPr lang="en-US" dirty="0">
+              <a:solidFill>
+                <a:srgbClr val="404040"/>
+              </a:solidFill>
+            </a:endParaRPr>
+          </a:p>
+          <a:p>
+            <a:pPr lvl="1"/>
+            <a:endParaRPr lang="en-US" dirty="0">
+              <a:solidFill>
+                <a:srgbClr val="404040"/>
+              </a:solidFill>
+            </a:endParaRPr>
+          </a:p>
+        </p:txBody>
+      </p:sp>
+      <p:pic>
+        <p:nvPicPr>
+          <p:cNvPr id="6" name="Picture 5">
+            <a:extLst>
+              <a:ext uri="{FF2B5EF4-FFF2-40B4-BE49-F238E27FC236}">
+                <a16:creationId xmlns:a16="http://schemas.microsoft.com/office/drawing/2014/main" id="{AC21BD55-6F68-4566-94BA-8FA921E3BC7D}"/>
+              </a:ext>
+            </a:extLst>
+          </p:cNvPr>
+          <p:cNvPicPr>
+            <a:picLocks noChangeAspect="1"/>
+          </p:cNvPicPr>
+          <p:nvPr/>
+        </p:nvPicPr>
+        <p:blipFill>
+          <a:blip r:embed="rId4"/>
+          <a:stretch>
+            <a:fillRect/>
+          </a:stretch>
+        </p:blipFill>
+        <p:spPr>
+          <a:xfrm>
+            <a:off x="4128544" y="1828800"/>
+            <a:ext cx="4681326" cy="685800"/>
+          </a:xfrm>
+          <a:prstGeom prst="rect">
+            <a:avLst/>
+          </a:prstGeom>
+          <a:ln>
+            <a:solidFill>
+              <a:srgbClr val="404040"/>
+            </a:solidFill>
+          </a:ln>
+        </p:spPr>
+        <p:style>
+          <a:lnRef idx="2">
+            <a:schemeClr val="dk1"/>
+          </a:lnRef>
+          <a:fillRef idx="1">
+            <a:schemeClr val="lt1"/>
+          </a:fillRef>
+          <a:effectRef idx="0">
+            <a:schemeClr val="dk1"/>
+          </a:effectRef>
+          <a:fontRef idx="minor">
+            <a:schemeClr val="dk1"/>
+          </a:fontRef>
+        </p:style>
+      </p:pic>
+      <p:pic>
+        <p:nvPicPr>
+          <p:cNvPr id="7" name="Picture 6">
+            <a:extLst>
+              <a:ext uri="{FF2B5EF4-FFF2-40B4-BE49-F238E27FC236}">
+                <a16:creationId xmlns:a16="http://schemas.microsoft.com/office/drawing/2014/main" id="{A3926183-6E1B-448A-BBCB-7FF3B51820F9}"/>
+              </a:ext>
+            </a:extLst>
+          </p:cNvPr>
+          <p:cNvPicPr>
+            <a:picLocks noChangeAspect="1"/>
+          </p:cNvPicPr>
+          <p:nvPr/>
+        </p:nvPicPr>
+        <p:blipFill>
+          <a:blip r:embed="rId5"/>
+          <a:stretch>
+            <a:fillRect/>
+          </a:stretch>
+        </p:blipFill>
+        <p:spPr>
+          <a:xfrm>
+            <a:off x="4126539" y="3785182"/>
+            <a:ext cx="4636461" cy="1077295"/>
+          </a:xfrm>
+          <a:prstGeom prst="rect">
+            <a:avLst/>
+          </a:prstGeom>
+          <a:ln>
+            <a:solidFill>
+              <a:srgbClr val="404040"/>
+            </a:solidFill>
+          </a:ln>
+        </p:spPr>
+        <p:style>
+          <a:lnRef idx="2">
+            <a:schemeClr val="dk1"/>
+          </a:lnRef>
+          <a:fillRef idx="1">
+            <a:schemeClr val="lt1"/>
+          </a:fillRef>
+          <a:effectRef idx="0">
+            <a:schemeClr val="dk1"/>
+          </a:effectRef>
+          <a:fontRef idx="minor">
+            <a:schemeClr val="dk1"/>
+          </a:fontRef>
+        </p:style>
+      </p:pic>
+      <p:pic>
+        <p:nvPicPr>
+          <p:cNvPr id="9" name="Picture 8">
+            <a:extLst>
+              <a:ext uri="{FF2B5EF4-FFF2-40B4-BE49-F238E27FC236}">
+                <a16:creationId xmlns:a16="http://schemas.microsoft.com/office/drawing/2014/main" id="{763DB3E9-4B32-4555-A5B9-2498264D6E26}"/>
+              </a:ext>
+            </a:extLst>
+          </p:cNvPr>
+          <p:cNvPicPr>
+            <a:picLocks noChangeAspect="1"/>
+          </p:cNvPicPr>
+          <p:nvPr/>
+        </p:nvPicPr>
+        <p:blipFill>
+          <a:blip r:embed="rId6"/>
+          <a:stretch>
+            <a:fillRect/>
+          </a:stretch>
+        </p:blipFill>
+        <p:spPr>
+          <a:xfrm>
+            <a:off x="4126539" y="5486400"/>
+            <a:ext cx="3886200" cy="1188852"/>
+          </a:xfrm>
+          <a:prstGeom prst="rect">
+            <a:avLst/>
+          </a:prstGeom>
+          <a:ln>
+            <a:solidFill>
+              <a:srgbClr val="404040"/>
+            </a:solidFill>
+          </a:ln>
+        </p:spPr>
+        <p:style>
+          <a:lnRef idx="2">
+            <a:schemeClr val="dk1"/>
+          </a:lnRef>
+          <a:fillRef idx="1">
+            <a:schemeClr val="lt1"/>
+          </a:fillRef>
+          <a:effectRef idx="0">
+            <a:schemeClr val="dk1"/>
+          </a:effectRef>
+          <a:fontRef idx="minor">
+            <a:schemeClr val="dk1"/>
+          </a:fontRef>
+        </p:style>
+      </p:pic>
+    </p:spTree>
+    <p:custDataLst>
+      <p:tags r:id="rId1"/>
+    </p:custDataLst>
+    <p:extLst>
+      <p:ext uri="{BB962C8B-B14F-4D97-AF65-F5344CB8AC3E}">
+        <p14:creationId xmlns:p14="http://schemas.microsoft.com/office/powerpoint/2010/main" val="3208778686"/>
+      </p:ext>
+    </p:extLst>
+  </p:cSld>
+  <p:clrMapOvr>
+    <a:masterClrMapping/>
+  </p:clrMapOvr>
+</p:sld>
+</file>
+
+<file path=ppt/slides/slide19.xml><?xml version="1.0" encoding="utf-8"?>
+<p:sld xmlns:a="http://schemas.openxmlformats.org/drawingml/2006/main" xmlns:r="http://schemas.openxmlformats.org/officeDocument/2006/relationships" xmlns:p="http://schemas.openxmlformats.org/presentationml/2006/main">
+  <p:cSld>
+    <p:bg>
+      <p:bgPr>
+        <a:solidFill>
+          <a:schemeClr val="bg1">
+            <a:lumMod val="85000"/>
+          </a:schemeClr>
+        </a:solidFill>
+        <a:effectLst/>
+      </p:bgPr>
+    </p:bg>
+    <p:spTree>
+      <p:nvGrpSpPr>
+        <p:cNvPr id="1" name=""/>
+        <p:cNvGrpSpPr/>
+        <p:nvPr/>
+      </p:nvGrpSpPr>
+      <p:grpSpPr>
+        <a:xfrm>
+          <a:off x="0" y="0"/>
+          <a:ext cx="0" cy="0"/>
+          <a:chOff x="0" y="0"/>
+          <a:chExt cx="0" cy="0"/>
+        </a:xfrm>
+      </p:grpSpPr>
+      <p:sp>
+        <p:nvSpPr>
+          <p:cNvPr id="15" name="Rectangle 12">
+            <a:extLst>
+              <a:ext uri="{FF2B5EF4-FFF2-40B4-BE49-F238E27FC236}">
+                <a16:creationId xmlns:a16="http://schemas.microsoft.com/office/drawing/2014/main" id="{867D4867-5BA7-4462-B2F6-A23F4A622AA7}"/>
+              </a:ext>
+              <a:ext uri="{C183D7F6-B498-43B3-948B-1728B52AA6E4}">
+                <adec:decorative xmlns:adec="http://schemas.microsoft.com/office/drawing/2017/decorative" val="1"/>
+              </a:ext>
+            </a:extLst>
+          </p:cNvPr>
+          <p:cNvSpPr>
+            <a:spLocks noGrp="1" noRot="1" noChangeAspect="1" noMove="1" noResize="1" noEditPoints="1" noAdjustHandles="1" noChangeArrowheads="1" noChangeShapeType="1" noTextEdit="1"/>
+          </p:cNvSpPr>
+          <p:nvPr>
+            <p:extLst>
+              <p:ext uri="{386F3935-93C4-4BCD-93E2-E3B085C9AB24}">
+                <p16:designElem xmlns:p16="http://schemas.microsoft.com/office/powerpoint/2015/main" val="1"/>
+              </p:ext>
+            </p:extLst>
+          </p:nvPr>
+        </p:nvSpPr>
+        <p:spPr>
+          <a:xfrm>
+            <a:off x="0" y="0"/>
+            <a:ext cx="3490722" cy="6858000"/>
+          </a:xfrm>
+          <a:prstGeom prst="rect">
+            <a:avLst/>
+          </a:prstGeom>
+          <a:solidFill>
+            <a:schemeClr val="tx1">
+              <a:lumMod val="75000"/>
+              <a:lumOff val="25000"/>
+            </a:schemeClr>
+          </a:solidFill>
+          <a:ln>
+            <a:noFill/>
+          </a:ln>
+        </p:spPr>
+        <p:style>
+          <a:lnRef idx="0">
+            <a:scrgbClr r="0" g="0" b="0"/>
+          </a:lnRef>
+          <a:fillRef idx="0">
+            <a:scrgbClr r="0" g="0" b="0"/>
+          </a:fillRef>
+          <a:effectRef idx="0">
+            <a:scrgbClr r="0" g="0" b="0"/>
+          </a:effectRef>
+          <a:fontRef idx="minor">
+            <a:schemeClr val="lt1"/>
+          </a:fontRef>
+        </p:style>
+        <p:txBody>
+          <a:bodyPr rtlCol="0" anchor="ctr"/>
+          <a:lstStyle/>
+          <a:p>
+            <a:pPr algn="ctr"/>
+            <a:endParaRPr lang="en-US"/>
+          </a:p>
+        </p:txBody>
+      </p:sp>
+      <p:sp>
+        <p:nvSpPr>
+          <p:cNvPr id="2" name="Title 1"/>
+          <p:cNvSpPr>
+            <a:spLocks noGrp="1"/>
+          </p:cNvSpPr>
+          <p:nvPr>
+            <p:ph type="title"/>
+          </p:nvPr>
+        </p:nvSpPr>
+        <p:spPr>
+          <a:xfrm>
+            <a:off x="482600" y="643467"/>
+            <a:ext cx="2522980" cy="1597315"/>
+          </a:xfrm>
+          <a:noFill/>
+          <a:ln w="19050">
+            <a:solidFill>
+              <a:schemeClr val="bg1"/>
+            </a:solidFill>
+          </a:ln>
+        </p:spPr>
+        <p:txBody>
+          <a:bodyPr vert="horz" wrap="square" lIns="91440" tIns="45720" rIns="91440" bIns="45720" rtlCol="0" anchor="ctr">
+            <a:normAutofit/>
+          </a:bodyPr>
+          <a:lstStyle/>
+          <a:p>
+            <a:pPr defTabSz="914400" eaLnBrk="1" hangingPunct="1">
+              <a:lnSpc>
+                <a:spcPct val="90000"/>
+              </a:lnSpc>
+            </a:pPr>
+            <a:r>
+              <a:rPr lang="en-US" sz="2400" dirty="0">
+                <a:solidFill>
+                  <a:schemeClr val="bg1"/>
+                </a:solidFill>
+                <a:ea typeface="+mj-ea"/>
+                <a:cs typeface="+mj-cs"/>
+              </a:rPr>
+              <a:t>select()</a:t>
+            </a:r>
+            <a:endParaRPr lang="en-US" sz="2400" kern="1200" dirty="0">
+              <a:solidFill>
+                <a:schemeClr val="bg1"/>
+              </a:solidFill>
+              <a:latin typeface="+mj-lt"/>
+              <a:ea typeface="+mj-ea"/>
+              <a:cs typeface="+mj-cs"/>
+            </a:endParaRPr>
+          </a:p>
+        </p:txBody>
+      </p:sp>
+      <p:pic>
+        <p:nvPicPr>
+          <p:cNvPr id="8" name="Picture 7">
+            <a:extLst>
+              <a:ext uri="{FF2B5EF4-FFF2-40B4-BE49-F238E27FC236}">
+                <a16:creationId xmlns:a16="http://schemas.microsoft.com/office/drawing/2014/main" id="{521D4292-9ECC-4DA5-8CC0-C561A0DA118E}"/>
+              </a:ext>
+            </a:extLst>
+          </p:cNvPr>
+          <p:cNvPicPr>
+            <a:picLocks noChangeAspect="1"/>
+          </p:cNvPicPr>
+          <p:nvPr/>
+        </p:nvPicPr>
+        <p:blipFill rotWithShape="1">
+          <a:blip r:embed="rId3"/>
+          <a:srcRect l="8000" r="9400"/>
+          <a:stretch/>
+        </p:blipFill>
+        <p:spPr>
+          <a:xfrm>
+            <a:off x="660103" y="3048000"/>
+            <a:ext cx="2167974" cy="2624666"/>
+          </a:xfrm>
+          <a:prstGeom prst="rect">
+            <a:avLst/>
+          </a:prstGeom>
+          <a:noFill/>
+        </p:spPr>
+      </p:pic>
+      <p:sp>
+        <p:nvSpPr>
+          <p:cNvPr id="3" name="TextBox 2">
+            <a:extLst>
+              <a:ext uri="{FF2B5EF4-FFF2-40B4-BE49-F238E27FC236}">
+                <a16:creationId xmlns:a16="http://schemas.microsoft.com/office/drawing/2014/main" id="{F11A48DB-9DC8-487D-B292-F37C24E1A4C6}"/>
+              </a:ext>
+            </a:extLst>
+          </p:cNvPr>
+          <p:cNvSpPr txBox="1"/>
+          <p:nvPr/>
+        </p:nvSpPr>
+        <p:spPr>
+          <a:xfrm>
+            <a:off x="3777352" y="643467"/>
+            <a:ext cx="5214248" cy="2677656"/>
+          </a:xfrm>
+          <a:prstGeom prst="rect">
+            <a:avLst/>
+          </a:prstGeom>
+          <a:noFill/>
+        </p:spPr>
+        <p:txBody>
+          <a:bodyPr wrap="square" rtlCol="0">
+            <a:spAutoFit/>
+          </a:bodyPr>
+          <a:lstStyle/>
+          <a:p>
+            <a:pPr marL="342900" indent="-342900">
+              <a:buFont typeface="Arial" panose="020B0604020202020204" pitchFamily="34" charset="0"/>
+              <a:buChar char="•"/>
+            </a:pPr>
+            <a:r>
+              <a:rPr lang="en-US" dirty="0">
+                <a:solidFill>
+                  <a:srgbClr val="404040"/>
+                </a:solidFill>
+              </a:rPr>
+              <a:t>Select Based on Column Index</a:t>
+            </a:r>
+          </a:p>
+          <a:p>
+            <a:pPr marL="342900" indent="-342900">
+              <a:buFont typeface="Arial" panose="020B0604020202020204" pitchFamily="34" charset="0"/>
+              <a:buChar char="•"/>
+            </a:pPr>
+            <a:endParaRPr lang="en-US" dirty="0">
+              <a:solidFill>
+                <a:srgbClr val="404040"/>
+              </a:solidFill>
+            </a:endParaRPr>
+          </a:p>
+          <a:p>
+            <a:pPr marL="342900" indent="-342900">
+              <a:buFont typeface="Arial" panose="020B0604020202020204" pitchFamily="34" charset="0"/>
+              <a:buChar char="•"/>
+            </a:pPr>
+            <a:endParaRPr lang="en-US" dirty="0">
+              <a:solidFill>
+                <a:srgbClr val="404040"/>
+              </a:solidFill>
+            </a:endParaRPr>
+          </a:p>
+          <a:p>
+            <a:pPr marL="342900" indent="-342900">
+              <a:buFont typeface="Arial" panose="020B0604020202020204" pitchFamily="34" charset="0"/>
+              <a:buChar char="•"/>
+            </a:pPr>
+            <a:endParaRPr lang="en-US" dirty="0">
+              <a:solidFill>
+                <a:srgbClr val="404040"/>
+              </a:solidFill>
+            </a:endParaRPr>
+          </a:p>
+          <a:p>
+            <a:pPr marL="342900" indent="-342900">
+              <a:buFont typeface="Arial" panose="020B0604020202020204" pitchFamily="34" charset="0"/>
+              <a:buChar char="•"/>
+            </a:pPr>
+            <a:endParaRPr lang="en-US" dirty="0">
+              <a:solidFill>
+                <a:srgbClr val="404040"/>
+              </a:solidFill>
+            </a:endParaRPr>
+          </a:p>
+          <a:p>
+            <a:pPr marL="342900" indent="-342900">
+              <a:buFont typeface="Arial" panose="020B0604020202020204" pitchFamily="34" charset="0"/>
+              <a:buChar char="•"/>
+            </a:pPr>
+            <a:endParaRPr lang="en-US" dirty="0">
+              <a:solidFill>
+                <a:srgbClr val="404040"/>
+              </a:solidFill>
+            </a:endParaRPr>
+          </a:p>
+          <a:p>
+            <a:pPr marL="342900" indent="-342900">
+              <a:buFont typeface="Arial" panose="020B0604020202020204" pitchFamily="34" charset="0"/>
+              <a:buChar char="•"/>
+            </a:pPr>
+            <a:r>
+              <a:rPr lang="en-US" dirty="0">
+                <a:solidFill>
+                  <a:srgbClr val="404040"/>
+                </a:solidFill>
+              </a:rPr>
+              <a:t>Deselect Based on Column Index</a:t>
+            </a:r>
+          </a:p>
+        </p:txBody>
+      </p:sp>
+      <p:pic>
+        <p:nvPicPr>
+          <p:cNvPr id="4" name="Picture 3">
+            <a:extLst>
+              <a:ext uri="{FF2B5EF4-FFF2-40B4-BE49-F238E27FC236}">
+                <a16:creationId xmlns:a16="http://schemas.microsoft.com/office/drawing/2014/main" id="{C0AAD10A-C889-4FBB-9CA6-E4CFCD0D5261}"/>
+              </a:ext>
+            </a:extLst>
+          </p:cNvPr>
+          <p:cNvPicPr>
+            <a:picLocks noChangeAspect="1"/>
+          </p:cNvPicPr>
+          <p:nvPr/>
+        </p:nvPicPr>
+        <p:blipFill>
+          <a:blip r:embed="rId4"/>
+          <a:stretch>
+            <a:fillRect/>
+          </a:stretch>
+        </p:blipFill>
+        <p:spPr>
+          <a:xfrm>
+            <a:off x="4254256" y="1121174"/>
+            <a:ext cx="4168949" cy="1393426"/>
+          </a:xfrm>
+          <a:prstGeom prst="rect">
+            <a:avLst/>
+          </a:prstGeom>
+          <a:ln>
+            <a:solidFill>
+              <a:srgbClr val="404040"/>
+            </a:solidFill>
+          </a:ln>
+        </p:spPr>
+        <p:style>
+          <a:lnRef idx="2">
+            <a:schemeClr val="dk1"/>
+          </a:lnRef>
+          <a:fillRef idx="1">
+            <a:schemeClr val="lt1"/>
+          </a:fillRef>
+          <a:effectRef idx="0">
+            <a:schemeClr val="dk1"/>
+          </a:effectRef>
+          <a:fontRef idx="minor">
+            <a:schemeClr val="dk1"/>
+          </a:fontRef>
+        </p:style>
+      </p:pic>
+      <p:pic>
+        <p:nvPicPr>
+          <p:cNvPr id="5" name="Picture 4">
+            <a:extLst>
+              <a:ext uri="{FF2B5EF4-FFF2-40B4-BE49-F238E27FC236}">
+                <a16:creationId xmlns:a16="http://schemas.microsoft.com/office/drawing/2014/main" id="{A3CA2048-719F-4510-A9A6-448927FCE9FB}"/>
+              </a:ext>
+            </a:extLst>
+          </p:cNvPr>
+          <p:cNvPicPr>
+            <a:picLocks noChangeAspect="1"/>
+          </p:cNvPicPr>
+          <p:nvPr/>
+        </p:nvPicPr>
+        <p:blipFill>
+          <a:blip r:embed="rId5"/>
+          <a:stretch>
+            <a:fillRect/>
+          </a:stretch>
+        </p:blipFill>
+        <p:spPr>
+          <a:xfrm>
+            <a:off x="4256303" y="3321123"/>
+            <a:ext cx="4166902" cy="3260558"/>
+          </a:xfrm>
+          <a:prstGeom prst="rect">
+            <a:avLst/>
+          </a:prstGeom>
+          <a:ln>
+            <a:solidFill>
+              <a:srgbClr val="404040"/>
+            </a:solidFill>
+          </a:ln>
+        </p:spPr>
+        <p:style>
+          <a:lnRef idx="2">
+            <a:schemeClr val="dk1"/>
+          </a:lnRef>
+          <a:fillRef idx="1">
+            <a:schemeClr val="lt1"/>
+          </a:fillRef>
+          <a:effectRef idx="0">
+            <a:schemeClr val="dk1"/>
+          </a:effectRef>
+          <a:fontRef idx="minor">
+            <a:schemeClr val="dk1"/>
+          </a:fontRef>
+        </p:style>
+      </p:pic>
+    </p:spTree>
+    <p:custDataLst>
+      <p:tags r:id="rId1"/>
+    </p:custDataLst>
+    <p:extLst>
+      <p:ext uri="{BB962C8B-B14F-4D97-AF65-F5344CB8AC3E}">
+        <p14:creationId xmlns:p14="http://schemas.microsoft.com/office/powerpoint/2010/main" val="2099126224"/>
       </p:ext>
     </p:extLst>
   </p:cSld>
@@ -11041,6 +13751,3267 @@
     <p:extLst>
       <p:ext uri="{BB962C8B-B14F-4D97-AF65-F5344CB8AC3E}">
         <p14:creationId xmlns:p14="http://schemas.microsoft.com/office/powerpoint/2010/main" val="641320167"/>
+      </p:ext>
+    </p:extLst>
+  </p:cSld>
+  <p:clrMapOvr>
+    <a:masterClrMapping/>
+  </p:clrMapOvr>
+</p:sld>
+</file>
+
+<file path=ppt/slides/slide20.xml><?xml version="1.0" encoding="utf-8"?>
+<p:sld xmlns:a="http://schemas.openxmlformats.org/drawingml/2006/main" xmlns:r="http://schemas.openxmlformats.org/officeDocument/2006/relationships" xmlns:p="http://schemas.openxmlformats.org/presentationml/2006/main">
+  <p:cSld>
+    <p:bg>
+      <p:bgPr>
+        <a:solidFill>
+          <a:schemeClr val="bg1">
+            <a:lumMod val="85000"/>
+          </a:schemeClr>
+        </a:solidFill>
+        <a:effectLst/>
+      </p:bgPr>
+    </p:bg>
+    <p:spTree>
+      <p:nvGrpSpPr>
+        <p:cNvPr id="1" name=""/>
+        <p:cNvGrpSpPr/>
+        <p:nvPr/>
+      </p:nvGrpSpPr>
+      <p:grpSpPr>
+        <a:xfrm>
+          <a:off x="0" y="0"/>
+          <a:ext cx="0" cy="0"/>
+          <a:chOff x="0" y="0"/>
+          <a:chExt cx="0" cy="0"/>
+        </a:xfrm>
+      </p:grpSpPr>
+      <p:sp>
+        <p:nvSpPr>
+          <p:cNvPr id="15" name="Rectangle 12">
+            <a:extLst>
+              <a:ext uri="{FF2B5EF4-FFF2-40B4-BE49-F238E27FC236}">
+                <a16:creationId xmlns:a16="http://schemas.microsoft.com/office/drawing/2014/main" id="{867D4867-5BA7-4462-B2F6-A23F4A622AA7}"/>
+              </a:ext>
+              <a:ext uri="{C183D7F6-B498-43B3-948B-1728B52AA6E4}">
+                <adec:decorative xmlns:adec="http://schemas.microsoft.com/office/drawing/2017/decorative" val="1"/>
+              </a:ext>
+            </a:extLst>
+          </p:cNvPr>
+          <p:cNvSpPr>
+            <a:spLocks noGrp="1" noRot="1" noChangeAspect="1" noMove="1" noResize="1" noEditPoints="1" noAdjustHandles="1" noChangeArrowheads="1" noChangeShapeType="1" noTextEdit="1"/>
+          </p:cNvSpPr>
+          <p:nvPr>
+            <p:extLst>
+              <p:ext uri="{386F3935-93C4-4BCD-93E2-E3B085C9AB24}">
+                <p16:designElem xmlns:p16="http://schemas.microsoft.com/office/powerpoint/2015/main" val="1"/>
+              </p:ext>
+            </p:extLst>
+          </p:nvPr>
+        </p:nvSpPr>
+        <p:spPr>
+          <a:xfrm>
+            <a:off x="0" y="0"/>
+            <a:ext cx="3490722" cy="6858000"/>
+          </a:xfrm>
+          <a:prstGeom prst="rect">
+            <a:avLst/>
+          </a:prstGeom>
+          <a:solidFill>
+            <a:schemeClr val="tx1">
+              <a:lumMod val="75000"/>
+              <a:lumOff val="25000"/>
+            </a:schemeClr>
+          </a:solidFill>
+          <a:ln>
+            <a:noFill/>
+          </a:ln>
+        </p:spPr>
+        <p:style>
+          <a:lnRef idx="0">
+            <a:scrgbClr r="0" g="0" b="0"/>
+          </a:lnRef>
+          <a:fillRef idx="0">
+            <a:scrgbClr r="0" g="0" b="0"/>
+          </a:fillRef>
+          <a:effectRef idx="0">
+            <a:scrgbClr r="0" g="0" b="0"/>
+          </a:effectRef>
+          <a:fontRef idx="minor">
+            <a:schemeClr val="lt1"/>
+          </a:fontRef>
+        </p:style>
+        <p:txBody>
+          <a:bodyPr rtlCol="0" anchor="ctr"/>
+          <a:lstStyle/>
+          <a:p>
+            <a:pPr algn="ctr"/>
+            <a:endParaRPr lang="en-US"/>
+          </a:p>
+        </p:txBody>
+      </p:sp>
+      <p:sp>
+        <p:nvSpPr>
+          <p:cNvPr id="2" name="Title 1"/>
+          <p:cNvSpPr>
+            <a:spLocks noGrp="1"/>
+          </p:cNvSpPr>
+          <p:nvPr>
+            <p:ph type="title"/>
+          </p:nvPr>
+        </p:nvSpPr>
+        <p:spPr>
+          <a:xfrm>
+            <a:off x="482600" y="643467"/>
+            <a:ext cx="2522980" cy="1597315"/>
+          </a:xfrm>
+          <a:noFill/>
+          <a:ln w="19050">
+            <a:solidFill>
+              <a:schemeClr val="bg1"/>
+            </a:solidFill>
+          </a:ln>
+        </p:spPr>
+        <p:txBody>
+          <a:bodyPr vert="horz" wrap="square" lIns="91440" tIns="45720" rIns="91440" bIns="45720" rtlCol="0" anchor="ctr">
+            <a:normAutofit/>
+          </a:bodyPr>
+          <a:lstStyle/>
+          <a:p>
+            <a:pPr defTabSz="914400" eaLnBrk="1" hangingPunct="1">
+              <a:lnSpc>
+                <a:spcPct val="90000"/>
+              </a:lnSpc>
+            </a:pPr>
+            <a:r>
+              <a:rPr lang="en-US" sz="2400" dirty="0">
+                <a:solidFill>
+                  <a:schemeClr val="bg1"/>
+                </a:solidFill>
+                <a:ea typeface="+mj-ea"/>
+                <a:cs typeface="+mj-cs"/>
+              </a:rPr>
+              <a:t>select()</a:t>
+            </a:r>
+            <a:endParaRPr lang="en-US" sz="2400" kern="1200" dirty="0">
+              <a:solidFill>
+                <a:schemeClr val="bg1"/>
+              </a:solidFill>
+              <a:latin typeface="+mj-lt"/>
+              <a:ea typeface="+mj-ea"/>
+              <a:cs typeface="+mj-cs"/>
+            </a:endParaRPr>
+          </a:p>
+        </p:txBody>
+      </p:sp>
+      <p:pic>
+        <p:nvPicPr>
+          <p:cNvPr id="8" name="Picture 7">
+            <a:extLst>
+              <a:ext uri="{FF2B5EF4-FFF2-40B4-BE49-F238E27FC236}">
+                <a16:creationId xmlns:a16="http://schemas.microsoft.com/office/drawing/2014/main" id="{521D4292-9ECC-4DA5-8CC0-C561A0DA118E}"/>
+              </a:ext>
+            </a:extLst>
+          </p:cNvPr>
+          <p:cNvPicPr>
+            <a:picLocks noChangeAspect="1"/>
+          </p:cNvPicPr>
+          <p:nvPr/>
+        </p:nvPicPr>
+        <p:blipFill rotWithShape="1">
+          <a:blip r:embed="rId3"/>
+          <a:srcRect l="8000" r="9400"/>
+          <a:stretch/>
+        </p:blipFill>
+        <p:spPr>
+          <a:xfrm>
+            <a:off x="660103" y="3048000"/>
+            <a:ext cx="2167974" cy="2624666"/>
+          </a:xfrm>
+          <a:prstGeom prst="rect">
+            <a:avLst/>
+          </a:prstGeom>
+          <a:noFill/>
+        </p:spPr>
+      </p:pic>
+      <p:sp>
+        <p:nvSpPr>
+          <p:cNvPr id="3" name="TextBox 2">
+            <a:extLst>
+              <a:ext uri="{FF2B5EF4-FFF2-40B4-BE49-F238E27FC236}">
+                <a16:creationId xmlns:a16="http://schemas.microsoft.com/office/drawing/2014/main" id="{F11A48DB-9DC8-487D-B292-F37C24E1A4C6}"/>
+              </a:ext>
+            </a:extLst>
+          </p:cNvPr>
+          <p:cNvSpPr txBox="1"/>
+          <p:nvPr/>
+        </p:nvSpPr>
+        <p:spPr>
+          <a:xfrm>
+            <a:off x="3777352" y="643467"/>
+            <a:ext cx="5214248" cy="6001643"/>
+          </a:xfrm>
+          <a:prstGeom prst="rect">
+            <a:avLst/>
+          </a:prstGeom>
+          <a:noFill/>
+        </p:spPr>
+        <p:txBody>
+          <a:bodyPr wrap="square" rtlCol="0">
+            <a:spAutoFit/>
+          </a:bodyPr>
+          <a:lstStyle/>
+          <a:p>
+            <a:pPr marL="342900" indent="-342900">
+              <a:buFont typeface="Arial" panose="020B0604020202020204" pitchFamily="34" charset="0"/>
+              <a:buChar char="•"/>
+            </a:pPr>
+            <a:r>
+              <a:rPr lang="en-US" dirty="0">
+                <a:solidFill>
+                  <a:srgbClr val="404040"/>
+                </a:solidFill>
+              </a:rPr>
+              <a:t>Select Based on Text</a:t>
+            </a:r>
+          </a:p>
+          <a:p>
+            <a:endParaRPr lang="en-US" dirty="0">
+              <a:solidFill>
+                <a:srgbClr val="404040"/>
+              </a:solidFill>
+            </a:endParaRPr>
+          </a:p>
+          <a:p>
+            <a:pPr marL="800100" lvl="1" indent="-342900">
+              <a:buFont typeface="Arial" panose="020B0604020202020204" pitchFamily="34" charset="0"/>
+              <a:buChar char="•"/>
+            </a:pPr>
+            <a:r>
+              <a:rPr lang="en-US" dirty="0" err="1">
+                <a:solidFill>
+                  <a:srgbClr val="404040"/>
+                </a:solidFill>
+              </a:rPr>
+              <a:t>starts_with</a:t>
+            </a:r>
+            <a:r>
+              <a:rPr lang="en-US" dirty="0">
+                <a:solidFill>
+                  <a:srgbClr val="404040"/>
+                </a:solidFill>
+              </a:rPr>
+              <a:t>(“TEXT”)</a:t>
+            </a:r>
+          </a:p>
+          <a:p>
+            <a:pPr lvl="1"/>
+            <a:endParaRPr lang="en-US" dirty="0">
+              <a:solidFill>
+                <a:srgbClr val="404040"/>
+              </a:solidFill>
+            </a:endParaRPr>
+          </a:p>
+          <a:p>
+            <a:pPr lvl="1"/>
+            <a:endParaRPr lang="en-US" dirty="0">
+              <a:solidFill>
+                <a:srgbClr val="404040"/>
+              </a:solidFill>
+            </a:endParaRPr>
+          </a:p>
+          <a:p>
+            <a:pPr marL="800100" lvl="1" indent="-342900">
+              <a:buFont typeface="Arial" panose="020B0604020202020204" pitchFamily="34" charset="0"/>
+              <a:buChar char="•"/>
+            </a:pPr>
+            <a:endParaRPr lang="en-US" dirty="0">
+              <a:solidFill>
+                <a:srgbClr val="404040"/>
+              </a:solidFill>
+            </a:endParaRPr>
+          </a:p>
+          <a:p>
+            <a:pPr marL="800100" lvl="1" indent="-342900">
+              <a:buFont typeface="Arial" panose="020B0604020202020204" pitchFamily="34" charset="0"/>
+              <a:buChar char="•"/>
+            </a:pPr>
+            <a:r>
+              <a:rPr lang="en-US" dirty="0" err="1">
+                <a:solidFill>
+                  <a:srgbClr val="404040"/>
+                </a:solidFill>
+              </a:rPr>
+              <a:t>ends_with</a:t>
+            </a:r>
+            <a:r>
+              <a:rPr lang="en-US" dirty="0">
+                <a:solidFill>
+                  <a:srgbClr val="404040"/>
+                </a:solidFill>
+              </a:rPr>
+              <a:t>(“TEXT”)</a:t>
+            </a:r>
+          </a:p>
+          <a:p>
+            <a:pPr lvl="1"/>
+            <a:endParaRPr lang="en-US" dirty="0">
+              <a:solidFill>
+                <a:srgbClr val="404040"/>
+              </a:solidFill>
+            </a:endParaRPr>
+          </a:p>
+          <a:p>
+            <a:pPr lvl="1"/>
+            <a:endParaRPr lang="en-US" dirty="0">
+              <a:solidFill>
+                <a:srgbClr val="404040"/>
+              </a:solidFill>
+            </a:endParaRPr>
+          </a:p>
+          <a:p>
+            <a:pPr marL="800100" lvl="1" indent="-342900">
+              <a:buFont typeface="Arial" panose="020B0604020202020204" pitchFamily="34" charset="0"/>
+              <a:buChar char="•"/>
+            </a:pPr>
+            <a:endParaRPr lang="en-US" dirty="0">
+              <a:solidFill>
+                <a:srgbClr val="404040"/>
+              </a:solidFill>
+            </a:endParaRPr>
+          </a:p>
+          <a:p>
+            <a:pPr marL="800100" lvl="1" indent="-342900">
+              <a:buFont typeface="Arial" panose="020B0604020202020204" pitchFamily="34" charset="0"/>
+              <a:buChar char="•"/>
+            </a:pPr>
+            <a:r>
+              <a:rPr lang="en-US" dirty="0">
+                <a:solidFill>
+                  <a:srgbClr val="404040"/>
+                </a:solidFill>
+              </a:rPr>
+              <a:t>contains(“TEXT”)</a:t>
+            </a:r>
+          </a:p>
+          <a:p>
+            <a:pPr marL="800100" lvl="1" indent="-342900">
+              <a:buFont typeface="Arial" panose="020B0604020202020204" pitchFamily="34" charset="0"/>
+              <a:buChar char="•"/>
+            </a:pPr>
+            <a:endParaRPr lang="en-US" dirty="0">
+              <a:solidFill>
+                <a:srgbClr val="404040"/>
+              </a:solidFill>
+            </a:endParaRPr>
+          </a:p>
+          <a:p>
+            <a:pPr marL="800100" lvl="1" indent="-342900">
+              <a:buFont typeface="Arial" panose="020B0604020202020204" pitchFamily="34" charset="0"/>
+              <a:buChar char="•"/>
+            </a:pPr>
+            <a:endParaRPr lang="en-US" dirty="0">
+              <a:solidFill>
+                <a:srgbClr val="404040"/>
+              </a:solidFill>
+            </a:endParaRPr>
+          </a:p>
+          <a:p>
+            <a:pPr marL="800100" lvl="1" indent="-342900">
+              <a:buFont typeface="Arial" panose="020B0604020202020204" pitchFamily="34" charset="0"/>
+              <a:buChar char="•"/>
+            </a:pPr>
+            <a:endParaRPr lang="en-US" dirty="0">
+              <a:solidFill>
+                <a:srgbClr val="404040"/>
+              </a:solidFill>
+            </a:endParaRPr>
+          </a:p>
+          <a:p>
+            <a:pPr lvl="1"/>
+            <a:endParaRPr lang="en-US" dirty="0">
+              <a:solidFill>
+                <a:srgbClr val="404040"/>
+              </a:solidFill>
+            </a:endParaRPr>
+          </a:p>
+          <a:p>
+            <a:pPr marL="800100" lvl="1" indent="-342900">
+              <a:buFont typeface="Arial" panose="020B0604020202020204" pitchFamily="34" charset="0"/>
+              <a:buChar char="•"/>
+            </a:pPr>
+            <a:r>
+              <a:rPr lang="en-US" dirty="0">
+                <a:solidFill>
+                  <a:srgbClr val="404040"/>
+                </a:solidFill>
+              </a:rPr>
+              <a:t>Etc. AKA Others Exist</a:t>
+            </a:r>
+          </a:p>
+        </p:txBody>
+      </p:sp>
+      <p:pic>
+        <p:nvPicPr>
+          <p:cNvPr id="11" name="Picture 10">
+            <a:extLst>
+              <a:ext uri="{FF2B5EF4-FFF2-40B4-BE49-F238E27FC236}">
+                <a16:creationId xmlns:a16="http://schemas.microsoft.com/office/drawing/2014/main" id="{EC3B2E82-BC6F-4261-B850-FD2F1E0D43A6}"/>
+              </a:ext>
+            </a:extLst>
+          </p:cNvPr>
+          <p:cNvPicPr>
+            <a:picLocks noChangeAspect="1"/>
+          </p:cNvPicPr>
+          <p:nvPr/>
+        </p:nvPicPr>
+        <p:blipFill>
+          <a:blip r:embed="rId4"/>
+          <a:stretch>
+            <a:fillRect/>
+          </a:stretch>
+        </p:blipFill>
+        <p:spPr>
+          <a:xfrm>
+            <a:off x="3677434" y="1905000"/>
+            <a:ext cx="5310155" cy="630130"/>
+          </a:xfrm>
+          <a:prstGeom prst="rect">
+            <a:avLst/>
+          </a:prstGeom>
+          <a:ln>
+            <a:solidFill>
+              <a:srgbClr val="404040"/>
+            </a:solidFill>
+          </a:ln>
+        </p:spPr>
+        <p:style>
+          <a:lnRef idx="2">
+            <a:schemeClr val="dk1"/>
+          </a:lnRef>
+          <a:fillRef idx="1">
+            <a:schemeClr val="lt1"/>
+          </a:fillRef>
+          <a:effectRef idx="0">
+            <a:schemeClr val="dk1"/>
+          </a:effectRef>
+          <a:fontRef idx="minor">
+            <a:schemeClr val="dk1"/>
+          </a:fontRef>
+        </p:style>
+      </p:pic>
+      <p:pic>
+        <p:nvPicPr>
+          <p:cNvPr id="12" name="Picture 11">
+            <a:extLst>
+              <a:ext uri="{FF2B5EF4-FFF2-40B4-BE49-F238E27FC236}">
+                <a16:creationId xmlns:a16="http://schemas.microsoft.com/office/drawing/2014/main" id="{FE55DDC8-E002-4701-B763-B4619D3CE940}"/>
+              </a:ext>
+            </a:extLst>
+          </p:cNvPr>
+          <p:cNvPicPr>
+            <a:picLocks noChangeAspect="1"/>
+          </p:cNvPicPr>
+          <p:nvPr/>
+        </p:nvPicPr>
+        <p:blipFill>
+          <a:blip r:embed="rId5"/>
+          <a:stretch>
+            <a:fillRect/>
+          </a:stretch>
+        </p:blipFill>
+        <p:spPr>
+          <a:xfrm>
+            <a:off x="3681445" y="3402932"/>
+            <a:ext cx="5310155" cy="622028"/>
+          </a:xfrm>
+          <a:prstGeom prst="rect">
+            <a:avLst/>
+          </a:prstGeom>
+          <a:ln>
+            <a:solidFill>
+              <a:srgbClr val="404040"/>
+            </a:solidFill>
+          </a:ln>
+        </p:spPr>
+        <p:style>
+          <a:lnRef idx="2">
+            <a:schemeClr val="dk1"/>
+          </a:lnRef>
+          <a:fillRef idx="1">
+            <a:schemeClr val="lt1"/>
+          </a:fillRef>
+          <a:effectRef idx="0">
+            <a:schemeClr val="dk1"/>
+          </a:effectRef>
+          <a:fontRef idx="minor">
+            <a:schemeClr val="dk1"/>
+          </a:fontRef>
+        </p:style>
+      </p:pic>
+      <p:pic>
+        <p:nvPicPr>
+          <p:cNvPr id="13" name="Picture 12">
+            <a:extLst>
+              <a:ext uri="{FF2B5EF4-FFF2-40B4-BE49-F238E27FC236}">
+                <a16:creationId xmlns:a16="http://schemas.microsoft.com/office/drawing/2014/main" id="{8FC38C31-5DD8-4EAA-B575-82412A4BF4D8}"/>
+              </a:ext>
+            </a:extLst>
+          </p:cNvPr>
+          <p:cNvPicPr>
+            <a:picLocks noChangeAspect="1"/>
+          </p:cNvPicPr>
+          <p:nvPr/>
+        </p:nvPicPr>
+        <p:blipFill>
+          <a:blip r:embed="rId6"/>
+          <a:stretch>
+            <a:fillRect/>
+          </a:stretch>
+        </p:blipFill>
+        <p:spPr>
+          <a:xfrm>
+            <a:off x="3681445" y="4785391"/>
+            <a:ext cx="5306144" cy="982619"/>
+          </a:xfrm>
+          <a:prstGeom prst="rect">
+            <a:avLst/>
+          </a:prstGeom>
+          <a:ln>
+            <a:solidFill>
+              <a:srgbClr val="404040"/>
+            </a:solidFill>
+          </a:ln>
+        </p:spPr>
+        <p:style>
+          <a:lnRef idx="2">
+            <a:schemeClr val="dk1"/>
+          </a:lnRef>
+          <a:fillRef idx="1">
+            <a:schemeClr val="lt1"/>
+          </a:fillRef>
+          <a:effectRef idx="0">
+            <a:schemeClr val="dk1"/>
+          </a:effectRef>
+          <a:fontRef idx="minor">
+            <a:schemeClr val="dk1"/>
+          </a:fontRef>
+        </p:style>
+      </p:pic>
+    </p:spTree>
+    <p:custDataLst>
+      <p:tags r:id="rId1"/>
+    </p:custDataLst>
+    <p:extLst>
+      <p:ext uri="{BB962C8B-B14F-4D97-AF65-F5344CB8AC3E}">
+        <p14:creationId xmlns:p14="http://schemas.microsoft.com/office/powerpoint/2010/main" val="2539866266"/>
+      </p:ext>
+    </p:extLst>
+  </p:cSld>
+  <p:clrMapOvr>
+    <a:masterClrMapping/>
+  </p:clrMapOvr>
+</p:sld>
+</file>
+
+<file path=ppt/slides/slide21.xml><?xml version="1.0" encoding="utf-8"?>
+<p:sld xmlns:a="http://schemas.openxmlformats.org/drawingml/2006/main" xmlns:r="http://schemas.openxmlformats.org/officeDocument/2006/relationships" xmlns:p="http://schemas.openxmlformats.org/presentationml/2006/main">
+  <p:cSld>
+    <p:bg>
+      <p:bgPr>
+        <a:solidFill>
+          <a:schemeClr val="bg1">
+            <a:lumMod val="85000"/>
+          </a:schemeClr>
+        </a:solidFill>
+        <a:effectLst/>
+      </p:bgPr>
+    </p:bg>
+    <p:spTree>
+      <p:nvGrpSpPr>
+        <p:cNvPr id="1" name=""/>
+        <p:cNvGrpSpPr/>
+        <p:nvPr/>
+      </p:nvGrpSpPr>
+      <p:grpSpPr>
+        <a:xfrm>
+          <a:off x="0" y="0"/>
+          <a:ext cx="0" cy="0"/>
+          <a:chOff x="0" y="0"/>
+          <a:chExt cx="0" cy="0"/>
+        </a:xfrm>
+      </p:grpSpPr>
+      <p:sp>
+        <p:nvSpPr>
+          <p:cNvPr id="15" name="Rectangle 12">
+            <a:extLst>
+              <a:ext uri="{FF2B5EF4-FFF2-40B4-BE49-F238E27FC236}">
+                <a16:creationId xmlns:a16="http://schemas.microsoft.com/office/drawing/2014/main" id="{867D4867-5BA7-4462-B2F6-A23F4A622AA7}"/>
+              </a:ext>
+              <a:ext uri="{C183D7F6-B498-43B3-948B-1728B52AA6E4}">
+                <adec:decorative xmlns:adec="http://schemas.microsoft.com/office/drawing/2017/decorative" val="1"/>
+              </a:ext>
+            </a:extLst>
+          </p:cNvPr>
+          <p:cNvSpPr>
+            <a:spLocks noGrp="1" noRot="1" noChangeAspect="1" noMove="1" noResize="1" noEditPoints="1" noAdjustHandles="1" noChangeArrowheads="1" noChangeShapeType="1" noTextEdit="1"/>
+          </p:cNvSpPr>
+          <p:nvPr>
+            <p:extLst>
+              <p:ext uri="{386F3935-93C4-4BCD-93E2-E3B085C9AB24}">
+                <p16:designElem xmlns:p16="http://schemas.microsoft.com/office/powerpoint/2015/main" val="1"/>
+              </p:ext>
+            </p:extLst>
+          </p:nvPr>
+        </p:nvSpPr>
+        <p:spPr>
+          <a:xfrm>
+            <a:off x="0" y="0"/>
+            <a:ext cx="3490722" cy="6858000"/>
+          </a:xfrm>
+          <a:prstGeom prst="rect">
+            <a:avLst/>
+          </a:prstGeom>
+          <a:solidFill>
+            <a:schemeClr val="tx1">
+              <a:lumMod val="75000"/>
+              <a:lumOff val="25000"/>
+            </a:schemeClr>
+          </a:solidFill>
+          <a:ln>
+            <a:noFill/>
+          </a:ln>
+        </p:spPr>
+        <p:style>
+          <a:lnRef idx="0">
+            <a:scrgbClr r="0" g="0" b="0"/>
+          </a:lnRef>
+          <a:fillRef idx="0">
+            <a:scrgbClr r="0" g="0" b="0"/>
+          </a:fillRef>
+          <a:effectRef idx="0">
+            <a:scrgbClr r="0" g="0" b="0"/>
+          </a:effectRef>
+          <a:fontRef idx="minor">
+            <a:schemeClr val="lt1"/>
+          </a:fontRef>
+        </p:style>
+        <p:txBody>
+          <a:bodyPr rtlCol="0" anchor="ctr"/>
+          <a:lstStyle/>
+          <a:p>
+            <a:pPr algn="ctr"/>
+            <a:endParaRPr lang="en-US"/>
+          </a:p>
+        </p:txBody>
+      </p:sp>
+      <p:sp>
+        <p:nvSpPr>
+          <p:cNvPr id="2" name="Title 1"/>
+          <p:cNvSpPr>
+            <a:spLocks noGrp="1"/>
+          </p:cNvSpPr>
+          <p:nvPr>
+            <p:ph type="title"/>
+          </p:nvPr>
+        </p:nvSpPr>
+        <p:spPr>
+          <a:xfrm>
+            <a:off x="482600" y="643467"/>
+            <a:ext cx="2522980" cy="1597315"/>
+          </a:xfrm>
+          <a:noFill/>
+          <a:ln w="19050">
+            <a:solidFill>
+              <a:schemeClr val="bg1"/>
+            </a:solidFill>
+          </a:ln>
+        </p:spPr>
+        <p:txBody>
+          <a:bodyPr vert="horz" wrap="square" lIns="91440" tIns="45720" rIns="91440" bIns="45720" rtlCol="0" anchor="ctr">
+            <a:normAutofit/>
+          </a:bodyPr>
+          <a:lstStyle/>
+          <a:p>
+            <a:pPr defTabSz="914400" eaLnBrk="1" hangingPunct="1">
+              <a:lnSpc>
+                <a:spcPct val="90000"/>
+              </a:lnSpc>
+            </a:pPr>
+            <a:r>
+              <a:rPr lang="en-US" sz="2400" dirty="0">
+                <a:solidFill>
+                  <a:schemeClr val="bg1"/>
+                </a:solidFill>
+                <a:ea typeface="+mj-ea"/>
+                <a:cs typeface="+mj-cs"/>
+              </a:rPr>
+              <a:t>select()</a:t>
+            </a:r>
+            <a:endParaRPr lang="en-US" sz="2400" kern="1200" dirty="0">
+              <a:solidFill>
+                <a:schemeClr val="bg1"/>
+              </a:solidFill>
+              <a:latin typeface="+mj-lt"/>
+              <a:ea typeface="+mj-ea"/>
+              <a:cs typeface="+mj-cs"/>
+            </a:endParaRPr>
+          </a:p>
+        </p:txBody>
+      </p:sp>
+      <p:pic>
+        <p:nvPicPr>
+          <p:cNvPr id="8" name="Picture 7">
+            <a:extLst>
+              <a:ext uri="{FF2B5EF4-FFF2-40B4-BE49-F238E27FC236}">
+                <a16:creationId xmlns:a16="http://schemas.microsoft.com/office/drawing/2014/main" id="{521D4292-9ECC-4DA5-8CC0-C561A0DA118E}"/>
+              </a:ext>
+            </a:extLst>
+          </p:cNvPr>
+          <p:cNvPicPr>
+            <a:picLocks noChangeAspect="1"/>
+          </p:cNvPicPr>
+          <p:nvPr/>
+        </p:nvPicPr>
+        <p:blipFill rotWithShape="1">
+          <a:blip r:embed="rId3"/>
+          <a:srcRect l="8000" r="9400"/>
+          <a:stretch/>
+        </p:blipFill>
+        <p:spPr>
+          <a:xfrm>
+            <a:off x="660103" y="3048000"/>
+            <a:ext cx="2167974" cy="2624666"/>
+          </a:xfrm>
+          <a:prstGeom prst="rect">
+            <a:avLst/>
+          </a:prstGeom>
+          <a:noFill/>
+        </p:spPr>
+      </p:pic>
+      <p:sp>
+        <p:nvSpPr>
+          <p:cNvPr id="3" name="TextBox 2">
+            <a:extLst>
+              <a:ext uri="{FF2B5EF4-FFF2-40B4-BE49-F238E27FC236}">
+                <a16:creationId xmlns:a16="http://schemas.microsoft.com/office/drawing/2014/main" id="{F11A48DB-9DC8-487D-B292-F37C24E1A4C6}"/>
+              </a:ext>
+            </a:extLst>
+          </p:cNvPr>
+          <p:cNvSpPr txBox="1"/>
+          <p:nvPr/>
+        </p:nvSpPr>
+        <p:spPr>
+          <a:xfrm>
+            <a:off x="3777352" y="643467"/>
+            <a:ext cx="5214248" cy="3046988"/>
+          </a:xfrm>
+          <a:prstGeom prst="rect">
+            <a:avLst/>
+          </a:prstGeom>
+          <a:noFill/>
+        </p:spPr>
+        <p:txBody>
+          <a:bodyPr wrap="square" rtlCol="0">
+            <a:spAutoFit/>
+          </a:bodyPr>
+          <a:lstStyle/>
+          <a:p>
+            <a:pPr marL="342900" indent="-342900">
+              <a:buFont typeface="Arial" panose="020B0604020202020204" pitchFamily="34" charset="0"/>
+              <a:buChar char="•"/>
+            </a:pPr>
+            <a:r>
+              <a:rPr lang="en-US" dirty="0">
+                <a:solidFill>
+                  <a:srgbClr val="404040"/>
+                </a:solidFill>
+              </a:rPr>
+              <a:t>Renaming Variables</a:t>
+            </a:r>
+          </a:p>
+          <a:p>
+            <a:pPr marL="800100" lvl="1" indent="-342900">
+              <a:buFont typeface="Arial" panose="020B0604020202020204" pitchFamily="34" charset="0"/>
+              <a:buChar char="•"/>
+            </a:pPr>
+            <a:endParaRPr lang="en-US" dirty="0">
+              <a:solidFill>
+                <a:srgbClr val="404040"/>
+              </a:solidFill>
+            </a:endParaRPr>
+          </a:p>
+          <a:p>
+            <a:pPr marL="800100" lvl="1" indent="-342900">
+              <a:buFont typeface="Arial" panose="020B0604020202020204" pitchFamily="34" charset="0"/>
+              <a:buChar char="•"/>
+            </a:pPr>
+            <a:r>
+              <a:rPr lang="en-US" dirty="0">
+                <a:solidFill>
+                  <a:srgbClr val="404040"/>
+                </a:solidFill>
+              </a:rPr>
+              <a:t>Can Use select()</a:t>
+            </a:r>
+          </a:p>
+          <a:p>
+            <a:pPr lvl="1"/>
+            <a:endParaRPr lang="en-US" dirty="0">
+              <a:solidFill>
+                <a:srgbClr val="404040"/>
+              </a:solidFill>
+            </a:endParaRPr>
+          </a:p>
+          <a:p>
+            <a:pPr lvl="1"/>
+            <a:endParaRPr lang="en-US" dirty="0">
+              <a:solidFill>
+                <a:srgbClr val="404040"/>
+              </a:solidFill>
+            </a:endParaRPr>
+          </a:p>
+          <a:p>
+            <a:pPr lvl="1"/>
+            <a:endParaRPr lang="en-US" dirty="0">
+              <a:solidFill>
+                <a:srgbClr val="404040"/>
+              </a:solidFill>
+            </a:endParaRPr>
+          </a:p>
+          <a:p>
+            <a:pPr marL="800100" lvl="1" indent="-342900">
+              <a:buFont typeface="Arial" panose="020B0604020202020204" pitchFamily="34" charset="0"/>
+              <a:buChar char="•"/>
+            </a:pPr>
+            <a:r>
+              <a:rPr lang="en-US" dirty="0">
+                <a:solidFill>
+                  <a:srgbClr val="404040"/>
+                </a:solidFill>
+              </a:rPr>
+              <a:t>But Use rename()</a:t>
+            </a:r>
+          </a:p>
+          <a:p>
+            <a:endParaRPr lang="en-US" dirty="0">
+              <a:solidFill>
+                <a:srgbClr val="404040"/>
+              </a:solidFill>
+            </a:endParaRPr>
+          </a:p>
+        </p:txBody>
+      </p:sp>
+      <p:pic>
+        <p:nvPicPr>
+          <p:cNvPr id="11" name="Picture 10">
+            <a:extLst>
+              <a:ext uri="{FF2B5EF4-FFF2-40B4-BE49-F238E27FC236}">
+                <a16:creationId xmlns:a16="http://schemas.microsoft.com/office/drawing/2014/main" id="{E64B3868-D237-4603-96EA-3ED588AC22FE}"/>
+              </a:ext>
+            </a:extLst>
+          </p:cNvPr>
+          <p:cNvPicPr>
+            <a:picLocks noChangeAspect="1"/>
+          </p:cNvPicPr>
+          <p:nvPr/>
+        </p:nvPicPr>
+        <p:blipFill>
+          <a:blip r:embed="rId4"/>
+          <a:stretch>
+            <a:fillRect/>
+          </a:stretch>
+        </p:blipFill>
+        <p:spPr>
+          <a:xfrm>
+            <a:off x="4038945" y="1897326"/>
+            <a:ext cx="4691062" cy="539269"/>
+          </a:xfrm>
+          <a:prstGeom prst="rect">
+            <a:avLst/>
+          </a:prstGeom>
+          <a:ln>
+            <a:solidFill>
+              <a:srgbClr val="404040"/>
+            </a:solidFill>
+          </a:ln>
+        </p:spPr>
+        <p:style>
+          <a:lnRef idx="2">
+            <a:schemeClr val="dk1"/>
+          </a:lnRef>
+          <a:fillRef idx="1">
+            <a:schemeClr val="lt1"/>
+          </a:fillRef>
+          <a:effectRef idx="0">
+            <a:schemeClr val="dk1"/>
+          </a:effectRef>
+          <a:fontRef idx="minor">
+            <a:schemeClr val="dk1"/>
+          </a:fontRef>
+        </p:style>
+      </p:pic>
+      <p:pic>
+        <p:nvPicPr>
+          <p:cNvPr id="12" name="Picture 11">
+            <a:extLst>
+              <a:ext uri="{FF2B5EF4-FFF2-40B4-BE49-F238E27FC236}">
+                <a16:creationId xmlns:a16="http://schemas.microsoft.com/office/drawing/2014/main" id="{BC90B7D1-93F3-4D1B-9AE5-E858B1E34643}"/>
+              </a:ext>
+            </a:extLst>
+          </p:cNvPr>
+          <p:cNvPicPr>
+            <a:picLocks noChangeAspect="1"/>
+          </p:cNvPicPr>
+          <p:nvPr/>
+        </p:nvPicPr>
+        <p:blipFill>
+          <a:blip r:embed="rId5"/>
+          <a:stretch>
+            <a:fillRect/>
+          </a:stretch>
+        </p:blipFill>
+        <p:spPr>
+          <a:xfrm>
+            <a:off x="4038945" y="3352800"/>
+            <a:ext cx="4691062" cy="2095883"/>
+          </a:xfrm>
+          <a:prstGeom prst="rect">
+            <a:avLst/>
+          </a:prstGeom>
+          <a:ln>
+            <a:solidFill>
+              <a:srgbClr val="404040"/>
+            </a:solidFill>
+          </a:ln>
+        </p:spPr>
+        <p:style>
+          <a:lnRef idx="2">
+            <a:schemeClr val="dk1"/>
+          </a:lnRef>
+          <a:fillRef idx="1">
+            <a:schemeClr val="lt1"/>
+          </a:fillRef>
+          <a:effectRef idx="0">
+            <a:schemeClr val="dk1"/>
+          </a:effectRef>
+          <a:fontRef idx="minor">
+            <a:schemeClr val="dk1"/>
+          </a:fontRef>
+        </p:style>
+      </p:pic>
+    </p:spTree>
+    <p:custDataLst>
+      <p:tags r:id="rId1"/>
+    </p:custDataLst>
+    <p:extLst>
+      <p:ext uri="{BB962C8B-B14F-4D97-AF65-F5344CB8AC3E}">
+        <p14:creationId xmlns:p14="http://schemas.microsoft.com/office/powerpoint/2010/main" val="797879491"/>
+      </p:ext>
+    </p:extLst>
+  </p:cSld>
+  <p:clrMapOvr>
+    <a:masterClrMapping/>
+  </p:clrMapOvr>
+</p:sld>
+</file>
+
+<file path=ppt/slides/slide22.xml><?xml version="1.0" encoding="utf-8"?>
+<p:sld xmlns:a="http://schemas.openxmlformats.org/drawingml/2006/main" xmlns:r="http://schemas.openxmlformats.org/officeDocument/2006/relationships" xmlns:p="http://schemas.openxmlformats.org/presentationml/2006/main">
+  <p:cSld>
+    <p:bg>
+      <p:bgPr>
+        <a:solidFill>
+          <a:schemeClr val="bg1">
+            <a:lumMod val="85000"/>
+          </a:schemeClr>
+        </a:solidFill>
+        <a:effectLst/>
+      </p:bgPr>
+    </p:bg>
+    <p:spTree>
+      <p:nvGrpSpPr>
+        <p:cNvPr id="1" name=""/>
+        <p:cNvGrpSpPr/>
+        <p:nvPr/>
+      </p:nvGrpSpPr>
+      <p:grpSpPr>
+        <a:xfrm>
+          <a:off x="0" y="0"/>
+          <a:ext cx="0" cy="0"/>
+          <a:chOff x="0" y="0"/>
+          <a:chExt cx="0" cy="0"/>
+        </a:xfrm>
+      </p:grpSpPr>
+      <p:sp>
+        <p:nvSpPr>
+          <p:cNvPr id="15" name="Rectangle 12">
+            <a:extLst>
+              <a:ext uri="{FF2B5EF4-FFF2-40B4-BE49-F238E27FC236}">
+                <a16:creationId xmlns:a16="http://schemas.microsoft.com/office/drawing/2014/main" id="{867D4867-5BA7-4462-B2F6-A23F4A622AA7}"/>
+              </a:ext>
+              <a:ext uri="{C183D7F6-B498-43B3-948B-1728B52AA6E4}">
+                <adec:decorative xmlns:adec="http://schemas.microsoft.com/office/drawing/2017/decorative" val="1"/>
+              </a:ext>
+            </a:extLst>
+          </p:cNvPr>
+          <p:cNvSpPr>
+            <a:spLocks noGrp="1" noRot="1" noChangeAspect="1" noMove="1" noResize="1" noEditPoints="1" noAdjustHandles="1" noChangeArrowheads="1" noChangeShapeType="1" noTextEdit="1"/>
+          </p:cNvSpPr>
+          <p:nvPr>
+            <p:extLst>
+              <p:ext uri="{386F3935-93C4-4BCD-93E2-E3B085C9AB24}">
+                <p16:designElem xmlns:p16="http://schemas.microsoft.com/office/powerpoint/2015/main" val="1"/>
+              </p:ext>
+            </p:extLst>
+          </p:nvPr>
+        </p:nvSpPr>
+        <p:spPr>
+          <a:xfrm>
+            <a:off x="0" y="0"/>
+            <a:ext cx="3490722" cy="6858000"/>
+          </a:xfrm>
+          <a:prstGeom prst="rect">
+            <a:avLst/>
+          </a:prstGeom>
+          <a:solidFill>
+            <a:schemeClr val="tx1">
+              <a:lumMod val="75000"/>
+              <a:lumOff val="25000"/>
+            </a:schemeClr>
+          </a:solidFill>
+          <a:ln>
+            <a:noFill/>
+          </a:ln>
+        </p:spPr>
+        <p:style>
+          <a:lnRef idx="0">
+            <a:scrgbClr r="0" g="0" b="0"/>
+          </a:lnRef>
+          <a:fillRef idx="0">
+            <a:scrgbClr r="0" g="0" b="0"/>
+          </a:fillRef>
+          <a:effectRef idx="0">
+            <a:scrgbClr r="0" g="0" b="0"/>
+          </a:effectRef>
+          <a:fontRef idx="minor">
+            <a:schemeClr val="lt1"/>
+          </a:fontRef>
+        </p:style>
+        <p:txBody>
+          <a:bodyPr rtlCol="0" anchor="ctr"/>
+          <a:lstStyle/>
+          <a:p>
+            <a:pPr algn="ctr"/>
+            <a:endParaRPr lang="en-US"/>
+          </a:p>
+        </p:txBody>
+      </p:sp>
+      <p:sp>
+        <p:nvSpPr>
+          <p:cNvPr id="2" name="Title 1"/>
+          <p:cNvSpPr>
+            <a:spLocks noGrp="1"/>
+          </p:cNvSpPr>
+          <p:nvPr>
+            <p:ph type="title"/>
+          </p:nvPr>
+        </p:nvSpPr>
+        <p:spPr>
+          <a:xfrm>
+            <a:off x="482600" y="643467"/>
+            <a:ext cx="2522980" cy="1597315"/>
+          </a:xfrm>
+          <a:noFill/>
+          <a:ln w="19050">
+            <a:solidFill>
+              <a:schemeClr val="bg1"/>
+            </a:solidFill>
+          </a:ln>
+        </p:spPr>
+        <p:txBody>
+          <a:bodyPr vert="horz" wrap="square" lIns="91440" tIns="45720" rIns="91440" bIns="45720" rtlCol="0" anchor="ctr">
+            <a:normAutofit/>
+          </a:bodyPr>
+          <a:lstStyle/>
+          <a:p>
+            <a:pPr defTabSz="914400" eaLnBrk="1" hangingPunct="1">
+              <a:lnSpc>
+                <a:spcPct val="90000"/>
+              </a:lnSpc>
+            </a:pPr>
+            <a:r>
+              <a:rPr lang="en-US" sz="2400" dirty="0">
+                <a:solidFill>
+                  <a:schemeClr val="bg1"/>
+                </a:solidFill>
+                <a:ea typeface="+mj-ea"/>
+                <a:cs typeface="+mj-cs"/>
+              </a:rPr>
+              <a:t>select()</a:t>
+            </a:r>
+            <a:endParaRPr lang="en-US" sz="2400" kern="1200" dirty="0">
+              <a:solidFill>
+                <a:schemeClr val="bg1"/>
+              </a:solidFill>
+              <a:latin typeface="+mj-lt"/>
+              <a:ea typeface="+mj-ea"/>
+              <a:cs typeface="+mj-cs"/>
+            </a:endParaRPr>
+          </a:p>
+        </p:txBody>
+      </p:sp>
+      <p:pic>
+        <p:nvPicPr>
+          <p:cNvPr id="8" name="Picture 7">
+            <a:extLst>
+              <a:ext uri="{FF2B5EF4-FFF2-40B4-BE49-F238E27FC236}">
+                <a16:creationId xmlns:a16="http://schemas.microsoft.com/office/drawing/2014/main" id="{521D4292-9ECC-4DA5-8CC0-C561A0DA118E}"/>
+              </a:ext>
+            </a:extLst>
+          </p:cNvPr>
+          <p:cNvPicPr>
+            <a:picLocks noChangeAspect="1"/>
+          </p:cNvPicPr>
+          <p:nvPr/>
+        </p:nvPicPr>
+        <p:blipFill rotWithShape="1">
+          <a:blip r:embed="rId3"/>
+          <a:srcRect l="8000" r="9400"/>
+          <a:stretch/>
+        </p:blipFill>
+        <p:spPr>
+          <a:xfrm>
+            <a:off x="660103" y="3048000"/>
+            <a:ext cx="2167974" cy="2624666"/>
+          </a:xfrm>
+          <a:prstGeom prst="rect">
+            <a:avLst/>
+          </a:prstGeom>
+          <a:noFill/>
+        </p:spPr>
+      </p:pic>
+      <p:sp>
+        <p:nvSpPr>
+          <p:cNvPr id="3" name="TextBox 2">
+            <a:extLst>
+              <a:ext uri="{FF2B5EF4-FFF2-40B4-BE49-F238E27FC236}">
+                <a16:creationId xmlns:a16="http://schemas.microsoft.com/office/drawing/2014/main" id="{F11A48DB-9DC8-487D-B292-F37C24E1A4C6}"/>
+              </a:ext>
+            </a:extLst>
+          </p:cNvPr>
+          <p:cNvSpPr txBox="1"/>
+          <p:nvPr/>
+        </p:nvSpPr>
+        <p:spPr>
+          <a:xfrm>
+            <a:off x="3777352" y="643467"/>
+            <a:ext cx="5214248" cy="3046988"/>
+          </a:xfrm>
+          <a:prstGeom prst="rect">
+            <a:avLst/>
+          </a:prstGeom>
+          <a:noFill/>
+        </p:spPr>
+        <p:txBody>
+          <a:bodyPr wrap="square" rtlCol="0">
+            <a:spAutoFit/>
+          </a:bodyPr>
+          <a:lstStyle/>
+          <a:p>
+            <a:pPr marL="342900" indent="-342900">
+              <a:buFont typeface="Arial" panose="020B0604020202020204" pitchFamily="34" charset="0"/>
+              <a:buChar char="•"/>
+            </a:pPr>
+            <a:r>
+              <a:rPr lang="en-US" dirty="0">
+                <a:solidFill>
+                  <a:srgbClr val="404040"/>
+                </a:solidFill>
+              </a:rPr>
+              <a:t>Renaming Variables</a:t>
+            </a:r>
+          </a:p>
+          <a:p>
+            <a:pPr marL="800100" lvl="1" indent="-342900">
+              <a:buFont typeface="Arial" panose="020B0604020202020204" pitchFamily="34" charset="0"/>
+              <a:buChar char="•"/>
+            </a:pPr>
+            <a:endParaRPr lang="en-US" dirty="0">
+              <a:solidFill>
+                <a:srgbClr val="404040"/>
+              </a:solidFill>
+            </a:endParaRPr>
+          </a:p>
+          <a:p>
+            <a:pPr marL="800100" lvl="1" indent="-342900">
+              <a:buFont typeface="Arial" panose="020B0604020202020204" pitchFamily="34" charset="0"/>
+              <a:buChar char="•"/>
+            </a:pPr>
+            <a:r>
+              <a:rPr lang="en-US" dirty="0">
+                <a:solidFill>
+                  <a:srgbClr val="404040"/>
+                </a:solidFill>
+              </a:rPr>
+              <a:t>Can Use select()</a:t>
+            </a:r>
+          </a:p>
+          <a:p>
+            <a:pPr lvl="1"/>
+            <a:endParaRPr lang="en-US" dirty="0">
+              <a:solidFill>
+                <a:srgbClr val="404040"/>
+              </a:solidFill>
+            </a:endParaRPr>
+          </a:p>
+          <a:p>
+            <a:pPr lvl="1"/>
+            <a:endParaRPr lang="en-US" dirty="0">
+              <a:solidFill>
+                <a:srgbClr val="404040"/>
+              </a:solidFill>
+            </a:endParaRPr>
+          </a:p>
+          <a:p>
+            <a:pPr lvl="1"/>
+            <a:endParaRPr lang="en-US" dirty="0">
+              <a:solidFill>
+                <a:srgbClr val="404040"/>
+              </a:solidFill>
+            </a:endParaRPr>
+          </a:p>
+          <a:p>
+            <a:pPr marL="800100" lvl="1" indent="-342900">
+              <a:buFont typeface="Arial" panose="020B0604020202020204" pitchFamily="34" charset="0"/>
+              <a:buChar char="•"/>
+            </a:pPr>
+            <a:r>
+              <a:rPr lang="en-US" dirty="0">
+                <a:solidFill>
+                  <a:srgbClr val="404040"/>
+                </a:solidFill>
+              </a:rPr>
+              <a:t>But Use rename()</a:t>
+            </a:r>
+          </a:p>
+          <a:p>
+            <a:endParaRPr lang="en-US" dirty="0">
+              <a:solidFill>
+                <a:srgbClr val="404040"/>
+              </a:solidFill>
+            </a:endParaRPr>
+          </a:p>
+        </p:txBody>
+      </p:sp>
+      <p:pic>
+        <p:nvPicPr>
+          <p:cNvPr id="11" name="Picture 10">
+            <a:extLst>
+              <a:ext uri="{FF2B5EF4-FFF2-40B4-BE49-F238E27FC236}">
+                <a16:creationId xmlns:a16="http://schemas.microsoft.com/office/drawing/2014/main" id="{E64B3868-D237-4603-96EA-3ED588AC22FE}"/>
+              </a:ext>
+            </a:extLst>
+          </p:cNvPr>
+          <p:cNvPicPr>
+            <a:picLocks noChangeAspect="1"/>
+          </p:cNvPicPr>
+          <p:nvPr/>
+        </p:nvPicPr>
+        <p:blipFill>
+          <a:blip r:embed="rId4"/>
+          <a:stretch>
+            <a:fillRect/>
+          </a:stretch>
+        </p:blipFill>
+        <p:spPr>
+          <a:xfrm>
+            <a:off x="4038945" y="1897326"/>
+            <a:ext cx="4691062" cy="539269"/>
+          </a:xfrm>
+          <a:prstGeom prst="rect">
+            <a:avLst/>
+          </a:prstGeom>
+          <a:ln>
+            <a:solidFill>
+              <a:srgbClr val="404040"/>
+            </a:solidFill>
+          </a:ln>
+        </p:spPr>
+        <p:style>
+          <a:lnRef idx="2">
+            <a:schemeClr val="dk1"/>
+          </a:lnRef>
+          <a:fillRef idx="1">
+            <a:schemeClr val="lt1"/>
+          </a:fillRef>
+          <a:effectRef idx="0">
+            <a:schemeClr val="dk1"/>
+          </a:effectRef>
+          <a:fontRef idx="minor">
+            <a:schemeClr val="dk1"/>
+          </a:fontRef>
+        </p:style>
+      </p:pic>
+      <p:pic>
+        <p:nvPicPr>
+          <p:cNvPr id="12" name="Picture 11">
+            <a:extLst>
+              <a:ext uri="{FF2B5EF4-FFF2-40B4-BE49-F238E27FC236}">
+                <a16:creationId xmlns:a16="http://schemas.microsoft.com/office/drawing/2014/main" id="{BC90B7D1-93F3-4D1B-9AE5-E858B1E34643}"/>
+              </a:ext>
+            </a:extLst>
+          </p:cNvPr>
+          <p:cNvPicPr>
+            <a:picLocks noChangeAspect="1"/>
+          </p:cNvPicPr>
+          <p:nvPr/>
+        </p:nvPicPr>
+        <p:blipFill>
+          <a:blip r:embed="rId5"/>
+          <a:stretch>
+            <a:fillRect/>
+          </a:stretch>
+        </p:blipFill>
+        <p:spPr>
+          <a:xfrm>
+            <a:off x="4038945" y="3352800"/>
+            <a:ext cx="4691062" cy="2095883"/>
+          </a:xfrm>
+          <a:prstGeom prst="rect">
+            <a:avLst/>
+          </a:prstGeom>
+          <a:ln>
+            <a:solidFill>
+              <a:srgbClr val="404040"/>
+            </a:solidFill>
+          </a:ln>
+        </p:spPr>
+        <p:style>
+          <a:lnRef idx="2">
+            <a:schemeClr val="dk1"/>
+          </a:lnRef>
+          <a:fillRef idx="1">
+            <a:schemeClr val="lt1"/>
+          </a:fillRef>
+          <a:effectRef idx="0">
+            <a:schemeClr val="dk1"/>
+          </a:effectRef>
+          <a:fontRef idx="minor">
+            <a:schemeClr val="dk1"/>
+          </a:fontRef>
+        </p:style>
+      </p:pic>
+    </p:spTree>
+    <p:custDataLst>
+      <p:tags r:id="rId1"/>
+    </p:custDataLst>
+    <p:extLst>
+      <p:ext uri="{BB962C8B-B14F-4D97-AF65-F5344CB8AC3E}">
+        <p14:creationId xmlns:p14="http://schemas.microsoft.com/office/powerpoint/2010/main" val="2209338702"/>
+      </p:ext>
+    </p:extLst>
+  </p:cSld>
+  <p:clrMapOvr>
+    <a:masterClrMapping/>
+  </p:clrMapOvr>
+</p:sld>
+</file>
+
+<file path=ppt/slides/slide23.xml><?xml version="1.0" encoding="utf-8"?>
+<p:sld xmlns:a="http://schemas.openxmlformats.org/drawingml/2006/main" xmlns:r="http://schemas.openxmlformats.org/officeDocument/2006/relationships" xmlns:p="http://schemas.openxmlformats.org/presentationml/2006/main">
+  <p:cSld>
+    <p:bg>
+      <p:bgPr>
+        <a:solidFill>
+          <a:schemeClr val="bg1">
+            <a:lumMod val="85000"/>
+          </a:schemeClr>
+        </a:solidFill>
+        <a:effectLst/>
+      </p:bgPr>
+    </p:bg>
+    <p:spTree>
+      <p:nvGrpSpPr>
+        <p:cNvPr id="1" name=""/>
+        <p:cNvGrpSpPr/>
+        <p:nvPr/>
+      </p:nvGrpSpPr>
+      <p:grpSpPr>
+        <a:xfrm>
+          <a:off x="0" y="0"/>
+          <a:ext cx="0" cy="0"/>
+          <a:chOff x="0" y="0"/>
+          <a:chExt cx="0" cy="0"/>
+        </a:xfrm>
+      </p:grpSpPr>
+      <p:sp>
+        <p:nvSpPr>
+          <p:cNvPr id="15" name="Rectangle 12">
+            <a:extLst>
+              <a:ext uri="{FF2B5EF4-FFF2-40B4-BE49-F238E27FC236}">
+                <a16:creationId xmlns:a16="http://schemas.microsoft.com/office/drawing/2014/main" id="{867D4867-5BA7-4462-B2F6-A23F4A622AA7}"/>
+              </a:ext>
+              <a:ext uri="{C183D7F6-B498-43B3-948B-1728B52AA6E4}">
+                <adec:decorative xmlns:adec="http://schemas.microsoft.com/office/drawing/2017/decorative" val="1"/>
+              </a:ext>
+            </a:extLst>
+          </p:cNvPr>
+          <p:cNvSpPr>
+            <a:spLocks noGrp="1" noRot="1" noChangeAspect="1" noMove="1" noResize="1" noEditPoints="1" noAdjustHandles="1" noChangeArrowheads="1" noChangeShapeType="1" noTextEdit="1"/>
+          </p:cNvSpPr>
+          <p:nvPr>
+            <p:extLst>
+              <p:ext uri="{386F3935-93C4-4BCD-93E2-E3B085C9AB24}">
+                <p16:designElem xmlns:p16="http://schemas.microsoft.com/office/powerpoint/2015/main" val="1"/>
+              </p:ext>
+            </p:extLst>
+          </p:nvPr>
+        </p:nvSpPr>
+        <p:spPr>
+          <a:xfrm>
+            <a:off x="0" y="0"/>
+            <a:ext cx="3490722" cy="6858000"/>
+          </a:xfrm>
+          <a:prstGeom prst="rect">
+            <a:avLst/>
+          </a:prstGeom>
+          <a:solidFill>
+            <a:schemeClr val="tx1">
+              <a:lumMod val="75000"/>
+              <a:lumOff val="25000"/>
+            </a:schemeClr>
+          </a:solidFill>
+          <a:ln>
+            <a:noFill/>
+          </a:ln>
+        </p:spPr>
+        <p:style>
+          <a:lnRef idx="0">
+            <a:scrgbClr r="0" g="0" b="0"/>
+          </a:lnRef>
+          <a:fillRef idx="0">
+            <a:scrgbClr r="0" g="0" b="0"/>
+          </a:fillRef>
+          <a:effectRef idx="0">
+            <a:scrgbClr r="0" g="0" b="0"/>
+          </a:effectRef>
+          <a:fontRef idx="minor">
+            <a:schemeClr val="lt1"/>
+          </a:fontRef>
+        </p:style>
+        <p:txBody>
+          <a:bodyPr rtlCol="0" anchor="ctr"/>
+          <a:lstStyle/>
+          <a:p>
+            <a:pPr algn="ctr"/>
+            <a:endParaRPr lang="en-US"/>
+          </a:p>
+        </p:txBody>
+      </p:sp>
+      <p:sp>
+        <p:nvSpPr>
+          <p:cNvPr id="2" name="Title 1"/>
+          <p:cNvSpPr>
+            <a:spLocks noGrp="1"/>
+          </p:cNvSpPr>
+          <p:nvPr>
+            <p:ph type="title"/>
+          </p:nvPr>
+        </p:nvSpPr>
+        <p:spPr>
+          <a:xfrm>
+            <a:off x="482600" y="643467"/>
+            <a:ext cx="2522980" cy="1597315"/>
+          </a:xfrm>
+          <a:noFill/>
+          <a:ln w="19050">
+            <a:solidFill>
+              <a:schemeClr val="bg1"/>
+            </a:solidFill>
+          </a:ln>
+        </p:spPr>
+        <p:txBody>
+          <a:bodyPr vert="horz" wrap="square" lIns="91440" tIns="45720" rIns="91440" bIns="45720" rtlCol="0" anchor="ctr">
+            <a:normAutofit/>
+          </a:bodyPr>
+          <a:lstStyle/>
+          <a:p>
+            <a:pPr defTabSz="914400" eaLnBrk="1" hangingPunct="1">
+              <a:lnSpc>
+                <a:spcPct val="90000"/>
+              </a:lnSpc>
+            </a:pPr>
+            <a:r>
+              <a:rPr lang="en-US" sz="2400" dirty="0">
+                <a:solidFill>
+                  <a:schemeClr val="bg1"/>
+                </a:solidFill>
+                <a:ea typeface="+mj-ea"/>
+                <a:cs typeface="+mj-cs"/>
+              </a:rPr>
+              <a:t>select()</a:t>
+            </a:r>
+            <a:endParaRPr lang="en-US" sz="2400" kern="1200" dirty="0">
+              <a:solidFill>
+                <a:schemeClr val="bg1"/>
+              </a:solidFill>
+              <a:latin typeface="+mj-lt"/>
+              <a:ea typeface="+mj-ea"/>
+              <a:cs typeface="+mj-cs"/>
+            </a:endParaRPr>
+          </a:p>
+        </p:txBody>
+      </p:sp>
+      <p:pic>
+        <p:nvPicPr>
+          <p:cNvPr id="8" name="Picture 7">
+            <a:extLst>
+              <a:ext uri="{FF2B5EF4-FFF2-40B4-BE49-F238E27FC236}">
+                <a16:creationId xmlns:a16="http://schemas.microsoft.com/office/drawing/2014/main" id="{521D4292-9ECC-4DA5-8CC0-C561A0DA118E}"/>
+              </a:ext>
+            </a:extLst>
+          </p:cNvPr>
+          <p:cNvPicPr>
+            <a:picLocks noChangeAspect="1"/>
+          </p:cNvPicPr>
+          <p:nvPr/>
+        </p:nvPicPr>
+        <p:blipFill rotWithShape="1">
+          <a:blip r:embed="rId3"/>
+          <a:srcRect l="8000" r="9400"/>
+          <a:stretch/>
+        </p:blipFill>
+        <p:spPr>
+          <a:xfrm>
+            <a:off x="660103" y="3048000"/>
+            <a:ext cx="2167974" cy="2624666"/>
+          </a:xfrm>
+          <a:prstGeom prst="rect">
+            <a:avLst/>
+          </a:prstGeom>
+          <a:noFill/>
+        </p:spPr>
+      </p:pic>
+      <p:sp>
+        <p:nvSpPr>
+          <p:cNvPr id="3" name="TextBox 2">
+            <a:extLst>
+              <a:ext uri="{FF2B5EF4-FFF2-40B4-BE49-F238E27FC236}">
+                <a16:creationId xmlns:a16="http://schemas.microsoft.com/office/drawing/2014/main" id="{F11A48DB-9DC8-487D-B292-F37C24E1A4C6}"/>
+              </a:ext>
+            </a:extLst>
+          </p:cNvPr>
+          <p:cNvSpPr txBox="1"/>
+          <p:nvPr/>
+        </p:nvSpPr>
+        <p:spPr>
+          <a:xfrm>
+            <a:off x="3777352" y="643467"/>
+            <a:ext cx="5214248" cy="461665"/>
+          </a:xfrm>
+          <a:prstGeom prst="rect">
+            <a:avLst/>
+          </a:prstGeom>
+          <a:noFill/>
+        </p:spPr>
+        <p:txBody>
+          <a:bodyPr wrap="square" rtlCol="0">
+            <a:spAutoFit/>
+          </a:bodyPr>
+          <a:lstStyle/>
+          <a:p>
+            <a:pPr marL="342900" indent="-342900">
+              <a:buFont typeface="Arial" panose="020B0604020202020204" pitchFamily="34" charset="0"/>
+              <a:buChar char="•"/>
+            </a:pPr>
+            <a:r>
+              <a:rPr lang="en-US" dirty="0">
+                <a:solidFill>
+                  <a:srgbClr val="404040"/>
+                </a:solidFill>
+              </a:rPr>
+              <a:t>Reordering Variables</a:t>
+            </a:r>
+          </a:p>
+        </p:txBody>
+      </p:sp>
+      <p:pic>
+        <p:nvPicPr>
+          <p:cNvPr id="4" name="Picture 3">
+            <a:extLst>
+              <a:ext uri="{FF2B5EF4-FFF2-40B4-BE49-F238E27FC236}">
+                <a16:creationId xmlns:a16="http://schemas.microsoft.com/office/drawing/2014/main" id="{A6C94EAE-B2C8-4FAB-B9A9-22B87427CDCC}"/>
+              </a:ext>
+            </a:extLst>
+          </p:cNvPr>
+          <p:cNvPicPr>
+            <a:picLocks noChangeAspect="1"/>
+          </p:cNvPicPr>
+          <p:nvPr/>
+        </p:nvPicPr>
+        <p:blipFill>
+          <a:blip r:embed="rId4"/>
+          <a:stretch>
+            <a:fillRect/>
+          </a:stretch>
+        </p:blipFill>
+        <p:spPr>
+          <a:xfrm>
+            <a:off x="3886200" y="1143000"/>
+            <a:ext cx="4343400" cy="5616655"/>
+          </a:xfrm>
+          <a:prstGeom prst="rect">
+            <a:avLst/>
+          </a:prstGeom>
+          <a:ln>
+            <a:solidFill>
+              <a:srgbClr val="404040"/>
+            </a:solidFill>
+          </a:ln>
+        </p:spPr>
+        <p:style>
+          <a:lnRef idx="2">
+            <a:schemeClr val="dk1"/>
+          </a:lnRef>
+          <a:fillRef idx="1">
+            <a:schemeClr val="lt1"/>
+          </a:fillRef>
+          <a:effectRef idx="0">
+            <a:schemeClr val="dk1"/>
+          </a:effectRef>
+          <a:fontRef idx="minor">
+            <a:schemeClr val="dk1"/>
+          </a:fontRef>
+        </p:style>
+      </p:pic>
+    </p:spTree>
+    <p:custDataLst>
+      <p:tags r:id="rId1"/>
+    </p:custDataLst>
+    <p:extLst>
+      <p:ext uri="{BB962C8B-B14F-4D97-AF65-F5344CB8AC3E}">
+        <p14:creationId xmlns:p14="http://schemas.microsoft.com/office/powerpoint/2010/main" val="1782253328"/>
+      </p:ext>
+    </p:extLst>
+  </p:cSld>
+  <p:clrMapOvr>
+    <a:masterClrMapping/>
+  </p:clrMapOvr>
+</p:sld>
+</file>
+
+<file path=ppt/slides/slide24.xml><?xml version="1.0" encoding="utf-8"?>
+<p:sld xmlns:a="http://schemas.openxmlformats.org/drawingml/2006/main" xmlns:r="http://schemas.openxmlformats.org/officeDocument/2006/relationships" xmlns:p="http://schemas.openxmlformats.org/presentationml/2006/main">
+  <p:cSld>
+    <p:bg>
+      <p:bgPr>
+        <a:solidFill>
+          <a:schemeClr val="bg1">
+            <a:lumMod val="85000"/>
+          </a:schemeClr>
+        </a:solidFill>
+        <a:effectLst/>
+      </p:bgPr>
+    </p:bg>
+    <p:spTree>
+      <p:nvGrpSpPr>
+        <p:cNvPr id="1" name=""/>
+        <p:cNvGrpSpPr/>
+        <p:nvPr/>
+      </p:nvGrpSpPr>
+      <p:grpSpPr>
+        <a:xfrm>
+          <a:off x="0" y="0"/>
+          <a:ext cx="0" cy="0"/>
+          <a:chOff x="0" y="0"/>
+          <a:chExt cx="0" cy="0"/>
+        </a:xfrm>
+      </p:grpSpPr>
+      <p:sp>
+        <p:nvSpPr>
+          <p:cNvPr id="15" name="Rectangle 12">
+            <a:extLst>
+              <a:ext uri="{FF2B5EF4-FFF2-40B4-BE49-F238E27FC236}">
+                <a16:creationId xmlns:a16="http://schemas.microsoft.com/office/drawing/2014/main" id="{867D4867-5BA7-4462-B2F6-A23F4A622AA7}"/>
+              </a:ext>
+              <a:ext uri="{C183D7F6-B498-43B3-948B-1728B52AA6E4}">
+                <adec:decorative xmlns:adec="http://schemas.microsoft.com/office/drawing/2017/decorative" val="1"/>
+              </a:ext>
+            </a:extLst>
+          </p:cNvPr>
+          <p:cNvSpPr>
+            <a:spLocks noGrp="1" noRot="1" noChangeAspect="1" noMove="1" noResize="1" noEditPoints="1" noAdjustHandles="1" noChangeArrowheads="1" noChangeShapeType="1" noTextEdit="1"/>
+          </p:cNvSpPr>
+          <p:nvPr>
+            <p:extLst>
+              <p:ext uri="{386F3935-93C4-4BCD-93E2-E3B085C9AB24}">
+                <p16:designElem xmlns:p16="http://schemas.microsoft.com/office/powerpoint/2015/main" val="1"/>
+              </p:ext>
+            </p:extLst>
+          </p:nvPr>
+        </p:nvSpPr>
+        <p:spPr>
+          <a:xfrm>
+            <a:off x="0" y="0"/>
+            <a:ext cx="3490722" cy="6858000"/>
+          </a:xfrm>
+          <a:prstGeom prst="rect">
+            <a:avLst/>
+          </a:prstGeom>
+          <a:solidFill>
+            <a:schemeClr val="tx1">
+              <a:lumMod val="75000"/>
+              <a:lumOff val="25000"/>
+            </a:schemeClr>
+          </a:solidFill>
+          <a:ln>
+            <a:noFill/>
+          </a:ln>
+        </p:spPr>
+        <p:style>
+          <a:lnRef idx="0">
+            <a:scrgbClr r="0" g="0" b="0"/>
+          </a:lnRef>
+          <a:fillRef idx="0">
+            <a:scrgbClr r="0" g="0" b="0"/>
+          </a:fillRef>
+          <a:effectRef idx="0">
+            <a:scrgbClr r="0" g="0" b="0"/>
+          </a:effectRef>
+          <a:fontRef idx="minor">
+            <a:schemeClr val="lt1"/>
+          </a:fontRef>
+        </p:style>
+        <p:txBody>
+          <a:bodyPr rtlCol="0" anchor="ctr"/>
+          <a:lstStyle/>
+          <a:p>
+            <a:pPr algn="ctr"/>
+            <a:endParaRPr lang="en-US"/>
+          </a:p>
+        </p:txBody>
+      </p:sp>
+      <p:sp>
+        <p:nvSpPr>
+          <p:cNvPr id="2" name="Title 1"/>
+          <p:cNvSpPr>
+            <a:spLocks noGrp="1"/>
+          </p:cNvSpPr>
+          <p:nvPr>
+            <p:ph type="title"/>
+          </p:nvPr>
+        </p:nvSpPr>
+        <p:spPr>
+          <a:xfrm>
+            <a:off x="482600" y="643467"/>
+            <a:ext cx="2522980" cy="1597315"/>
+          </a:xfrm>
+          <a:noFill/>
+          <a:ln w="19050">
+            <a:solidFill>
+              <a:schemeClr val="bg1"/>
+            </a:solidFill>
+          </a:ln>
+        </p:spPr>
+        <p:txBody>
+          <a:bodyPr vert="horz" wrap="square" lIns="91440" tIns="45720" rIns="91440" bIns="45720" rtlCol="0" anchor="ctr">
+            <a:normAutofit/>
+          </a:bodyPr>
+          <a:lstStyle/>
+          <a:p>
+            <a:pPr defTabSz="914400" eaLnBrk="1" hangingPunct="1">
+              <a:lnSpc>
+                <a:spcPct val="90000"/>
+              </a:lnSpc>
+            </a:pPr>
+            <a:r>
+              <a:rPr lang="en-US" sz="2400" dirty="0">
+                <a:solidFill>
+                  <a:schemeClr val="bg1"/>
+                </a:solidFill>
+                <a:ea typeface="+mj-ea"/>
+                <a:cs typeface="+mj-cs"/>
+              </a:rPr>
+              <a:t>mutate()</a:t>
+            </a:r>
+            <a:endParaRPr lang="en-US" sz="2400" kern="1200" dirty="0">
+              <a:solidFill>
+                <a:schemeClr val="bg1"/>
+              </a:solidFill>
+              <a:latin typeface="+mj-lt"/>
+              <a:ea typeface="+mj-ea"/>
+              <a:cs typeface="+mj-cs"/>
+            </a:endParaRPr>
+          </a:p>
+        </p:txBody>
+      </p:sp>
+      <p:pic>
+        <p:nvPicPr>
+          <p:cNvPr id="8" name="Picture 7">
+            <a:extLst>
+              <a:ext uri="{FF2B5EF4-FFF2-40B4-BE49-F238E27FC236}">
+                <a16:creationId xmlns:a16="http://schemas.microsoft.com/office/drawing/2014/main" id="{521D4292-9ECC-4DA5-8CC0-C561A0DA118E}"/>
+              </a:ext>
+            </a:extLst>
+          </p:cNvPr>
+          <p:cNvPicPr>
+            <a:picLocks noChangeAspect="1"/>
+          </p:cNvPicPr>
+          <p:nvPr/>
+        </p:nvPicPr>
+        <p:blipFill rotWithShape="1">
+          <a:blip r:embed="rId3"/>
+          <a:srcRect l="8000" r="9400"/>
+          <a:stretch/>
+        </p:blipFill>
+        <p:spPr>
+          <a:xfrm>
+            <a:off x="660103" y="3048000"/>
+            <a:ext cx="2167974" cy="2624666"/>
+          </a:xfrm>
+          <a:prstGeom prst="rect">
+            <a:avLst/>
+          </a:prstGeom>
+          <a:noFill/>
+        </p:spPr>
+      </p:pic>
+      <p:sp>
+        <p:nvSpPr>
+          <p:cNvPr id="3" name="TextBox 2">
+            <a:extLst>
+              <a:ext uri="{FF2B5EF4-FFF2-40B4-BE49-F238E27FC236}">
+                <a16:creationId xmlns:a16="http://schemas.microsoft.com/office/drawing/2014/main" id="{F11A48DB-9DC8-487D-B292-F37C24E1A4C6}"/>
+              </a:ext>
+            </a:extLst>
+          </p:cNvPr>
+          <p:cNvSpPr txBox="1"/>
+          <p:nvPr/>
+        </p:nvSpPr>
+        <p:spPr>
+          <a:xfrm>
+            <a:off x="3777352" y="643467"/>
+            <a:ext cx="5214248" cy="5632311"/>
+          </a:xfrm>
+          <a:prstGeom prst="rect">
+            <a:avLst/>
+          </a:prstGeom>
+          <a:noFill/>
+        </p:spPr>
+        <p:txBody>
+          <a:bodyPr wrap="square" rtlCol="0">
+            <a:spAutoFit/>
+          </a:bodyPr>
+          <a:lstStyle/>
+          <a:p>
+            <a:pPr marL="342900" indent="-342900">
+              <a:buFont typeface="Arial" panose="020B0604020202020204" pitchFamily="34" charset="0"/>
+              <a:buChar char="•"/>
+            </a:pPr>
+            <a:r>
+              <a:rPr lang="en-US" dirty="0">
+                <a:solidFill>
+                  <a:srgbClr val="404040"/>
+                </a:solidFill>
+              </a:rPr>
+              <a:t>Used to Create New Variables</a:t>
+            </a:r>
+          </a:p>
+          <a:p>
+            <a:pPr marL="800100" lvl="1" indent="-342900">
+              <a:buFont typeface="Arial" panose="020B0604020202020204" pitchFamily="34" charset="0"/>
+              <a:buChar char="•"/>
+            </a:pPr>
+            <a:r>
+              <a:rPr lang="en-US" dirty="0">
+                <a:solidFill>
+                  <a:srgbClr val="404040"/>
+                </a:solidFill>
+              </a:rPr>
+              <a:t>Creative New Metrics</a:t>
+            </a:r>
+          </a:p>
+          <a:p>
+            <a:pPr marL="800100" lvl="1" indent="-342900">
+              <a:buFont typeface="Arial" panose="020B0604020202020204" pitchFamily="34" charset="0"/>
+              <a:buChar char="•"/>
+            </a:pPr>
+            <a:r>
+              <a:rPr lang="en-US" dirty="0">
+                <a:solidFill>
+                  <a:srgbClr val="404040"/>
+                </a:solidFill>
+              </a:rPr>
+              <a:t>Modify Units</a:t>
+            </a:r>
+          </a:p>
+          <a:p>
+            <a:pPr marL="800100" lvl="1" indent="-342900">
+              <a:buFont typeface="Arial" panose="020B0604020202020204" pitchFamily="34" charset="0"/>
+              <a:buChar char="•"/>
+            </a:pPr>
+            <a:r>
+              <a:rPr lang="en-US" dirty="0">
+                <a:solidFill>
+                  <a:srgbClr val="404040"/>
+                </a:solidFill>
+              </a:rPr>
+              <a:t>Transform Variables</a:t>
+            </a:r>
+          </a:p>
+          <a:p>
+            <a:pPr marL="800100" lvl="1" indent="-342900">
+              <a:buFont typeface="Arial" panose="020B0604020202020204" pitchFamily="34" charset="0"/>
+              <a:buChar char="•"/>
+            </a:pPr>
+            <a:r>
+              <a:rPr lang="en-US" dirty="0">
+                <a:solidFill>
+                  <a:srgbClr val="404040"/>
+                </a:solidFill>
+              </a:rPr>
+              <a:t>Unique Identifiers</a:t>
+            </a:r>
+          </a:p>
+          <a:p>
+            <a:pPr marL="800100" lvl="1" indent="-342900">
+              <a:buFont typeface="Arial" panose="020B0604020202020204" pitchFamily="34" charset="0"/>
+              <a:buChar char="•"/>
+            </a:pPr>
+            <a:r>
+              <a:rPr lang="en-US" dirty="0">
+                <a:solidFill>
+                  <a:srgbClr val="404040"/>
+                </a:solidFill>
+              </a:rPr>
+              <a:t>Numeric to Categorical</a:t>
+            </a:r>
+          </a:p>
+          <a:p>
+            <a:pPr marL="800100" lvl="1" indent="-342900">
+              <a:buFont typeface="Arial" panose="020B0604020202020204" pitchFamily="34" charset="0"/>
+              <a:buChar char="•"/>
+            </a:pPr>
+            <a:r>
+              <a:rPr lang="en-US" dirty="0">
+                <a:solidFill>
+                  <a:srgbClr val="404040"/>
+                </a:solidFill>
+              </a:rPr>
+              <a:t>Categorical to Numeric</a:t>
+            </a:r>
+          </a:p>
+          <a:p>
+            <a:endParaRPr lang="en-US" dirty="0">
+              <a:solidFill>
+                <a:srgbClr val="404040"/>
+              </a:solidFill>
+            </a:endParaRPr>
+          </a:p>
+          <a:p>
+            <a:pPr marL="342900" indent="-342900">
+              <a:buFont typeface="Arial" panose="020B0604020202020204" pitchFamily="34" charset="0"/>
+              <a:buChar char="•"/>
+            </a:pPr>
+            <a:r>
+              <a:rPr lang="en-US" dirty="0">
+                <a:solidFill>
+                  <a:srgbClr val="404040"/>
+                </a:solidFill>
+              </a:rPr>
+              <a:t>Reduced Dataset</a:t>
+            </a:r>
+          </a:p>
+          <a:p>
+            <a:pPr marL="342900" indent="-342900">
+              <a:buFont typeface="Arial" panose="020B0604020202020204" pitchFamily="34" charset="0"/>
+              <a:buChar char="•"/>
+            </a:pPr>
+            <a:endParaRPr lang="en-US" dirty="0">
+              <a:solidFill>
+                <a:srgbClr val="404040"/>
+              </a:solidFill>
+            </a:endParaRPr>
+          </a:p>
+          <a:p>
+            <a:pPr marL="342900" indent="-342900">
+              <a:buFont typeface="Arial" panose="020B0604020202020204" pitchFamily="34" charset="0"/>
+              <a:buChar char="•"/>
+            </a:pPr>
+            <a:endParaRPr lang="en-US" dirty="0">
+              <a:solidFill>
+                <a:srgbClr val="404040"/>
+              </a:solidFill>
+            </a:endParaRPr>
+          </a:p>
+          <a:p>
+            <a:pPr marL="342900" indent="-342900">
+              <a:buFont typeface="Arial" panose="020B0604020202020204" pitchFamily="34" charset="0"/>
+              <a:buChar char="•"/>
+            </a:pPr>
+            <a:endParaRPr lang="en-US" dirty="0">
+              <a:solidFill>
+                <a:srgbClr val="404040"/>
+              </a:solidFill>
+            </a:endParaRPr>
+          </a:p>
+          <a:p>
+            <a:pPr marL="342900" indent="-342900">
+              <a:buFont typeface="Arial" panose="020B0604020202020204" pitchFamily="34" charset="0"/>
+              <a:buChar char="•"/>
+            </a:pPr>
+            <a:endParaRPr lang="en-US" dirty="0">
+              <a:solidFill>
+                <a:srgbClr val="404040"/>
+              </a:solidFill>
+            </a:endParaRPr>
+          </a:p>
+          <a:p>
+            <a:pPr marL="342900" indent="-342900">
+              <a:buFont typeface="Arial" panose="020B0604020202020204" pitchFamily="34" charset="0"/>
+              <a:buChar char="•"/>
+            </a:pPr>
+            <a:endParaRPr lang="en-US" dirty="0">
+              <a:solidFill>
+                <a:srgbClr val="404040"/>
+              </a:solidFill>
+            </a:endParaRPr>
+          </a:p>
+          <a:p>
+            <a:endParaRPr lang="en-US" dirty="0">
+              <a:solidFill>
+                <a:srgbClr val="404040"/>
+              </a:solidFill>
+            </a:endParaRPr>
+          </a:p>
+        </p:txBody>
+      </p:sp>
+      <p:pic>
+        <p:nvPicPr>
+          <p:cNvPr id="5" name="Picture 4">
+            <a:extLst>
+              <a:ext uri="{FF2B5EF4-FFF2-40B4-BE49-F238E27FC236}">
+                <a16:creationId xmlns:a16="http://schemas.microsoft.com/office/drawing/2014/main" id="{EA2FA972-5BEE-4CBE-A4B1-5A93B19F7E7B}"/>
+              </a:ext>
+            </a:extLst>
+          </p:cNvPr>
+          <p:cNvPicPr>
+            <a:picLocks noChangeAspect="1"/>
+          </p:cNvPicPr>
+          <p:nvPr/>
+        </p:nvPicPr>
+        <p:blipFill>
+          <a:blip r:embed="rId4"/>
+          <a:stretch>
+            <a:fillRect/>
+          </a:stretch>
+        </p:blipFill>
+        <p:spPr>
+          <a:xfrm>
+            <a:off x="3615927" y="3989778"/>
+            <a:ext cx="5375673" cy="2286000"/>
+          </a:xfrm>
+          <a:prstGeom prst="rect">
+            <a:avLst/>
+          </a:prstGeom>
+          <a:ln>
+            <a:solidFill>
+              <a:srgbClr val="404040"/>
+            </a:solidFill>
+          </a:ln>
+        </p:spPr>
+        <p:style>
+          <a:lnRef idx="2">
+            <a:schemeClr val="dk1"/>
+          </a:lnRef>
+          <a:fillRef idx="1">
+            <a:schemeClr val="lt1"/>
+          </a:fillRef>
+          <a:effectRef idx="0">
+            <a:schemeClr val="dk1"/>
+          </a:effectRef>
+          <a:fontRef idx="minor">
+            <a:schemeClr val="dk1"/>
+          </a:fontRef>
+        </p:style>
+      </p:pic>
+    </p:spTree>
+    <p:custDataLst>
+      <p:tags r:id="rId1"/>
+    </p:custDataLst>
+    <p:extLst>
+      <p:ext uri="{BB962C8B-B14F-4D97-AF65-F5344CB8AC3E}">
+        <p14:creationId xmlns:p14="http://schemas.microsoft.com/office/powerpoint/2010/main" val="510389601"/>
+      </p:ext>
+    </p:extLst>
+  </p:cSld>
+  <p:clrMapOvr>
+    <a:masterClrMapping/>
+  </p:clrMapOvr>
+</p:sld>
+</file>
+
+<file path=ppt/slides/slide25.xml><?xml version="1.0" encoding="utf-8"?>
+<p:sld xmlns:a="http://schemas.openxmlformats.org/drawingml/2006/main" xmlns:r="http://schemas.openxmlformats.org/officeDocument/2006/relationships" xmlns:p="http://schemas.openxmlformats.org/presentationml/2006/main">
+  <p:cSld>
+    <p:bg>
+      <p:bgPr>
+        <a:solidFill>
+          <a:schemeClr val="bg1">
+            <a:lumMod val="85000"/>
+          </a:schemeClr>
+        </a:solidFill>
+        <a:effectLst/>
+      </p:bgPr>
+    </p:bg>
+    <p:spTree>
+      <p:nvGrpSpPr>
+        <p:cNvPr id="1" name=""/>
+        <p:cNvGrpSpPr/>
+        <p:nvPr/>
+      </p:nvGrpSpPr>
+      <p:grpSpPr>
+        <a:xfrm>
+          <a:off x="0" y="0"/>
+          <a:ext cx="0" cy="0"/>
+          <a:chOff x="0" y="0"/>
+          <a:chExt cx="0" cy="0"/>
+        </a:xfrm>
+      </p:grpSpPr>
+      <p:sp>
+        <p:nvSpPr>
+          <p:cNvPr id="15" name="Rectangle 12">
+            <a:extLst>
+              <a:ext uri="{FF2B5EF4-FFF2-40B4-BE49-F238E27FC236}">
+                <a16:creationId xmlns:a16="http://schemas.microsoft.com/office/drawing/2014/main" id="{867D4867-5BA7-4462-B2F6-A23F4A622AA7}"/>
+              </a:ext>
+              <a:ext uri="{C183D7F6-B498-43B3-948B-1728B52AA6E4}">
+                <adec:decorative xmlns:adec="http://schemas.microsoft.com/office/drawing/2017/decorative" val="1"/>
+              </a:ext>
+            </a:extLst>
+          </p:cNvPr>
+          <p:cNvSpPr>
+            <a:spLocks noGrp="1" noRot="1" noChangeAspect="1" noMove="1" noResize="1" noEditPoints="1" noAdjustHandles="1" noChangeArrowheads="1" noChangeShapeType="1" noTextEdit="1"/>
+          </p:cNvSpPr>
+          <p:nvPr>
+            <p:extLst>
+              <p:ext uri="{386F3935-93C4-4BCD-93E2-E3B085C9AB24}">
+                <p16:designElem xmlns:p16="http://schemas.microsoft.com/office/powerpoint/2015/main" val="1"/>
+              </p:ext>
+            </p:extLst>
+          </p:nvPr>
+        </p:nvSpPr>
+        <p:spPr>
+          <a:xfrm>
+            <a:off x="0" y="0"/>
+            <a:ext cx="3490722" cy="6858000"/>
+          </a:xfrm>
+          <a:prstGeom prst="rect">
+            <a:avLst/>
+          </a:prstGeom>
+          <a:solidFill>
+            <a:schemeClr val="tx1">
+              <a:lumMod val="75000"/>
+              <a:lumOff val="25000"/>
+            </a:schemeClr>
+          </a:solidFill>
+          <a:ln>
+            <a:noFill/>
+          </a:ln>
+        </p:spPr>
+        <p:style>
+          <a:lnRef idx="0">
+            <a:scrgbClr r="0" g="0" b="0"/>
+          </a:lnRef>
+          <a:fillRef idx="0">
+            <a:scrgbClr r="0" g="0" b="0"/>
+          </a:fillRef>
+          <a:effectRef idx="0">
+            <a:scrgbClr r="0" g="0" b="0"/>
+          </a:effectRef>
+          <a:fontRef idx="minor">
+            <a:schemeClr val="lt1"/>
+          </a:fontRef>
+        </p:style>
+        <p:txBody>
+          <a:bodyPr rtlCol="0" anchor="ctr"/>
+          <a:lstStyle/>
+          <a:p>
+            <a:pPr algn="ctr"/>
+            <a:endParaRPr lang="en-US"/>
+          </a:p>
+        </p:txBody>
+      </p:sp>
+      <p:sp>
+        <p:nvSpPr>
+          <p:cNvPr id="2" name="Title 1"/>
+          <p:cNvSpPr>
+            <a:spLocks noGrp="1"/>
+          </p:cNvSpPr>
+          <p:nvPr>
+            <p:ph type="title"/>
+          </p:nvPr>
+        </p:nvSpPr>
+        <p:spPr>
+          <a:xfrm>
+            <a:off x="482600" y="643467"/>
+            <a:ext cx="2522980" cy="1597315"/>
+          </a:xfrm>
+          <a:noFill/>
+          <a:ln w="19050">
+            <a:solidFill>
+              <a:schemeClr val="bg1"/>
+            </a:solidFill>
+          </a:ln>
+        </p:spPr>
+        <p:txBody>
+          <a:bodyPr vert="horz" wrap="square" lIns="91440" tIns="45720" rIns="91440" bIns="45720" rtlCol="0" anchor="ctr">
+            <a:normAutofit/>
+          </a:bodyPr>
+          <a:lstStyle/>
+          <a:p>
+            <a:pPr defTabSz="914400" eaLnBrk="1" hangingPunct="1">
+              <a:lnSpc>
+                <a:spcPct val="90000"/>
+              </a:lnSpc>
+            </a:pPr>
+            <a:r>
+              <a:rPr lang="en-US" sz="2400" dirty="0">
+                <a:solidFill>
+                  <a:schemeClr val="bg1"/>
+                </a:solidFill>
+                <a:ea typeface="+mj-ea"/>
+                <a:cs typeface="+mj-cs"/>
+              </a:rPr>
+              <a:t>mutate()</a:t>
+            </a:r>
+            <a:endParaRPr lang="en-US" sz="2400" kern="1200" dirty="0">
+              <a:solidFill>
+                <a:schemeClr val="bg1"/>
+              </a:solidFill>
+              <a:latin typeface="+mj-lt"/>
+              <a:ea typeface="+mj-ea"/>
+              <a:cs typeface="+mj-cs"/>
+            </a:endParaRPr>
+          </a:p>
+        </p:txBody>
+      </p:sp>
+      <p:pic>
+        <p:nvPicPr>
+          <p:cNvPr id="8" name="Picture 7">
+            <a:extLst>
+              <a:ext uri="{FF2B5EF4-FFF2-40B4-BE49-F238E27FC236}">
+                <a16:creationId xmlns:a16="http://schemas.microsoft.com/office/drawing/2014/main" id="{521D4292-9ECC-4DA5-8CC0-C561A0DA118E}"/>
+              </a:ext>
+            </a:extLst>
+          </p:cNvPr>
+          <p:cNvPicPr>
+            <a:picLocks noChangeAspect="1"/>
+          </p:cNvPicPr>
+          <p:nvPr/>
+        </p:nvPicPr>
+        <p:blipFill rotWithShape="1">
+          <a:blip r:embed="rId3"/>
+          <a:srcRect l="8000" r="9400"/>
+          <a:stretch/>
+        </p:blipFill>
+        <p:spPr>
+          <a:xfrm>
+            <a:off x="660103" y="3048000"/>
+            <a:ext cx="2167974" cy="2624666"/>
+          </a:xfrm>
+          <a:prstGeom prst="rect">
+            <a:avLst/>
+          </a:prstGeom>
+          <a:noFill/>
+        </p:spPr>
+      </p:pic>
+      <p:sp>
+        <p:nvSpPr>
+          <p:cNvPr id="3" name="TextBox 2">
+            <a:extLst>
+              <a:ext uri="{FF2B5EF4-FFF2-40B4-BE49-F238E27FC236}">
+                <a16:creationId xmlns:a16="http://schemas.microsoft.com/office/drawing/2014/main" id="{F11A48DB-9DC8-487D-B292-F37C24E1A4C6}"/>
+              </a:ext>
+            </a:extLst>
+          </p:cNvPr>
+          <p:cNvSpPr txBox="1"/>
+          <p:nvPr/>
+        </p:nvSpPr>
+        <p:spPr>
+          <a:xfrm>
+            <a:off x="3777352" y="643467"/>
+            <a:ext cx="5214248" cy="5632311"/>
+          </a:xfrm>
+          <a:prstGeom prst="rect">
+            <a:avLst/>
+          </a:prstGeom>
+          <a:noFill/>
+        </p:spPr>
+        <p:txBody>
+          <a:bodyPr wrap="square" rtlCol="0">
+            <a:spAutoFit/>
+          </a:bodyPr>
+          <a:lstStyle/>
+          <a:p>
+            <a:pPr marL="342900" indent="-342900">
+              <a:buFont typeface="Arial" panose="020B0604020202020204" pitchFamily="34" charset="0"/>
+              <a:buChar char="•"/>
+            </a:pPr>
+            <a:r>
+              <a:rPr lang="en-US" dirty="0">
+                <a:solidFill>
+                  <a:srgbClr val="404040"/>
+                </a:solidFill>
+              </a:rPr>
+              <a:t>Example of mutate()</a:t>
+            </a:r>
+          </a:p>
+          <a:p>
+            <a:pPr marL="342900" indent="-342900">
+              <a:buFont typeface="Arial" panose="020B0604020202020204" pitchFamily="34" charset="0"/>
+              <a:buChar char="•"/>
+            </a:pPr>
+            <a:endParaRPr lang="en-US" dirty="0">
+              <a:solidFill>
+                <a:srgbClr val="404040"/>
+              </a:solidFill>
+            </a:endParaRPr>
+          </a:p>
+          <a:p>
+            <a:pPr marL="342900" indent="-342900">
+              <a:buFont typeface="Arial" panose="020B0604020202020204" pitchFamily="34" charset="0"/>
+              <a:buChar char="•"/>
+            </a:pPr>
+            <a:endParaRPr lang="en-US" dirty="0">
+              <a:solidFill>
+                <a:srgbClr val="404040"/>
+              </a:solidFill>
+            </a:endParaRPr>
+          </a:p>
+          <a:p>
+            <a:pPr marL="342900" indent="-342900">
+              <a:buFont typeface="Arial" panose="020B0604020202020204" pitchFamily="34" charset="0"/>
+              <a:buChar char="•"/>
+            </a:pPr>
+            <a:endParaRPr lang="en-US" dirty="0">
+              <a:solidFill>
+                <a:srgbClr val="404040"/>
+              </a:solidFill>
+            </a:endParaRPr>
+          </a:p>
+          <a:p>
+            <a:pPr marL="342900" indent="-342900">
+              <a:buFont typeface="Arial" panose="020B0604020202020204" pitchFamily="34" charset="0"/>
+              <a:buChar char="•"/>
+            </a:pPr>
+            <a:endParaRPr lang="en-US" dirty="0">
+              <a:solidFill>
+                <a:srgbClr val="404040"/>
+              </a:solidFill>
+            </a:endParaRPr>
+          </a:p>
+          <a:p>
+            <a:pPr marL="342900" indent="-342900">
+              <a:buFont typeface="Arial" panose="020B0604020202020204" pitchFamily="34" charset="0"/>
+              <a:buChar char="•"/>
+            </a:pPr>
+            <a:endParaRPr lang="en-US" dirty="0">
+              <a:solidFill>
+                <a:srgbClr val="404040"/>
+              </a:solidFill>
+            </a:endParaRPr>
+          </a:p>
+          <a:p>
+            <a:pPr marL="342900" indent="-342900">
+              <a:buFont typeface="Arial" panose="020B0604020202020204" pitchFamily="34" charset="0"/>
+              <a:buChar char="•"/>
+            </a:pPr>
+            <a:endParaRPr lang="en-US" dirty="0">
+              <a:solidFill>
+                <a:srgbClr val="404040"/>
+              </a:solidFill>
+            </a:endParaRPr>
+          </a:p>
+          <a:p>
+            <a:pPr marL="342900" indent="-342900">
+              <a:buFont typeface="Arial" panose="020B0604020202020204" pitchFamily="34" charset="0"/>
+              <a:buChar char="•"/>
+            </a:pPr>
+            <a:endParaRPr lang="en-US" dirty="0">
+              <a:solidFill>
+                <a:srgbClr val="404040"/>
+              </a:solidFill>
+            </a:endParaRPr>
+          </a:p>
+          <a:p>
+            <a:pPr marL="342900" indent="-342900">
+              <a:buFont typeface="Arial" panose="020B0604020202020204" pitchFamily="34" charset="0"/>
+              <a:buChar char="•"/>
+            </a:pPr>
+            <a:r>
+              <a:rPr lang="en-US" dirty="0">
+                <a:solidFill>
+                  <a:srgbClr val="404040"/>
+                </a:solidFill>
+              </a:rPr>
+              <a:t>Example of transmute()</a:t>
+            </a:r>
+          </a:p>
+          <a:p>
+            <a:pPr marL="342900" indent="-342900">
+              <a:buFont typeface="Arial" panose="020B0604020202020204" pitchFamily="34" charset="0"/>
+              <a:buChar char="•"/>
+            </a:pPr>
+            <a:endParaRPr lang="en-US" dirty="0">
+              <a:solidFill>
+                <a:srgbClr val="404040"/>
+              </a:solidFill>
+            </a:endParaRPr>
+          </a:p>
+          <a:p>
+            <a:pPr marL="342900" indent="-342900">
+              <a:buFont typeface="Arial" panose="020B0604020202020204" pitchFamily="34" charset="0"/>
+              <a:buChar char="•"/>
+            </a:pPr>
+            <a:endParaRPr lang="en-US" dirty="0">
+              <a:solidFill>
+                <a:srgbClr val="404040"/>
+              </a:solidFill>
+            </a:endParaRPr>
+          </a:p>
+          <a:p>
+            <a:pPr marL="342900" indent="-342900">
+              <a:buFont typeface="Arial" panose="020B0604020202020204" pitchFamily="34" charset="0"/>
+              <a:buChar char="•"/>
+            </a:pPr>
+            <a:endParaRPr lang="en-US" dirty="0">
+              <a:solidFill>
+                <a:srgbClr val="404040"/>
+              </a:solidFill>
+            </a:endParaRPr>
+          </a:p>
+          <a:p>
+            <a:pPr marL="342900" indent="-342900">
+              <a:buFont typeface="Arial" panose="020B0604020202020204" pitchFamily="34" charset="0"/>
+              <a:buChar char="•"/>
+            </a:pPr>
+            <a:endParaRPr lang="en-US" dirty="0">
+              <a:solidFill>
+                <a:srgbClr val="404040"/>
+              </a:solidFill>
+            </a:endParaRPr>
+          </a:p>
+          <a:p>
+            <a:pPr marL="342900" indent="-342900">
+              <a:buFont typeface="Arial" panose="020B0604020202020204" pitchFamily="34" charset="0"/>
+              <a:buChar char="•"/>
+            </a:pPr>
+            <a:endParaRPr lang="en-US" dirty="0">
+              <a:solidFill>
+                <a:srgbClr val="404040"/>
+              </a:solidFill>
+            </a:endParaRPr>
+          </a:p>
+          <a:p>
+            <a:endParaRPr lang="en-US" dirty="0">
+              <a:solidFill>
+                <a:srgbClr val="404040"/>
+              </a:solidFill>
+            </a:endParaRPr>
+          </a:p>
+        </p:txBody>
+      </p:sp>
+      <p:pic>
+        <p:nvPicPr>
+          <p:cNvPr id="4" name="Picture 3">
+            <a:extLst>
+              <a:ext uri="{FF2B5EF4-FFF2-40B4-BE49-F238E27FC236}">
+                <a16:creationId xmlns:a16="http://schemas.microsoft.com/office/drawing/2014/main" id="{BE9F93B6-26B6-4851-87E6-2A6F8F802933}"/>
+              </a:ext>
+            </a:extLst>
+          </p:cNvPr>
+          <p:cNvPicPr>
+            <a:picLocks noChangeAspect="1"/>
+          </p:cNvPicPr>
+          <p:nvPr/>
+        </p:nvPicPr>
+        <p:blipFill>
+          <a:blip r:embed="rId4"/>
+          <a:stretch>
+            <a:fillRect/>
+          </a:stretch>
+        </p:blipFill>
+        <p:spPr>
+          <a:xfrm>
+            <a:off x="3666380" y="4033547"/>
+            <a:ext cx="5325220" cy="2154918"/>
+          </a:xfrm>
+          <a:prstGeom prst="rect">
+            <a:avLst/>
+          </a:prstGeom>
+          <a:ln>
+            <a:solidFill>
+              <a:srgbClr val="404040"/>
+            </a:solidFill>
+          </a:ln>
+        </p:spPr>
+        <p:style>
+          <a:lnRef idx="2">
+            <a:schemeClr val="dk1"/>
+          </a:lnRef>
+          <a:fillRef idx="1">
+            <a:schemeClr val="lt1"/>
+          </a:fillRef>
+          <a:effectRef idx="0">
+            <a:schemeClr val="dk1"/>
+          </a:effectRef>
+          <a:fontRef idx="minor">
+            <a:schemeClr val="dk1"/>
+          </a:fontRef>
+        </p:style>
+      </p:pic>
+      <p:pic>
+        <p:nvPicPr>
+          <p:cNvPr id="9" name="Picture 8">
+            <a:extLst>
+              <a:ext uri="{FF2B5EF4-FFF2-40B4-BE49-F238E27FC236}">
+                <a16:creationId xmlns:a16="http://schemas.microsoft.com/office/drawing/2014/main" id="{0A85D510-9888-43FF-8A9D-D294396439E7}"/>
+              </a:ext>
+            </a:extLst>
+          </p:cNvPr>
+          <p:cNvPicPr>
+            <a:picLocks noChangeAspect="1"/>
+          </p:cNvPicPr>
+          <p:nvPr/>
+        </p:nvPicPr>
+        <p:blipFill>
+          <a:blip r:embed="rId5"/>
+          <a:stretch>
+            <a:fillRect/>
+          </a:stretch>
+        </p:blipFill>
+        <p:spPr>
+          <a:xfrm>
+            <a:off x="3666380" y="1066800"/>
+            <a:ext cx="5325220" cy="2167551"/>
+          </a:xfrm>
+          <a:prstGeom prst="rect">
+            <a:avLst/>
+          </a:prstGeom>
+          <a:ln>
+            <a:solidFill>
+              <a:srgbClr val="404040"/>
+            </a:solidFill>
+          </a:ln>
+        </p:spPr>
+        <p:style>
+          <a:lnRef idx="2">
+            <a:schemeClr val="dk1"/>
+          </a:lnRef>
+          <a:fillRef idx="1">
+            <a:schemeClr val="lt1"/>
+          </a:fillRef>
+          <a:effectRef idx="0">
+            <a:schemeClr val="dk1"/>
+          </a:effectRef>
+          <a:fontRef idx="minor">
+            <a:schemeClr val="dk1"/>
+          </a:fontRef>
+        </p:style>
+      </p:pic>
+    </p:spTree>
+    <p:custDataLst>
+      <p:tags r:id="rId1"/>
+    </p:custDataLst>
+    <p:extLst>
+      <p:ext uri="{BB962C8B-B14F-4D97-AF65-F5344CB8AC3E}">
+        <p14:creationId xmlns:p14="http://schemas.microsoft.com/office/powerpoint/2010/main" val="3429564668"/>
+      </p:ext>
+    </p:extLst>
+  </p:cSld>
+  <p:clrMapOvr>
+    <a:masterClrMapping/>
+  </p:clrMapOvr>
+</p:sld>
+</file>
+
+<file path=ppt/slides/slide26.xml><?xml version="1.0" encoding="utf-8"?>
+<p:sld xmlns:a="http://schemas.openxmlformats.org/drawingml/2006/main" xmlns:r="http://schemas.openxmlformats.org/officeDocument/2006/relationships" xmlns:p="http://schemas.openxmlformats.org/presentationml/2006/main">
+  <p:cSld>
+    <p:bg>
+      <p:bgPr>
+        <a:solidFill>
+          <a:schemeClr val="bg1">
+            <a:lumMod val="85000"/>
+          </a:schemeClr>
+        </a:solidFill>
+        <a:effectLst/>
+      </p:bgPr>
+    </p:bg>
+    <p:spTree>
+      <p:nvGrpSpPr>
+        <p:cNvPr id="1" name=""/>
+        <p:cNvGrpSpPr/>
+        <p:nvPr/>
+      </p:nvGrpSpPr>
+      <p:grpSpPr>
+        <a:xfrm>
+          <a:off x="0" y="0"/>
+          <a:ext cx="0" cy="0"/>
+          <a:chOff x="0" y="0"/>
+          <a:chExt cx="0" cy="0"/>
+        </a:xfrm>
+      </p:grpSpPr>
+      <p:sp>
+        <p:nvSpPr>
+          <p:cNvPr id="15" name="Rectangle 12">
+            <a:extLst>
+              <a:ext uri="{FF2B5EF4-FFF2-40B4-BE49-F238E27FC236}">
+                <a16:creationId xmlns:a16="http://schemas.microsoft.com/office/drawing/2014/main" id="{867D4867-5BA7-4462-B2F6-A23F4A622AA7}"/>
+              </a:ext>
+              <a:ext uri="{C183D7F6-B498-43B3-948B-1728B52AA6E4}">
+                <adec:decorative xmlns:adec="http://schemas.microsoft.com/office/drawing/2017/decorative" val="1"/>
+              </a:ext>
+            </a:extLst>
+          </p:cNvPr>
+          <p:cNvSpPr>
+            <a:spLocks noGrp="1" noRot="1" noChangeAspect="1" noMove="1" noResize="1" noEditPoints="1" noAdjustHandles="1" noChangeArrowheads="1" noChangeShapeType="1" noTextEdit="1"/>
+          </p:cNvSpPr>
+          <p:nvPr>
+            <p:extLst>
+              <p:ext uri="{386F3935-93C4-4BCD-93E2-E3B085C9AB24}">
+                <p16:designElem xmlns:p16="http://schemas.microsoft.com/office/powerpoint/2015/main" val="1"/>
+              </p:ext>
+            </p:extLst>
+          </p:nvPr>
+        </p:nvSpPr>
+        <p:spPr>
+          <a:xfrm>
+            <a:off x="0" y="0"/>
+            <a:ext cx="3490722" cy="6858000"/>
+          </a:xfrm>
+          <a:prstGeom prst="rect">
+            <a:avLst/>
+          </a:prstGeom>
+          <a:solidFill>
+            <a:schemeClr val="tx1">
+              <a:lumMod val="75000"/>
+              <a:lumOff val="25000"/>
+            </a:schemeClr>
+          </a:solidFill>
+          <a:ln>
+            <a:noFill/>
+          </a:ln>
+        </p:spPr>
+        <p:style>
+          <a:lnRef idx="0">
+            <a:scrgbClr r="0" g="0" b="0"/>
+          </a:lnRef>
+          <a:fillRef idx="0">
+            <a:scrgbClr r="0" g="0" b="0"/>
+          </a:fillRef>
+          <a:effectRef idx="0">
+            <a:scrgbClr r="0" g="0" b="0"/>
+          </a:effectRef>
+          <a:fontRef idx="minor">
+            <a:schemeClr val="lt1"/>
+          </a:fontRef>
+        </p:style>
+        <p:txBody>
+          <a:bodyPr rtlCol="0" anchor="ctr"/>
+          <a:lstStyle/>
+          <a:p>
+            <a:pPr algn="ctr"/>
+            <a:endParaRPr lang="en-US"/>
+          </a:p>
+        </p:txBody>
+      </p:sp>
+      <p:sp>
+        <p:nvSpPr>
+          <p:cNvPr id="2" name="Title 1"/>
+          <p:cNvSpPr>
+            <a:spLocks noGrp="1"/>
+          </p:cNvSpPr>
+          <p:nvPr>
+            <p:ph type="title"/>
+          </p:nvPr>
+        </p:nvSpPr>
+        <p:spPr>
+          <a:xfrm>
+            <a:off x="482600" y="643467"/>
+            <a:ext cx="2522980" cy="1597315"/>
+          </a:xfrm>
+          <a:noFill/>
+          <a:ln w="19050">
+            <a:solidFill>
+              <a:schemeClr val="bg1"/>
+            </a:solidFill>
+          </a:ln>
+        </p:spPr>
+        <p:txBody>
+          <a:bodyPr vert="horz" wrap="square" lIns="91440" tIns="45720" rIns="91440" bIns="45720" rtlCol="0" anchor="ctr">
+            <a:normAutofit/>
+          </a:bodyPr>
+          <a:lstStyle/>
+          <a:p>
+            <a:pPr defTabSz="914400" eaLnBrk="1" hangingPunct="1">
+              <a:lnSpc>
+                <a:spcPct val="90000"/>
+              </a:lnSpc>
+            </a:pPr>
+            <a:r>
+              <a:rPr lang="en-US" sz="2400" kern="1200" dirty="0">
+                <a:solidFill>
+                  <a:schemeClr val="bg1"/>
+                </a:solidFill>
+                <a:latin typeface="+mj-lt"/>
+                <a:ea typeface="+mj-ea"/>
+                <a:cs typeface="+mj-cs"/>
+              </a:rPr>
+              <a:t>Closing</a:t>
+            </a:r>
+            <a:r>
+              <a:rPr lang="en-US" sz="2400" dirty="0">
+                <a:solidFill>
+                  <a:schemeClr val="bg1"/>
+                </a:solidFill>
+                <a:ea typeface="+mj-ea"/>
+                <a:cs typeface="+mj-cs"/>
+              </a:rPr>
+              <a:t>?</a:t>
+            </a:r>
+            <a:endParaRPr lang="en-US" sz="2400" kern="1200" dirty="0">
+              <a:solidFill>
+                <a:schemeClr val="bg1"/>
+              </a:solidFill>
+              <a:latin typeface="+mj-lt"/>
+              <a:ea typeface="+mj-ea"/>
+              <a:cs typeface="+mj-cs"/>
+            </a:endParaRPr>
+          </a:p>
+        </p:txBody>
+      </p:sp>
+      <p:pic>
+        <p:nvPicPr>
+          <p:cNvPr id="8" name="Picture 7">
+            <a:extLst>
+              <a:ext uri="{FF2B5EF4-FFF2-40B4-BE49-F238E27FC236}">
+                <a16:creationId xmlns:a16="http://schemas.microsoft.com/office/drawing/2014/main" id="{521D4292-9ECC-4DA5-8CC0-C561A0DA118E}"/>
+              </a:ext>
+            </a:extLst>
+          </p:cNvPr>
+          <p:cNvPicPr>
+            <a:picLocks noChangeAspect="1"/>
+          </p:cNvPicPr>
+          <p:nvPr/>
+        </p:nvPicPr>
+        <p:blipFill rotWithShape="1">
+          <a:blip r:embed="rId3"/>
+          <a:srcRect l="8000" r="9400"/>
+          <a:stretch/>
+        </p:blipFill>
+        <p:spPr>
+          <a:xfrm>
+            <a:off x="660103" y="3048000"/>
+            <a:ext cx="2167974" cy="2624666"/>
+          </a:xfrm>
+          <a:prstGeom prst="rect">
+            <a:avLst/>
+          </a:prstGeom>
+          <a:noFill/>
+        </p:spPr>
+      </p:pic>
+      <p:sp>
+        <p:nvSpPr>
+          <p:cNvPr id="7" name="Content Placeholder 2">
+            <a:extLst>
+              <a:ext uri="{FF2B5EF4-FFF2-40B4-BE49-F238E27FC236}">
+                <a16:creationId xmlns:a16="http://schemas.microsoft.com/office/drawing/2014/main" id="{8FE51533-15BE-453E-90FE-08298901BC34}"/>
+              </a:ext>
+            </a:extLst>
+          </p:cNvPr>
+          <p:cNvSpPr txBox="1">
+            <a:spLocks/>
+          </p:cNvSpPr>
+          <p:nvPr/>
+        </p:nvSpPr>
+        <p:spPr bwMode="auto">
+          <a:xfrm>
+            <a:off x="3810000" y="643466"/>
+            <a:ext cx="4851400" cy="5833533"/>
+          </a:xfrm>
+          <a:prstGeom prst="rect">
+            <a:avLst/>
+          </a:prstGeom>
+        </p:spPr>
+        <p:txBody>
+          <a:bodyPr vert="horz" lIns="91440" tIns="45720" rIns="91440" bIns="45720" numCol="1" rtlCol="0" anchorCtr="0" compatLnSpc="1">
+            <a:prstTxWarp prst="textNoShape">
+              <a:avLst/>
+            </a:prstTxWarp>
+            <a:noAutofit/>
+          </a:bodyPr>
+          <a:lstStyle>
+            <a:lvl1pPr marL="342900" indent="-342900" algn="l" defTabSz="457200" rtl="0" eaLnBrk="0" fontAlgn="base" hangingPunct="0">
+              <a:spcBef>
+                <a:spcPct val="20000"/>
+              </a:spcBef>
+              <a:spcAft>
+                <a:spcPct val="0"/>
+              </a:spcAft>
+              <a:buFont typeface="Arial" charset="0"/>
+              <a:buChar char="•"/>
+              <a:defRPr sz="3200" kern="1200">
+                <a:solidFill>
+                  <a:schemeClr val="tx1"/>
+                </a:solidFill>
+                <a:latin typeface="+mn-lt"/>
+                <a:ea typeface="ＭＳ Ｐゴシック" pitchFamily="-109" charset="-128"/>
+                <a:cs typeface="ＭＳ Ｐゴシック" pitchFamily="-109" charset="-128"/>
+              </a:defRPr>
+            </a:lvl1pPr>
+            <a:lvl2pPr marL="742950" indent="-285750" algn="l" defTabSz="457200" rtl="0" eaLnBrk="0" fontAlgn="base" hangingPunct="0">
+              <a:spcBef>
+                <a:spcPct val="20000"/>
+              </a:spcBef>
+              <a:spcAft>
+                <a:spcPct val="0"/>
+              </a:spcAft>
+              <a:buFont typeface="Arial" charset="0"/>
+              <a:buChar char="–"/>
+              <a:defRPr sz="2800" kern="1200">
+                <a:solidFill>
+                  <a:schemeClr val="tx1"/>
+                </a:solidFill>
+                <a:latin typeface="+mn-lt"/>
+                <a:ea typeface="ＭＳ Ｐゴシック" pitchFamily="-109" charset="-128"/>
+                <a:cs typeface="+mn-cs"/>
+              </a:defRPr>
+            </a:lvl2pPr>
+            <a:lvl3pPr marL="1143000" indent="-228600" algn="l" defTabSz="457200" rtl="0" eaLnBrk="0" fontAlgn="base" hangingPunct="0">
+              <a:spcBef>
+                <a:spcPct val="20000"/>
+              </a:spcBef>
+              <a:spcAft>
+                <a:spcPct val="0"/>
+              </a:spcAft>
+              <a:buFont typeface="Arial" charset="0"/>
+              <a:buChar char="•"/>
+              <a:defRPr sz="2400" kern="1200">
+                <a:solidFill>
+                  <a:schemeClr val="tx1"/>
+                </a:solidFill>
+                <a:latin typeface="+mn-lt"/>
+                <a:ea typeface="ＭＳ Ｐゴシック" pitchFamily="-109" charset="-128"/>
+                <a:cs typeface="+mn-cs"/>
+              </a:defRPr>
+            </a:lvl3pPr>
+            <a:lvl4pPr marL="1600200" indent="-228600" algn="l" defTabSz="457200" rtl="0" eaLnBrk="0" fontAlgn="base" hangingPunct="0">
+              <a:spcBef>
+                <a:spcPct val="20000"/>
+              </a:spcBef>
+              <a:spcAft>
+                <a:spcPct val="0"/>
+              </a:spcAft>
+              <a:buFont typeface="Arial" charset="0"/>
+              <a:buChar char="–"/>
+              <a:defRPr sz="2000" kern="1200">
+                <a:solidFill>
+                  <a:schemeClr val="tx1"/>
+                </a:solidFill>
+                <a:latin typeface="+mn-lt"/>
+                <a:ea typeface="ＭＳ Ｐゴシック" pitchFamily="-109" charset="-128"/>
+                <a:cs typeface="+mn-cs"/>
+              </a:defRPr>
+            </a:lvl4pPr>
+            <a:lvl5pPr marL="2057400" indent="-228600" algn="l" defTabSz="457200" rtl="0" eaLnBrk="0" fontAlgn="base" hangingPunct="0">
+              <a:spcBef>
+                <a:spcPct val="20000"/>
+              </a:spcBef>
+              <a:spcAft>
+                <a:spcPct val="0"/>
+              </a:spcAft>
+              <a:buFont typeface="Arial" charset="0"/>
+              <a:buChar char="»"/>
+              <a:defRPr sz="2000" kern="1200">
+                <a:solidFill>
+                  <a:schemeClr val="tx1"/>
+                </a:solidFill>
+                <a:latin typeface="+mn-lt"/>
+                <a:ea typeface="ＭＳ Ｐゴシック" pitchFamily="-109" charset="-128"/>
+                <a:cs typeface="+mn-cs"/>
+              </a:defRPr>
+            </a:lvl5pPr>
+            <a:lvl6pPr marL="2514600" indent="-228600" algn="l" defTabSz="457200" rtl="0" eaLnBrk="1" latinLnBrk="0" hangingPunct="1">
+              <a:spcBef>
+                <a:spcPct val="20000"/>
+              </a:spcBef>
+              <a:buFont typeface="Arial"/>
+              <a:buChar char="•"/>
+              <a:defRPr sz="2000" kern="1200">
+                <a:solidFill>
+                  <a:schemeClr val="tx1"/>
+                </a:solidFill>
+                <a:latin typeface="+mn-lt"/>
+                <a:ea typeface="+mn-ea"/>
+                <a:cs typeface="+mn-cs"/>
+              </a:defRPr>
+            </a:lvl6pPr>
+            <a:lvl7pPr marL="2971800" indent="-228600" algn="l" defTabSz="457200" rtl="0" eaLnBrk="1" latinLnBrk="0" hangingPunct="1">
+              <a:spcBef>
+                <a:spcPct val="20000"/>
+              </a:spcBef>
+              <a:buFont typeface="Arial"/>
+              <a:buChar char="•"/>
+              <a:defRPr sz="2000" kern="1200">
+                <a:solidFill>
+                  <a:schemeClr val="tx1"/>
+                </a:solidFill>
+                <a:latin typeface="+mn-lt"/>
+                <a:ea typeface="+mn-ea"/>
+                <a:cs typeface="+mn-cs"/>
+              </a:defRPr>
+            </a:lvl7pPr>
+            <a:lvl8pPr marL="3429000" indent="-228600" algn="l" defTabSz="457200" rtl="0" eaLnBrk="1" latinLnBrk="0" hangingPunct="1">
+              <a:spcBef>
+                <a:spcPct val="20000"/>
+              </a:spcBef>
+              <a:buFont typeface="Arial"/>
+              <a:buChar char="•"/>
+              <a:defRPr sz="2000" kern="1200">
+                <a:solidFill>
+                  <a:schemeClr val="tx1"/>
+                </a:solidFill>
+                <a:latin typeface="+mn-lt"/>
+                <a:ea typeface="+mn-ea"/>
+                <a:cs typeface="+mn-cs"/>
+              </a:defRPr>
+            </a:lvl8pPr>
+            <a:lvl9pPr marL="3886200" indent="-228600" algn="l" defTabSz="457200" rtl="0" eaLnBrk="1" latinLnBrk="0" hangingPunct="1">
+              <a:spcBef>
+                <a:spcPct val="20000"/>
+              </a:spcBef>
+              <a:buFont typeface="Arial"/>
+              <a:buChar char="•"/>
+              <a:defRPr sz="2000" kern="1200">
+                <a:solidFill>
+                  <a:schemeClr val="tx1"/>
+                </a:solidFill>
+                <a:latin typeface="+mn-lt"/>
+                <a:ea typeface="+mn-ea"/>
+                <a:cs typeface="+mn-cs"/>
+              </a:defRPr>
+            </a:lvl9pPr>
+          </a:lstStyle>
+          <a:p>
+            <a:pPr indent="-228600" defTabSz="914400" eaLnBrk="1" hangingPunct="1">
+              <a:lnSpc>
+                <a:spcPct val="90000"/>
+              </a:lnSpc>
+              <a:buFont typeface="Arial" panose="020B0604020202020204" pitchFamily="34" charset="0"/>
+              <a:buChar char="•"/>
+            </a:pPr>
+            <a:endParaRPr lang="en-US" sz="2000" dirty="0">
+              <a:solidFill>
+                <a:srgbClr val="404040"/>
+              </a:solidFill>
+              <a:ea typeface="+mn-ea"/>
+              <a:cs typeface="+mn-cs"/>
+            </a:endParaRPr>
+          </a:p>
+          <a:p>
+            <a:pPr indent="-228600" defTabSz="914400" eaLnBrk="1" hangingPunct="1">
+              <a:lnSpc>
+                <a:spcPct val="90000"/>
+              </a:lnSpc>
+              <a:buFont typeface="Arial" panose="020B0604020202020204" pitchFamily="34" charset="0"/>
+              <a:buChar char="•"/>
+            </a:pPr>
+            <a:endParaRPr lang="en-US" sz="2000" dirty="0">
+              <a:solidFill>
+                <a:srgbClr val="404040"/>
+              </a:solidFill>
+              <a:ea typeface="+mn-ea"/>
+              <a:cs typeface="+mn-cs"/>
+            </a:endParaRPr>
+          </a:p>
+        </p:txBody>
+      </p:sp>
+      <p:sp>
+        <p:nvSpPr>
+          <p:cNvPr id="10" name="Content Placeholder 2">
+            <a:extLst>
+              <a:ext uri="{FF2B5EF4-FFF2-40B4-BE49-F238E27FC236}">
+                <a16:creationId xmlns:a16="http://schemas.microsoft.com/office/drawing/2014/main" id="{10754C74-871F-42E2-A79F-10B9CCA16CD5}"/>
+              </a:ext>
+            </a:extLst>
+          </p:cNvPr>
+          <p:cNvSpPr txBox="1">
+            <a:spLocks/>
+          </p:cNvSpPr>
+          <p:nvPr/>
+        </p:nvSpPr>
+        <p:spPr bwMode="auto">
+          <a:xfrm>
+            <a:off x="3973322" y="643466"/>
+            <a:ext cx="4851400" cy="5953916"/>
+          </a:xfrm>
+          <a:prstGeom prst="rect">
+            <a:avLst/>
+          </a:prstGeom>
+        </p:spPr>
+        <p:txBody>
+          <a:bodyPr vert="horz" lIns="91440" tIns="45720" rIns="91440" bIns="45720" numCol="1" rtlCol="0" anchorCtr="0" compatLnSpc="1">
+            <a:prstTxWarp prst="textNoShape">
+              <a:avLst/>
+            </a:prstTxWarp>
+            <a:noAutofit/>
+          </a:bodyPr>
+          <a:lstStyle>
+            <a:lvl1pPr marL="342900" indent="-342900" algn="l" defTabSz="457200" rtl="0" eaLnBrk="0" fontAlgn="base" hangingPunct="0">
+              <a:spcBef>
+                <a:spcPct val="20000"/>
+              </a:spcBef>
+              <a:spcAft>
+                <a:spcPct val="0"/>
+              </a:spcAft>
+              <a:buFont typeface="Arial" charset="0"/>
+              <a:buChar char="•"/>
+              <a:defRPr sz="3200" kern="1200">
+                <a:solidFill>
+                  <a:schemeClr val="tx1"/>
+                </a:solidFill>
+                <a:latin typeface="+mn-lt"/>
+                <a:ea typeface="ＭＳ Ｐゴシック" pitchFamily="-109" charset="-128"/>
+                <a:cs typeface="ＭＳ Ｐゴシック" pitchFamily="-109" charset="-128"/>
+              </a:defRPr>
+            </a:lvl1pPr>
+            <a:lvl2pPr marL="742950" indent="-285750" algn="l" defTabSz="457200" rtl="0" eaLnBrk="0" fontAlgn="base" hangingPunct="0">
+              <a:spcBef>
+                <a:spcPct val="20000"/>
+              </a:spcBef>
+              <a:spcAft>
+                <a:spcPct val="0"/>
+              </a:spcAft>
+              <a:buFont typeface="Arial" charset="0"/>
+              <a:buChar char="–"/>
+              <a:defRPr sz="2800" kern="1200">
+                <a:solidFill>
+                  <a:schemeClr val="tx1"/>
+                </a:solidFill>
+                <a:latin typeface="+mn-lt"/>
+                <a:ea typeface="ＭＳ Ｐゴシック" pitchFamily="-109" charset="-128"/>
+                <a:cs typeface="+mn-cs"/>
+              </a:defRPr>
+            </a:lvl2pPr>
+            <a:lvl3pPr marL="1143000" indent="-228600" algn="l" defTabSz="457200" rtl="0" eaLnBrk="0" fontAlgn="base" hangingPunct="0">
+              <a:spcBef>
+                <a:spcPct val="20000"/>
+              </a:spcBef>
+              <a:spcAft>
+                <a:spcPct val="0"/>
+              </a:spcAft>
+              <a:buFont typeface="Arial" charset="0"/>
+              <a:buChar char="•"/>
+              <a:defRPr sz="2400" kern="1200">
+                <a:solidFill>
+                  <a:schemeClr val="tx1"/>
+                </a:solidFill>
+                <a:latin typeface="+mn-lt"/>
+                <a:ea typeface="ＭＳ Ｐゴシック" pitchFamily="-109" charset="-128"/>
+                <a:cs typeface="+mn-cs"/>
+              </a:defRPr>
+            </a:lvl3pPr>
+            <a:lvl4pPr marL="1600200" indent="-228600" algn="l" defTabSz="457200" rtl="0" eaLnBrk="0" fontAlgn="base" hangingPunct="0">
+              <a:spcBef>
+                <a:spcPct val="20000"/>
+              </a:spcBef>
+              <a:spcAft>
+                <a:spcPct val="0"/>
+              </a:spcAft>
+              <a:buFont typeface="Arial" charset="0"/>
+              <a:buChar char="–"/>
+              <a:defRPr sz="2000" kern="1200">
+                <a:solidFill>
+                  <a:schemeClr val="tx1"/>
+                </a:solidFill>
+                <a:latin typeface="+mn-lt"/>
+                <a:ea typeface="ＭＳ Ｐゴシック" pitchFamily="-109" charset="-128"/>
+                <a:cs typeface="+mn-cs"/>
+              </a:defRPr>
+            </a:lvl4pPr>
+            <a:lvl5pPr marL="2057400" indent="-228600" algn="l" defTabSz="457200" rtl="0" eaLnBrk="0" fontAlgn="base" hangingPunct="0">
+              <a:spcBef>
+                <a:spcPct val="20000"/>
+              </a:spcBef>
+              <a:spcAft>
+                <a:spcPct val="0"/>
+              </a:spcAft>
+              <a:buFont typeface="Arial" charset="0"/>
+              <a:buChar char="»"/>
+              <a:defRPr sz="2000" kern="1200">
+                <a:solidFill>
+                  <a:schemeClr val="tx1"/>
+                </a:solidFill>
+                <a:latin typeface="+mn-lt"/>
+                <a:ea typeface="ＭＳ Ｐゴシック" pitchFamily="-109" charset="-128"/>
+                <a:cs typeface="+mn-cs"/>
+              </a:defRPr>
+            </a:lvl5pPr>
+            <a:lvl6pPr marL="2514600" indent="-228600" algn="l" defTabSz="457200" rtl="0" eaLnBrk="1" latinLnBrk="0" hangingPunct="1">
+              <a:spcBef>
+                <a:spcPct val="20000"/>
+              </a:spcBef>
+              <a:buFont typeface="Arial"/>
+              <a:buChar char="•"/>
+              <a:defRPr sz="2000" kern="1200">
+                <a:solidFill>
+                  <a:schemeClr val="tx1"/>
+                </a:solidFill>
+                <a:latin typeface="+mn-lt"/>
+                <a:ea typeface="+mn-ea"/>
+                <a:cs typeface="+mn-cs"/>
+              </a:defRPr>
+            </a:lvl6pPr>
+            <a:lvl7pPr marL="2971800" indent="-228600" algn="l" defTabSz="457200" rtl="0" eaLnBrk="1" latinLnBrk="0" hangingPunct="1">
+              <a:spcBef>
+                <a:spcPct val="20000"/>
+              </a:spcBef>
+              <a:buFont typeface="Arial"/>
+              <a:buChar char="•"/>
+              <a:defRPr sz="2000" kern="1200">
+                <a:solidFill>
+                  <a:schemeClr val="tx1"/>
+                </a:solidFill>
+                <a:latin typeface="+mn-lt"/>
+                <a:ea typeface="+mn-ea"/>
+                <a:cs typeface="+mn-cs"/>
+              </a:defRPr>
+            </a:lvl7pPr>
+            <a:lvl8pPr marL="3429000" indent="-228600" algn="l" defTabSz="457200" rtl="0" eaLnBrk="1" latinLnBrk="0" hangingPunct="1">
+              <a:spcBef>
+                <a:spcPct val="20000"/>
+              </a:spcBef>
+              <a:buFont typeface="Arial"/>
+              <a:buChar char="•"/>
+              <a:defRPr sz="2000" kern="1200">
+                <a:solidFill>
+                  <a:schemeClr val="tx1"/>
+                </a:solidFill>
+                <a:latin typeface="+mn-lt"/>
+                <a:ea typeface="+mn-ea"/>
+                <a:cs typeface="+mn-cs"/>
+              </a:defRPr>
+            </a:lvl8pPr>
+            <a:lvl9pPr marL="3886200" indent="-228600" algn="l" defTabSz="457200" rtl="0" eaLnBrk="1" latinLnBrk="0" hangingPunct="1">
+              <a:spcBef>
+                <a:spcPct val="20000"/>
+              </a:spcBef>
+              <a:buFont typeface="Arial"/>
+              <a:buChar char="•"/>
+              <a:defRPr sz="2000" kern="1200">
+                <a:solidFill>
+                  <a:schemeClr val="tx1"/>
+                </a:solidFill>
+                <a:latin typeface="+mn-lt"/>
+                <a:ea typeface="+mn-ea"/>
+                <a:cs typeface="+mn-cs"/>
+              </a:defRPr>
+            </a:lvl9pPr>
+          </a:lstStyle>
+          <a:p>
+            <a:pPr marL="114300" indent="0" defTabSz="914400" eaLnBrk="1" hangingPunct="1">
+              <a:lnSpc>
+                <a:spcPct val="90000"/>
+              </a:lnSpc>
+              <a:buNone/>
+            </a:pPr>
+            <a:r>
+              <a:rPr lang="en-US" sz="7200" dirty="0">
+                <a:solidFill>
+                  <a:srgbClr val="404040"/>
+                </a:solidFill>
+                <a:ea typeface="+mn-ea"/>
+                <a:cs typeface="+mn-cs"/>
+              </a:rPr>
+              <a:t>Disperse and Make Reasonable Decisions</a:t>
+            </a:r>
+          </a:p>
+          <a:p>
+            <a:pPr indent="-228600" defTabSz="914400" eaLnBrk="1" hangingPunct="1">
+              <a:lnSpc>
+                <a:spcPct val="90000"/>
+              </a:lnSpc>
+              <a:buFont typeface="Arial" panose="020B0604020202020204" pitchFamily="34" charset="0"/>
+              <a:buChar char="•"/>
+            </a:pPr>
+            <a:endParaRPr lang="en-US" sz="7200" dirty="0">
+              <a:solidFill>
+                <a:srgbClr val="404040"/>
+              </a:solidFill>
+              <a:ea typeface="+mn-ea"/>
+              <a:cs typeface="+mn-cs"/>
+            </a:endParaRPr>
+          </a:p>
+          <a:p>
+            <a:pPr indent="-228600" defTabSz="914400" eaLnBrk="1" hangingPunct="1">
+              <a:lnSpc>
+                <a:spcPct val="90000"/>
+              </a:lnSpc>
+              <a:buFont typeface="Arial" panose="020B0604020202020204" pitchFamily="34" charset="0"/>
+              <a:buChar char="•"/>
+            </a:pPr>
+            <a:endParaRPr lang="en-US" sz="7200" dirty="0">
+              <a:solidFill>
+                <a:srgbClr val="404040"/>
+              </a:solidFill>
+              <a:ea typeface="+mn-ea"/>
+              <a:cs typeface="+mn-cs"/>
+            </a:endParaRPr>
+          </a:p>
+          <a:p>
+            <a:pPr indent="-228600" defTabSz="914400" eaLnBrk="1" hangingPunct="1">
+              <a:lnSpc>
+                <a:spcPct val="90000"/>
+              </a:lnSpc>
+              <a:buFont typeface="Arial" panose="020B0604020202020204" pitchFamily="34" charset="0"/>
+              <a:buChar char="•"/>
+            </a:pPr>
+            <a:endParaRPr lang="en-US" sz="7200" dirty="0">
+              <a:solidFill>
+                <a:srgbClr val="404040"/>
+              </a:solidFill>
+              <a:ea typeface="+mn-ea"/>
+              <a:cs typeface="+mn-cs"/>
+            </a:endParaRPr>
+          </a:p>
+          <a:p>
+            <a:pPr indent="-228600" defTabSz="914400" eaLnBrk="1" hangingPunct="1">
+              <a:lnSpc>
+                <a:spcPct val="90000"/>
+              </a:lnSpc>
+              <a:buFont typeface="Arial" panose="020B0604020202020204" pitchFamily="34" charset="0"/>
+              <a:buChar char="•"/>
+            </a:pPr>
+            <a:endParaRPr lang="en-US" sz="7200" dirty="0">
+              <a:solidFill>
+                <a:srgbClr val="404040"/>
+              </a:solidFill>
+              <a:ea typeface="+mn-ea"/>
+              <a:cs typeface="+mn-cs"/>
+            </a:endParaRPr>
+          </a:p>
+        </p:txBody>
+      </p:sp>
+    </p:spTree>
+    <p:custDataLst>
+      <p:tags r:id="rId1"/>
+    </p:custDataLst>
+    <p:extLst>
+      <p:ext uri="{BB962C8B-B14F-4D97-AF65-F5344CB8AC3E}">
+        <p14:creationId xmlns:p14="http://schemas.microsoft.com/office/powerpoint/2010/main" val="3647066437"/>
       </p:ext>
     </p:extLst>
   </p:cSld>
@@ -14229,7 +20200,79 @@
 </p:tagLst>
 </file>
 
+<file path=ppt/tags/tag16.xml><?xml version="1.0" encoding="utf-8"?>
+<p:tagLst xmlns:a="http://schemas.openxmlformats.org/drawingml/2006/main" xmlns:r="http://schemas.openxmlformats.org/officeDocument/2006/relationships" xmlns:p="http://schemas.openxmlformats.org/presentationml/2006/main">
+  <p:tag name="DELIMITERS" val="3.1"/>
+</p:tagLst>
+</file>
+
+<file path=ppt/tags/tag17.xml><?xml version="1.0" encoding="utf-8"?>
+<p:tagLst xmlns:a="http://schemas.openxmlformats.org/drawingml/2006/main" xmlns:r="http://schemas.openxmlformats.org/officeDocument/2006/relationships" xmlns:p="http://schemas.openxmlformats.org/presentationml/2006/main">
+  <p:tag name="DELIMITERS" val="3.1"/>
+</p:tagLst>
+</file>
+
+<file path=ppt/tags/tag18.xml><?xml version="1.0" encoding="utf-8"?>
+<p:tagLst xmlns:a="http://schemas.openxmlformats.org/drawingml/2006/main" xmlns:r="http://schemas.openxmlformats.org/officeDocument/2006/relationships" xmlns:p="http://schemas.openxmlformats.org/presentationml/2006/main">
+  <p:tag name="DELIMITERS" val="3.1"/>
+</p:tagLst>
+</file>
+
+<file path=ppt/tags/tag19.xml><?xml version="1.0" encoding="utf-8"?>
+<p:tagLst xmlns:a="http://schemas.openxmlformats.org/drawingml/2006/main" xmlns:r="http://schemas.openxmlformats.org/officeDocument/2006/relationships" xmlns:p="http://schemas.openxmlformats.org/presentationml/2006/main">
+  <p:tag name="DELIMITERS" val="3.1"/>
+</p:tagLst>
+</file>
+
 <file path=ppt/tags/tag2.xml><?xml version="1.0" encoding="utf-8"?>
+<p:tagLst xmlns:a="http://schemas.openxmlformats.org/drawingml/2006/main" xmlns:r="http://schemas.openxmlformats.org/officeDocument/2006/relationships" xmlns:p="http://schemas.openxmlformats.org/presentationml/2006/main">
+  <p:tag name="DELIMITERS" val="3.1"/>
+</p:tagLst>
+</file>
+
+<file path=ppt/tags/tag20.xml><?xml version="1.0" encoding="utf-8"?>
+<p:tagLst xmlns:a="http://schemas.openxmlformats.org/drawingml/2006/main" xmlns:r="http://schemas.openxmlformats.org/officeDocument/2006/relationships" xmlns:p="http://schemas.openxmlformats.org/presentationml/2006/main">
+  <p:tag name="DELIMITERS" val="3.1"/>
+</p:tagLst>
+</file>
+
+<file path=ppt/tags/tag21.xml><?xml version="1.0" encoding="utf-8"?>
+<p:tagLst xmlns:a="http://schemas.openxmlformats.org/drawingml/2006/main" xmlns:r="http://schemas.openxmlformats.org/officeDocument/2006/relationships" xmlns:p="http://schemas.openxmlformats.org/presentationml/2006/main">
+  <p:tag name="DELIMITERS" val="3.1"/>
+</p:tagLst>
+</file>
+
+<file path=ppt/tags/tag22.xml><?xml version="1.0" encoding="utf-8"?>
+<p:tagLst xmlns:a="http://schemas.openxmlformats.org/drawingml/2006/main" xmlns:r="http://schemas.openxmlformats.org/officeDocument/2006/relationships" xmlns:p="http://schemas.openxmlformats.org/presentationml/2006/main">
+  <p:tag name="DELIMITERS" val="3.1"/>
+</p:tagLst>
+</file>
+
+<file path=ppt/tags/tag23.xml><?xml version="1.0" encoding="utf-8"?>
+<p:tagLst xmlns:a="http://schemas.openxmlformats.org/drawingml/2006/main" xmlns:r="http://schemas.openxmlformats.org/officeDocument/2006/relationships" xmlns:p="http://schemas.openxmlformats.org/presentationml/2006/main">
+  <p:tag name="DELIMITERS" val="3.1"/>
+</p:tagLst>
+</file>
+
+<file path=ppt/tags/tag24.xml><?xml version="1.0" encoding="utf-8"?>
+<p:tagLst xmlns:a="http://schemas.openxmlformats.org/drawingml/2006/main" xmlns:r="http://schemas.openxmlformats.org/officeDocument/2006/relationships" xmlns:p="http://schemas.openxmlformats.org/presentationml/2006/main">
+  <p:tag name="DELIMITERS" val="3.1"/>
+</p:tagLst>
+</file>
+
+<file path=ppt/tags/tag25.xml><?xml version="1.0" encoding="utf-8"?>
+<p:tagLst xmlns:a="http://schemas.openxmlformats.org/drawingml/2006/main" xmlns:r="http://schemas.openxmlformats.org/officeDocument/2006/relationships" xmlns:p="http://schemas.openxmlformats.org/presentationml/2006/main">
+  <p:tag name="DELIMITERS" val="3.1"/>
+</p:tagLst>
+</file>
+
+<file path=ppt/tags/tag26.xml><?xml version="1.0" encoding="utf-8"?>
+<p:tagLst xmlns:a="http://schemas.openxmlformats.org/drawingml/2006/main" xmlns:r="http://schemas.openxmlformats.org/officeDocument/2006/relationships" xmlns:p="http://schemas.openxmlformats.org/presentationml/2006/main">
+  <p:tag name="DELIMITERS" val="3.1"/>
+</p:tagLst>
+</file>
+
+<file path=ppt/tags/tag27.xml><?xml version="1.0" encoding="utf-8"?>
 <p:tagLst xmlns:a="http://schemas.openxmlformats.org/drawingml/2006/main" xmlns:r="http://schemas.openxmlformats.org/officeDocument/2006/relationships" xmlns:p="http://schemas.openxmlformats.org/presentationml/2006/main">
   <p:tag name="DELIMITERS" val="3.1"/>
 </p:tagLst>

--- a/Lectures/Lecture 4/Lecture 4.pptx
+++ b/Lectures/Lecture 4/Lecture 4.pptx
@@ -301,7 +301,7 @@
               <a:pPr>
                 <a:defRPr/>
               </a:pPr>
-              <a:t>8/27/2018</a:t>
+              <a:t>8/28/2018</a:t>
             </a:fld>
             <a:endParaRPr lang="en-US" dirty="0"/>
           </a:p>
@@ -513,7 +513,7 @@
               <a:pPr>
                 <a:defRPr/>
               </a:pPr>
-              <a:t>8/27/2018</a:t>
+              <a:t>8/28/2018</a:t>
             </a:fld>
             <a:endParaRPr lang="en-US" dirty="0"/>
           </a:p>
@@ -1032,7 +1032,7 @@
               <a:pPr>
                 <a:defRPr/>
               </a:pPr>
-              <a:t>8/27/2018</a:t>
+              <a:t>8/28/2018</a:t>
             </a:fld>
             <a:endParaRPr lang="en-US" dirty="0"/>
           </a:p>
@@ -1222,7 +1222,7 @@
               <a:pPr>
                 <a:defRPr/>
               </a:pPr>
-              <a:t>8/27/2018</a:t>
+              <a:t>8/28/2018</a:t>
             </a:fld>
             <a:endParaRPr lang="en-US" dirty="0"/>
           </a:p>
@@ -1422,7 +1422,7 @@
               <a:pPr>
                 <a:defRPr/>
               </a:pPr>
-              <a:t>8/27/2018</a:t>
+              <a:t>8/28/2018</a:t>
             </a:fld>
             <a:endParaRPr lang="en-US" dirty="0"/>
           </a:p>
@@ -1690,7 +1690,7 @@
               <a:pPr>
                 <a:defRPr/>
               </a:pPr>
-              <a:t>8/27/2018</a:t>
+              <a:t>8/28/2018</a:t>
             </a:fld>
             <a:endParaRPr lang="en-US" dirty="0">
               <a:solidFill>
@@ -1904,7 +1904,7 @@
               <a:pPr>
                 <a:defRPr/>
               </a:pPr>
-              <a:t>8/27/2018</a:t>
+              <a:t>8/28/2018</a:t>
             </a:fld>
             <a:endParaRPr lang="en-US" dirty="0">
               <a:solidFill>
@@ -2195,7 +2195,7 @@
               <a:pPr>
                 <a:defRPr/>
               </a:pPr>
-              <a:t>8/27/2018</a:t>
+              <a:t>8/28/2018</a:t>
             </a:fld>
             <a:endParaRPr lang="en-US" dirty="0">
               <a:solidFill>
@@ -2526,7 +2526,7 @@
               <a:pPr>
                 <a:defRPr/>
               </a:pPr>
-              <a:t>8/27/2018</a:t>
+              <a:t>8/28/2018</a:t>
             </a:fld>
             <a:endParaRPr lang="en-US" dirty="0">
               <a:solidFill>
@@ -2991,7 +2991,7 @@
               <a:pPr>
                 <a:defRPr/>
               </a:pPr>
-              <a:t>8/27/2018</a:t>
+              <a:t>8/28/2018</a:t>
             </a:fld>
             <a:endParaRPr lang="en-US" dirty="0">
               <a:solidFill>
@@ -3154,7 +3154,7 @@
               <a:pPr>
                 <a:defRPr/>
               </a:pPr>
-              <a:t>8/27/2018</a:t>
+              <a:t>8/28/2018</a:t>
             </a:fld>
             <a:endParaRPr lang="en-US" dirty="0">
               <a:solidFill>
@@ -3295,7 +3295,7 @@
               <a:pPr>
                 <a:defRPr/>
               </a:pPr>
-              <a:t>8/27/2018</a:t>
+              <a:t>8/28/2018</a:t>
             </a:fld>
             <a:endParaRPr lang="en-US" dirty="0">
               <a:solidFill>
@@ -3616,7 +3616,7 @@
               <a:pPr>
                 <a:defRPr/>
               </a:pPr>
-              <a:t>8/27/2018</a:t>
+              <a:t>8/28/2018</a:t>
             </a:fld>
             <a:endParaRPr lang="en-US" dirty="0">
               <a:solidFill>
@@ -3824,7 +3824,7 @@
               <a:pPr>
                 <a:defRPr/>
               </a:pPr>
-              <a:t>8/27/2018</a:t>
+              <a:t>8/28/2018</a:t>
             </a:fld>
             <a:endParaRPr lang="en-US" dirty="0"/>
           </a:p>
@@ -4107,7 +4107,7 @@
               <a:pPr>
                 <a:defRPr/>
               </a:pPr>
-              <a:t>8/27/2018</a:t>
+              <a:t>8/28/2018</a:t>
             </a:fld>
             <a:endParaRPr lang="en-US" dirty="0">
               <a:solidFill>
@@ -4321,7 +4321,7 @@
               <a:pPr>
                 <a:defRPr/>
               </a:pPr>
-              <a:t>8/27/2018</a:t>
+              <a:t>8/28/2018</a:t>
             </a:fld>
             <a:endParaRPr lang="en-US" dirty="0">
               <a:solidFill>
@@ -4545,7 +4545,7 @@
               <a:pPr>
                 <a:defRPr/>
               </a:pPr>
-              <a:t>8/27/2018</a:t>
+              <a:t>8/28/2018</a:t>
             </a:fld>
             <a:endParaRPr lang="en-US" dirty="0">
               <a:solidFill>
@@ -4755,7 +4755,7 @@
               <a:pPr>
                 <a:defRPr/>
               </a:pPr>
-              <a:t>8/27/2018</a:t>
+              <a:t>8/28/2018</a:t>
             </a:fld>
             <a:endParaRPr lang="en-US" dirty="0">
               <a:solidFill>
@@ -5032,7 +5032,7 @@
               <a:pPr>
                 <a:defRPr/>
               </a:pPr>
-              <a:t>8/27/2018</a:t>
+              <a:t>8/28/2018</a:t>
             </a:fld>
             <a:endParaRPr lang="en-US" dirty="0"/>
           </a:p>
@@ -5339,7 +5339,7 @@
               <a:pPr>
                 <a:defRPr/>
               </a:pPr>
-              <a:t>8/27/2018</a:t>
+              <a:t>8/28/2018</a:t>
             </a:fld>
             <a:endParaRPr lang="en-US" dirty="0"/>
           </a:p>
@@ -5780,7 +5780,7 @@
               <a:pPr>
                 <a:defRPr/>
               </a:pPr>
-              <a:t>8/27/2018</a:t>
+              <a:t>8/28/2018</a:t>
             </a:fld>
             <a:endParaRPr lang="en-US" dirty="0"/>
           </a:p>
@@ -5919,7 +5919,7 @@
               <a:pPr>
                 <a:defRPr/>
               </a:pPr>
-              <a:t>8/27/2018</a:t>
+              <a:t>8/28/2018</a:t>
             </a:fld>
             <a:endParaRPr lang="en-US" dirty="0"/>
           </a:p>
@@ -6036,7 +6036,7 @@
               <a:pPr>
                 <a:defRPr/>
               </a:pPr>
-              <a:t>8/27/2018</a:t>
+              <a:t>8/28/2018</a:t>
             </a:fld>
             <a:endParaRPr lang="en-US" dirty="0"/>
           </a:p>
@@ -6333,7 +6333,7 @@
               <a:pPr>
                 <a:defRPr/>
               </a:pPr>
-              <a:t>8/27/2018</a:t>
+              <a:t>8/28/2018</a:t>
             </a:fld>
             <a:endParaRPr lang="en-US" dirty="0"/>
           </a:p>
@@ -6610,7 +6610,7 @@
               <a:pPr>
                 <a:defRPr/>
               </a:pPr>
-              <a:t>8/27/2018</a:t>
+              <a:t>8/28/2018</a:t>
             </a:fld>
             <a:endParaRPr lang="en-US" dirty="0"/>
           </a:p>
@@ -6867,7 +6867,7 @@
               <a:pPr>
                 <a:defRPr/>
               </a:pPr>
-              <a:t>8/27/2018</a:t>
+              <a:t>8/28/2018</a:t>
             </a:fld>
             <a:endParaRPr lang="en-US" dirty="0"/>
           </a:p>
@@ -7577,7 +7577,7 @@
               <a:pPr>
                 <a:defRPr/>
               </a:pPr>
-              <a:t>8/27/2018</a:t>
+              <a:t>8/28/2018</a:t>
             </a:fld>
             <a:endParaRPr lang="en-US" dirty="0">
               <a:solidFill>

--- a/Lectures/Lecture 4/Lecture 4.pptx
+++ b/Lectures/Lecture 4/Lecture 4.pptx
@@ -6,10 +6,10 @@
     <p:sldMasterId id="2147483676" r:id="rId2"/>
   </p:sldMasterIdLst>
   <p:notesMasterIdLst>
-    <p:notesMasterId r:id="rId29"/>
+    <p:notesMasterId r:id="rId34"/>
   </p:notesMasterIdLst>
   <p:handoutMasterIdLst>
-    <p:handoutMasterId r:id="rId30"/>
+    <p:handoutMasterId r:id="rId35"/>
   </p:handoutMasterIdLst>
   <p:sldIdLst>
     <p:sldId id="320" r:id="rId3"/>
@@ -37,12 +37,17 @@
     <p:sldId id="350" r:id="rId25"/>
     <p:sldId id="351" r:id="rId26"/>
     <p:sldId id="352" r:id="rId27"/>
-    <p:sldId id="329" r:id="rId28"/>
+    <p:sldId id="353" r:id="rId28"/>
+    <p:sldId id="354" r:id="rId29"/>
+    <p:sldId id="355" r:id="rId30"/>
+    <p:sldId id="356" r:id="rId31"/>
+    <p:sldId id="357" r:id="rId32"/>
+    <p:sldId id="329" r:id="rId33"/>
   </p:sldIdLst>
   <p:sldSz cx="9144000" cy="6858000" type="screen4x3"/>
   <p:notesSz cx="6858000" cy="9144000"/>
   <p:custDataLst>
-    <p:tags r:id="rId31"/>
+    <p:tags r:id="rId36"/>
   </p:custDataLst>
   <p:defaultTextStyle>
     <a:defPPr>
@@ -13556,7 +13561,7 @@
         <p:spPr>
           <a:xfrm>
             <a:off x="3810000" y="643467"/>
-            <a:ext cx="4953000" cy="4524315"/>
+            <a:ext cx="4953000" cy="4154984"/>
           </a:xfrm>
           <a:prstGeom prst="rect">
             <a:avLst/>
@@ -13604,14 +13609,10 @@
                   <a:srgbClr val="404040"/>
                 </a:solidFill>
               </a:rPr>
-              <a:t>Goal: Getting Data the In the Way You Want</a:t>
-            </a:r>
-          </a:p>
-          <a:p>
-            <a:pPr marL="342900" indent="-342900">
-              <a:buFont typeface="Arial" panose="020B0604020202020204" pitchFamily="34" charset="0"/>
-              <a:buChar char="•"/>
-            </a:pPr>
+              <a:t>Goal: Their Data       Your Data</a:t>
+            </a:r>
+          </a:p>
+          <a:p>
             <a:endParaRPr lang="en-US" dirty="0">
               <a:solidFill>
                 <a:srgbClr val="404040"/>
@@ -13741,6 +13742,58 @@
               </a:rPr>
               <a:t> Package in R</a:t>
             </a:r>
+          </a:p>
+        </p:txBody>
+      </p:sp>
+      <p:sp>
+        <p:nvSpPr>
+          <p:cNvPr id="3" name="Arrow: Right 2">
+            <a:extLst>
+              <a:ext uri="{FF2B5EF4-FFF2-40B4-BE49-F238E27FC236}">
+                <a16:creationId xmlns:a16="http://schemas.microsoft.com/office/drawing/2014/main" id="{434DE9A2-3851-4C77-9643-13134D7A0E2D}"/>
+              </a:ext>
+            </a:extLst>
+          </p:cNvPr>
+          <p:cNvSpPr/>
+          <p:nvPr/>
+        </p:nvSpPr>
+        <p:spPr>
+          <a:xfrm>
+            <a:off x="6549189" y="1493921"/>
+            <a:ext cx="457200" cy="228600"/>
+          </a:xfrm>
+          <a:prstGeom prst="rightArrow">
+            <a:avLst/>
+          </a:prstGeom>
+          <a:solidFill>
+            <a:srgbClr val="404040"/>
+          </a:solidFill>
+          <a:ln>
+            <a:solidFill>
+              <a:srgbClr val="404040"/>
+            </a:solidFill>
+          </a:ln>
+        </p:spPr>
+        <p:style>
+          <a:lnRef idx="2">
+            <a:schemeClr val="dk1"/>
+          </a:lnRef>
+          <a:fillRef idx="1">
+            <a:schemeClr val="lt1"/>
+          </a:fillRef>
+          <a:effectRef idx="0">
+            <a:schemeClr val="dk1"/>
+          </a:effectRef>
+          <a:fontRef idx="minor">
+            <a:schemeClr val="dk1"/>
+          </a:fontRef>
+        </p:style>
+        <p:txBody>
+          <a:bodyPr rtlCol="0" anchor="ctr"/>
+          <a:lstStyle/>
+          <a:p>
+            <a:pPr algn="ctr"/>
+            <a:endParaRPr lang="en-US"/>
           </a:p>
         </p:txBody>
       </p:sp>
@@ -16462,25 +16515,14 @@
               </a:lnSpc>
             </a:pPr>
             <a:r>
-              <a:rPr lang="en-US" sz="2400" kern="1200" dirty="0">
+              <a:rPr lang="en-US" sz="2400" dirty="0">
                 <a:solidFill>
                   <a:schemeClr val="bg1"/>
                 </a:solidFill>
-                <a:latin typeface="+mj-lt"/>
                 <a:ea typeface="+mj-ea"/>
                 <a:cs typeface="+mj-cs"/>
               </a:rPr>
-              <a:t>Closing</a:t>
-            </a:r>
-            <a:r>
-              <a:rPr lang="en-US" sz="2400" dirty="0">
-                <a:solidFill>
-                  <a:schemeClr val="bg1"/>
-                </a:solidFill>
-                <a:ea typeface="+mj-ea"/>
-                <a:cs typeface="+mj-cs"/>
-              </a:rPr>
-              <a:t>?</a:t>
+              <a:t>mutate()</a:t>
             </a:r>
             <a:endParaRPr lang="en-US" sz="2400" kern="1200" dirty="0">
               <a:solidFill>
@@ -16523,495 +16565,1434 @@
           <a:noFill/>
         </p:spPr>
       </p:pic>
-      <p:sp>
-        <p:nvSpPr>
-          <p:cNvPr id="7" name="Content Placeholder 2">
+      <mc:AlternateContent xmlns:mc="http://schemas.openxmlformats.org/markup-compatibility/2006">
+        <mc:Choice xmlns:a14="http://schemas.microsoft.com/office/drawing/2010/main" Requires="a14">
+          <p:sp>
+            <p:nvSpPr>
+              <p:cNvPr id="3" name="TextBox 2">
+                <a:extLst>
+                  <a:ext uri="{FF2B5EF4-FFF2-40B4-BE49-F238E27FC236}">
+                    <a16:creationId xmlns:a16="http://schemas.microsoft.com/office/drawing/2014/main" id="{F11A48DB-9DC8-487D-B292-F37C24E1A4C6}"/>
+                  </a:ext>
+                </a:extLst>
+              </p:cNvPr>
+              <p:cNvSpPr txBox="1"/>
+              <p:nvPr/>
+            </p:nvSpPr>
+            <p:spPr>
+              <a:xfrm>
+                <a:off x="3777352" y="643467"/>
+                <a:ext cx="5214248" cy="3323987"/>
+              </a:xfrm>
+              <a:prstGeom prst="rect">
+                <a:avLst/>
+              </a:prstGeom>
+              <a:noFill/>
+            </p:spPr>
+            <p:txBody>
+              <a:bodyPr wrap="square" rtlCol="0">
+                <a:spAutoFit/>
+              </a:bodyPr>
+              <a:lstStyle/>
+              <a:p>
+                <a:pPr marL="342900" indent="-342900">
+                  <a:buFont typeface="Arial" panose="020B0604020202020204" pitchFamily="34" charset="0"/>
+                  <a:buChar char="•"/>
+                </a:pPr>
+                <a:r>
+                  <a:rPr lang="en-US" dirty="0">
+                    <a:solidFill>
+                      <a:srgbClr val="404040"/>
+                    </a:solidFill>
+                  </a:rPr>
+                  <a:t>Plethora of Examples</a:t>
+                </a:r>
+              </a:p>
+              <a:p>
+                <a:pPr marL="800100" lvl="1" indent="-342900">
+                  <a:buFont typeface="Arial" panose="020B0604020202020204" pitchFamily="34" charset="0"/>
+                  <a:buChar char="•"/>
+                </a:pPr>
+                <a:r>
+                  <a:rPr lang="en-US" dirty="0">
+                    <a:solidFill>
+                      <a:srgbClr val="404040"/>
+                    </a:solidFill>
+                  </a:rPr>
+                  <a:t>Basic and Modular Arithmetic</a:t>
+                </a:r>
+              </a:p>
+              <a:p>
+                <a:pPr marL="800100" lvl="1" indent="-342900">
+                  <a:buFont typeface="Arial" panose="020B0604020202020204" pitchFamily="34" charset="0"/>
+                  <a:buChar char="•"/>
+                </a:pPr>
+                <a:endParaRPr lang="en-US" dirty="0">
+                  <a:solidFill>
+                    <a:srgbClr val="404040"/>
+                  </a:solidFill>
+                </a:endParaRPr>
+              </a:p>
+              <a:p>
+                <a:pPr marL="800100" lvl="1" indent="-342900">
+                  <a:buFont typeface="Arial" panose="020B0604020202020204" pitchFamily="34" charset="0"/>
+                  <a:buChar char="•"/>
+                </a:pPr>
+                <a:endParaRPr lang="en-US" dirty="0">
+                  <a:solidFill>
+                    <a:srgbClr val="404040"/>
+                  </a:solidFill>
+                </a:endParaRPr>
+              </a:p>
+              <a:p>
+                <a:pPr marL="800100" lvl="1" indent="-342900">
+                  <a:buFont typeface="Arial" panose="020B0604020202020204" pitchFamily="34" charset="0"/>
+                  <a:buChar char="•"/>
+                </a:pPr>
+                <a:endParaRPr lang="en-US" dirty="0">
+                  <a:solidFill>
+                    <a:srgbClr val="404040"/>
+                  </a:solidFill>
+                </a:endParaRPr>
+              </a:p>
+              <a:p>
+                <a:pPr marL="800100" lvl="1" indent="-342900">
+                  <a:buFont typeface="Arial" panose="020B0604020202020204" pitchFamily="34" charset="0"/>
+                  <a:buChar char="•"/>
+                </a:pPr>
+                <a:endParaRPr lang="en-US" dirty="0">
+                  <a:solidFill>
+                    <a:srgbClr val="404040"/>
+                  </a:solidFill>
+                </a:endParaRPr>
+              </a:p>
+              <a:p>
+                <a:pPr lvl="1"/>
+                <a:endParaRPr lang="en-US" dirty="0">
+                  <a:solidFill>
+                    <a:srgbClr val="404040"/>
+                  </a:solidFill>
+                </a:endParaRPr>
+              </a:p>
+              <a:p>
+                <a:pPr lvl="1"/>
+                <a:endParaRPr lang="en-US" sz="1400" b="0" i="1" dirty="0">
+                  <a:solidFill>
+                    <a:srgbClr val="404040"/>
+                  </a:solidFill>
+                  <a:latin typeface="Cambria Math" panose="02040503050406030204" pitchFamily="18" charset="0"/>
+                </a:endParaRPr>
+              </a:p>
+              <a:p>
+                <a:pPr lvl="1"/>
+                <a:r>
+                  <a:rPr lang="en-US" sz="1400" i="1" dirty="0">
+                    <a:solidFill>
+                      <a:srgbClr val="404040"/>
+                    </a:solidFill>
+                    <a:latin typeface="Cambria Math" panose="02040503050406030204" pitchFamily="18" charset="0"/>
+                  </a:rPr>
+                  <a:t>	</a:t>
+                </a:r>
+                <a14:m>
+                  <m:oMath xmlns:m="http://schemas.openxmlformats.org/officeDocument/2006/math">
+                    <m:r>
+                      <a:rPr lang="en-US" sz="1400" b="0" i="1" smtClean="0">
+                        <a:solidFill>
+                          <a:srgbClr val="404040"/>
+                        </a:solidFill>
+                        <a:latin typeface="Cambria Math" panose="02040503050406030204" pitchFamily="18" charset="0"/>
+                      </a:rPr>
+                      <m:t>517</m:t>
+                    </m:r>
+                    <m:r>
+                      <a:rPr lang="en-US" sz="1400" i="1" smtClean="0">
+                        <a:solidFill>
+                          <a:srgbClr val="404040"/>
+                        </a:solidFill>
+                        <a:latin typeface="Cambria Math" panose="02040503050406030204" pitchFamily="18" charset="0"/>
+                      </a:rPr>
+                      <m:t>=</m:t>
+                    </m:r>
+                    <m:r>
+                      <a:rPr lang="en-US" sz="1400" b="0" i="1" smtClean="0">
+                        <a:solidFill>
+                          <a:srgbClr val="404040"/>
+                        </a:solidFill>
+                        <a:latin typeface="Cambria Math" panose="02040503050406030204" pitchFamily="18" charset="0"/>
+                      </a:rPr>
+                      <m:t>100∗5+17</m:t>
+                    </m:r>
+                  </m:oMath>
+                </a14:m>
+                <a:endParaRPr lang="en-US" sz="1400" b="0" dirty="0">
+                  <a:solidFill>
+                    <a:srgbClr val="404040"/>
+                  </a:solidFill>
+                </a:endParaRPr>
+              </a:p>
+              <a:p>
+                <a:pPr lvl="1"/>
+                <a:r>
+                  <a:rPr lang="en-US" sz="1400" b="0" dirty="0">
+                    <a:solidFill>
+                      <a:srgbClr val="404040"/>
+                    </a:solidFill>
+                  </a:rPr>
+                  <a:t>	       </a:t>
+                </a:r>
+                <a14:m>
+                  <m:oMath xmlns:m="http://schemas.openxmlformats.org/officeDocument/2006/math">
+                    <m:r>
+                      <a:rPr lang="en-US" sz="1400" b="0" i="1" smtClean="0">
+                        <a:solidFill>
+                          <a:srgbClr val="404040"/>
+                        </a:solidFill>
+                        <a:latin typeface="Cambria Math" panose="02040503050406030204" pitchFamily="18" charset="0"/>
+                      </a:rPr>
+                      <m:t>=100∗</m:t>
+                    </m:r>
+                    <m:d>
+                      <m:dPr>
+                        <m:ctrlPr>
+                          <a:rPr lang="en-US" sz="1400" b="0" i="1" smtClean="0">
+                            <a:solidFill>
+                              <a:srgbClr val="404040"/>
+                            </a:solidFill>
+                            <a:latin typeface="Cambria Math" panose="02040503050406030204" pitchFamily="18" charset="0"/>
+                          </a:rPr>
+                        </m:ctrlPr>
+                      </m:dPr>
+                      <m:e>
+                        <m:r>
+                          <a:rPr lang="en-US" sz="1400" b="0" i="1" smtClean="0">
+                            <a:solidFill>
+                              <a:srgbClr val="404040"/>
+                            </a:solidFill>
+                            <a:latin typeface="Cambria Math" panose="02040503050406030204" pitchFamily="18" charset="0"/>
+                          </a:rPr>
+                          <m:t>517 %/% 100</m:t>
+                        </m:r>
+                      </m:e>
+                    </m:d>
+                    <m:r>
+                      <a:rPr lang="en-US" sz="1400" b="0" i="1" smtClean="0">
+                        <a:solidFill>
+                          <a:srgbClr val="404040"/>
+                        </a:solidFill>
+                        <a:latin typeface="Cambria Math" panose="02040503050406030204" pitchFamily="18" charset="0"/>
+                      </a:rPr>
+                      <m:t>+(517 %% 100)</m:t>
+                    </m:r>
+                  </m:oMath>
+                </a14:m>
+                <a:endParaRPr lang="en-US" sz="1400" b="0" dirty="0">
+                  <a:solidFill>
+                    <a:srgbClr val="404040"/>
+                  </a:solidFill>
+                </a:endParaRPr>
+              </a:p>
+            </p:txBody>
+          </p:sp>
+        </mc:Choice>
+        <mc:Fallback>
+          <p:sp>
+            <p:nvSpPr>
+              <p:cNvPr id="3" name="TextBox 2">
+                <a:extLst>
+                  <a:ext uri="{FF2B5EF4-FFF2-40B4-BE49-F238E27FC236}">
+                    <a16:creationId xmlns:a16="http://schemas.microsoft.com/office/drawing/2014/main" id="{F11A48DB-9DC8-487D-B292-F37C24E1A4C6}"/>
+                  </a:ext>
+                </a:extLst>
+              </p:cNvPr>
+              <p:cNvSpPr txBox="1">
+                <a:spLocks noRot="1" noChangeAspect="1" noMove="1" noResize="1" noEditPoints="1" noAdjustHandles="1" noChangeArrowheads="1" noChangeShapeType="1" noTextEdit="1"/>
+              </p:cNvSpPr>
+              <p:nvPr/>
+            </p:nvSpPr>
+            <p:spPr>
+              <a:xfrm>
+                <a:off x="3777352" y="643467"/>
+                <a:ext cx="5214248" cy="3323987"/>
+              </a:xfrm>
+              <a:prstGeom prst="rect">
+                <a:avLst/>
+              </a:prstGeom>
+              <a:blipFill>
+                <a:blip r:embed="rId4"/>
+                <a:stretch>
+                  <a:fillRect l="-1637" t="-1284"/>
+                </a:stretch>
+              </a:blipFill>
+            </p:spPr>
+            <p:txBody>
+              <a:bodyPr/>
+              <a:lstStyle/>
+              <a:p>
+                <a:r>
+                  <a:rPr lang="en-US">
+                    <a:noFill/>
+                  </a:rPr>
+                  <a:t> </a:t>
+                </a:r>
+              </a:p>
+            </p:txBody>
+          </p:sp>
+        </mc:Fallback>
+      </mc:AlternateContent>
+      <p:pic>
+        <p:nvPicPr>
+          <p:cNvPr id="6" name="Picture 5">
             <a:extLst>
               <a:ext uri="{FF2B5EF4-FFF2-40B4-BE49-F238E27FC236}">
-                <a16:creationId xmlns:a16="http://schemas.microsoft.com/office/drawing/2014/main" id="{8FE51533-15BE-453E-90FE-08298901BC34}"/>
+                <a16:creationId xmlns:a16="http://schemas.microsoft.com/office/drawing/2014/main" id="{B0561E64-0DEE-4EBA-AE05-4CBDA3BDAE25}"/>
               </a:ext>
             </a:extLst>
           </p:cNvPr>
-          <p:cNvSpPr txBox="1">
-            <a:spLocks/>
-          </p:cNvSpPr>
+          <p:cNvPicPr>
+            <a:picLocks noChangeAspect="1"/>
+          </p:cNvPicPr>
           <p:nvPr/>
-        </p:nvSpPr>
-        <p:spPr bwMode="auto">
+        </p:nvPicPr>
+        <p:blipFill>
+          <a:blip r:embed="rId5"/>
+          <a:stretch>
+            <a:fillRect/>
+          </a:stretch>
+        </p:blipFill>
+        <p:spPr>
           <a:xfrm>
-            <a:off x="3810000" y="643466"/>
-            <a:ext cx="4851400" cy="5833533"/>
+            <a:off x="4719975" y="1442124"/>
+            <a:ext cx="3433426" cy="1971767"/>
+          </a:xfrm>
+          <a:prstGeom prst="rect">
+            <a:avLst/>
+          </a:prstGeom>
+          <a:ln>
+            <a:solidFill>
+              <a:srgbClr val="404040"/>
+            </a:solidFill>
+          </a:ln>
+        </p:spPr>
+        <p:style>
+          <a:lnRef idx="2">
+            <a:schemeClr val="dk1"/>
+          </a:lnRef>
+          <a:fillRef idx="1">
+            <a:schemeClr val="lt1"/>
+          </a:fillRef>
+          <a:effectRef idx="0">
+            <a:schemeClr val="dk1"/>
+          </a:effectRef>
+          <a:fontRef idx="minor">
+            <a:schemeClr val="dk1"/>
+          </a:fontRef>
+        </p:style>
+      </p:pic>
+      <p:pic>
+        <p:nvPicPr>
+          <p:cNvPr id="10" name="Picture 9">
+            <a:extLst>
+              <a:ext uri="{FF2B5EF4-FFF2-40B4-BE49-F238E27FC236}">
+                <a16:creationId xmlns:a16="http://schemas.microsoft.com/office/drawing/2014/main" id="{89ACF132-F32D-4103-856F-6B468970DDD0}"/>
+              </a:ext>
+            </a:extLst>
+          </p:cNvPr>
+          <p:cNvPicPr>
+            <a:picLocks noChangeAspect="1"/>
+          </p:cNvPicPr>
+          <p:nvPr/>
+        </p:nvPicPr>
+        <p:blipFill>
+          <a:blip r:embed="rId6"/>
+          <a:stretch>
+            <a:fillRect/>
+          </a:stretch>
+        </p:blipFill>
+        <p:spPr>
+          <a:xfrm>
+            <a:off x="4719975" y="4186591"/>
+            <a:ext cx="3433426" cy="2145272"/>
           </a:xfrm>
           <a:prstGeom prst="rect">
             <a:avLst/>
           </a:prstGeom>
         </p:spPr>
-        <p:txBody>
-          <a:bodyPr vert="horz" lIns="91440" tIns="45720" rIns="91440" bIns="45720" numCol="1" rtlCol="0" anchorCtr="0" compatLnSpc="1">
-            <a:prstTxWarp prst="textNoShape">
-              <a:avLst/>
-            </a:prstTxWarp>
-            <a:noAutofit/>
-          </a:bodyPr>
-          <a:lstStyle>
-            <a:lvl1pPr marL="342900" indent="-342900" algn="l" defTabSz="457200" rtl="0" eaLnBrk="0" fontAlgn="base" hangingPunct="0">
-              <a:spcBef>
-                <a:spcPct val="20000"/>
-              </a:spcBef>
-              <a:spcAft>
-                <a:spcPct val="0"/>
-              </a:spcAft>
-              <a:buFont typeface="Arial" charset="0"/>
-              <a:buChar char="•"/>
-              <a:defRPr sz="3200" kern="1200">
-                <a:solidFill>
-                  <a:schemeClr val="tx1"/>
-                </a:solidFill>
-                <a:latin typeface="+mn-lt"/>
-                <a:ea typeface="ＭＳ Ｐゴシック" pitchFamily="-109" charset="-128"/>
-                <a:cs typeface="ＭＳ Ｐゴシック" pitchFamily="-109" charset="-128"/>
-              </a:defRPr>
-            </a:lvl1pPr>
-            <a:lvl2pPr marL="742950" indent="-285750" algn="l" defTabSz="457200" rtl="0" eaLnBrk="0" fontAlgn="base" hangingPunct="0">
-              <a:spcBef>
-                <a:spcPct val="20000"/>
-              </a:spcBef>
-              <a:spcAft>
-                <a:spcPct val="0"/>
-              </a:spcAft>
-              <a:buFont typeface="Arial" charset="0"/>
-              <a:buChar char="–"/>
-              <a:defRPr sz="2800" kern="1200">
-                <a:solidFill>
-                  <a:schemeClr val="tx1"/>
-                </a:solidFill>
-                <a:latin typeface="+mn-lt"/>
-                <a:ea typeface="ＭＳ Ｐゴシック" pitchFamily="-109" charset="-128"/>
-                <a:cs typeface="+mn-cs"/>
-              </a:defRPr>
-            </a:lvl2pPr>
-            <a:lvl3pPr marL="1143000" indent="-228600" algn="l" defTabSz="457200" rtl="0" eaLnBrk="0" fontAlgn="base" hangingPunct="0">
-              <a:spcBef>
-                <a:spcPct val="20000"/>
-              </a:spcBef>
-              <a:spcAft>
-                <a:spcPct val="0"/>
-              </a:spcAft>
-              <a:buFont typeface="Arial" charset="0"/>
-              <a:buChar char="•"/>
-              <a:defRPr sz="2400" kern="1200">
-                <a:solidFill>
-                  <a:schemeClr val="tx1"/>
-                </a:solidFill>
-                <a:latin typeface="+mn-lt"/>
-                <a:ea typeface="ＭＳ Ｐゴシック" pitchFamily="-109" charset="-128"/>
-                <a:cs typeface="+mn-cs"/>
-              </a:defRPr>
-            </a:lvl3pPr>
-            <a:lvl4pPr marL="1600200" indent="-228600" algn="l" defTabSz="457200" rtl="0" eaLnBrk="0" fontAlgn="base" hangingPunct="0">
-              <a:spcBef>
-                <a:spcPct val="20000"/>
-              </a:spcBef>
-              <a:spcAft>
-                <a:spcPct val="0"/>
-              </a:spcAft>
-              <a:buFont typeface="Arial" charset="0"/>
-              <a:buChar char="–"/>
-              <a:defRPr sz="2000" kern="1200">
-                <a:solidFill>
-                  <a:schemeClr val="tx1"/>
-                </a:solidFill>
-                <a:latin typeface="+mn-lt"/>
-                <a:ea typeface="ＭＳ Ｐゴシック" pitchFamily="-109" charset="-128"/>
-                <a:cs typeface="+mn-cs"/>
-              </a:defRPr>
-            </a:lvl4pPr>
-            <a:lvl5pPr marL="2057400" indent="-228600" algn="l" defTabSz="457200" rtl="0" eaLnBrk="0" fontAlgn="base" hangingPunct="0">
-              <a:spcBef>
-                <a:spcPct val="20000"/>
-              </a:spcBef>
-              <a:spcAft>
-                <a:spcPct val="0"/>
-              </a:spcAft>
-              <a:buFont typeface="Arial" charset="0"/>
-              <a:buChar char="»"/>
-              <a:defRPr sz="2000" kern="1200">
-                <a:solidFill>
-                  <a:schemeClr val="tx1"/>
-                </a:solidFill>
-                <a:latin typeface="+mn-lt"/>
-                <a:ea typeface="ＭＳ Ｐゴシック" pitchFamily="-109" charset="-128"/>
-                <a:cs typeface="+mn-cs"/>
-              </a:defRPr>
-            </a:lvl5pPr>
-            <a:lvl6pPr marL="2514600" indent="-228600" algn="l" defTabSz="457200" rtl="0" eaLnBrk="1" latinLnBrk="0" hangingPunct="1">
-              <a:spcBef>
-                <a:spcPct val="20000"/>
-              </a:spcBef>
-              <a:buFont typeface="Arial"/>
-              <a:buChar char="•"/>
-              <a:defRPr sz="2000" kern="1200">
-                <a:solidFill>
-                  <a:schemeClr val="tx1"/>
-                </a:solidFill>
-                <a:latin typeface="+mn-lt"/>
-                <a:ea typeface="+mn-ea"/>
-                <a:cs typeface="+mn-cs"/>
-              </a:defRPr>
-            </a:lvl6pPr>
-            <a:lvl7pPr marL="2971800" indent="-228600" algn="l" defTabSz="457200" rtl="0" eaLnBrk="1" latinLnBrk="0" hangingPunct="1">
-              <a:spcBef>
-                <a:spcPct val="20000"/>
-              </a:spcBef>
-              <a:buFont typeface="Arial"/>
-              <a:buChar char="•"/>
-              <a:defRPr sz="2000" kern="1200">
-                <a:solidFill>
-                  <a:schemeClr val="tx1"/>
-                </a:solidFill>
-                <a:latin typeface="+mn-lt"/>
-                <a:ea typeface="+mn-ea"/>
-                <a:cs typeface="+mn-cs"/>
-              </a:defRPr>
-            </a:lvl7pPr>
-            <a:lvl8pPr marL="3429000" indent="-228600" algn="l" defTabSz="457200" rtl="0" eaLnBrk="1" latinLnBrk="0" hangingPunct="1">
-              <a:spcBef>
-                <a:spcPct val="20000"/>
-              </a:spcBef>
-              <a:buFont typeface="Arial"/>
-              <a:buChar char="•"/>
-              <a:defRPr sz="2000" kern="1200">
-                <a:solidFill>
-                  <a:schemeClr val="tx1"/>
-                </a:solidFill>
-                <a:latin typeface="+mn-lt"/>
-                <a:ea typeface="+mn-ea"/>
-                <a:cs typeface="+mn-cs"/>
-              </a:defRPr>
-            </a:lvl8pPr>
-            <a:lvl9pPr marL="3886200" indent="-228600" algn="l" defTabSz="457200" rtl="0" eaLnBrk="1" latinLnBrk="0" hangingPunct="1">
-              <a:spcBef>
-                <a:spcPct val="20000"/>
-              </a:spcBef>
-              <a:buFont typeface="Arial"/>
-              <a:buChar char="•"/>
-              <a:defRPr sz="2000" kern="1200">
-                <a:solidFill>
-                  <a:schemeClr val="tx1"/>
-                </a:solidFill>
-                <a:latin typeface="+mn-lt"/>
-                <a:ea typeface="+mn-ea"/>
-                <a:cs typeface="+mn-cs"/>
-              </a:defRPr>
-            </a:lvl9pPr>
-          </a:lstStyle>
-          <a:p>
-            <a:pPr indent="-228600" defTabSz="914400" eaLnBrk="1" hangingPunct="1">
-              <a:lnSpc>
-                <a:spcPct val="90000"/>
-              </a:lnSpc>
-              <a:buFont typeface="Arial" panose="020B0604020202020204" pitchFamily="34" charset="0"/>
-              <a:buChar char="•"/>
-            </a:pPr>
-            <a:endParaRPr lang="en-US" sz="2000" dirty="0">
-              <a:solidFill>
-                <a:srgbClr val="404040"/>
-              </a:solidFill>
-              <a:ea typeface="+mn-ea"/>
-              <a:cs typeface="+mn-cs"/>
-            </a:endParaRPr>
-          </a:p>
-          <a:p>
-            <a:pPr indent="-228600" defTabSz="914400" eaLnBrk="1" hangingPunct="1">
-              <a:lnSpc>
-                <a:spcPct val="90000"/>
-              </a:lnSpc>
-              <a:buFont typeface="Arial" panose="020B0604020202020204" pitchFamily="34" charset="0"/>
-              <a:buChar char="•"/>
-            </a:pPr>
-            <a:endParaRPr lang="en-US" sz="2000" dirty="0">
-              <a:solidFill>
-                <a:srgbClr val="404040"/>
-              </a:solidFill>
-              <a:ea typeface="+mn-ea"/>
-              <a:cs typeface="+mn-cs"/>
-            </a:endParaRPr>
-          </a:p>
-        </p:txBody>
-      </p:sp>
-      <p:sp>
-        <p:nvSpPr>
-          <p:cNvPr id="10" name="Content Placeholder 2">
-            <a:extLst>
-              <a:ext uri="{FF2B5EF4-FFF2-40B4-BE49-F238E27FC236}">
-                <a16:creationId xmlns:a16="http://schemas.microsoft.com/office/drawing/2014/main" id="{10754C74-871F-42E2-A79F-10B9CCA16CD5}"/>
-              </a:ext>
-            </a:extLst>
-          </p:cNvPr>
-          <p:cNvSpPr txBox="1">
-            <a:spLocks/>
-          </p:cNvSpPr>
-          <p:nvPr/>
-        </p:nvSpPr>
-        <p:spPr bwMode="auto">
-          <a:xfrm>
-            <a:off x="3973322" y="643466"/>
-            <a:ext cx="4851400" cy="5953916"/>
-          </a:xfrm>
-          <a:prstGeom prst="rect">
-            <a:avLst/>
-          </a:prstGeom>
-        </p:spPr>
-        <p:txBody>
-          <a:bodyPr vert="horz" lIns="91440" tIns="45720" rIns="91440" bIns="45720" numCol="1" rtlCol="0" anchorCtr="0" compatLnSpc="1">
-            <a:prstTxWarp prst="textNoShape">
-              <a:avLst/>
-            </a:prstTxWarp>
-            <a:noAutofit/>
-          </a:bodyPr>
-          <a:lstStyle>
-            <a:lvl1pPr marL="342900" indent="-342900" algn="l" defTabSz="457200" rtl="0" eaLnBrk="0" fontAlgn="base" hangingPunct="0">
-              <a:spcBef>
-                <a:spcPct val="20000"/>
-              </a:spcBef>
-              <a:spcAft>
-                <a:spcPct val="0"/>
-              </a:spcAft>
-              <a:buFont typeface="Arial" charset="0"/>
-              <a:buChar char="•"/>
-              <a:defRPr sz="3200" kern="1200">
-                <a:solidFill>
-                  <a:schemeClr val="tx1"/>
-                </a:solidFill>
-                <a:latin typeface="+mn-lt"/>
-                <a:ea typeface="ＭＳ Ｐゴシック" pitchFamily="-109" charset="-128"/>
-                <a:cs typeface="ＭＳ Ｐゴシック" pitchFamily="-109" charset="-128"/>
-              </a:defRPr>
-            </a:lvl1pPr>
-            <a:lvl2pPr marL="742950" indent="-285750" algn="l" defTabSz="457200" rtl="0" eaLnBrk="0" fontAlgn="base" hangingPunct="0">
-              <a:spcBef>
-                <a:spcPct val="20000"/>
-              </a:spcBef>
-              <a:spcAft>
-                <a:spcPct val="0"/>
-              </a:spcAft>
-              <a:buFont typeface="Arial" charset="0"/>
-              <a:buChar char="–"/>
-              <a:defRPr sz="2800" kern="1200">
-                <a:solidFill>
-                  <a:schemeClr val="tx1"/>
-                </a:solidFill>
-                <a:latin typeface="+mn-lt"/>
-                <a:ea typeface="ＭＳ Ｐゴシック" pitchFamily="-109" charset="-128"/>
-                <a:cs typeface="+mn-cs"/>
-              </a:defRPr>
-            </a:lvl2pPr>
-            <a:lvl3pPr marL="1143000" indent="-228600" algn="l" defTabSz="457200" rtl="0" eaLnBrk="0" fontAlgn="base" hangingPunct="0">
-              <a:spcBef>
-                <a:spcPct val="20000"/>
-              </a:spcBef>
-              <a:spcAft>
-                <a:spcPct val="0"/>
-              </a:spcAft>
-              <a:buFont typeface="Arial" charset="0"/>
-              <a:buChar char="•"/>
-              <a:defRPr sz="2400" kern="1200">
-                <a:solidFill>
-                  <a:schemeClr val="tx1"/>
-                </a:solidFill>
-                <a:latin typeface="+mn-lt"/>
-                <a:ea typeface="ＭＳ Ｐゴシック" pitchFamily="-109" charset="-128"/>
-                <a:cs typeface="+mn-cs"/>
-              </a:defRPr>
-            </a:lvl3pPr>
-            <a:lvl4pPr marL="1600200" indent="-228600" algn="l" defTabSz="457200" rtl="0" eaLnBrk="0" fontAlgn="base" hangingPunct="0">
-              <a:spcBef>
-                <a:spcPct val="20000"/>
-              </a:spcBef>
-              <a:spcAft>
-                <a:spcPct val="0"/>
-              </a:spcAft>
-              <a:buFont typeface="Arial" charset="0"/>
-              <a:buChar char="–"/>
-              <a:defRPr sz="2000" kern="1200">
-                <a:solidFill>
-                  <a:schemeClr val="tx1"/>
-                </a:solidFill>
-                <a:latin typeface="+mn-lt"/>
-                <a:ea typeface="ＭＳ Ｐゴシック" pitchFamily="-109" charset="-128"/>
-                <a:cs typeface="+mn-cs"/>
-              </a:defRPr>
-            </a:lvl4pPr>
-            <a:lvl5pPr marL="2057400" indent="-228600" algn="l" defTabSz="457200" rtl="0" eaLnBrk="0" fontAlgn="base" hangingPunct="0">
-              <a:spcBef>
-                <a:spcPct val="20000"/>
-              </a:spcBef>
-              <a:spcAft>
-                <a:spcPct val="0"/>
-              </a:spcAft>
-              <a:buFont typeface="Arial" charset="0"/>
-              <a:buChar char="»"/>
-              <a:defRPr sz="2000" kern="1200">
-                <a:solidFill>
-                  <a:schemeClr val="tx1"/>
-                </a:solidFill>
-                <a:latin typeface="+mn-lt"/>
-                <a:ea typeface="ＭＳ Ｐゴシック" pitchFamily="-109" charset="-128"/>
-                <a:cs typeface="+mn-cs"/>
-              </a:defRPr>
-            </a:lvl5pPr>
-            <a:lvl6pPr marL="2514600" indent="-228600" algn="l" defTabSz="457200" rtl="0" eaLnBrk="1" latinLnBrk="0" hangingPunct="1">
-              <a:spcBef>
-                <a:spcPct val="20000"/>
-              </a:spcBef>
-              <a:buFont typeface="Arial"/>
-              <a:buChar char="•"/>
-              <a:defRPr sz="2000" kern="1200">
-                <a:solidFill>
-                  <a:schemeClr val="tx1"/>
-                </a:solidFill>
-                <a:latin typeface="+mn-lt"/>
-                <a:ea typeface="+mn-ea"/>
-                <a:cs typeface="+mn-cs"/>
-              </a:defRPr>
-            </a:lvl6pPr>
-            <a:lvl7pPr marL="2971800" indent="-228600" algn="l" defTabSz="457200" rtl="0" eaLnBrk="1" latinLnBrk="0" hangingPunct="1">
-              <a:spcBef>
-                <a:spcPct val="20000"/>
-              </a:spcBef>
-              <a:buFont typeface="Arial"/>
-              <a:buChar char="•"/>
-              <a:defRPr sz="2000" kern="1200">
-                <a:solidFill>
-                  <a:schemeClr val="tx1"/>
-                </a:solidFill>
-                <a:latin typeface="+mn-lt"/>
-                <a:ea typeface="+mn-ea"/>
-                <a:cs typeface="+mn-cs"/>
-              </a:defRPr>
-            </a:lvl7pPr>
-            <a:lvl8pPr marL="3429000" indent="-228600" algn="l" defTabSz="457200" rtl="0" eaLnBrk="1" latinLnBrk="0" hangingPunct="1">
-              <a:spcBef>
-                <a:spcPct val="20000"/>
-              </a:spcBef>
-              <a:buFont typeface="Arial"/>
-              <a:buChar char="•"/>
-              <a:defRPr sz="2000" kern="1200">
-                <a:solidFill>
-                  <a:schemeClr val="tx1"/>
-                </a:solidFill>
-                <a:latin typeface="+mn-lt"/>
-                <a:ea typeface="+mn-ea"/>
-                <a:cs typeface="+mn-cs"/>
-              </a:defRPr>
-            </a:lvl8pPr>
-            <a:lvl9pPr marL="3886200" indent="-228600" algn="l" defTabSz="457200" rtl="0" eaLnBrk="1" latinLnBrk="0" hangingPunct="1">
-              <a:spcBef>
-                <a:spcPct val="20000"/>
-              </a:spcBef>
-              <a:buFont typeface="Arial"/>
-              <a:buChar char="•"/>
-              <a:defRPr sz="2000" kern="1200">
-                <a:solidFill>
-                  <a:schemeClr val="tx1"/>
-                </a:solidFill>
-                <a:latin typeface="+mn-lt"/>
-                <a:ea typeface="+mn-ea"/>
-                <a:cs typeface="+mn-cs"/>
-              </a:defRPr>
-            </a:lvl9pPr>
-          </a:lstStyle>
-          <a:p>
-            <a:pPr marL="114300" indent="0" defTabSz="914400" eaLnBrk="1" hangingPunct="1">
-              <a:lnSpc>
-                <a:spcPct val="90000"/>
-              </a:lnSpc>
-              <a:buNone/>
-            </a:pPr>
-            <a:r>
-              <a:rPr lang="en-US" sz="7200" dirty="0">
-                <a:solidFill>
-                  <a:srgbClr val="404040"/>
-                </a:solidFill>
-                <a:ea typeface="+mn-ea"/>
-                <a:cs typeface="+mn-cs"/>
-              </a:rPr>
-              <a:t>Disperse and Make Reasonable Decisions</a:t>
-            </a:r>
-          </a:p>
-          <a:p>
-            <a:pPr indent="-228600" defTabSz="914400" eaLnBrk="1" hangingPunct="1">
-              <a:lnSpc>
-                <a:spcPct val="90000"/>
-              </a:lnSpc>
-              <a:buFont typeface="Arial" panose="020B0604020202020204" pitchFamily="34" charset="0"/>
-              <a:buChar char="•"/>
-            </a:pPr>
-            <a:endParaRPr lang="en-US" sz="7200" dirty="0">
-              <a:solidFill>
-                <a:srgbClr val="404040"/>
-              </a:solidFill>
-              <a:ea typeface="+mn-ea"/>
-              <a:cs typeface="+mn-cs"/>
-            </a:endParaRPr>
-          </a:p>
-          <a:p>
-            <a:pPr indent="-228600" defTabSz="914400" eaLnBrk="1" hangingPunct="1">
-              <a:lnSpc>
-                <a:spcPct val="90000"/>
-              </a:lnSpc>
-              <a:buFont typeface="Arial" panose="020B0604020202020204" pitchFamily="34" charset="0"/>
-              <a:buChar char="•"/>
-            </a:pPr>
-            <a:endParaRPr lang="en-US" sz="7200" dirty="0">
-              <a:solidFill>
-                <a:srgbClr val="404040"/>
-              </a:solidFill>
-              <a:ea typeface="+mn-ea"/>
-              <a:cs typeface="+mn-cs"/>
-            </a:endParaRPr>
-          </a:p>
-          <a:p>
-            <a:pPr indent="-228600" defTabSz="914400" eaLnBrk="1" hangingPunct="1">
-              <a:lnSpc>
-                <a:spcPct val="90000"/>
-              </a:lnSpc>
-              <a:buFont typeface="Arial" panose="020B0604020202020204" pitchFamily="34" charset="0"/>
-              <a:buChar char="•"/>
-            </a:pPr>
-            <a:endParaRPr lang="en-US" sz="7200" dirty="0">
-              <a:solidFill>
-                <a:srgbClr val="404040"/>
-              </a:solidFill>
-              <a:ea typeface="+mn-ea"/>
-              <a:cs typeface="+mn-cs"/>
-            </a:endParaRPr>
-          </a:p>
-          <a:p>
-            <a:pPr indent="-228600" defTabSz="914400" eaLnBrk="1" hangingPunct="1">
-              <a:lnSpc>
-                <a:spcPct val="90000"/>
-              </a:lnSpc>
-              <a:buFont typeface="Arial" panose="020B0604020202020204" pitchFamily="34" charset="0"/>
-              <a:buChar char="•"/>
-            </a:pPr>
-            <a:endParaRPr lang="en-US" sz="7200" dirty="0">
-              <a:solidFill>
-                <a:srgbClr val="404040"/>
-              </a:solidFill>
-              <a:ea typeface="+mn-ea"/>
-              <a:cs typeface="+mn-cs"/>
-            </a:endParaRPr>
-          </a:p>
-        </p:txBody>
-      </p:sp>
+        <p:style>
+          <a:lnRef idx="2">
+            <a:schemeClr val="dk1"/>
+          </a:lnRef>
+          <a:fillRef idx="1">
+            <a:schemeClr val="lt1"/>
+          </a:fillRef>
+          <a:effectRef idx="0">
+            <a:schemeClr val="dk1"/>
+          </a:effectRef>
+          <a:fontRef idx="minor">
+            <a:schemeClr val="dk1"/>
+          </a:fontRef>
+        </p:style>
+      </p:pic>
     </p:spTree>
     <p:custDataLst>
       <p:tags r:id="rId1"/>
     </p:custDataLst>
     <p:extLst>
       <p:ext uri="{BB962C8B-B14F-4D97-AF65-F5344CB8AC3E}">
-        <p14:creationId xmlns:p14="http://schemas.microsoft.com/office/powerpoint/2010/main" val="3647066437"/>
+        <p14:creationId xmlns:p14="http://schemas.microsoft.com/office/powerpoint/2010/main" val="4288302676"/>
+      </p:ext>
+    </p:extLst>
+  </p:cSld>
+  <p:clrMapOvr>
+    <a:masterClrMapping/>
+  </p:clrMapOvr>
+</p:sld>
+</file>
+
+<file path=ppt/slides/slide27.xml><?xml version="1.0" encoding="utf-8"?>
+<p:sld xmlns:a="http://schemas.openxmlformats.org/drawingml/2006/main" xmlns:r="http://schemas.openxmlformats.org/officeDocument/2006/relationships" xmlns:p="http://schemas.openxmlformats.org/presentationml/2006/main">
+  <p:cSld>
+    <p:bg>
+      <p:bgPr>
+        <a:solidFill>
+          <a:schemeClr val="bg1">
+            <a:lumMod val="85000"/>
+          </a:schemeClr>
+        </a:solidFill>
+        <a:effectLst/>
+      </p:bgPr>
+    </p:bg>
+    <p:spTree>
+      <p:nvGrpSpPr>
+        <p:cNvPr id="1" name=""/>
+        <p:cNvGrpSpPr/>
+        <p:nvPr/>
+      </p:nvGrpSpPr>
+      <p:grpSpPr>
+        <a:xfrm>
+          <a:off x="0" y="0"/>
+          <a:ext cx="0" cy="0"/>
+          <a:chOff x="0" y="0"/>
+          <a:chExt cx="0" cy="0"/>
+        </a:xfrm>
+      </p:grpSpPr>
+      <p:sp>
+        <p:nvSpPr>
+          <p:cNvPr id="15" name="Rectangle 12">
+            <a:extLst>
+              <a:ext uri="{FF2B5EF4-FFF2-40B4-BE49-F238E27FC236}">
+                <a16:creationId xmlns:a16="http://schemas.microsoft.com/office/drawing/2014/main" id="{867D4867-5BA7-4462-B2F6-A23F4A622AA7}"/>
+              </a:ext>
+              <a:ext uri="{C183D7F6-B498-43B3-948B-1728B52AA6E4}">
+                <adec:decorative xmlns:adec="http://schemas.microsoft.com/office/drawing/2017/decorative" val="1"/>
+              </a:ext>
+            </a:extLst>
+          </p:cNvPr>
+          <p:cNvSpPr>
+            <a:spLocks noGrp="1" noRot="1" noChangeAspect="1" noMove="1" noResize="1" noEditPoints="1" noAdjustHandles="1" noChangeArrowheads="1" noChangeShapeType="1" noTextEdit="1"/>
+          </p:cNvSpPr>
+          <p:nvPr>
+            <p:extLst>
+              <p:ext uri="{386F3935-93C4-4BCD-93E2-E3B085C9AB24}">
+                <p16:designElem xmlns:p16="http://schemas.microsoft.com/office/powerpoint/2015/main" val="1"/>
+              </p:ext>
+            </p:extLst>
+          </p:nvPr>
+        </p:nvSpPr>
+        <p:spPr>
+          <a:xfrm>
+            <a:off x="0" y="0"/>
+            <a:ext cx="3490722" cy="6858000"/>
+          </a:xfrm>
+          <a:prstGeom prst="rect">
+            <a:avLst/>
+          </a:prstGeom>
+          <a:solidFill>
+            <a:schemeClr val="tx1">
+              <a:lumMod val="75000"/>
+              <a:lumOff val="25000"/>
+            </a:schemeClr>
+          </a:solidFill>
+          <a:ln>
+            <a:noFill/>
+          </a:ln>
+        </p:spPr>
+        <p:style>
+          <a:lnRef idx="0">
+            <a:scrgbClr r="0" g="0" b="0"/>
+          </a:lnRef>
+          <a:fillRef idx="0">
+            <a:scrgbClr r="0" g="0" b="0"/>
+          </a:fillRef>
+          <a:effectRef idx="0">
+            <a:scrgbClr r="0" g="0" b="0"/>
+          </a:effectRef>
+          <a:fontRef idx="minor">
+            <a:schemeClr val="lt1"/>
+          </a:fontRef>
+        </p:style>
+        <p:txBody>
+          <a:bodyPr rtlCol="0" anchor="ctr"/>
+          <a:lstStyle/>
+          <a:p>
+            <a:pPr algn="ctr"/>
+            <a:endParaRPr lang="en-US"/>
+          </a:p>
+        </p:txBody>
+      </p:sp>
+      <p:sp>
+        <p:nvSpPr>
+          <p:cNvPr id="2" name="Title 1"/>
+          <p:cNvSpPr>
+            <a:spLocks noGrp="1"/>
+          </p:cNvSpPr>
+          <p:nvPr>
+            <p:ph type="title"/>
+          </p:nvPr>
+        </p:nvSpPr>
+        <p:spPr>
+          <a:xfrm>
+            <a:off x="482600" y="643467"/>
+            <a:ext cx="2522980" cy="1597315"/>
+          </a:xfrm>
+          <a:noFill/>
+          <a:ln w="19050">
+            <a:solidFill>
+              <a:schemeClr val="bg1"/>
+            </a:solidFill>
+          </a:ln>
+        </p:spPr>
+        <p:txBody>
+          <a:bodyPr vert="horz" wrap="square" lIns="91440" tIns="45720" rIns="91440" bIns="45720" rtlCol="0" anchor="ctr">
+            <a:normAutofit/>
+          </a:bodyPr>
+          <a:lstStyle/>
+          <a:p>
+            <a:pPr defTabSz="914400" eaLnBrk="1" hangingPunct="1">
+              <a:lnSpc>
+                <a:spcPct val="90000"/>
+              </a:lnSpc>
+            </a:pPr>
+            <a:r>
+              <a:rPr lang="en-US" sz="2400" dirty="0">
+                <a:solidFill>
+                  <a:schemeClr val="bg1"/>
+                </a:solidFill>
+                <a:ea typeface="+mj-ea"/>
+                <a:cs typeface="+mj-cs"/>
+              </a:rPr>
+              <a:t>mutate()</a:t>
+            </a:r>
+            <a:endParaRPr lang="en-US" sz="2400" kern="1200" dirty="0">
+              <a:solidFill>
+                <a:schemeClr val="bg1"/>
+              </a:solidFill>
+              <a:latin typeface="+mj-lt"/>
+              <a:ea typeface="+mj-ea"/>
+              <a:cs typeface="+mj-cs"/>
+            </a:endParaRPr>
+          </a:p>
+        </p:txBody>
+      </p:sp>
+      <p:pic>
+        <p:nvPicPr>
+          <p:cNvPr id="8" name="Picture 7">
+            <a:extLst>
+              <a:ext uri="{FF2B5EF4-FFF2-40B4-BE49-F238E27FC236}">
+                <a16:creationId xmlns:a16="http://schemas.microsoft.com/office/drawing/2014/main" id="{521D4292-9ECC-4DA5-8CC0-C561A0DA118E}"/>
+              </a:ext>
+            </a:extLst>
+          </p:cNvPr>
+          <p:cNvPicPr>
+            <a:picLocks noChangeAspect="1"/>
+          </p:cNvPicPr>
+          <p:nvPr/>
+        </p:nvPicPr>
+        <p:blipFill rotWithShape="1">
+          <a:blip r:embed="rId3"/>
+          <a:srcRect l="8000" r="9400"/>
+          <a:stretch/>
+        </p:blipFill>
+        <p:spPr>
+          <a:xfrm>
+            <a:off x="660103" y="3048000"/>
+            <a:ext cx="2167974" cy="2624666"/>
+          </a:xfrm>
+          <a:prstGeom prst="rect">
+            <a:avLst/>
+          </a:prstGeom>
+          <a:noFill/>
+        </p:spPr>
+      </p:pic>
+      <p:sp>
+        <p:nvSpPr>
+          <p:cNvPr id="3" name="TextBox 2">
+            <a:extLst>
+              <a:ext uri="{FF2B5EF4-FFF2-40B4-BE49-F238E27FC236}">
+                <a16:creationId xmlns:a16="http://schemas.microsoft.com/office/drawing/2014/main" id="{F11A48DB-9DC8-487D-B292-F37C24E1A4C6}"/>
+              </a:ext>
+            </a:extLst>
+          </p:cNvPr>
+          <p:cNvSpPr txBox="1"/>
+          <p:nvPr/>
+        </p:nvSpPr>
+        <p:spPr>
+          <a:xfrm>
+            <a:off x="3777352" y="643467"/>
+            <a:ext cx="5214248" cy="1938992"/>
+          </a:xfrm>
+          <a:prstGeom prst="rect">
+            <a:avLst/>
+          </a:prstGeom>
+          <a:noFill/>
+        </p:spPr>
+        <p:txBody>
+          <a:bodyPr wrap="square" rtlCol="0">
+            <a:spAutoFit/>
+          </a:bodyPr>
+          <a:lstStyle/>
+          <a:p>
+            <a:pPr marL="342900" indent="-342900">
+              <a:buFont typeface="Arial" panose="020B0604020202020204" pitchFamily="34" charset="0"/>
+              <a:buChar char="•"/>
+            </a:pPr>
+            <a:r>
+              <a:rPr lang="en-US" dirty="0">
+                <a:solidFill>
+                  <a:srgbClr val="404040"/>
+                </a:solidFill>
+              </a:rPr>
+              <a:t>Plethora of Examples</a:t>
+            </a:r>
+          </a:p>
+          <a:p>
+            <a:pPr marL="800100" lvl="1" indent="-342900">
+              <a:buFont typeface="Arial" panose="020B0604020202020204" pitchFamily="34" charset="0"/>
+              <a:buChar char="•"/>
+            </a:pPr>
+            <a:r>
+              <a:rPr lang="en-US" dirty="0">
+                <a:solidFill>
+                  <a:srgbClr val="404040"/>
+                </a:solidFill>
+              </a:rPr>
+              <a:t>Nonlinear Transformation</a:t>
+            </a:r>
+          </a:p>
+          <a:p>
+            <a:pPr lvl="1"/>
+            <a:endParaRPr lang="en-US" dirty="0">
+              <a:solidFill>
+                <a:srgbClr val="404040"/>
+              </a:solidFill>
+            </a:endParaRPr>
+          </a:p>
+          <a:p>
+            <a:pPr lvl="1"/>
+            <a:endParaRPr lang="en-US" dirty="0">
+              <a:solidFill>
+                <a:srgbClr val="404040"/>
+              </a:solidFill>
+            </a:endParaRPr>
+          </a:p>
+          <a:p>
+            <a:pPr lvl="1"/>
+            <a:endParaRPr lang="en-US" dirty="0">
+              <a:solidFill>
+                <a:srgbClr val="404040"/>
+              </a:solidFill>
+            </a:endParaRPr>
+          </a:p>
+        </p:txBody>
+      </p:sp>
+      <p:pic>
+        <p:nvPicPr>
+          <p:cNvPr id="4" name="Picture 3">
+            <a:extLst>
+              <a:ext uri="{FF2B5EF4-FFF2-40B4-BE49-F238E27FC236}">
+                <a16:creationId xmlns:a16="http://schemas.microsoft.com/office/drawing/2014/main" id="{2E1F5074-291B-4A21-9819-051FEB290110}"/>
+              </a:ext>
+            </a:extLst>
+          </p:cNvPr>
+          <p:cNvPicPr>
+            <a:picLocks noChangeAspect="1"/>
+          </p:cNvPicPr>
+          <p:nvPr/>
+        </p:nvPicPr>
+        <p:blipFill>
+          <a:blip r:embed="rId4"/>
+          <a:stretch>
+            <a:fillRect/>
+          </a:stretch>
+        </p:blipFill>
+        <p:spPr>
+          <a:xfrm>
+            <a:off x="3863534" y="1461821"/>
+            <a:ext cx="2938772" cy="2629184"/>
+          </a:xfrm>
+          <a:prstGeom prst="rect">
+            <a:avLst/>
+          </a:prstGeom>
+          <a:ln>
+            <a:solidFill>
+              <a:srgbClr val="404040"/>
+            </a:solidFill>
+          </a:ln>
+        </p:spPr>
+        <p:style>
+          <a:lnRef idx="2">
+            <a:schemeClr val="dk1"/>
+          </a:lnRef>
+          <a:fillRef idx="1">
+            <a:schemeClr val="lt1"/>
+          </a:fillRef>
+          <a:effectRef idx="0">
+            <a:schemeClr val="dk1"/>
+          </a:effectRef>
+          <a:fontRef idx="minor">
+            <a:schemeClr val="dk1"/>
+          </a:fontRef>
+        </p:style>
+      </p:pic>
+      <p:pic>
+        <p:nvPicPr>
+          <p:cNvPr id="5" name="Picture 4">
+            <a:extLst>
+              <a:ext uri="{FF2B5EF4-FFF2-40B4-BE49-F238E27FC236}">
+                <a16:creationId xmlns:a16="http://schemas.microsoft.com/office/drawing/2014/main" id="{9828D74B-9960-4FC9-8D50-EB2F3B5DEF71}"/>
+              </a:ext>
+            </a:extLst>
+          </p:cNvPr>
+          <p:cNvPicPr>
+            <a:picLocks noChangeAspect="1"/>
+          </p:cNvPicPr>
+          <p:nvPr/>
+        </p:nvPicPr>
+        <p:blipFill>
+          <a:blip r:embed="rId5"/>
+          <a:stretch>
+            <a:fillRect/>
+          </a:stretch>
+        </p:blipFill>
+        <p:spPr>
+          <a:xfrm>
+            <a:off x="5943600" y="3521090"/>
+            <a:ext cx="2938772" cy="2776537"/>
+          </a:xfrm>
+          <a:prstGeom prst="rect">
+            <a:avLst/>
+          </a:prstGeom>
+          <a:ln>
+            <a:solidFill>
+              <a:srgbClr val="404040"/>
+            </a:solidFill>
+          </a:ln>
+        </p:spPr>
+        <p:style>
+          <a:lnRef idx="2">
+            <a:schemeClr val="dk1"/>
+          </a:lnRef>
+          <a:fillRef idx="1">
+            <a:schemeClr val="lt1"/>
+          </a:fillRef>
+          <a:effectRef idx="0">
+            <a:schemeClr val="dk1"/>
+          </a:effectRef>
+          <a:fontRef idx="minor">
+            <a:schemeClr val="dk1"/>
+          </a:fontRef>
+        </p:style>
+      </p:pic>
+    </p:spTree>
+    <p:custDataLst>
+      <p:tags r:id="rId1"/>
+    </p:custDataLst>
+    <p:extLst>
+      <p:ext uri="{BB962C8B-B14F-4D97-AF65-F5344CB8AC3E}">
+        <p14:creationId xmlns:p14="http://schemas.microsoft.com/office/powerpoint/2010/main" val="3881391494"/>
+      </p:ext>
+    </p:extLst>
+  </p:cSld>
+  <p:clrMapOvr>
+    <a:masterClrMapping/>
+  </p:clrMapOvr>
+</p:sld>
+</file>
+
+<file path=ppt/slides/slide28.xml><?xml version="1.0" encoding="utf-8"?>
+<p:sld xmlns:a="http://schemas.openxmlformats.org/drawingml/2006/main" xmlns:r="http://schemas.openxmlformats.org/officeDocument/2006/relationships" xmlns:p="http://schemas.openxmlformats.org/presentationml/2006/main">
+  <p:cSld>
+    <p:bg>
+      <p:bgPr>
+        <a:solidFill>
+          <a:schemeClr val="bg1">
+            <a:lumMod val="85000"/>
+          </a:schemeClr>
+        </a:solidFill>
+        <a:effectLst/>
+      </p:bgPr>
+    </p:bg>
+    <p:spTree>
+      <p:nvGrpSpPr>
+        <p:cNvPr id="1" name=""/>
+        <p:cNvGrpSpPr/>
+        <p:nvPr/>
+      </p:nvGrpSpPr>
+      <p:grpSpPr>
+        <a:xfrm>
+          <a:off x="0" y="0"/>
+          <a:ext cx="0" cy="0"/>
+          <a:chOff x="0" y="0"/>
+          <a:chExt cx="0" cy="0"/>
+        </a:xfrm>
+      </p:grpSpPr>
+      <p:sp>
+        <p:nvSpPr>
+          <p:cNvPr id="15" name="Rectangle 12">
+            <a:extLst>
+              <a:ext uri="{FF2B5EF4-FFF2-40B4-BE49-F238E27FC236}">
+                <a16:creationId xmlns:a16="http://schemas.microsoft.com/office/drawing/2014/main" id="{867D4867-5BA7-4462-B2F6-A23F4A622AA7}"/>
+              </a:ext>
+              <a:ext uri="{C183D7F6-B498-43B3-948B-1728B52AA6E4}">
+                <adec:decorative xmlns:adec="http://schemas.microsoft.com/office/drawing/2017/decorative" val="1"/>
+              </a:ext>
+            </a:extLst>
+          </p:cNvPr>
+          <p:cNvSpPr>
+            <a:spLocks noGrp="1" noRot="1" noChangeAspect="1" noMove="1" noResize="1" noEditPoints="1" noAdjustHandles="1" noChangeArrowheads="1" noChangeShapeType="1" noTextEdit="1"/>
+          </p:cNvSpPr>
+          <p:nvPr>
+            <p:extLst>
+              <p:ext uri="{386F3935-93C4-4BCD-93E2-E3B085C9AB24}">
+                <p16:designElem xmlns:p16="http://schemas.microsoft.com/office/powerpoint/2015/main" val="1"/>
+              </p:ext>
+            </p:extLst>
+          </p:nvPr>
+        </p:nvSpPr>
+        <p:spPr>
+          <a:xfrm>
+            <a:off x="0" y="0"/>
+            <a:ext cx="3490722" cy="6858000"/>
+          </a:xfrm>
+          <a:prstGeom prst="rect">
+            <a:avLst/>
+          </a:prstGeom>
+          <a:solidFill>
+            <a:schemeClr val="tx1">
+              <a:lumMod val="75000"/>
+              <a:lumOff val="25000"/>
+            </a:schemeClr>
+          </a:solidFill>
+          <a:ln>
+            <a:noFill/>
+          </a:ln>
+        </p:spPr>
+        <p:style>
+          <a:lnRef idx="0">
+            <a:scrgbClr r="0" g="0" b="0"/>
+          </a:lnRef>
+          <a:fillRef idx="0">
+            <a:scrgbClr r="0" g="0" b="0"/>
+          </a:fillRef>
+          <a:effectRef idx="0">
+            <a:scrgbClr r="0" g="0" b="0"/>
+          </a:effectRef>
+          <a:fontRef idx="minor">
+            <a:schemeClr val="lt1"/>
+          </a:fontRef>
+        </p:style>
+        <p:txBody>
+          <a:bodyPr rtlCol="0" anchor="ctr"/>
+          <a:lstStyle/>
+          <a:p>
+            <a:pPr algn="ctr"/>
+            <a:endParaRPr lang="en-US"/>
+          </a:p>
+        </p:txBody>
+      </p:sp>
+      <p:sp>
+        <p:nvSpPr>
+          <p:cNvPr id="2" name="Title 1"/>
+          <p:cNvSpPr>
+            <a:spLocks noGrp="1"/>
+          </p:cNvSpPr>
+          <p:nvPr>
+            <p:ph type="title"/>
+          </p:nvPr>
+        </p:nvSpPr>
+        <p:spPr>
+          <a:xfrm>
+            <a:off x="482600" y="643467"/>
+            <a:ext cx="2522980" cy="1597315"/>
+          </a:xfrm>
+          <a:noFill/>
+          <a:ln w="19050">
+            <a:solidFill>
+              <a:schemeClr val="bg1"/>
+            </a:solidFill>
+          </a:ln>
+        </p:spPr>
+        <p:txBody>
+          <a:bodyPr vert="horz" wrap="square" lIns="91440" tIns="45720" rIns="91440" bIns="45720" rtlCol="0" anchor="ctr">
+            <a:normAutofit/>
+          </a:bodyPr>
+          <a:lstStyle/>
+          <a:p>
+            <a:pPr defTabSz="914400" eaLnBrk="1" hangingPunct="1">
+              <a:lnSpc>
+                <a:spcPct val="90000"/>
+              </a:lnSpc>
+            </a:pPr>
+            <a:r>
+              <a:rPr lang="en-US" sz="2400" dirty="0">
+                <a:solidFill>
+                  <a:schemeClr val="bg1"/>
+                </a:solidFill>
+                <a:ea typeface="+mj-ea"/>
+                <a:cs typeface="+mj-cs"/>
+              </a:rPr>
+              <a:t>mutate()</a:t>
+            </a:r>
+            <a:endParaRPr lang="en-US" sz="2400" kern="1200" dirty="0">
+              <a:solidFill>
+                <a:schemeClr val="bg1"/>
+              </a:solidFill>
+              <a:latin typeface="+mj-lt"/>
+              <a:ea typeface="+mj-ea"/>
+              <a:cs typeface="+mj-cs"/>
+            </a:endParaRPr>
+          </a:p>
+        </p:txBody>
+      </p:sp>
+      <p:pic>
+        <p:nvPicPr>
+          <p:cNvPr id="8" name="Picture 7">
+            <a:extLst>
+              <a:ext uri="{FF2B5EF4-FFF2-40B4-BE49-F238E27FC236}">
+                <a16:creationId xmlns:a16="http://schemas.microsoft.com/office/drawing/2014/main" id="{521D4292-9ECC-4DA5-8CC0-C561A0DA118E}"/>
+              </a:ext>
+            </a:extLst>
+          </p:cNvPr>
+          <p:cNvPicPr>
+            <a:picLocks noChangeAspect="1"/>
+          </p:cNvPicPr>
+          <p:nvPr/>
+        </p:nvPicPr>
+        <p:blipFill rotWithShape="1">
+          <a:blip r:embed="rId3"/>
+          <a:srcRect l="8000" r="9400"/>
+          <a:stretch/>
+        </p:blipFill>
+        <p:spPr>
+          <a:xfrm>
+            <a:off x="660103" y="3048000"/>
+            <a:ext cx="2167974" cy="2624666"/>
+          </a:xfrm>
+          <a:prstGeom prst="rect">
+            <a:avLst/>
+          </a:prstGeom>
+          <a:noFill/>
+        </p:spPr>
+      </p:pic>
+      <p:sp>
+        <p:nvSpPr>
+          <p:cNvPr id="3" name="TextBox 2">
+            <a:extLst>
+              <a:ext uri="{FF2B5EF4-FFF2-40B4-BE49-F238E27FC236}">
+                <a16:creationId xmlns:a16="http://schemas.microsoft.com/office/drawing/2014/main" id="{F11A48DB-9DC8-487D-B292-F37C24E1A4C6}"/>
+              </a:ext>
+            </a:extLst>
+          </p:cNvPr>
+          <p:cNvSpPr txBox="1"/>
+          <p:nvPr/>
+        </p:nvSpPr>
+        <p:spPr>
+          <a:xfrm>
+            <a:off x="3777352" y="643467"/>
+            <a:ext cx="5214248" cy="830997"/>
+          </a:xfrm>
+          <a:prstGeom prst="rect">
+            <a:avLst/>
+          </a:prstGeom>
+          <a:noFill/>
+        </p:spPr>
+        <p:txBody>
+          <a:bodyPr wrap="square" rtlCol="0">
+            <a:spAutoFit/>
+          </a:bodyPr>
+          <a:lstStyle/>
+          <a:p>
+            <a:pPr marL="342900" indent="-342900">
+              <a:buFont typeface="Arial" panose="020B0604020202020204" pitchFamily="34" charset="0"/>
+              <a:buChar char="•"/>
+            </a:pPr>
+            <a:r>
+              <a:rPr lang="en-US" dirty="0">
+                <a:solidFill>
+                  <a:srgbClr val="404040"/>
+                </a:solidFill>
+              </a:rPr>
+              <a:t>Plethora of Examples</a:t>
+            </a:r>
+          </a:p>
+          <a:p>
+            <a:pPr marL="800100" lvl="1" indent="-342900">
+              <a:buFont typeface="Arial" panose="020B0604020202020204" pitchFamily="34" charset="0"/>
+              <a:buChar char="•"/>
+            </a:pPr>
+            <a:r>
+              <a:rPr lang="en-US" dirty="0">
+                <a:solidFill>
+                  <a:srgbClr val="404040"/>
+                </a:solidFill>
+              </a:rPr>
+              <a:t>Offsets</a:t>
+            </a:r>
+          </a:p>
+        </p:txBody>
+      </p:sp>
+      <p:pic>
+        <p:nvPicPr>
+          <p:cNvPr id="6" name="Picture 5">
+            <a:extLst>
+              <a:ext uri="{FF2B5EF4-FFF2-40B4-BE49-F238E27FC236}">
+                <a16:creationId xmlns:a16="http://schemas.microsoft.com/office/drawing/2014/main" id="{A815C65F-72B9-4BCD-A370-333B667738E7}"/>
+              </a:ext>
+            </a:extLst>
+          </p:cNvPr>
+          <p:cNvPicPr>
+            <a:picLocks noChangeAspect="1"/>
+          </p:cNvPicPr>
+          <p:nvPr/>
+        </p:nvPicPr>
+        <p:blipFill>
+          <a:blip r:embed="rId4"/>
+          <a:stretch>
+            <a:fillRect/>
+          </a:stretch>
+        </p:blipFill>
+        <p:spPr>
+          <a:xfrm>
+            <a:off x="3834259" y="1469497"/>
+            <a:ext cx="4623941" cy="2938000"/>
+          </a:xfrm>
+          <a:prstGeom prst="rect">
+            <a:avLst/>
+          </a:prstGeom>
+        </p:spPr>
+        <p:style>
+          <a:lnRef idx="2">
+            <a:schemeClr val="dk1"/>
+          </a:lnRef>
+          <a:fillRef idx="1">
+            <a:schemeClr val="lt1"/>
+          </a:fillRef>
+          <a:effectRef idx="0">
+            <a:schemeClr val="dk1"/>
+          </a:effectRef>
+          <a:fontRef idx="minor">
+            <a:schemeClr val="dk1"/>
+          </a:fontRef>
+        </p:style>
+      </p:pic>
+      <p:pic>
+        <p:nvPicPr>
+          <p:cNvPr id="7" name="Picture 6">
+            <a:extLst>
+              <a:ext uri="{FF2B5EF4-FFF2-40B4-BE49-F238E27FC236}">
+                <a16:creationId xmlns:a16="http://schemas.microsoft.com/office/drawing/2014/main" id="{722E14F0-569B-4878-A82A-AD9EBB770985}"/>
+              </a:ext>
+            </a:extLst>
+          </p:cNvPr>
+          <p:cNvPicPr>
+            <a:picLocks noChangeAspect="1"/>
+          </p:cNvPicPr>
+          <p:nvPr/>
+        </p:nvPicPr>
+        <p:blipFill>
+          <a:blip r:embed="rId5"/>
+          <a:stretch>
+            <a:fillRect/>
+          </a:stretch>
+        </p:blipFill>
+        <p:spPr>
+          <a:xfrm>
+            <a:off x="4815110" y="4686574"/>
+            <a:ext cx="2662238" cy="1637339"/>
+          </a:xfrm>
+          <a:prstGeom prst="rect">
+            <a:avLst/>
+          </a:prstGeom>
+          <a:ln/>
+        </p:spPr>
+        <p:style>
+          <a:lnRef idx="2">
+            <a:schemeClr val="dk1"/>
+          </a:lnRef>
+          <a:fillRef idx="1">
+            <a:schemeClr val="lt1"/>
+          </a:fillRef>
+          <a:effectRef idx="0">
+            <a:schemeClr val="dk1"/>
+          </a:effectRef>
+          <a:fontRef idx="minor">
+            <a:schemeClr val="dk1"/>
+          </a:fontRef>
+        </p:style>
+      </p:pic>
+    </p:spTree>
+    <p:custDataLst>
+      <p:tags r:id="rId1"/>
+    </p:custDataLst>
+    <p:extLst>
+      <p:ext uri="{BB962C8B-B14F-4D97-AF65-F5344CB8AC3E}">
+        <p14:creationId xmlns:p14="http://schemas.microsoft.com/office/powerpoint/2010/main" val="2657709723"/>
+      </p:ext>
+    </p:extLst>
+  </p:cSld>
+  <p:clrMapOvr>
+    <a:masterClrMapping/>
+  </p:clrMapOvr>
+</p:sld>
+</file>
+
+<file path=ppt/slides/slide29.xml><?xml version="1.0" encoding="utf-8"?>
+<p:sld xmlns:a="http://schemas.openxmlformats.org/drawingml/2006/main" xmlns:r="http://schemas.openxmlformats.org/officeDocument/2006/relationships" xmlns:p="http://schemas.openxmlformats.org/presentationml/2006/main">
+  <p:cSld>
+    <p:bg>
+      <p:bgPr>
+        <a:solidFill>
+          <a:schemeClr val="bg1">
+            <a:lumMod val="85000"/>
+          </a:schemeClr>
+        </a:solidFill>
+        <a:effectLst/>
+      </p:bgPr>
+    </p:bg>
+    <p:spTree>
+      <p:nvGrpSpPr>
+        <p:cNvPr id="1" name=""/>
+        <p:cNvGrpSpPr/>
+        <p:nvPr/>
+      </p:nvGrpSpPr>
+      <p:grpSpPr>
+        <a:xfrm>
+          <a:off x="0" y="0"/>
+          <a:ext cx="0" cy="0"/>
+          <a:chOff x="0" y="0"/>
+          <a:chExt cx="0" cy="0"/>
+        </a:xfrm>
+      </p:grpSpPr>
+      <p:sp>
+        <p:nvSpPr>
+          <p:cNvPr id="15" name="Rectangle 12">
+            <a:extLst>
+              <a:ext uri="{FF2B5EF4-FFF2-40B4-BE49-F238E27FC236}">
+                <a16:creationId xmlns:a16="http://schemas.microsoft.com/office/drawing/2014/main" id="{867D4867-5BA7-4462-B2F6-A23F4A622AA7}"/>
+              </a:ext>
+              <a:ext uri="{C183D7F6-B498-43B3-948B-1728B52AA6E4}">
+                <adec:decorative xmlns:adec="http://schemas.microsoft.com/office/drawing/2017/decorative" val="1"/>
+              </a:ext>
+            </a:extLst>
+          </p:cNvPr>
+          <p:cNvSpPr>
+            <a:spLocks noGrp="1" noRot="1" noChangeAspect="1" noMove="1" noResize="1" noEditPoints="1" noAdjustHandles="1" noChangeArrowheads="1" noChangeShapeType="1" noTextEdit="1"/>
+          </p:cNvSpPr>
+          <p:nvPr>
+            <p:extLst>
+              <p:ext uri="{386F3935-93C4-4BCD-93E2-E3B085C9AB24}">
+                <p16:designElem xmlns:p16="http://schemas.microsoft.com/office/powerpoint/2015/main" val="1"/>
+              </p:ext>
+            </p:extLst>
+          </p:nvPr>
+        </p:nvSpPr>
+        <p:spPr>
+          <a:xfrm>
+            <a:off x="0" y="0"/>
+            <a:ext cx="3490722" cy="6858000"/>
+          </a:xfrm>
+          <a:prstGeom prst="rect">
+            <a:avLst/>
+          </a:prstGeom>
+          <a:solidFill>
+            <a:schemeClr val="tx1">
+              <a:lumMod val="75000"/>
+              <a:lumOff val="25000"/>
+            </a:schemeClr>
+          </a:solidFill>
+          <a:ln>
+            <a:noFill/>
+          </a:ln>
+        </p:spPr>
+        <p:style>
+          <a:lnRef idx="0">
+            <a:scrgbClr r="0" g="0" b="0"/>
+          </a:lnRef>
+          <a:fillRef idx="0">
+            <a:scrgbClr r="0" g="0" b="0"/>
+          </a:fillRef>
+          <a:effectRef idx="0">
+            <a:scrgbClr r="0" g="0" b="0"/>
+          </a:effectRef>
+          <a:fontRef idx="minor">
+            <a:schemeClr val="lt1"/>
+          </a:fontRef>
+        </p:style>
+        <p:txBody>
+          <a:bodyPr rtlCol="0" anchor="ctr"/>
+          <a:lstStyle/>
+          <a:p>
+            <a:pPr algn="ctr"/>
+            <a:endParaRPr lang="en-US"/>
+          </a:p>
+        </p:txBody>
+      </p:sp>
+      <p:sp>
+        <p:nvSpPr>
+          <p:cNvPr id="2" name="Title 1"/>
+          <p:cNvSpPr>
+            <a:spLocks noGrp="1"/>
+          </p:cNvSpPr>
+          <p:nvPr>
+            <p:ph type="title"/>
+          </p:nvPr>
+        </p:nvSpPr>
+        <p:spPr>
+          <a:xfrm>
+            <a:off x="482600" y="643467"/>
+            <a:ext cx="2522980" cy="1597315"/>
+          </a:xfrm>
+          <a:noFill/>
+          <a:ln w="19050">
+            <a:solidFill>
+              <a:schemeClr val="bg1"/>
+            </a:solidFill>
+          </a:ln>
+        </p:spPr>
+        <p:txBody>
+          <a:bodyPr vert="horz" wrap="square" lIns="91440" tIns="45720" rIns="91440" bIns="45720" rtlCol="0" anchor="ctr">
+            <a:normAutofit/>
+          </a:bodyPr>
+          <a:lstStyle/>
+          <a:p>
+            <a:pPr defTabSz="914400" eaLnBrk="1" hangingPunct="1">
+              <a:lnSpc>
+                <a:spcPct val="90000"/>
+              </a:lnSpc>
+            </a:pPr>
+            <a:r>
+              <a:rPr lang="en-US" sz="2400" dirty="0">
+                <a:solidFill>
+                  <a:schemeClr val="bg1"/>
+                </a:solidFill>
+                <a:ea typeface="+mj-ea"/>
+                <a:cs typeface="+mj-cs"/>
+              </a:rPr>
+              <a:t>mutate()</a:t>
+            </a:r>
+            <a:endParaRPr lang="en-US" sz="2400" kern="1200" dirty="0">
+              <a:solidFill>
+                <a:schemeClr val="bg1"/>
+              </a:solidFill>
+              <a:latin typeface="+mj-lt"/>
+              <a:ea typeface="+mj-ea"/>
+              <a:cs typeface="+mj-cs"/>
+            </a:endParaRPr>
+          </a:p>
+        </p:txBody>
+      </p:sp>
+      <p:pic>
+        <p:nvPicPr>
+          <p:cNvPr id="8" name="Picture 7">
+            <a:extLst>
+              <a:ext uri="{FF2B5EF4-FFF2-40B4-BE49-F238E27FC236}">
+                <a16:creationId xmlns:a16="http://schemas.microsoft.com/office/drawing/2014/main" id="{521D4292-9ECC-4DA5-8CC0-C561A0DA118E}"/>
+              </a:ext>
+            </a:extLst>
+          </p:cNvPr>
+          <p:cNvPicPr>
+            <a:picLocks noChangeAspect="1"/>
+          </p:cNvPicPr>
+          <p:nvPr/>
+        </p:nvPicPr>
+        <p:blipFill rotWithShape="1">
+          <a:blip r:embed="rId3"/>
+          <a:srcRect l="8000" r="9400"/>
+          <a:stretch/>
+        </p:blipFill>
+        <p:spPr>
+          <a:xfrm>
+            <a:off x="660103" y="3048000"/>
+            <a:ext cx="2167974" cy="2624666"/>
+          </a:xfrm>
+          <a:prstGeom prst="rect">
+            <a:avLst/>
+          </a:prstGeom>
+          <a:noFill/>
+        </p:spPr>
+      </p:pic>
+      <p:sp>
+        <p:nvSpPr>
+          <p:cNvPr id="3" name="TextBox 2">
+            <a:extLst>
+              <a:ext uri="{FF2B5EF4-FFF2-40B4-BE49-F238E27FC236}">
+                <a16:creationId xmlns:a16="http://schemas.microsoft.com/office/drawing/2014/main" id="{F11A48DB-9DC8-487D-B292-F37C24E1A4C6}"/>
+              </a:ext>
+            </a:extLst>
+          </p:cNvPr>
+          <p:cNvSpPr txBox="1"/>
+          <p:nvPr/>
+        </p:nvSpPr>
+        <p:spPr>
+          <a:xfrm>
+            <a:off x="3777352" y="643467"/>
+            <a:ext cx="5214248" cy="1200329"/>
+          </a:xfrm>
+          <a:prstGeom prst="rect">
+            <a:avLst/>
+          </a:prstGeom>
+          <a:noFill/>
+        </p:spPr>
+        <p:txBody>
+          <a:bodyPr wrap="square" rtlCol="0">
+            <a:spAutoFit/>
+          </a:bodyPr>
+          <a:lstStyle/>
+          <a:p>
+            <a:pPr marL="342900" indent="-342900">
+              <a:buFont typeface="Arial" panose="020B0604020202020204" pitchFamily="34" charset="0"/>
+              <a:buChar char="•"/>
+            </a:pPr>
+            <a:r>
+              <a:rPr lang="en-US" dirty="0">
+                <a:solidFill>
+                  <a:srgbClr val="404040"/>
+                </a:solidFill>
+              </a:rPr>
+              <a:t>Plethora of Examples</a:t>
+            </a:r>
+          </a:p>
+          <a:p>
+            <a:pPr marL="800100" lvl="1" indent="-342900">
+              <a:buFont typeface="Arial" panose="020B0604020202020204" pitchFamily="34" charset="0"/>
+              <a:buChar char="•"/>
+            </a:pPr>
+            <a:r>
+              <a:rPr lang="en-US" dirty="0">
+                <a:solidFill>
+                  <a:srgbClr val="404040"/>
+                </a:solidFill>
+              </a:rPr>
+              <a:t>Cumulative and Rolling Aggregates</a:t>
+            </a:r>
+          </a:p>
+        </p:txBody>
+      </p:sp>
+      <p:pic>
+        <p:nvPicPr>
+          <p:cNvPr id="4" name="Picture 3">
+            <a:extLst>
+              <a:ext uri="{FF2B5EF4-FFF2-40B4-BE49-F238E27FC236}">
+                <a16:creationId xmlns:a16="http://schemas.microsoft.com/office/drawing/2014/main" id="{4B96511D-B8D8-4148-A62A-D0777C9AB70E}"/>
+              </a:ext>
+            </a:extLst>
+          </p:cNvPr>
+          <p:cNvPicPr>
+            <a:picLocks noChangeAspect="1"/>
+          </p:cNvPicPr>
+          <p:nvPr/>
+        </p:nvPicPr>
+        <p:blipFill>
+          <a:blip r:embed="rId4"/>
+          <a:stretch>
+            <a:fillRect/>
+          </a:stretch>
+        </p:blipFill>
+        <p:spPr>
+          <a:xfrm>
+            <a:off x="4343400" y="1843796"/>
+            <a:ext cx="4419600" cy="2795954"/>
+          </a:xfrm>
+          <a:prstGeom prst="rect">
+            <a:avLst/>
+          </a:prstGeom>
+          <a:ln>
+            <a:solidFill>
+              <a:srgbClr val="404040"/>
+            </a:solidFill>
+          </a:ln>
+        </p:spPr>
+        <p:style>
+          <a:lnRef idx="2">
+            <a:schemeClr val="dk1"/>
+          </a:lnRef>
+          <a:fillRef idx="1">
+            <a:schemeClr val="lt1"/>
+          </a:fillRef>
+          <a:effectRef idx="0">
+            <a:schemeClr val="dk1"/>
+          </a:effectRef>
+          <a:fontRef idx="minor">
+            <a:schemeClr val="dk1"/>
+          </a:fontRef>
+        </p:style>
+      </p:pic>
+      <p:pic>
+        <p:nvPicPr>
+          <p:cNvPr id="5" name="Picture 4">
+            <a:extLst>
+              <a:ext uri="{FF2B5EF4-FFF2-40B4-BE49-F238E27FC236}">
+                <a16:creationId xmlns:a16="http://schemas.microsoft.com/office/drawing/2014/main" id="{D4C0631B-81F7-436E-B055-8AFE188DC0E0}"/>
+              </a:ext>
+            </a:extLst>
+          </p:cNvPr>
+          <p:cNvPicPr>
+            <a:picLocks noChangeAspect="1"/>
+          </p:cNvPicPr>
+          <p:nvPr/>
+        </p:nvPicPr>
+        <p:blipFill>
+          <a:blip r:embed="rId5"/>
+          <a:stretch>
+            <a:fillRect/>
+          </a:stretch>
+        </p:blipFill>
+        <p:spPr>
+          <a:xfrm>
+            <a:off x="5000849" y="4809480"/>
+            <a:ext cx="3099462" cy="1912787"/>
+          </a:xfrm>
+          <a:prstGeom prst="rect">
+            <a:avLst/>
+          </a:prstGeom>
+          <a:ln>
+            <a:solidFill>
+              <a:srgbClr val="404040"/>
+            </a:solidFill>
+          </a:ln>
+        </p:spPr>
+        <p:style>
+          <a:lnRef idx="2">
+            <a:schemeClr val="dk1"/>
+          </a:lnRef>
+          <a:fillRef idx="1">
+            <a:schemeClr val="lt1"/>
+          </a:fillRef>
+          <a:effectRef idx="0">
+            <a:schemeClr val="dk1"/>
+          </a:effectRef>
+          <a:fontRef idx="minor">
+            <a:schemeClr val="dk1"/>
+          </a:fontRef>
+        </p:style>
+      </p:pic>
+    </p:spTree>
+    <p:custDataLst>
+      <p:tags r:id="rId1"/>
+    </p:custDataLst>
+    <p:extLst>
+      <p:ext uri="{BB962C8B-B14F-4D97-AF65-F5344CB8AC3E}">
+        <p14:creationId xmlns:p14="http://schemas.microsoft.com/office/powerpoint/2010/main" val="3203263810"/>
       </p:ext>
     </p:extLst>
   </p:cSld>
@@ -17573,6 +18554,1036 @@
     <p:extLst>
       <p:ext uri="{BB962C8B-B14F-4D97-AF65-F5344CB8AC3E}">
         <p14:creationId xmlns:p14="http://schemas.microsoft.com/office/powerpoint/2010/main" val="2465851897"/>
+      </p:ext>
+    </p:extLst>
+  </p:cSld>
+  <p:clrMapOvr>
+    <a:masterClrMapping/>
+  </p:clrMapOvr>
+</p:sld>
+</file>
+
+<file path=ppt/slides/slide30.xml><?xml version="1.0" encoding="utf-8"?>
+<p:sld xmlns:a="http://schemas.openxmlformats.org/drawingml/2006/main" xmlns:r="http://schemas.openxmlformats.org/officeDocument/2006/relationships" xmlns:p="http://schemas.openxmlformats.org/presentationml/2006/main">
+  <p:cSld>
+    <p:bg>
+      <p:bgPr>
+        <a:solidFill>
+          <a:schemeClr val="bg1">
+            <a:lumMod val="85000"/>
+          </a:schemeClr>
+        </a:solidFill>
+        <a:effectLst/>
+      </p:bgPr>
+    </p:bg>
+    <p:spTree>
+      <p:nvGrpSpPr>
+        <p:cNvPr id="1" name=""/>
+        <p:cNvGrpSpPr/>
+        <p:nvPr/>
+      </p:nvGrpSpPr>
+      <p:grpSpPr>
+        <a:xfrm>
+          <a:off x="0" y="0"/>
+          <a:ext cx="0" cy="0"/>
+          <a:chOff x="0" y="0"/>
+          <a:chExt cx="0" cy="0"/>
+        </a:xfrm>
+      </p:grpSpPr>
+      <p:sp>
+        <p:nvSpPr>
+          <p:cNvPr id="15" name="Rectangle 12">
+            <a:extLst>
+              <a:ext uri="{FF2B5EF4-FFF2-40B4-BE49-F238E27FC236}">
+                <a16:creationId xmlns:a16="http://schemas.microsoft.com/office/drawing/2014/main" id="{867D4867-5BA7-4462-B2F6-A23F4A622AA7}"/>
+              </a:ext>
+              <a:ext uri="{C183D7F6-B498-43B3-948B-1728B52AA6E4}">
+                <adec:decorative xmlns:adec="http://schemas.microsoft.com/office/drawing/2017/decorative" val="1"/>
+              </a:ext>
+            </a:extLst>
+          </p:cNvPr>
+          <p:cNvSpPr>
+            <a:spLocks noGrp="1" noRot="1" noChangeAspect="1" noMove="1" noResize="1" noEditPoints="1" noAdjustHandles="1" noChangeArrowheads="1" noChangeShapeType="1" noTextEdit="1"/>
+          </p:cNvSpPr>
+          <p:nvPr>
+            <p:extLst>
+              <p:ext uri="{386F3935-93C4-4BCD-93E2-E3B085C9AB24}">
+                <p16:designElem xmlns:p16="http://schemas.microsoft.com/office/powerpoint/2015/main" val="1"/>
+              </p:ext>
+            </p:extLst>
+          </p:nvPr>
+        </p:nvSpPr>
+        <p:spPr>
+          <a:xfrm>
+            <a:off x="0" y="0"/>
+            <a:ext cx="3490722" cy="6858000"/>
+          </a:xfrm>
+          <a:prstGeom prst="rect">
+            <a:avLst/>
+          </a:prstGeom>
+          <a:solidFill>
+            <a:schemeClr val="tx1">
+              <a:lumMod val="75000"/>
+              <a:lumOff val="25000"/>
+            </a:schemeClr>
+          </a:solidFill>
+          <a:ln>
+            <a:noFill/>
+          </a:ln>
+        </p:spPr>
+        <p:style>
+          <a:lnRef idx="0">
+            <a:scrgbClr r="0" g="0" b="0"/>
+          </a:lnRef>
+          <a:fillRef idx="0">
+            <a:scrgbClr r="0" g="0" b="0"/>
+          </a:fillRef>
+          <a:effectRef idx="0">
+            <a:scrgbClr r="0" g="0" b="0"/>
+          </a:effectRef>
+          <a:fontRef idx="minor">
+            <a:schemeClr val="lt1"/>
+          </a:fontRef>
+        </p:style>
+        <p:txBody>
+          <a:bodyPr rtlCol="0" anchor="ctr"/>
+          <a:lstStyle/>
+          <a:p>
+            <a:pPr algn="ctr"/>
+            <a:endParaRPr lang="en-US"/>
+          </a:p>
+        </p:txBody>
+      </p:sp>
+      <p:sp>
+        <p:nvSpPr>
+          <p:cNvPr id="2" name="Title 1"/>
+          <p:cNvSpPr>
+            <a:spLocks noGrp="1"/>
+          </p:cNvSpPr>
+          <p:nvPr>
+            <p:ph type="title"/>
+          </p:nvPr>
+        </p:nvSpPr>
+        <p:spPr>
+          <a:xfrm>
+            <a:off x="482600" y="643467"/>
+            <a:ext cx="2522980" cy="1597315"/>
+          </a:xfrm>
+          <a:noFill/>
+          <a:ln w="19050">
+            <a:solidFill>
+              <a:schemeClr val="bg1"/>
+            </a:solidFill>
+          </a:ln>
+        </p:spPr>
+        <p:txBody>
+          <a:bodyPr vert="horz" wrap="square" lIns="91440" tIns="45720" rIns="91440" bIns="45720" rtlCol="0" anchor="ctr">
+            <a:normAutofit/>
+          </a:bodyPr>
+          <a:lstStyle/>
+          <a:p>
+            <a:pPr defTabSz="914400" eaLnBrk="1" hangingPunct="1">
+              <a:lnSpc>
+                <a:spcPct val="90000"/>
+              </a:lnSpc>
+            </a:pPr>
+            <a:r>
+              <a:rPr lang="en-US" sz="2400" dirty="0">
+                <a:solidFill>
+                  <a:schemeClr val="bg1"/>
+                </a:solidFill>
+                <a:ea typeface="+mj-ea"/>
+                <a:cs typeface="+mj-cs"/>
+              </a:rPr>
+              <a:t>mutate()</a:t>
+            </a:r>
+            <a:endParaRPr lang="en-US" sz="2400" kern="1200" dirty="0">
+              <a:solidFill>
+                <a:schemeClr val="bg1"/>
+              </a:solidFill>
+              <a:latin typeface="+mj-lt"/>
+              <a:ea typeface="+mj-ea"/>
+              <a:cs typeface="+mj-cs"/>
+            </a:endParaRPr>
+          </a:p>
+        </p:txBody>
+      </p:sp>
+      <p:pic>
+        <p:nvPicPr>
+          <p:cNvPr id="8" name="Picture 7">
+            <a:extLst>
+              <a:ext uri="{FF2B5EF4-FFF2-40B4-BE49-F238E27FC236}">
+                <a16:creationId xmlns:a16="http://schemas.microsoft.com/office/drawing/2014/main" id="{521D4292-9ECC-4DA5-8CC0-C561A0DA118E}"/>
+              </a:ext>
+            </a:extLst>
+          </p:cNvPr>
+          <p:cNvPicPr>
+            <a:picLocks noChangeAspect="1"/>
+          </p:cNvPicPr>
+          <p:nvPr/>
+        </p:nvPicPr>
+        <p:blipFill rotWithShape="1">
+          <a:blip r:embed="rId3"/>
+          <a:srcRect l="8000" r="9400"/>
+          <a:stretch/>
+        </p:blipFill>
+        <p:spPr>
+          <a:xfrm>
+            <a:off x="660103" y="3048000"/>
+            <a:ext cx="2167974" cy="2624666"/>
+          </a:xfrm>
+          <a:prstGeom prst="rect">
+            <a:avLst/>
+          </a:prstGeom>
+          <a:noFill/>
+        </p:spPr>
+      </p:pic>
+      <p:sp>
+        <p:nvSpPr>
+          <p:cNvPr id="3" name="TextBox 2">
+            <a:extLst>
+              <a:ext uri="{FF2B5EF4-FFF2-40B4-BE49-F238E27FC236}">
+                <a16:creationId xmlns:a16="http://schemas.microsoft.com/office/drawing/2014/main" id="{F11A48DB-9DC8-487D-B292-F37C24E1A4C6}"/>
+              </a:ext>
+            </a:extLst>
+          </p:cNvPr>
+          <p:cNvSpPr txBox="1"/>
+          <p:nvPr/>
+        </p:nvSpPr>
+        <p:spPr>
+          <a:xfrm>
+            <a:off x="3777352" y="643467"/>
+            <a:ext cx="5214248" cy="830997"/>
+          </a:xfrm>
+          <a:prstGeom prst="rect">
+            <a:avLst/>
+          </a:prstGeom>
+          <a:noFill/>
+        </p:spPr>
+        <p:txBody>
+          <a:bodyPr wrap="square" rtlCol="0">
+            <a:spAutoFit/>
+          </a:bodyPr>
+          <a:lstStyle/>
+          <a:p>
+            <a:pPr marL="342900" indent="-342900">
+              <a:buFont typeface="Arial" panose="020B0604020202020204" pitchFamily="34" charset="0"/>
+              <a:buChar char="•"/>
+            </a:pPr>
+            <a:r>
+              <a:rPr lang="en-US" dirty="0">
+                <a:solidFill>
+                  <a:srgbClr val="404040"/>
+                </a:solidFill>
+              </a:rPr>
+              <a:t>Plethora of Examples</a:t>
+            </a:r>
+          </a:p>
+          <a:p>
+            <a:pPr marL="800100" lvl="1" indent="-342900">
+              <a:buFont typeface="Arial" panose="020B0604020202020204" pitchFamily="34" charset="0"/>
+              <a:buChar char="•"/>
+            </a:pPr>
+            <a:r>
+              <a:rPr lang="en-US" dirty="0">
+                <a:solidFill>
+                  <a:srgbClr val="404040"/>
+                </a:solidFill>
+              </a:rPr>
+              <a:t>Ranking</a:t>
+            </a:r>
+          </a:p>
+        </p:txBody>
+      </p:sp>
+      <p:pic>
+        <p:nvPicPr>
+          <p:cNvPr id="6" name="Picture 5">
+            <a:extLst>
+              <a:ext uri="{FF2B5EF4-FFF2-40B4-BE49-F238E27FC236}">
+                <a16:creationId xmlns:a16="http://schemas.microsoft.com/office/drawing/2014/main" id="{0A9D0ADC-55AF-4022-AC5A-3E089A2E7F65}"/>
+              </a:ext>
+            </a:extLst>
+          </p:cNvPr>
+          <p:cNvPicPr>
+            <a:picLocks noChangeAspect="1"/>
+          </p:cNvPicPr>
+          <p:nvPr/>
+        </p:nvPicPr>
+        <p:blipFill>
+          <a:blip r:embed="rId4"/>
+          <a:stretch>
+            <a:fillRect/>
+          </a:stretch>
+        </p:blipFill>
+        <p:spPr>
+          <a:xfrm>
+            <a:off x="3832882" y="1485428"/>
+            <a:ext cx="2561471" cy="3767666"/>
+          </a:xfrm>
+          <a:prstGeom prst="rect">
+            <a:avLst/>
+          </a:prstGeom>
+          <a:ln>
+            <a:solidFill>
+              <a:srgbClr val="404040"/>
+            </a:solidFill>
+          </a:ln>
+        </p:spPr>
+        <p:style>
+          <a:lnRef idx="2">
+            <a:schemeClr val="dk1"/>
+          </a:lnRef>
+          <a:fillRef idx="1">
+            <a:schemeClr val="lt1"/>
+          </a:fillRef>
+          <a:effectRef idx="0">
+            <a:schemeClr val="dk1"/>
+          </a:effectRef>
+          <a:fontRef idx="minor">
+            <a:schemeClr val="dk1"/>
+          </a:fontRef>
+        </p:style>
+      </p:pic>
+      <p:pic>
+        <p:nvPicPr>
+          <p:cNvPr id="7" name="Picture 6">
+            <a:extLst>
+              <a:ext uri="{FF2B5EF4-FFF2-40B4-BE49-F238E27FC236}">
+                <a16:creationId xmlns:a16="http://schemas.microsoft.com/office/drawing/2014/main" id="{76C27CE3-315C-4663-9593-D1B7AE583199}"/>
+              </a:ext>
+            </a:extLst>
+          </p:cNvPr>
+          <p:cNvPicPr>
+            <a:picLocks noChangeAspect="1"/>
+          </p:cNvPicPr>
+          <p:nvPr/>
+        </p:nvPicPr>
+        <p:blipFill>
+          <a:blip r:embed="rId5"/>
+          <a:stretch>
+            <a:fillRect/>
+          </a:stretch>
+        </p:blipFill>
+        <p:spPr>
+          <a:xfrm>
+            <a:off x="5928617" y="2428824"/>
+            <a:ext cx="2910584" cy="1839327"/>
+          </a:xfrm>
+          <a:prstGeom prst="rect">
+            <a:avLst/>
+          </a:prstGeom>
+          <a:ln>
+            <a:solidFill>
+              <a:srgbClr val="404040"/>
+            </a:solidFill>
+          </a:ln>
+        </p:spPr>
+        <p:style>
+          <a:lnRef idx="2">
+            <a:schemeClr val="dk1"/>
+          </a:lnRef>
+          <a:fillRef idx="1">
+            <a:schemeClr val="lt1"/>
+          </a:fillRef>
+          <a:effectRef idx="0">
+            <a:schemeClr val="dk1"/>
+          </a:effectRef>
+          <a:fontRef idx="minor">
+            <a:schemeClr val="dk1"/>
+          </a:fontRef>
+        </p:style>
+      </p:pic>
+    </p:spTree>
+    <p:custDataLst>
+      <p:tags r:id="rId1"/>
+    </p:custDataLst>
+    <p:extLst>
+      <p:ext uri="{BB962C8B-B14F-4D97-AF65-F5344CB8AC3E}">
+        <p14:creationId xmlns:p14="http://schemas.microsoft.com/office/powerpoint/2010/main" val="346470341"/>
+      </p:ext>
+    </p:extLst>
+  </p:cSld>
+  <p:clrMapOvr>
+    <a:masterClrMapping/>
+  </p:clrMapOvr>
+</p:sld>
+</file>
+
+<file path=ppt/slides/slide31.xml><?xml version="1.0" encoding="utf-8"?>
+<p:sld xmlns:a="http://schemas.openxmlformats.org/drawingml/2006/main" xmlns:r="http://schemas.openxmlformats.org/officeDocument/2006/relationships" xmlns:p="http://schemas.openxmlformats.org/presentationml/2006/main">
+  <p:cSld>
+    <p:bg>
+      <p:bgPr>
+        <a:solidFill>
+          <a:schemeClr val="bg1">
+            <a:lumMod val="85000"/>
+          </a:schemeClr>
+        </a:solidFill>
+        <a:effectLst/>
+      </p:bgPr>
+    </p:bg>
+    <p:spTree>
+      <p:nvGrpSpPr>
+        <p:cNvPr id="1" name=""/>
+        <p:cNvGrpSpPr/>
+        <p:nvPr/>
+      </p:nvGrpSpPr>
+      <p:grpSpPr>
+        <a:xfrm>
+          <a:off x="0" y="0"/>
+          <a:ext cx="0" cy="0"/>
+          <a:chOff x="0" y="0"/>
+          <a:chExt cx="0" cy="0"/>
+        </a:xfrm>
+      </p:grpSpPr>
+      <p:sp>
+        <p:nvSpPr>
+          <p:cNvPr id="15" name="Rectangle 12">
+            <a:extLst>
+              <a:ext uri="{FF2B5EF4-FFF2-40B4-BE49-F238E27FC236}">
+                <a16:creationId xmlns:a16="http://schemas.microsoft.com/office/drawing/2014/main" id="{867D4867-5BA7-4462-B2F6-A23F4A622AA7}"/>
+              </a:ext>
+              <a:ext uri="{C183D7F6-B498-43B3-948B-1728B52AA6E4}">
+                <adec:decorative xmlns:adec="http://schemas.microsoft.com/office/drawing/2017/decorative" val="1"/>
+              </a:ext>
+            </a:extLst>
+          </p:cNvPr>
+          <p:cNvSpPr>
+            <a:spLocks noGrp="1" noRot="1" noChangeAspect="1" noMove="1" noResize="1" noEditPoints="1" noAdjustHandles="1" noChangeArrowheads="1" noChangeShapeType="1" noTextEdit="1"/>
+          </p:cNvSpPr>
+          <p:nvPr>
+            <p:extLst>
+              <p:ext uri="{386F3935-93C4-4BCD-93E2-E3B085C9AB24}">
+                <p16:designElem xmlns:p16="http://schemas.microsoft.com/office/powerpoint/2015/main" val="1"/>
+              </p:ext>
+            </p:extLst>
+          </p:nvPr>
+        </p:nvSpPr>
+        <p:spPr>
+          <a:xfrm>
+            <a:off x="0" y="0"/>
+            <a:ext cx="3490722" cy="6858000"/>
+          </a:xfrm>
+          <a:prstGeom prst="rect">
+            <a:avLst/>
+          </a:prstGeom>
+          <a:solidFill>
+            <a:schemeClr val="tx1">
+              <a:lumMod val="75000"/>
+              <a:lumOff val="25000"/>
+            </a:schemeClr>
+          </a:solidFill>
+          <a:ln>
+            <a:noFill/>
+          </a:ln>
+        </p:spPr>
+        <p:style>
+          <a:lnRef idx="0">
+            <a:scrgbClr r="0" g="0" b="0"/>
+          </a:lnRef>
+          <a:fillRef idx="0">
+            <a:scrgbClr r="0" g="0" b="0"/>
+          </a:fillRef>
+          <a:effectRef idx="0">
+            <a:scrgbClr r="0" g="0" b="0"/>
+          </a:effectRef>
+          <a:fontRef idx="minor">
+            <a:schemeClr val="lt1"/>
+          </a:fontRef>
+        </p:style>
+        <p:txBody>
+          <a:bodyPr rtlCol="0" anchor="ctr"/>
+          <a:lstStyle/>
+          <a:p>
+            <a:pPr algn="ctr"/>
+            <a:endParaRPr lang="en-US"/>
+          </a:p>
+        </p:txBody>
+      </p:sp>
+      <p:sp>
+        <p:nvSpPr>
+          <p:cNvPr id="2" name="Title 1"/>
+          <p:cNvSpPr>
+            <a:spLocks noGrp="1"/>
+          </p:cNvSpPr>
+          <p:nvPr>
+            <p:ph type="title"/>
+          </p:nvPr>
+        </p:nvSpPr>
+        <p:spPr>
+          <a:xfrm>
+            <a:off x="482600" y="643467"/>
+            <a:ext cx="2522980" cy="1597315"/>
+          </a:xfrm>
+          <a:noFill/>
+          <a:ln w="19050">
+            <a:solidFill>
+              <a:schemeClr val="bg1"/>
+            </a:solidFill>
+          </a:ln>
+        </p:spPr>
+        <p:txBody>
+          <a:bodyPr vert="horz" wrap="square" lIns="91440" tIns="45720" rIns="91440" bIns="45720" rtlCol="0" anchor="ctr">
+            <a:normAutofit/>
+          </a:bodyPr>
+          <a:lstStyle/>
+          <a:p>
+            <a:pPr defTabSz="914400" eaLnBrk="1" hangingPunct="1">
+              <a:lnSpc>
+                <a:spcPct val="90000"/>
+              </a:lnSpc>
+            </a:pPr>
+            <a:r>
+              <a:rPr lang="en-US" sz="2400" kern="1200" dirty="0">
+                <a:solidFill>
+                  <a:schemeClr val="bg1"/>
+                </a:solidFill>
+                <a:latin typeface="+mj-lt"/>
+                <a:ea typeface="+mj-ea"/>
+                <a:cs typeface="+mj-cs"/>
+              </a:rPr>
+              <a:t>Closing</a:t>
+            </a:r>
+            <a:r>
+              <a:rPr lang="en-US" sz="2400" dirty="0">
+                <a:solidFill>
+                  <a:schemeClr val="bg1"/>
+                </a:solidFill>
+                <a:ea typeface="+mj-ea"/>
+                <a:cs typeface="+mj-cs"/>
+              </a:rPr>
+              <a:t>?</a:t>
+            </a:r>
+            <a:endParaRPr lang="en-US" sz="2400" kern="1200" dirty="0">
+              <a:solidFill>
+                <a:schemeClr val="bg1"/>
+              </a:solidFill>
+              <a:latin typeface="+mj-lt"/>
+              <a:ea typeface="+mj-ea"/>
+              <a:cs typeface="+mj-cs"/>
+            </a:endParaRPr>
+          </a:p>
+        </p:txBody>
+      </p:sp>
+      <p:pic>
+        <p:nvPicPr>
+          <p:cNvPr id="8" name="Picture 7">
+            <a:extLst>
+              <a:ext uri="{FF2B5EF4-FFF2-40B4-BE49-F238E27FC236}">
+                <a16:creationId xmlns:a16="http://schemas.microsoft.com/office/drawing/2014/main" id="{521D4292-9ECC-4DA5-8CC0-C561A0DA118E}"/>
+              </a:ext>
+            </a:extLst>
+          </p:cNvPr>
+          <p:cNvPicPr>
+            <a:picLocks noChangeAspect="1"/>
+          </p:cNvPicPr>
+          <p:nvPr/>
+        </p:nvPicPr>
+        <p:blipFill rotWithShape="1">
+          <a:blip r:embed="rId3"/>
+          <a:srcRect l="8000" r="9400"/>
+          <a:stretch/>
+        </p:blipFill>
+        <p:spPr>
+          <a:xfrm>
+            <a:off x="660103" y="3048000"/>
+            <a:ext cx="2167974" cy="2624666"/>
+          </a:xfrm>
+          <a:prstGeom prst="rect">
+            <a:avLst/>
+          </a:prstGeom>
+          <a:noFill/>
+        </p:spPr>
+      </p:pic>
+      <p:sp>
+        <p:nvSpPr>
+          <p:cNvPr id="7" name="Content Placeholder 2">
+            <a:extLst>
+              <a:ext uri="{FF2B5EF4-FFF2-40B4-BE49-F238E27FC236}">
+                <a16:creationId xmlns:a16="http://schemas.microsoft.com/office/drawing/2014/main" id="{8FE51533-15BE-453E-90FE-08298901BC34}"/>
+              </a:ext>
+            </a:extLst>
+          </p:cNvPr>
+          <p:cNvSpPr txBox="1">
+            <a:spLocks/>
+          </p:cNvSpPr>
+          <p:nvPr/>
+        </p:nvSpPr>
+        <p:spPr bwMode="auto">
+          <a:xfrm>
+            <a:off x="3810000" y="643466"/>
+            <a:ext cx="4851400" cy="5833533"/>
+          </a:xfrm>
+          <a:prstGeom prst="rect">
+            <a:avLst/>
+          </a:prstGeom>
+        </p:spPr>
+        <p:txBody>
+          <a:bodyPr vert="horz" lIns="91440" tIns="45720" rIns="91440" bIns="45720" numCol="1" rtlCol="0" anchorCtr="0" compatLnSpc="1">
+            <a:prstTxWarp prst="textNoShape">
+              <a:avLst/>
+            </a:prstTxWarp>
+            <a:noAutofit/>
+          </a:bodyPr>
+          <a:lstStyle>
+            <a:lvl1pPr marL="342900" indent="-342900" algn="l" defTabSz="457200" rtl="0" eaLnBrk="0" fontAlgn="base" hangingPunct="0">
+              <a:spcBef>
+                <a:spcPct val="20000"/>
+              </a:spcBef>
+              <a:spcAft>
+                <a:spcPct val="0"/>
+              </a:spcAft>
+              <a:buFont typeface="Arial" charset="0"/>
+              <a:buChar char="•"/>
+              <a:defRPr sz="3200" kern="1200">
+                <a:solidFill>
+                  <a:schemeClr val="tx1"/>
+                </a:solidFill>
+                <a:latin typeface="+mn-lt"/>
+                <a:ea typeface="ＭＳ Ｐゴシック" pitchFamily="-109" charset="-128"/>
+                <a:cs typeface="ＭＳ Ｐゴシック" pitchFamily="-109" charset="-128"/>
+              </a:defRPr>
+            </a:lvl1pPr>
+            <a:lvl2pPr marL="742950" indent="-285750" algn="l" defTabSz="457200" rtl="0" eaLnBrk="0" fontAlgn="base" hangingPunct="0">
+              <a:spcBef>
+                <a:spcPct val="20000"/>
+              </a:spcBef>
+              <a:spcAft>
+                <a:spcPct val="0"/>
+              </a:spcAft>
+              <a:buFont typeface="Arial" charset="0"/>
+              <a:buChar char="–"/>
+              <a:defRPr sz="2800" kern="1200">
+                <a:solidFill>
+                  <a:schemeClr val="tx1"/>
+                </a:solidFill>
+                <a:latin typeface="+mn-lt"/>
+                <a:ea typeface="ＭＳ Ｐゴシック" pitchFamily="-109" charset="-128"/>
+                <a:cs typeface="+mn-cs"/>
+              </a:defRPr>
+            </a:lvl2pPr>
+            <a:lvl3pPr marL="1143000" indent="-228600" algn="l" defTabSz="457200" rtl="0" eaLnBrk="0" fontAlgn="base" hangingPunct="0">
+              <a:spcBef>
+                <a:spcPct val="20000"/>
+              </a:spcBef>
+              <a:spcAft>
+                <a:spcPct val="0"/>
+              </a:spcAft>
+              <a:buFont typeface="Arial" charset="0"/>
+              <a:buChar char="•"/>
+              <a:defRPr sz="2400" kern="1200">
+                <a:solidFill>
+                  <a:schemeClr val="tx1"/>
+                </a:solidFill>
+                <a:latin typeface="+mn-lt"/>
+                <a:ea typeface="ＭＳ Ｐゴシック" pitchFamily="-109" charset="-128"/>
+                <a:cs typeface="+mn-cs"/>
+              </a:defRPr>
+            </a:lvl3pPr>
+            <a:lvl4pPr marL="1600200" indent="-228600" algn="l" defTabSz="457200" rtl="0" eaLnBrk="0" fontAlgn="base" hangingPunct="0">
+              <a:spcBef>
+                <a:spcPct val="20000"/>
+              </a:spcBef>
+              <a:spcAft>
+                <a:spcPct val="0"/>
+              </a:spcAft>
+              <a:buFont typeface="Arial" charset="0"/>
+              <a:buChar char="–"/>
+              <a:defRPr sz="2000" kern="1200">
+                <a:solidFill>
+                  <a:schemeClr val="tx1"/>
+                </a:solidFill>
+                <a:latin typeface="+mn-lt"/>
+                <a:ea typeface="ＭＳ Ｐゴシック" pitchFamily="-109" charset="-128"/>
+                <a:cs typeface="+mn-cs"/>
+              </a:defRPr>
+            </a:lvl4pPr>
+            <a:lvl5pPr marL="2057400" indent="-228600" algn="l" defTabSz="457200" rtl="0" eaLnBrk="0" fontAlgn="base" hangingPunct="0">
+              <a:spcBef>
+                <a:spcPct val="20000"/>
+              </a:spcBef>
+              <a:spcAft>
+                <a:spcPct val="0"/>
+              </a:spcAft>
+              <a:buFont typeface="Arial" charset="0"/>
+              <a:buChar char="»"/>
+              <a:defRPr sz="2000" kern="1200">
+                <a:solidFill>
+                  <a:schemeClr val="tx1"/>
+                </a:solidFill>
+                <a:latin typeface="+mn-lt"/>
+                <a:ea typeface="ＭＳ Ｐゴシック" pitchFamily="-109" charset="-128"/>
+                <a:cs typeface="+mn-cs"/>
+              </a:defRPr>
+            </a:lvl5pPr>
+            <a:lvl6pPr marL="2514600" indent="-228600" algn="l" defTabSz="457200" rtl="0" eaLnBrk="1" latinLnBrk="0" hangingPunct="1">
+              <a:spcBef>
+                <a:spcPct val="20000"/>
+              </a:spcBef>
+              <a:buFont typeface="Arial"/>
+              <a:buChar char="•"/>
+              <a:defRPr sz="2000" kern="1200">
+                <a:solidFill>
+                  <a:schemeClr val="tx1"/>
+                </a:solidFill>
+                <a:latin typeface="+mn-lt"/>
+                <a:ea typeface="+mn-ea"/>
+                <a:cs typeface="+mn-cs"/>
+              </a:defRPr>
+            </a:lvl6pPr>
+            <a:lvl7pPr marL="2971800" indent="-228600" algn="l" defTabSz="457200" rtl="0" eaLnBrk="1" latinLnBrk="0" hangingPunct="1">
+              <a:spcBef>
+                <a:spcPct val="20000"/>
+              </a:spcBef>
+              <a:buFont typeface="Arial"/>
+              <a:buChar char="•"/>
+              <a:defRPr sz="2000" kern="1200">
+                <a:solidFill>
+                  <a:schemeClr val="tx1"/>
+                </a:solidFill>
+                <a:latin typeface="+mn-lt"/>
+                <a:ea typeface="+mn-ea"/>
+                <a:cs typeface="+mn-cs"/>
+              </a:defRPr>
+            </a:lvl7pPr>
+            <a:lvl8pPr marL="3429000" indent="-228600" algn="l" defTabSz="457200" rtl="0" eaLnBrk="1" latinLnBrk="0" hangingPunct="1">
+              <a:spcBef>
+                <a:spcPct val="20000"/>
+              </a:spcBef>
+              <a:buFont typeface="Arial"/>
+              <a:buChar char="•"/>
+              <a:defRPr sz="2000" kern="1200">
+                <a:solidFill>
+                  <a:schemeClr val="tx1"/>
+                </a:solidFill>
+                <a:latin typeface="+mn-lt"/>
+                <a:ea typeface="+mn-ea"/>
+                <a:cs typeface="+mn-cs"/>
+              </a:defRPr>
+            </a:lvl8pPr>
+            <a:lvl9pPr marL="3886200" indent="-228600" algn="l" defTabSz="457200" rtl="0" eaLnBrk="1" latinLnBrk="0" hangingPunct="1">
+              <a:spcBef>
+                <a:spcPct val="20000"/>
+              </a:spcBef>
+              <a:buFont typeface="Arial"/>
+              <a:buChar char="•"/>
+              <a:defRPr sz="2000" kern="1200">
+                <a:solidFill>
+                  <a:schemeClr val="tx1"/>
+                </a:solidFill>
+                <a:latin typeface="+mn-lt"/>
+                <a:ea typeface="+mn-ea"/>
+                <a:cs typeface="+mn-cs"/>
+              </a:defRPr>
+            </a:lvl9pPr>
+          </a:lstStyle>
+          <a:p>
+            <a:pPr indent="-228600" defTabSz="914400" eaLnBrk="1" hangingPunct="1">
+              <a:lnSpc>
+                <a:spcPct val="90000"/>
+              </a:lnSpc>
+              <a:buFont typeface="Arial" panose="020B0604020202020204" pitchFamily="34" charset="0"/>
+              <a:buChar char="•"/>
+            </a:pPr>
+            <a:endParaRPr lang="en-US" sz="2000" dirty="0">
+              <a:solidFill>
+                <a:srgbClr val="404040"/>
+              </a:solidFill>
+              <a:ea typeface="+mn-ea"/>
+              <a:cs typeface="+mn-cs"/>
+            </a:endParaRPr>
+          </a:p>
+          <a:p>
+            <a:pPr indent="-228600" defTabSz="914400" eaLnBrk="1" hangingPunct="1">
+              <a:lnSpc>
+                <a:spcPct val="90000"/>
+              </a:lnSpc>
+              <a:buFont typeface="Arial" panose="020B0604020202020204" pitchFamily="34" charset="0"/>
+              <a:buChar char="•"/>
+            </a:pPr>
+            <a:endParaRPr lang="en-US" sz="2000" dirty="0">
+              <a:solidFill>
+                <a:srgbClr val="404040"/>
+              </a:solidFill>
+              <a:ea typeface="+mn-ea"/>
+              <a:cs typeface="+mn-cs"/>
+            </a:endParaRPr>
+          </a:p>
+        </p:txBody>
+      </p:sp>
+      <p:sp>
+        <p:nvSpPr>
+          <p:cNvPr id="10" name="Content Placeholder 2">
+            <a:extLst>
+              <a:ext uri="{FF2B5EF4-FFF2-40B4-BE49-F238E27FC236}">
+                <a16:creationId xmlns:a16="http://schemas.microsoft.com/office/drawing/2014/main" id="{10754C74-871F-42E2-A79F-10B9CCA16CD5}"/>
+              </a:ext>
+            </a:extLst>
+          </p:cNvPr>
+          <p:cNvSpPr txBox="1">
+            <a:spLocks/>
+          </p:cNvSpPr>
+          <p:nvPr/>
+        </p:nvSpPr>
+        <p:spPr bwMode="auto">
+          <a:xfrm>
+            <a:off x="3973322" y="643466"/>
+            <a:ext cx="4851400" cy="5953916"/>
+          </a:xfrm>
+          <a:prstGeom prst="rect">
+            <a:avLst/>
+          </a:prstGeom>
+        </p:spPr>
+        <p:txBody>
+          <a:bodyPr vert="horz" lIns="91440" tIns="45720" rIns="91440" bIns="45720" numCol="1" rtlCol="0" anchorCtr="0" compatLnSpc="1">
+            <a:prstTxWarp prst="textNoShape">
+              <a:avLst/>
+            </a:prstTxWarp>
+            <a:noAutofit/>
+          </a:bodyPr>
+          <a:lstStyle>
+            <a:lvl1pPr marL="342900" indent="-342900" algn="l" defTabSz="457200" rtl="0" eaLnBrk="0" fontAlgn="base" hangingPunct="0">
+              <a:spcBef>
+                <a:spcPct val="20000"/>
+              </a:spcBef>
+              <a:spcAft>
+                <a:spcPct val="0"/>
+              </a:spcAft>
+              <a:buFont typeface="Arial" charset="0"/>
+              <a:buChar char="•"/>
+              <a:defRPr sz="3200" kern="1200">
+                <a:solidFill>
+                  <a:schemeClr val="tx1"/>
+                </a:solidFill>
+                <a:latin typeface="+mn-lt"/>
+                <a:ea typeface="ＭＳ Ｐゴシック" pitchFamily="-109" charset="-128"/>
+                <a:cs typeface="ＭＳ Ｐゴシック" pitchFamily="-109" charset="-128"/>
+              </a:defRPr>
+            </a:lvl1pPr>
+            <a:lvl2pPr marL="742950" indent="-285750" algn="l" defTabSz="457200" rtl="0" eaLnBrk="0" fontAlgn="base" hangingPunct="0">
+              <a:spcBef>
+                <a:spcPct val="20000"/>
+              </a:spcBef>
+              <a:spcAft>
+                <a:spcPct val="0"/>
+              </a:spcAft>
+              <a:buFont typeface="Arial" charset="0"/>
+              <a:buChar char="–"/>
+              <a:defRPr sz="2800" kern="1200">
+                <a:solidFill>
+                  <a:schemeClr val="tx1"/>
+                </a:solidFill>
+                <a:latin typeface="+mn-lt"/>
+                <a:ea typeface="ＭＳ Ｐゴシック" pitchFamily="-109" charset="-128"/>
+                <a:cs typeface="+mn-cs"/>
+              </a:defRPr>
+            </a:lvl2pPr>
+            <a:lvl3pPr marL="1143000" indent="-228600" algn="l" defTabSz="457200" rtl="0" eaLnBrk="0" fontAlgn="base" hangingPunct="0">
+              <a:spcBef>
+                <a:spcPct val="20000"/>
+              </a:spcBef>
+              <a:spcAft>
+                <a:spcPct val="0"/>
+              </a:spcAft>
+              <a:buFont typeface="Arial" charset="0"/>
+              <a:buChar char="•"/>
+              <a:defRPr sz="2400" kern="1200">
+                <a:solidFill>
+                  <a:schemeClr val="tx1"/>
+                </a:solidFill>
+                <a:latin typeface="+mn-lt"/>
+                <a:ea typeface="ＭＳ Ｐゴシック" pitchFamily="-109" charset="-128"/>
+                <a:cs typeface="+mn-cs"/>
+              </a:defRPr>
+            </a:lvl3pPr>
+            <a:lvl4pPr marL="1600200" indent="-228600" algn="l" defTabSz="457200" rtl="0" eaLnBrk="0" fontAlgn="base" hangingPunct="0">
+              <a:spcBef>
+                <a:spcPct val="20000"/>
+              </a:spcBef>
+              <a:spcAft>
+                <a:spcPct val="0"/>
+              </a:spcAft>
+              <a:buFont typeface="Arial" charset="0"/>
+              <a:buChar char="–"/>
+              <a:defRPr sz="2000" kern="1200">
+                <a:solidFill>
+                  <a:schemeClr val="tx1"/>
+                </a:solidFill>
+                <a:latin typeface="+mn-lt"/>
+                <a:ea typeface="ＭＳ Ｐゴシック" pitchFamily="-109" charset="-128"/>
+                <a:cs typeface="+mn-cs"/>
+              </a:defRPr>
+            </a:lvl4pPr>
+            <a:lvl5pPr marL="2057400" indent="-228600" algn="l" defTabSz="457200" rtl="0" eaLnBrk="0" fontAlgn="base" hangingPunct="0">
+              <a:spcBef>
+                <a:spcPct val="20000"/>
+              </a:spcBef>
+              <a:spcAft>
+                <a:spcPct val="0"/>
+              </a:spcAft>
+              <a:buFont typeface="Arial" charset="0"/>
+              <a:buChar char="»"/>
+              <a:defRPr sz="2000" kern="1200">
+                <a:solidFill>
+                  <a:schemeClr val="tx1"/>
+                </a:solidFill>
+                <a:latin typeface="+mn-lt"/>
+                <a:ea typeface="ＭＳ Ｐゴシック" pitchFamily="-109" charset="-128"/>
+                <a:cs typeface="+mn-cs"/>
+              </a:defRPr>
+            </a:lvl5pPr>
+            <a:lvl6pPr marL="2514600" indent="-228600" algn="l" defTabSz="457200" rtl="0" eaLnBrk="1" latinLnBrk="0" hangingPunct="1">
+              <a:spcBef>
+                <a:spcPct val="20000"/>
+              </a:spcBef>
+              <a:buFont typeface="Arial"/>
+              <a:buChar char="•"/>
+              <a:defRPr sz="2000" kern="1200">
+                <a:solidFill>
+                  <a:schemeClr val="tx1"/>
+                </a:solidFill>
+                <a:latin typeface="+mn-lt"/>
+                <a:ea typeface="+mn-ea"/>
+                <a:cs typeface="+mn-cs"/>
+              </a:defRPr>
+            </a:lvl6pPr>
+            <a:lvl7pPr marL="2971800" indent="-228600" algn="l" defTabSz="457200" rtl="0" eaLnBrk="1" latinLnBrk="0" hangingPunct="1">
+              <a:spcBef>
+                <a:spcPct val="20000"/>
+              </a:spcBef>
+              <a:buFont typeface="Arial"/>
+              <a:buChar char="•"/>
+              <a:defRPr sz="2000" kern="1200">
+                <a:solidFill>
+                  <a:schemeClr val="tx1"/>
+                </a:solidFill>
+                <a:latin typeface="+mn-lt"/>
+                <a:ea typeface="+mn-ea"/>
+                <a:cs typeface="+mn-cs"/>
+              </a:defRPr>
+            </a:lvl7pPr>
+            <a:lvl8pPr marL="3429000" indent="-228600" algn="l" defTabSz="457200" rtl="0" eaLnBrk="1" latinLnBrk="0" hangingPunct="1">
+              <a:spcBef>
+                <a:spcPct val="20000"/>
+              </a:spcBef>
+              <a:buFont typeface="Arial"/>
+              <a:buChar char="•"/>
+              <a:defRPr sz="2000" kern="1200">
+                <a:solidFill>
+                  <a:schemeClr val="tx1"/>
+                </a:solidFill>
+                <a:latin typeface="+mn-lt"/>
+                <a:ea typeface="+mn-ea"/>
+                <a:cs typeface="+mn-cs"/>
+              </a:defRPr>
+            </a:lvl8pPr>
+            <a:lvl9pPr marL="3886200" indent="-228600" algn="l" defTabSz="457200" rtl="0" eaLnBrk="1" latinLnBrk="0" hangingPunct="1">
+              <a:spcBef>
+                <a:spcPct val="20000"/>
+              </a:spcBef>
+              <a:buFont typeface="Arial"/>
+              <a:buChar char="•"/>
+              <a:defRPr sz="2000" kern="1200">
+                <a:solidFill>
+                  <a:schemeClr val="tx1"/>
+                </a:solidFill>
+                <a:latin typeface="+mn-lt"/>
+                <a:ea typeface="+mn-ea"/>
+                <a:cs typeface="+mn-cs"/>
+              </a:defRPr>
+            </a:lvl9pPr>
+          </a:lstStyle>
+          <a:p>
+            <a:pPr marL="114300" indent="0" defTabSz="914400" eaLnBrk="1" hangingPunct="1">
+              <a:lnSpc>
+                <a:spcPct val="90000"/>
+              </a:lnSpc>
+              <a:buNone/>
+            </a:pPr>
+            <a:r>
+              <a:rPr lang="en-US" sz="7200" dirty="0">
+                <a:solidFill>
+                  <a:srgbClr val="404040"/>
+                </a:solidFill>
+                <a:ea typeface="+mn-ea"/>
+                <a:cs typeface="+mn-cs"/>
+              </a:rPr>
+              <a:t>Disperse and Make Reasonable Decisions</a:t>
+            </a:r>
+          </a:p>
+          <a:p>
+            <a:pPr indent="-228600" defTabSz="914400" eaLnBrk="1" hangingPunct="1">
+              <a:lnSpc>
+                <a:spcPct val="90000"/>
+              </a:lnSpc>
+              <a:buFont typeface="Arial" panose="020B0604020202020204" pitchFamily="34" charset="0"/>
+              <a:buChar char="•"/>
+            </a:pPr>
+            <a:endParaRPr lang="en-US" sz="7200" dirty="0">
+              <a:solidFill>
+                <a:srgbClr val="404040"/>
+              </a:solidFill>
+              <a:ea typeface="+mn-ea"/>
+              <a:cs typeface="+mn-cs"/>
+            </a:endParaRPr>
+          </a:p>
+          <a:p>
+            <a:pPr indent="-228600" defTabSz="914400" eaLnBrk="1" hangingPunct="1">
+              <a:lnSpc>
+                <a:spcPct val="90000"/>
+              </a:lnSpc>
+              <a:buFont typeface="Arial" panose="020B0604020202020204" pitchFamily="34" charset="0"/>
+              <a:buChar char="•"/>
+            </a:pPr>
+            <a:endParaRPr lang="en-US" sz="7200" dirty="0">
+              <a:solidFill>
+                <a:srgbClr val="404040"/>
+              </a:solidFill>
+              <a:ea typeface="+mn-ea"/>
+              <a:cs typeface="+mn-cs"/>
+            </a:endParaRPr>
+          </a:p>
+          <a:p>
+            <a:pPr indent="-228600" defTabSz="914400" eaLnBrk="1" hangingPunct="1">
+              <a:lnSpc>
+                <a:spcPct val="90000"/>
+              </a:lnSpc>
+              <a:buFont typeface="Arial" panose="020B0604020202020204" pitchFamily="34" charset="0"/>
+              <a:buChar char="•"/>
+            </a:pPr>
+            <a:endParaRPr lang="en-US" sz="7200" dirty="0">
+              <a:solidFill>
+                <a:srgbClr val="404040"/>
+              </a:solidFill>
+              <a:ea typeface="+mn-ea"/>
+              <a:cs typeface="+mn-cs"/>
+            </a:endParaRPr>
+          </a:p>
+          <a:p>
+            <a:pPr indent="-228600" defTabSz="914400" eaLnBrk="1" hangingPunct="1">
+              <a:lnSpc>
+                <a:spcPct val="90000"/>
+              </a:lnSpc>
+              <a:buFont typeface="Arial" panose="020B0604020202020204" pitchFamily="34" charset="0"/>
+              <a:buChar char="•"/>
+            </a:pPr>
+            <a:endParaRPr lang="en-US" sz="7200" dirty="0">
+              <a:solidFill>
+                <a:srgbClr val="404040"/>
+              </a:solidFill>
+              <a:ea typeface="+mn-ea"/>
+              <a:cs typeface="+mn-cs"/>
+            </a:endParaRPr>
+          </a:p>
+        </p:txBody>
+      </p:sp>
+    </p:spTree>
+    <p:custDataLst>
+      <p:tags r:id="rId1"/>
+    </p:custDataLst>
+    <p:extLst>
+      <p:ext uri="{BB962C8B-B14F-4D97-AF65-F5344CB8AC3E}">
+        <p14:creationId xmlns:p14="http://schemas.microsoft.com/office/powerpoint/2010/main" val="3647066437"/>
       </p:ext>
     </p:extLst>
   </p:cSld>
@@ -18797,7 +20808,7 @@
                   <a:srgbClr val="404040"/>
                 </a:solidFill>
               </a:rPr>
-              <a:t>First Specify Data</a:t>
+              <a:t>First, Specify the Dataset</a:t>
             </a:r>
           </a:p>
           <a:p>
@@ -18811,7 +20822,7 @@
                   <a:srgbClr val="404040"/>
                 </a:solidFill>
               </a:rPr>
-              <a:t>Next Specify What to Do with the Data</a:t>
+              <a:t>Next, Specify What to Do with the Data</a:t>
             </a:r>
           </a:p>
           <a:p>
@@ -18825,7 +20836,7 @@
                   <a:srgbClr val="404040"/>
                 </a:solidFill>
               </a:rPr>
-              <a:t>Result is New Data</a:t>
+              <a:t>Result is a New Dataset</a:t>
             </a:r>
           </a:p>
           <a:p>
@@ -20278,7 +22289,37 @@
 </p:tagLst>
 </file>
 
+<file path=ppt/tags/tag28.xml><?xml version="1.0" encoding="utf-8"?>
+<p:tagLst xmlns:a="http://schemas.openxmlformats.org/drawingml/2006/main" xmlns:r="http://schemas.openxmlformats.org/officeDocument/2006/relationships" xmlns:p="http://schemas.openxmlformats.org/presentationml/2006/main">
+  <p:tag name="DELIMITERS" val="3.1"/>
+</p:tagLst>
+</file>
+
+<file path=ppt/tags/tag29.xml><?xml version="1.0" encoding="utf-8"?>
+<p:tagLst xmlns:a="http://schemas.openxmlformats.org/drawingml/2006/main" xmlns:r="http://schemas.openxmlformats.org/officeDocument/2006/relationships" xmlns:p="http://schemas.openxmlformats.org/presentationml/2006/main">
+  <p:tag name="DELIMITERS" val="3.1"/>
+</p:tagLst>
+</file>
+
 <file path=ppt/tags/tag3.xml><?xml version="1.0" encoding="utf-8"?>
+<p:tagLst xmlns:a="http://schemas.openxmlformats.org/drawingml/2006/main" xmlns:r="http://schemas.openxmlformats.org/officeDocument/2006/relationships" xmlns:p="http://schemas.openxmlformats.org/presentationml/2006/main">
+  <p:tag name="DELIMITERS" val="3.1"/>
+</p:tagLst>
+</file>
+
+<file path=ppt/tags/tag30.xml><?xml version="1.0" encoding="utf-8"?>
+<p:tagLst xmlns:a="http://schemas.openxmlformats.org/drawingml/2006/main" xmlns:r="http://schemas.openxmlformats.org/officeDocument/2006/relationships" xmlns:p="http://schemas.openxmlformats.org/presentationml/2006/main">
+  <p:tag name="DELIMITERS" val="3.1"/>
+</p:tagLst>
+</file>
+
+<file path=ppt/tags/tag31.xml><?xml version="1.0" encoding="utf-8"?>
+<p:tagLst xmlns:a="http://schemas.openxmlformats.org/drawingml/2006/main" xmlns:r="http://schemas.openxmlformats.org/officeDocument/2006/relationships" xmlns:p="http://schemas.openxmlformats.org/presentationml/2006/main">
+  <p:tag name="DELIMITERS" val="3.1"/>
+</p:tagLst>
+</file>
+
+<file path=ppt/tags/tag32.xml><?xml version="1.0" encoding="utf-8"?>
 <p:tagLst xmlns:a="http://schemas.openxmlformats.org/drawingml/2006/main" xmlns:r="http://schemas.openxmlformats.org/officeDocument/2006/relationships" xmlns:p="http://schemas.openxmlformats.org/presentationml/2006/main">
   <p:tag name="DELIMITERS" val="3.1"/>
 </p:tagLst>
